--- a/보고서/사용자인터페이스(나) 제안발표ppt_3code.pptx
+++ b/보고서/사용자인터페이스(나) 제안발표ppt_3code.pptx
@@ -8,13 +8,15 @@
     <p:sldId id="256" r:id="rId2"/>
     <p:sldId id="258" r:id="rId3"/>
     <p:sldId id="259" r:id="rId4"/>
-    <p:sldId id="260" r:id="rId5"/>
-    <p:sldId id="261" r:id="rId6"/>
-    <p:sldId id="264" r:id="rId7"/>
-    <p:sldId id="262" r:id="rId8"/>
-    <p:sldId id="263" r:id="rId9"/>
-    <p:sldId id="257" r:id="rId10"/>
-    <p:sldId id="265" r:id="rId11"/>
+    <p:sldId id="266" r:id="rId5"/>
+    <p:sldId id="267" r:id="rId6"/>
+    <p:sldId id="261" r:id="rId7"/>
+    <p:sldId id="268" r:id="rId8"/>
+    <p:sldId id="264" r:id="rId9"/>
+    <p:sldId id="269" r:id="rId10"/>
+    <p:sldId id="262" r:id="rId11"/>
+    <p:sldId id="263" r:id="rId12"/>
+    <p:sldId id="265" r:id="rId13"/>
   </p:sldIdLst>
   <p:sldSz cx="12192000" cy="6858000"/>
   <p:notesSz cx="6858000" cy="9144000"/>
@@ -268,7 +270,7 @@
           <a:p>
             <a:fld id="{81CFE647-D1B4-40D3-8B7A-C201E16AF312}" type="datetimeFigureOut">
               <a:rPr lang="ko-KR" altLang="en-US" smtClean="0"/>
-              <a:t>2020-10-22</a:t>
+              <a:t>2020-10-24</a:t>
             </a:fld>
             <a:endParaRPr lang="ko-KR" altLang="en-US"/>
           </a:p>
@@ -466,7 +468,7 @@
           <a:p>
             <a:fld id="{81CFE647-D1B4-40D3-8B7A-C201E16AF312}" type="datetimeFigureOut">
               <a:rPr lang="ko-KR" altLang="en-US" smtClean="0"/>
-              <a:t>2020-10-22</a:t>
+              <a:t>2020-10-24</a:t>
             </a:fld>
             <a:endParaRPr lang="ko-KR" altLang="en-US"/>
           </a:p>
@@ -674,7 +676,7 @@
           <a:p>
             <a:fld id="{81CFE647-D1B4-40D3-8B7A-C201E16AF312}" type="datetimeFigureOut">
               <a:rPr lang="ko-KR" altLang="en-US" smtClean="0"/>
-              <a:t>2020-10-22</a:t>
+              <a:t>2020-10-24</a:t>
             </a:fld>
             <a:endParaRPr lang="ko-KR" altLang="en-US"/>
           </a:p>
@@ -872,7 +874,7 @@
           <a:p>
             <a:fld id="{81CFE647-D1B4-40D3-8B7A-C201E16AF312}" type="datetimeFigureOut">
               <a:rPr lang="ko-KR" altLang="en-US" smtClean="0"/>
-              <a:t>2020-10-22</a:t>
+              <a:t>2020-10-24</a:t>
             </a:fld>
             <a:endParaRPr lang="ko-KR" altLang="en-US"/>
           </a:p>
@@ -1147,7 +1149,7 @@
           <a:p>
             <a:fld id="{81CFE647-D1B4-40D3-8B7A-C201E16AF312}" type="datetimeFigureOut">
               <a:rPr lang="ko-KR" altLang="en-US" smtClean="0"/>
-              <a:t>2020-10-22</a:t>
+              <a:t>2020-10-24</a:t>
             </a:fld>
             <a:endParaRPr lang="ko-KR" altLang="en-US"/>
           </a:p>
@@ -1412,7 +1414,7 @@
           <a:p>
             <a:fld id="{81CFE647-D1B4-40D3-8B7A-C201E16AF312}" type="datetimeFigureOut">
               <a:rPr lang="ko-KR" altLang="en-US" smtClean="0"/>
-              <a:t>2020-10-22</a:t>
+              <a:t>2020-10-24</a:t>
             </a:fld>
             <a:endParaRPr lang="ko-KR" altLang="en-US"/>
           </a:p>
@@ -1824,7 +1826,7 @@
           <a:p>
             <a:fld id="{81CFE647-D1B4-40D3-8B7A-C201E16AF312}" type="datetimeFigureOut">
               <a:rPr lang="ko-KR" altLang="en-US" smtClean="0"/>
-              <a:t>2020-10-22</a:t>
+              <a:t>2020-10-24</a:t>
             </a:fld>
             <a:endParaRPr lang="ko-KR" altLang="en-US"/>
           </a:p>
@@ -1965,7 +1967,7 @@
           <a:p>
             <a:fld id="{81CFE647-D1B4-40D3-8B7A-C201E16AF312}" type="datetimeFigureOut">
               <a:rPr lang="ko-KR" altLang="en-US" smtClean="0"/>
-              <a:t>2020-10-22</a:t>
+              <a:t>2020-10-24</a:t>
             </a:fld>
             <a:endParaRPr lang="ko-KR" altLang="en-US"/>
           </a:p>
@@ -2078,7 +2080,7 @@
           <a:p>
             <a:fld id="{81CFE647-D1B4-40D3-8B7A-C201E16AF312}" type="datetimeFigureOut">
               <a:rPr lang="ko-KR" altLang="en-US" smtClean="0"/>
-              <a:t>2020-10-22</a:t>
+              <a:t>2020-10-24</a:t>
             </a:fld>
             <a:endParaRPr lang="ko-KR" altLang="en-US"/>
           </a:p>
@@ -2389,7 +2391,7 @@
           <a:p>
             <a:fld id="{81CFE647-D1B4-40D3-8B7A-C201E16AF312}" type="datetimeFigureOut">
               <a:rPr lang="ko-KR" altLang="en-US" smtClean="0"/>
-              <a:t>2020-10-22</a:t>
+              <a:t>2020-10-24</a:t>
             </a:fld>
             <a:endParaRPr lang="ko-KR" altLang="en-US"/>
           </a:p>
@@ -2677,7 +2679,7 @@
           <a:p>
             <a:fld id="{81CFE647-D1B4-40D3-8B7A-C201E16AF312}" type="datetimeFigureOut">
               <a:rPr lang="ko-KR" altLang="en-US" smtClean="0"/>
-              <a:t>2020-10-22</a:t>
+              <a:t>2020-10-24</a:t>
             </a:fld>
             <a:endParaRPr lang="ko-KR" altLang="en-US"/>
           </a:p>
@@ -2754,9 +2756,14 @@
 <p:sldMaster xmlns:a="http://schemas.openxmlformats.org/drawingml/2006/main" xmlns:r="http://schemas.openxmlformats.org/officeDocument/2006/relationships" xmlns:p="http://schemas.openxmlformats.org/presentationml/2006/main">
   <p:cSld>
     <p:bg>
-      <p:bgRef idx="1001">
-        <a:schemeClr val="bg1"/>
-      </p:bgRef>
+      <p:bgPr>
+        <a:solidFill>
+          <a:schemeClr val="bg1">
+            <a:lumMod val="95000"/>
+          </a:schemeClr>
+        </a:solidFill>
+        <a:effectLst/>
+      </p:bgPr>
     </p:bg>
     <p:spTree>
       <p:nvGrpSpPr>
@@ -2918,7 +2925,7 @@
           <a:p>
             <a:fld id="{81CFE647-D1B4-40D3-8B7A-C201E16AF312}" type="datetimeFigureOut">
               <a:rPr lang="ko-KR" altLang="en-US" smtClean="0"/>
-              <a:t>2020-10-22</a:t>
+              <a:t>2020-10-24</a:t>
             </a:fld>
             <a:endParaRPr lang="ko-KR" altLang="en-US"/>
           </a:p>
@@ -3478,6 +3485,172 @@
           <p:cNvPr id="2" name="제목 1">
             <a:extLst>
               <a:ext uri="{FF2B5EF4-FFF2-40B4-BE49-F238E27FC236}">
+                <a16:creationId xmlns:a16="http://schemas.microsoft.com/office/drawing/2014/main" id="{D41D48DF-4037-49BC-BAE8-A2C6EBFF52A5}"/>
+              </a:ext>
+            </a:extLst>
+          </p:cNvPr>
+          <p:cNvSpPr>
+            <a:spLocks noGrp="1"/>
+          </p:cNvSpPr>
+          <p:nvPr>
+            <p:ph type="title"/>
+          </p:nvPr>
+        </p:nvSpPr>
+        <p:spPr/>
+        <p:txBody>
+          <a:bodyPr/>
+          <a:lstStyle/>
+          <a:p>
+            <a:r>
+              <a:rPr lang="ko-KR" altLang="en-US" dirty="0"/>
+              <a:t>기술분석</a:t>
+            </a:r>
+          </a:p>
+        </p:txBody>
+      </p:sp>
+      <p:sp>
+        <p:nvSpPr>
+          <p:cNvPr id="3" name="내용 개체 틀 2">
+            <a:extLst>
+              <a:ext uri="{FF2B5EF4-FFF2-40B4-BE49-F238E27FC236}">
+                <a16:creationId xmlns:a16="http://schemas.microsoft.com/office/drawing/2014/main" id="{4BCCD8EE-9FBF-40CF-AA9C-C1B64D27C7F9}"/>
+              </a:ext>
+            </a:extLst>
+          </p:cNvPr>
+          <p:cNvSpPr>
+            <a:spLocks noGrp="1"/>
+          </p:cNvSpPr>
+          <p:nvPr>
+            <p:ph idx="1"/>
+          </p:nvPr>
+        </p:nvSpPr>
+        <p:spPr/>
+        <p:txBody>
+          <a:bodyPr/>
+          <a:lstStyle/>
+          <a:p>
+            <a:endParaRPr lang="ko-KR" altLang="en-US" dirty="0"/>
+          </a:p>
+        </p:txBody>
+      </p:sp>
+    </p:spTree>
+    <p:extLst>
+      <p:ext uri="{BB962C8B-B14F-4D97-AF65-F5344CB8AC3E}">
+        <p14:creationId xmlns:p14="http://schemas.microsoft.com/office/powerpoint/2010/main" val="944522468"/>
+      </p:ext>
+    </p:extLst>
+  </p:cSld>
+  <p:clrMapOvr>
+    <a:masterClrMapping/>
+  </p:clrMapOvr>
+</p:sld>
+</file>
+
+<file path=ppt/slides/slide11.xml><?xml version="1.0" encoding="utf-8"?>
+<p:sld xmlns:a="http://schemas.openxmlformats.org/drawingml/2006/main" xmlns:r="http://schemas.openxmlformats.org/officeDocument/2006/relationships" xmlns:p="http://schemas.openxmlformats.org/presentationml/2006/main">
+  <p:cSld>
+    <p:spTree>
+      <p:nvGrpSpPr>
+        <p:cNvPr id="1" name=""/>
+        <p:cNvGrpSpPr/>
+        <p:nvPr/>
+      </p:nvGrpSpPr>
+      <p:grpSpPr>
+        <a:xfrm>
+          <a:off x="0" y="0"/>
+          <a:ext cx="0" cy="0"/>
+          <a:chOff x="0" y="0"/>
+          <a:chExt cx="0" cy="0"/>
+        </a:xfrm>
+      </p:grpSpPr>
+      <p:sp>
+        <p:nvSpPr>
+          <p:cNvPr id="2" name="제목 1">
+            <a:extLst>
+              <a:ext uri="{FF2B5EF4-FFF2-40B4-BE49-F238E27FC236}">
+                <a16:creationId xmlns:a16="http://schemas.microsoft.com/office/drawing/2014/main" id="{01675B1D-BA3F-4C9E-A982-25BE10855BC3}"/>
+              </a:ext>
+            </a:extLst>
+          </p:cNvPr>
+          <p:cNvSpPr>
+            <a:spLocks noGrp="1"/>
+          </p:cNvSpPr>
+          <p:nvPr>
+            <p:ph type="title"/>
+          </p:nvPr>
+        </p:nvSpPr>
+        <p:spPr/>
+        <p:txBody>
+          <a:bodyPr/>
+          <a:lstStyle/>
+          <a:p>
+            <a:r>
+              <a:rPr lang="ko-KR" altLang="en-US" dirty="0"/>
+              <a:t>참고 라이브러리</a:t>
+            </a:r>
+          </a:p>
+        </p:txBody>
+      </p:sp>
+      <p:sp>
+        <p:nvSpPr>
+          <p:cNvPr id="3" name="내용 개체 틀 2">
+            <a:extLst>
+              <a:ext uri="{FF2B5EF4-FFF2-40B4-BE49-F238E27FC236}">
+                <a16:creationId xmlns:a16="http://schemas.microsoft.com/office/drawing/2014/main" id="{1C2188EF-D496-4F48-8F72-9F5B29AAF8A1}"/>
+              </a:ext>
+            </a:extLst>
+          </p:cNvPr>
+          <p:cNvSpPr>
+            <a:spLocks noGrp="1"/>
+          </p:cNvSpPr>
+          <p:nvPr>
+            <p:ph idx="1"/>
+          </p:nvPr>
+        </p:nvSpPr>
+        <p:spPr/>
+        <p:txBody>
+          <a:bodyPr/>
+          <a:lstStyle/>
+          <a:p>
+            <a:endParaRPr lang="ko-KR" altLang="en-US"/>
+          </a:p>
+        </p:txBody>
+      </p:sp>
+    </p:spTree>
+    <p:extLst>
+      <p:ext uri="{BB962C8B-B14F-4D97-AF65-F5344CB8AC3E}">
+        <p14:creationId xmlns:p14="http://schemas.microsoft.com/office/powerpoint/2010/main" val="3575394382"/>
+      </p:ext>
+    </p:extLst>
+  </p:cSld>
+  <p:clrMapOvr>
+    <a:masterClrMapping/>
+  </p:clrMapOvr>
+</p:sld>
+</file>
+
+<file path=ppt/slides/slide12.xml><?xml version="1.0" encoding="utf-8"?>
+<p:sld xmlns:a="http://schemas.openxmlformats.org/drawingml/2006/main" xmlns:r="http://schemas.openxmlformats.org/officeDocument/2006/relationships" xmlns:p="http://schemas.openxmlformats.org/presentationml/2006/main">
+  <p:cSld>
+    <p:spTree>
+      <p:nvGrpSpPr>
+        <p:cNvPr id="1" name=""/>
+        <p:cNvGrpSpPr/>
+        <p:nvPr/>
+      </p:nvGrpSpPr>
+      <p:grpSpPr>
+        <a:xfrm>
+          <a:off x="0" y="0"/>
+          <a:ext cx="0" cy="0"/>
+          <a:chOff x="0" y="0"/>
+          <a:chExt cx="0" cy="0"/>
+        </a:xfrm>
+      </p:grpSpPr>
+      <p:sp>
+        <p:nvSpPr>
+          <p:cNvPr id="2" name="제목 1">
+            <a:extLst>
+              <a:ext uri="{FF2B5EF4-FFF2-40B4-BE49-F238E27FC236}">
                 <a16:creationId xmlns:a16="http://schemas.microsoft.com/office/drawing/2014/main" id="{BEED4316-A34C-42A3-B982-6B8E2A97CFA1}"/>
               </a:ext>
             </a:extLst>
@@ -3525,14 +3698,14 @@
             <p:ph idx="1"/>
             <p:extLst>
               <p:ext uri="{D42A27DB-BD31-4B8C-83A1-F6EECF244321}">
-                <p14:modId xmlns:p14="http://schemas.microsoft.com/office/powerpoint/2010/main" val="998503554"/>
+                <p14:modId xmlns:p14="http://schemas.microsoft.com/office/powerpoint/2010/main" val="3786008962"/>
               </p:ext>
             </p:extLst>
           </p:nvPr>
         </p:nvGraphicFramePr>
         <p:xfrm>
           <a:off x="838199" y="173430"/>
-          <a:ext cx="5257801" cy="5654940"/>
+          <a:ext cx="5257801" cy="6326424"/>
         </p:xfrm>
         <a:graphic>
           <a:graphicData uri="http://schemas.openxmlformats.org/drawingml/2006/table">
@@ -3570,7 +3743,7 @@
                   </a:extLst>
                 </a:gridCol>
               </a:tblGrid>
-              <a:tr h="315420">
+              <a:tr h="373719">
                 <a:tc>
                   <a:txBody>
                     <a:bodyPr/>
@@ -3653,7 +3826,7 @@
                   </a:ext>
                 </a:extLst>
               </a:tr>
-              <a:tr h="315420">
+              <a:tr h="373719">
                 <a:tc rowSpan="2">
                   <a:txBody>
                     <a:bodyPr/>
@@ -3718,7 +3891,10 @@
                     <a:lstStyle/>
                     <a:p>
                       <a:pPr latinLnBrk="1"/>
-                      <a:endParaRPr lang="ko-KR" altLang="en-US" sz="1400" dirty="0"/>
+                      <a:r>
+                        <a:rPr lang="ko-KR" altLang="en-US" sz="1400" dirty="0"/>
+                        <a:t>김성환</a:t>
+                      </a:r>
                     </a:p>
                   </a:txBody>
                   <a:tcPr anchor="ctr"/>
@@ -3729,7 +3905,10 @@
                     <a:lstStyle/>
                     <a:p>
                       <a:pPr algn="ctr" latinLnBrk="1"/>
-                      <a:endParaRPr lang="ko-KR" altLang="en-US" sz="1400" dirty="0"/>
+                      <a:r>
+                        <a:rPr lang="ko-KR" altLang="en-US" sz="1400" dirty="0"/>
+                        <a:t>중</a:t>
+                      </a:r>
                     </a:p>
                   </a:txBody>
                   <a:tcPr anchor="ctr"/>
@@ -3740,7 +3919,7 @@
                   </a:ext>
                 </a:extLst>
               </a:tr>
-              <a:tr h="315420">
+              <a:tr h="373719">
                 <a:tc vMerge="1">
                   <a:txBody>
                     <a:bodyPr/>
@@ -3791,7 +3970,10 @@
                     <a:lstStyle/>
                     <a:p>
                       <a:pPr latinLnBrk="1"/>
-                      <a:endParaRPr lang="ko-KR" altLang="en-US" sz="1400" dirty="0"/>
+                      <a:r>
+                        <a:rPr lang="ko-KR" altLang="en-US" sz="1400" dirty="0"/>
+                        <a:t>김성환</a:t>
+                      </a:r>
                     </a:p>
                   </a:txBody>
                   <a:tcPr anchor="ctr">
@@ -3812,7 +3994,10 @@
                     <a:lstStyle/>
                     <a:p>
                       <a:pPr algn="ctr" latinLnBrk="1"/>
-                      <a:endParaRPr lang="ko-KR" altLang="en-US" sz="1400" dirty="0"/>
+                      <a:r>
+                        <a:rPr lang="ko-KR" altLang="en-US" sz="1400" dirty="0"/>
+                        <a:t>하</a:t>
+                      </a:r>
                     </a:p>
                   </a:txBody>
                   <a:tcPr anchor="ctr">
@@ -3833,7 +4018,7 @@
                   </a:ext>
                 </a:extLst>
               </a:tr>
-              <a:tr h="315420">
+              <a:tr h="373719">
                 <a:tc rowSpan="2">
                   <a:txBody>
                     <a:bodyPr/>
@@ -3915,7 +4100,10 @@
                     <a:lstStyle/>
                     <a:p>
                       <a:pPr latinLnBrk="1"/>
-                      <a:endParaRPr lang="ko-KR" altLang="en-US" sz="1400" dirty="0"/>
+                      <a:r>
+                        <a:rPr lang="ko-KR" altLang="en-US" sz="1400" dirty="0"/>
+                        <a:t>김성환</a:t>
+                      </a:r>
                     </a:p>
                   </a:txBody>
                   <a:tcPr anchor="ctr">
@@ -3936,7 +4124,10 @@
                     <a:lstStyle/>
                     <a:p>
                       <a:pPr algn="ctr" latinLnBrk="1"/>
-                      <a:endParaRPr lang="ko-KR" altLang="en-US" sz="1400" dirty="0"/>
+                      <a:r>
+                        <a:rPr lang="ko-KR" altLang="en-US" sz="1400" dirty="0"/>
+                        <a:t>하</a:t>
+                      </a:r>
                     </a:p>
                   </a:txBody>
                   <a:tcPr anchor="ctr">
@@ -3957,7 +4148,7 @@
                   </a:ext>
                 </a:extLst>
               </a:tr>
-              <a:tr h="315420">
+              <a:tr h="613932">
                 <a:tc vMerge="1">
                   <a:txBody>
                     <a:bodyPr/>
@@ -4020,7 +4211,10 @@
                     <a:lstStyle/>
                     <a:p>
                       <a:pPr latinLnBrk="1"/>
-                      <a:endParaRPr lang="ko-KR" altLang="en-US" sz="1400" dirty="0"/>
+                      <a:r>
+                        <a:rPr lang="ko-KR" altLang="en-US" sz="1400" dirty="0"/>
+                        <a:t>김성환</a:t>
+                      </a:r>
                     </a:p>
                   </a:txBody>
                   <a:tcPr anchor="ctr">
@@ -4041,7 +4235,10 @@
                     <a:lstStyle/>
                     <a:p>
                       <a:pPr algn="ctr" latinLnBrk="1"/>
-                      <a:endParaRPr lang="ko-KR" altLang="en-US" sz="1400" dirty="0"/>
+                      <a:r>
+                        <a:rPr lang="ko-KR" altLang="en-US" sz="1400" dirty="0"/>
+                        <a:t>하</a:t>
+                      </a:r>
                     </a:p>
                   </a:txBody>
                   <a:tcPr anchor="ctr">
@@ -4062,7 +4259,7 @@
                   </a:ext>
                 </a:extLst>
               </a:tr>
-              <a:tr h="315420">
+              <a:tr h="373719">
                 <a:tc rowSpan="2">
                   <a:txBody>
                     <a:bodyPr/>
@@ -4144,7 +4341,10 @@
                     <a:lstStyle/>
                     <a:p>
                       <a:pPr latinLnBrk="1"/>
-                      <a:endParaRPr lang="ko-KR" altLang="en-US" sz="1400"/>
+                      <a:r>
+                        <a:rPr lang="ko-KR" altLang="en-US" sz="1400" dirty="0"/>
+                        <a:t>주상아</a:t>
+                      </a:r>
                     </a:p>
                   </a:txBody>
                   <a:tcPr anchor="ctr">
@@ -4189,7 +4389,7 @@
                   </a:ext>
                 </a:extLst>
               </a:tr>
-              <a:tr h="315420">
+              <a:tr h="373719">
                 <a:tc vMerge="1">
                   <a:txBody>
                     <a:bodyPr/>
@@ -4240,7 +4440,10 @@
                     <a:lstStyle/>
                     <a:p>
                       <a:pPr latinLnBrk="1"/>
-                      <a:endParaRPr lang="ko-KR" altLang="en-US" sz="1400" dirty="0"/>
+                      <a:r>
+                        <a:rPr lang="ko-KR" altLang="en-US" sz="1400" dirty="0"/>
+                        <a:t>주상아</a:t>
+                      </a:r>
                     </a:p>
                   </a:txBody>
                   <a:tcPr anchor="ctr">
@@ -4285,233 +4488,8 @@
                   </a:ext>
                 </a:extLst>
               </a:tr>
-              <a:tr h="315420">
-                <a:tc rowSpan="2">
-                  <a:txBody>
-                    <a:bodyPr/>
-                    <a:lstStyle/>
-                    <a:p>
-                      <a:pPr algn="ctr" latinLnBrk="1"/>
-                      <a:r>
-                        <a:rPr lang="ko-KR" altLang="en-US" sz="1400" dirty="0"/>
-                        <a:t>설정 화면</a:t>
-                      </a:r>
-                    </a:p>
-                  </a:txBody>
-                  <a:tcPr anchor="ctr">
-                    <a:lnR w="12700" cap="flat" cmpd="sng" algn="ctr">
-                      <a:solidFill>
-                        <a:schemeClr val="tx1"/>
-                      </a:solidFill>
-                      <a:prstDash val="solid"/>
-                      <a:round/>
-                      <a:headEnd type="none" w="med" len="med"/>
-                      <a:tailEnd type="none" w="med" len="med"/>
-                    </a:lnR>
-                    <a:lnT w="12700" cap="flat" cmpd="sng" algn="ctr">
-                      <a:solidFill>
-                        <a:schemeClr val="tx1"/>
-                      </a:solidFill>
-                      <a:prstDash val="solid"/>
-                      <a:round/>
-                      <a:headEnd type="none" w="med" len="med"/>
-                      <a:tailEnd type="none" w="med" len="med"/>
-                    </a:lnT>
-                    <a:lnB w="12700" cap="flat" cmpd="sng" algn="ctr">
-                      <a:solidFill>
-                        <a:schemeClr val="tx1"/>
-                      </a:solidFill>
-                      <a:prstDash val="solid"/>
-                      <a:round/>
-                      <a:headEnd type="none" w="med" len="med"/>
-                      <a:tailEnd type="none" w="med" len="med"/>
-                    </a:lnB>
-                  </a:tcPr>
-                </a:tc>
-                <a:tc>
-                  <a:txBody>
-                    <a:bodyPr/>
-                    <a:lstStyle/>
-                    <a:p>
-                      <a:pPr latinLnBrk="1"/>
-                      <a:r>
-                        <a:rPr lang="ko-KR" altLang="en-US" sz="1400" dirty="0" err="1"/>
-                        <a:t>다크</a:t>
-                      </a:r>
-                      <a:r>
-                        <a:rPr lang="ko-KR" altLang="en-US" sz="1400"/>
-                        <a:t> 모드</a:t>
-                      </a:r>
-                      <a:endParaRPr lang="ko-KR" altLang="en-US" sz="1400" dirty="0"/>
-                    </a:p>
-                  </a:txBody>
-                  <a:tcPr anchor="ctr">
-                    <a:lnL w="12700" cap="flat" cmpd="sng" algn="ctr">
-                      <a:solidFill>
-                        <a:schemeClr val="tx1"/>
-                      </a:solidFill>
-                      <a:prstDash val="solid"/>
-                      <a:round/>
-                      <a:headEnd type="none" w="med" len="med"/>
-                      <a:tailEnd type="none" w="med" len="med"/>
-                    </a:lnL>
-                    <a:lnT w="12700" cap="flat" cmpd="sng" algn="ctr">
-                      <a:solidFill>
-                        <a:schemeClr val="tx1"/>
-                      </a:solidFill>
-                      <a:prstDash val="solid"/>
-                      <a:round/>
-                      <a:headEnd type="none" w="med" len="med"/>
-                      <a:tailEnd type="none" w="med" len="med"/>
-                    </a:lnT>
-                  </a:tcPr>
-                </a:tc>
-                <a:tc>
-                  <a:txBody>
-                    <a:bodyPr/>
-                    <a:lstStyle/>
-                    <a:p>
-                      <a:pPr latinLnBrk="1"/>
-                      <a:endParaRPr lang="ko-KR" altLang="en-US" sz="1400"/>
-                    </a:p>
-                  </a:txBody>
-                  <a:tcPr anchor="ctr">
-                    <a:lnT w="12700" cap="flat" cmpd="sng" algn="ctr">
-                      <a:solidFill>
-                        <a:schemeClr val="tx1"/>
-                      </a:solidFill>
-                      <a:prstDash val="solid"/>
-                      <a:round/>
-                      <a:headEnd type="none" w="med" len="med"/>
-                      <a:tailEnd type="none" w="med" len="med"/>
-                    </a:lnT>
-                  </a:tcPr>
-                </a:tc>
-                <a:tc>
-                  <a:txBody>
-                    <a:bodyPr/>
-                    <a:lstStyle/>
-                    <a:p>
-                      <a:pPr algn="ctr" latinLnBrk="1"/>
-                      <a:endParaRPr lang="ko-KR" altLang="en-US" sz="1400" dirty="0"/>
-                    </a:p>
-                  </a:txBody>
-                  <a:tcPr anchor="ctr">
-                    <a:lnT w="12700" cap="flat" cmpd="sng" algn="ctr">
-                      <a:solidFill>
-                        <a:schemeClr val="tx1"/>
-                      </a:solidFill>
-                      <a:prstDash val="solid"/>
-                      <a:round/>
-                      <a:headEnd type="none" w="med" len="med"/>
-                      <a:tailEnd type="none" w="med" len="med"/>
-                    </a:lnT>
-                  </a:tcPr>
-                </a:tc>
-                <a:extLst>
-                  <a:ext uri="{0D108BD9-81ED-4DB2-BD59-A6C34878D82A}">
-                    <a16:rowId xmlns:a16="http://schemas.microsoft.com/office/drawing/2014/main" val="672009577"/>
-                  </a:ext>
-                </a:extLst>
-              </a:tr>
-              <a:tr h="315420">
-                <a:tc vMerge="1">
-                  <a:txBody>
-                    <a:bodyPr/>
-                    <a:lstStyle/>
-                    <a:p>
-                      <a:pPr algn="ctr" latinLnBrk="1"/>
-                      <a:endParaRPr lang="ko-KR" altLang="en-US" dirty="0"/>
-                    </a:p>
-                  </a:txBody>
-                  <a:tcPr anchor="ctr"/>
-                </a:tc>
-                <a:tc>
-                  <a:txBody>
-                    <a:bodyPr/>
-                    <a:lstStyle/>
-                    <a:p>
-                      <a:pPr latinLnBrk="1"/>
-                      <a:r>
-                        <a:rPr lang="ko-KR" altLang="en-US" sz="1400" dirty="0"/>
-                        <a:t>동기화 기능</a:t>
-                      </a:r>
-                    </a:p>
-                  </a:txBody>
-                  <a:tcPr anchor="ctr">
-                    <a:lnL w="12700" cap="flat" cmpd="sng" algn="ctr">
-                      <a:solidFill>
-                        <a:schemeClr val="tx1"/>
-                      </a:solidFill>
-                      <a:prstDash val="solid"/>
-                      <a:round/>
-                      <a:headEnd type="none" w="med" len="med"/>
-                      <a:tailEnd type="none" w="med" len="med"/>
-                    </a:lnL>
-                    <a:lnB w="12700" cap="flat" cmpd="sng" algn="ctr">
-                      <a:solidFill>
-                        <a:schemeClr val="tx1"/>
-                      </a:solidFill>
-                      <a:prstDash val="solid"/>
-                      <a:round/>
-                      <a:headEnd type="none" w="med" len="med"/>
-                      <a:tailEnd type="none" w="med" len="med"/>
-                    </a:lnB>
-                  </a:tcPr>
-                </a:tc>
-                <a:tc>
-                  <a:txBody>
-                    <a:bodyPr/>
-                    <a:lstStyle/>
-                    <a:p>
-                      <a:pPr latinLnBrk="1"/>
-                      <a:endParaRPr lang="ko-KR" altLang="en-US" sz="1400" dirty="0"/>
-                    </a:p>
-                  </a:txBody>
-                  <a:tcPr anchor="ctr">
-                    <a:lnB w="12700" cap="flat" cmpd="sng" algn="ctr">
-                      <a:solidFill>
-                        <a:schemeClr val="tx1"/>
-                      </a:solidFill>
-                      <a:prstDash val="solid"/>
-                      <a:round/>
-                      <a:headEnd type="none" w="med" len="med"/>
-                      <a:tailEnd type="none" w="med" len="med"/>
-                    </a:lnB>
-                  </a:tcPr>
-                </a:tc>
-                <a:tc>
-                  <a:txBody>
-                    <a:bodyPr/>
-                    <a:lstStyle/>
-                    <a:p>
-                      <a:pPr algn="ctr" latinLnBrk="1"/>
-                      <a:r>
-                        <a:rPr lang="ko-KR" altLang="en-US" sz="1400" dirty="0"/>
-                        <a:t>상</a:t>
-                      </a:r>
-                    </a:p>
-                  </a:txBody>
-                  <a:tcPr anchor="ctr">
-                    <a:lnB w="12700" cap="flat" cmpd="sng" algn="ctr">
-                      <a:solidFill>
-                        <a:schemeClr val="tx1"/>
-                      </a:solidFill>
-                      <a:prstDash val="solid"/>
-                      <a:round/>
-                      <a:headEnd type="none" w="med" len="med"/>
-                      <a:tailEnd type="none" w="med" len="med"/>
-                    </a:lnB>
-                  </a:tcPr>
-                </a:tc>
-                <a:extLst>
-                  <a:ext uri="{0D108BD9-81ED-4DB2-BD59-A6C34878D82A}">
-                    <a16:rowId xmlns:a16="http://schemas.microsoft.com/office/drawing/2014/main" val="2549400428"/>
-                  </a:ext>
-                </a:extLst>
-              </a:tr>
-              <a:tr h="315420">
-                <a:tc rowSpan="7">
+              <a:tr h="373719">
+                <a:tc rowSpan="8">
                   <a:txBody>
                     <a:bodyPr/>
                     <a:lstStyle/>
@@ -4592,7 +4570,10 @@
                     <a:lstStyle/>
                     <a:p>
                       <a:pPr latinLnBrk="1"/>
-                      <a:endParaRPr lang="ko-KR" altLang="en-US" sz="1400" dirty="0"/>
+                      <a:r>
+                        <a:rPr lang="ko-KR" altLang="en-US" sz="1400" dirty="0"/>
+                        <a:t>주상아</a:t>
+                      </a:r>
                     </a:p>
                   </a:txBody>
                   <a:tcPr anchor="ctr">
@@ -4637,7 +4618,7 @@
                   </a:ext>
                 </a:extLst>
               </a:tr>
-              <a:tr h="315420">
+              <a:tr h="613932">
                 <a:tc vMerge="1">
                   <a:txBody>
                     <a:bodyPr/>
@@ -4708,7 +4689,10 @@
                     <a:lstStyle/>
                     <a:p>
                       <a:pPr latinLnBrk="1"/>
-                      <a:endParaRPr lang="ko-KR" altLang="en-US" sz="1400"/>
+                      <a:r>
+                        <a:rPr lang="ko-KR" altLang="en-US" sz="1400" dirty="0"/>
+                        <a:t>주상아</a:t>
+                      </a:r>
                     </a:p>
                   </a:txBody>
                   <a:tcPr anchor="ctr"/>
@@ -4733,7 +4717,7 @@
                   </a:ext>
                 </a:extLst>
               </a:tr>
-              <a:tr h="315420">
+              <a:tr h="373719">
                 <a:tc vMerge="1">
                   <a:txBody>
                     <a:bodyPr/>
@@ -4775,7 +4759,10 @@
                     <a:lstStyle/>
                     <a:p>
                       <a:pPr latinLnBrk="1"/>
-                      <a:endParaRPr lang="ko-KR" altLang="en-US" sz="1400"/>
+                      <a:r>
+                        <a:rPr lang="ko-KR" altLang="en-US" sz="1400" dirty="0"/>
+                        <a:t>주상아</a:t>
+                      </a:r>
                     </a:p>
                   </a:txBody>
                   <a:tcPr anchor="ctr"/>
@@ -4800,7 +4787,7 @@
                   </a:ext>
                 </a:extLst>
               </a:tr>
-              <a:tr h="315420">
+              <a:tr h="373719">
                 <a:tc vMerge="1">
                   <a:txBody>
                     <a:bodyPr/>
@@ -4842,7 +4829,11 @@
                     <a:lstStyle/>
                     <a:p>
                       <a:pPr latinLnBrk="1"/>
-                      <a:endParaRPr lang="ko-KR" altLang="en-US" sz="1400"/>
+                      <a:r>
+                        <a:rPr lang="ko-KR" altLang="en-US" sz="1400" dirty="0" err="1"/>
+                        <a:t>오현승</a:t>
+                      </a:r>
+                      <a:endParaRPr lang="ko-KR" altLang="en-US" sz="1400" dirty="0"/>
                     </a:p>
                   </a:txBody>
                   <a:tcPr anchor="ctr"/>
@@ -4867,7 +4858,7 @@
                   </a:ext>
                 </a:extLst>
               </a:tr>
-              <a:tr h="315420">
+              <a:tr h="373719">
                 <a:tc vMerge="1">
                   <a:txBody>
                     <a:bodyPr/>
@@ -4909,7 +4900,11 @@
                     <a:lstStyle/>
                     <a:p>
                       <a:pPr latinLnBrk="1"/>
-                      <a:endParaRPr lang="ko-KR" altLang="en-US" sz="1400"/>
+                      <a:r>
+                        <a:rPr lang="ko-KR" altLang="en-US" sz="1400" dirty="0" err="1"/>
+                        <a:t>오현승</a:t>
+                      </a:r>
+                      <a:endParaRPr lang="ko-KR" altLang="en-US" sz="1400" dirty="0"/>
                     </a:p>
                   </a:txBody>
                   <a:tcPr anchor="ctr"/>
@@ -4920,7 +4915,10 @@
                     <a:lstStyle/>
                     <a:p>
                       <a:pPr algn="ctr" latinLnBrk="1"/>
-                      <a:endParaRPr lang="ko-KR" altLang="en-US" sz="1400" dirty="0"/>
+                      <a:r>
+                        <a:rPr lang="ko-KR" altLang="en-US" sz="1400" dirty="0"/>
+                        <a:t>하</a:t>
+                      </a:r>
                     </a:p>
                   </a:txBody>
                   <a:tcPr anchor="ctr"/>
@@ -4931,7 +4929,7 @@
                   </a:ext>
                 </a:extLst>
               </a:tr>
-              <a:tr h="315420">
+              <a:tr h="373719">
                 <a:tc vMerge="1">
                   <a:txBody>
                     <a:bodyPr/>
@@ -4951,23 +4949,7 @@
                       <a:pPr latinLnBrk="1"/>
                       <a:r>
                         <a:rPr lang="ko-KR" altLang="en-US" sz="1400" dirty="0"/>
-                        <a:t>메모</a:t>
-                      </a:r>
-                      <a:r>
-                        <a:rPr lang="en-US" altLang="ko-KR" sz="1400" dirty="0"/>
-                        <a:t>, </a:t>
-                      </a:r>
-                      <a:r>
-                        <a:rPr lang="ko-KR" altLang="en-US" sz="1400" dirty="0"/>
                         <a:t>책갈피</a:t>
-                      </a:r>
-                      <a:r>
-                        <a:rPr lang="en-US" altLang="ko-KR" sz="1400" dirty="0"/>
-                        <a:t>, </a:t>
-                      </a:r>
-                      <a:r>
-                        <a:rPr lang="ko-KR" altLang="en-US" sz="1400" dirty="0"/>
-                        <a:t>하이라이트</a:t>
                       </a:r>
                     </a:p>
                   </a:txBody>
@@ -4998,6 +4980,10 @@
                     <a:lstStyle/>
                     <a:p>
                       <a:pPr latinLnBrk="1"/>
+                      <a:r>
+                        <a:rPr lang="ko-KR" altLang="en-US" sz="1400" dirty="0" err="1"/>
+                        <a:t>오현승</a:t>
+                      </a:r>
                       <a:endParaRPr lang="ko-KR" altLang="en-US" sz="1400" dirty="0"/>
                     </a:p>
                   </a:txBody>
@@ -5019,7 +5005,10 @@
                     <a:lstStyle/>
                     <a:p>
                       <a:pPr algn="ctr" latinLnBrk="1"/>
-                      <a:endParaRPr lang="ko-KR" altLang="en-US" sz="1400" dirty="0"/>
+                      <a:r>
+                        <a:rPr lang="ko-KR" altLang="en-US" sz="1400" dirty="0"/>
+                        <a:t>하</a:t>
+                      </a:r>
                     </a:p>
                   </a:txBody>
                   <a:tcPr anchor="ctr">
@@ -5040,7 +5029,7 @@
                   </a:ext>
                 </a:extLst>
               </a:tr>
-              <a:tr h="315420">
+              <a:tr h="613932">
                 <a:tc vMerge="1">
                   <a:txBody>
                     <a:bodyPr/>
@@ -5127,6 +5116,119 @@
                     </a:lnT>
                     <a:lnB w="12700" cap="flat" cmpd="sng" algn="ctr">
                       <a:solidFill>
+                        <a:schemeClr val="bg1"/>
+                      </a:solidFill>
+                      <a:prstDash val="solid"/>
+                      <a:round/>
+                      <a:headEnd type="none" w="med" len="med"/>
+                      <a:tailEnd type="none" w="med" len="med"/>
+                    </a:lnB>
+                  </a:tcPr>
+                </a:tc>
+                <a:tc>
+                  <a:txBody>
+                    <a:bodyPr/>
+                    <a:lstStyle/>
+                    <a:p>
+                      <a:pPr latinLnBrk="1"/>
+                      <a:r>
+                        <a:rPr lang="ko-KR" altLang="en-US" sz="1400" dirty="0" err="1"/>
+                        <a:t>오현승</a:t>
+                      </a:r>
+                      <a:endParaRPr lang="ko-KR" altLang="en-US" sz="1400" dirty="0"/>
+                    </a:p>
+                  </a:txBody>
+                  <a:tcPr anchor="ctr">
+                    <a:lnT w="12700" cap="flat" cmpd="sng" algn="ctr">
+                      <a:solidFill>
+                        <a:schemeClr val="bg1"/>
+                      </a:solidFill>
+                      <a:prstDash val="solid"/>
+                      <a:round/>
+                      <a:headEnd type="none" w="med" len="med"/>
+                      <a:tailEnd type="none" w="med" len="med"/>
+                    </a:lnT>
+                    <a:lnB w="12700" cap="flat" cmpd="sng" algn="ctr">
+                      <a:solidFill>
+                        <a:schemeClr val="bg1"/>
+                      </a:solidFill>
+                      <a:prstDash val="solid"/>
+                      <a:round/>
+                      <a:headEnd type="none" w="med" len="med"/>
+                      <a:tailEnd type="none" w="med" len="med"/>
+                    </a:lnB>
+                  </a:tcPr>
+                </a:tc>
+                <a:tc>
+                  <a:txBody>
+                    <a:bodyPr/>
+                    <a:lstStyle/>
+                    <a:p>
+                      <a:pPr algn="ctr" latinLnBrk="1"/>
+                      <a:r>
+                        <a:rPr lang="ko-KR" altLang="en-US" sz="1400" dirty="0"/>
+                        <a:t>상</a:t>
+                      </a:r>
+                    </a:p>
+                  </a:txBody>
+                  <a:tcPr anchor="ctr">
+                    <a:lnT w="12700" cap="flat" cmpd="sng" algn="ctr">
+                      <a:solidFill>
+                        <a:schemeClr val="bg1"/>
+                      </a:solidFill>
+                      <a:prstDash val="solid"/>
+                      <a:round/>
+                      <a:headEnd type="none" w="med" len="med"/>
+                      <a:tailEnd type="none" w="med" len="med"/>
+                    </a:lnT>
+                    <a:lnB w="12700" cap="flat" cmpd="sng" algn="ctr">
+                      <a:solidFill>
+                        <a:schemeClr val="bg1"/>
+                      </a:solidFill>
+                      <a:prstDash val="solid"/>
+                      <a:round/>
+                      <a:headEnd type="none" w="med" len="med"/>
+                      <a:tailEnd type="none" w="med" len="med"/>
+                    </a:lnB>
+                  </a:tcPr>
+                </a:tc>
+                <a:extLst>
+                  <a:ext uri="{0D108BD9-81ED-4DB2-BD59-A6C34878D82A}">
+                    <a16:rowId xmlns:a16="http://schemas.microsoft.com/office/drawing/2014/main" val="1467995807"/>
+                  </a:ext>
+                </a:extLst>
+              </a:tr>
+              <a:tr h="373719">
+                <a:tc vMerge="1">
+                  <a:txBody>
+                    <a:bodyPr/>
+                    <a:lstStyle/>
+                    <a:p>
+                      <a:pPr algn="ctr" latinLnBrk="1"/>
+                      <a:endParaRPr lang="ko-KR" altLang="en-US" sz="1400" dirty="0"/>
+                    </a:p>
+                  </a:txBody>
+                  <a:tcPr anchor="ctr">
+                    <a:lnR w="12700" cap="flat" cmpd="sng" algn="ctr">
+                      <a:solidFill>
+                        <a:schemeClr val="tx1"/>
+                      </a:solidFill>
+                      <a:prstDash val="solid"/>
+                      <a:round/>
+                      <a:headEnd type="none" w="med" len="med"/>
+                      <a:tailEnd type="none" w="med" len="med"/>
+                    </a:lnR>
+                    <a:lnT w="12700" cap="flat" cmpd="sng" algn="ctr">
+                      <a:solidFill>
+                        <a:schemeClr val="tx1"/>
+                      </a:solidFill>
+                      <a:prstDash val="solid"/>
+                      <a:round/>
+                      <a:headEnd type="none" w="med" len="med"/>
+                      <a:tailEnd type="none" w="med" len="med"/>
+                    </a:lnT>
+                    <a:lnB w="12700" cap="flat" cmpd="sng" algn="ctr">
+                      <a:solidFill>
                         <a:schemeClr val="tx1"/>
                       </a:solidFill>
                       <a:prstDash val="solid"/>
@@ -5142,6 +5244,56 @@
                     <a:lstStyle/>
                     <a:p>
                       <a:pPr latinLnBrk="1"/>
+                      <a:r>
+                        <a:rPr lang="ko-KR" altLang="en-US" sz="1400" dirty="0" err="1"/>
+                        <a:t>다크</a:t>
+                      </a:r>
+                      <a:r>
+                        <a:rPr lang="ko-KR" altLang="en-US" sz="1400" dirty="0"/>
+                        <a:t> 모드</a:t>
+                      </a:r>
+                    </a:p>
+                  </a:txBody>
+                  <a:tcPr anchor="ctr">
+                    <a:lnL w="12700" cap="flat" cmpd="sng" algn="ctr">
+                      <a:solidFill>
+                        <a:schemeClr val="tx1"/>
+                      </a:solidFill>
+                      <a:prstDash val="solid"/>
+                      <a:round/>
+                      <a:headEnd type="none" w="med" len="med"/>
+                      <a:tailEnd type="none" w="med" len="med"/>
+                    </a:lnL>
+                    <a:lnT w="12700" cap="flat" cmpd="sng" algn="ctr">
+                      <a:solidFill>
+                        <a:schemeClr val="bg1"/>
+                      </a:solidFill>
+                      <a:prstDash val="solid"/>
+                      <a:round/>
+                      <a:headEnd type="none" w="med" len="med"/>
+                      <a:tailEnd type="none" w="med" len="med"/>
+                    </a:lnT>
+                    <a:lnB w="12700" cap="flat" cmpd="sng" algn="ctr">
+                      <a:solidFill>
+                        <a:schemeClr val="tx1"/>
+                      </a:solidFill>
+                      <a:prstDash val="solid"/>
+                      <a:round/>
+                      <a:headEnd type="none" w="med" len="med"/>
+                      <a:tailEnd type="none" w="med" len="med"/>
+                    </a:lnB>
+                  </a:tcPr>
+                </a:tc>
+                <a:tc>
+                  <a:txBody>
+                    <a:bodyPr/>
+                    <a:lstStyle/>
+                    <a:p>
+                      <a:pPr latinLnBrk="1"/>
+                      <a:r>
+                        <a:rPr lang="ko-KR" altLang="en-US" sz="1400" dirty="0" err="1"/>
+                        <a:t>오현승</a:t>
+                      </a:r>
                       <a:endParaRPr lang="ko-KR" altLang="en-US" sz="1400" dirty="0"/>
                     </a:p>
                   </a:txBody>
@@ -5172,7 +5324,10 @@
                     <a:lstStyle/>
                     <a:p>
                       <a:pPr algn="ctr" latinLnBrk="1"/>
-                      <a:endParaRPr lang="ko-KR" altLang="en-US" sz="1400" dirty="0"/>
+                      <a:r>
+                        <a:rPr lang="ko-KR" altLang="en-US" sz="1400" dirty="0"/>
+                        <a:t>하</a:t>
+                      </a:r>
                     </a:p>
                   </a:txBody>
                   <a:tcPr anchor="ctr">
@@ -5198,7 +5353,7 @@
                 </a:tc>
                 <a:extLst>
                   <a:ext uri="{0D108BD9-81ED-4DB2-BD59-A6C34878D82A}">
-                    <a16:rowId xmlns:a16="http://schemas.microsoft.com/office/drawing/2014/main" val="1467995807"/>
+                    <a16:rowId xmlns:a16="http://schemas.microsoft.com/office/drawing/2014/main" val="158675873"/>
                   </a:ext>
                 </a:extLst>
               </a:tr>
@@ -5221,14 +5376,14 @@
           <p:nvPr>
             <p:extLst>
               <p:ext uri="{D42A27DB-BD31-4B8C-83A1-F6EECF244321}">
-                <p14:modId xmlns:p14="http://schemas.microsoft.com/office/powerpoint/2010/main" val="2924460695"/>
+                <p14:modId xmlns:p14="http://schemas.microsoft.com/office/powerpoint/2010/main" val="2018485722"/>
               </p:ext>
             </p:extLst>
           </p:nvPr>
         </p:nvGraphicFramePr>
         <p:xfrm>
           <a:off x="6526601" y="173430"/>
-          <a:ext cx="5257801" cy="2398680"/>
+          <a:ext cx="5257801" cy="2871775"/>
         </p:xfrm>
         <a:graphic>
           <a:graphicData uri="http://schemas.openxmlformats.org/drawingml/2006/table">
@@ -5266,7 +5421,7 @@
                   </a:extLst>
                 </a:gridCol>
               </a:tblGrid>
-              <a:tr h="315420">
+              <a:tr h="377631">
                 <a:tc>
                   <a:txBody>
                     <a:bodyPr/>
@@ -5349,7 +5504,7 @@
                   </a:ext>
                 </a:extLst>
               </a:tr>
-              <a:tr h="315420">
+              <a:tr h="377631">
                 <a:tc rowSpan="3">
                   <a:txBody>
                     <a:bodyPr/>
@@ -5427,7 +5582,10 @@
                     <a:lstStyle/>
                     <a:p>
                       <a:pPr latinLnBrk="1"/>
-                      <a:endParaRPr lang="ko-KR" altLang="en-US" sz="1400" dirty="0"/>
+                      <a:r>
+                        <a:rPr lang="ko-KR" altLang="en-US" sz="1400" dirty="0"/>
+                        <a:t>주상아</a:t>
+                      </a:r>
                     </a:p>
                   </a:txBody>
                   <a:tcPr anchor="ctr">
@@ -5448,7 +5606,10 @@
                     <a:lstStyle/>
                     <a:p>
                       <a:pPr algn="ctr" latinLnBrk="1"/>
-                      <a:endParaRPr lang="ko-KR" altLang="en-US" sz="1400" dirty="0"/>
+                      <a:r>
+                        <a:rPr lang="ko-KR" altLang="en-US" sz="1400" dirty="0"/>
+                        <a:t>중</a:t>
+                      </a:r>
                     </a:p>
                   </a:txBody>
                   <a:tcPr anchor="ctr">
@@ -5469,7 +5630,7 @@
                   </a:ext>
                 </a:extLst>
               </a:tr>
-              <a:tr h="315420">
+              <a:tr h="620358">
                 <a:tc vMerge="1">
                   <a:txBody>
                     <a:bodyPr/>
@@ -5555,7 +5716,10 @@
                     <a:lstStyle/>
                     <a:p>
                       <a:pPr latinLnBrk="1"/>
-                      <a:endParaRPr lang="ko-KR" altLang="en-US" sz="1400" dirty="0"/>
+                      <a:r>
+                        <a:rPr lang="ko-KR" altLang="en-US" sz="1400" dirty="0"/>
+                        <a:t>주상아</a:t>
+                      </a:r>
                     </a:p>
                   </a:txBody>
                   <a:tcPr anchor="ctr">
@@ -5585,7 +5749,10 @@
                     <a:lstStyle/>
                     <a:p>
                       <a:pPr algn="ctr" latinLnBrk="1"/>
-                      <a:endParaRPr lang="ko-KR" altLang="en-US" sz="1400" dirty="0"/>
+                      <a:r>
+                        <a:rPr lang="ko-KR" altLang="en-US" sz="1400" dirty="0"/>
+                        <a:t>상</a:t>
+                      </a:r>
                     </a:p>
                   </a:txBody>
                   <a:tcPr anchor="ctr">
@@ -5615,7 +5782,7 @@
                   </a:ext>
                 </a:extLst>
               </a:tr>
-              <a:tr h="315420">
+              <a:tr h="620358">
                 <a:tc vMerge="1">
                   <a:txBody>
                     <a:bodyPr/>
@@ -5720,6 +5887,10 @@
                     <a:lstStyle/>
                     <a:p>
                       <a:pPr latinLnBrk="1"/>
+                      <a:r>
+                        <a:rPr lang="ko-KR" altLang="en-US" sz="1400" dirty="0" err="1"/>
+                        <a:t>오현승</a:t>
+                      </a:r>
                       <a:endParaRPr lang="ko-KR" altLang="en-US" sz="1400" dirty="0"/>
                     </a:p>
                   </a:txBody>
@@ -5750,7 +5921,10 @@
                     <a:lstStyle/>
                     <a:p>
                       <a:pPr algn="ctr" latinLnBrk="1"/>
-                      <a:endParaRPr lang="ko-KR" altLang="en-US" sz="1400" dirty="0"/>
+                      <a:r>
+                        <a:rPr lang="ko-KR" altLang="en-US" sz="1400" dirty="0"/>
+                        <a:t>중</a:t>
+                      </a:r>
                     </a:p>
                   </a:txBody>
                   <a:tcPr anchor="ctr">
@@ -5780,7 +5954,7 @@
                   </a:ext>
                 </a:extLst>
               </a:tr>
-              <a:tr h="506873">
+              <a:tr h="875797">
                 <a:tc>
                   <a:txBody>
                     <a:bodyPr/>
@@ -5795,7 +5969,14 @@
                         <a:rPr lang="ko-KR" altLang="en-US" sz="1400" dirty="0" err="1"/>
                         <a:t>감상평</a:t>
                       </a:r>
-                      <a:endParaRPr lang="en-US" altLang="ko-KR" sz="1400" dirty="0"/>
+                      <a:r>
+                        <a:rPr lang="ko-KR" altLang="en-US" sz="1400" dirty="0"/>
+                        <a:t> </a:t>
+                      </a:r>
+                      <a:r>
+                        <a:rPr lang="en-US" altLang="ko-KR" sz="1400" dirty="0"/>
+                        <a:t>/ </a:t>
+                      </a:r>
                     </a:p>
                     <a:p>
                       <a:pPr algn="ctr" latinLnBrk="1"/>
@@ -5865,7 +6046,10 @@
                     <a:lstStyle/>
                     <a:p>
                       <a:pPr latinLnBrk="1"/>
-                      <a:endParaRPr lang="ko-KR" altLang="en-US" sz="1400" dirty="0"/>
+                      <a:r>
+                        <a:rPr lang="ko-KR" altLang="en-US" sz="1400" dirty="0"/>
+                        <a:t>김성환</a:t>
+                      </a:r>
                     </a:p>
                   </a:txBody>
                   <a:tcPr anchor="ctr">
@@ -5886,7 +6070,10 @@
                     <a:lstStyle/>
                     <a:p>
                       <a:pPr algn="ctr" latinLnBrk="1"/>
-                      <a:endParaRPr lang="ko-KR" altLang="en-US" sz="1400" dirty="0"/>
+                      <a:r>
+                        <a:rPr lang="ko-KR" altLang="en-US" sz="1400" dirty="0"/>
+                        <a:t>중</a:t>
+                      </a:r>
                     </a:p>
                   </a:txBody>
                   <a:tcPr anchor="ctr">
@@ -5994,21 +6181,40 @@
               <a:buNone/>
             </a:pPr>
             <a:r>
+              <a:rPr lang="ko-KR" altLang="en-US" dirty="0"/>
+              <a:t>집에서 혼자 책을 읽는 독자들을 위한 </a:t>
+            </a:r>
+            <a:r>
               <a:rPr lang="en-US" altLang="ko-KR" dirty="0"/>
               <a:t>~</a:t>
             </a:r>
             <a:r>
               <a:rPr lang="ko-KR" altLang="en-US" dirty="0"/>
-              <a:t>를 위한 </a:t>
-            </a:r>
-            <a:r>
-              <a:rPr lang="en-US" altLang="ko-KR" dirty="0"/>
-              <a:t>~</a:t>
-            </a:r>
-            <a:r>
-              <a:rPr lang="ko-KR" altLang="en-US" dirty="0"/>
               <a:t>서비스를 제공하는 앱</a:t>
             </a:r>
+            <a:endParaRPr lang="en-US" altLang="ko-KR" dirty="0"/>
+          </a:p>
+          <a:p>
+            <a:pPr marL="0" indent="0">
+              <a:buNone/>
+            </a:pPr>
+            <a:endParaRPr lang="en-US" altLang="ko-KR" dirty="0"/>
+          </a:p>
+          <a:p>
+            <a:pPr marL="0" indent="0">
+              <a:buNone/>
+            </a:pPr>
+            <a:r>
+              <a:rPr lang="ko-KR" altLang="en-US" dirty="0" err="1"/>
+              <a:t>생각책방</a:t>
+            </a:r>
+            <a:endParaRPr lang="en-US" altLang="ko-KR" dirty="0"/>
+          </a:p>
+          <a:p>
+            <a:pPr marL="0" indent="0">
+              <a:buNone/>
+            </a:pPr>
+            <a:endParaRPr lang="ko-KR" altLang="en-US" dirty="0"/>
           </a:p>
         </p:txBody>
       </p:sp>
@@ -6143,6 +6349,13 @@
               <a:rPr lang="ko-KR" altLang="en-US" dirty="0"/>
               <a:t> 제공할 수 있는지 </a:t>
             </a:r>
+            <a:endParaRPr lang="en-US" altLang="ko-KR" dirty="0"/>
+          </a:p>
+          <a:p>
+            <a:pPr marL="0" indent="0">
+              <a:buNone/>
+            </a:pPr>
+            <a:endParaRPr lang="en-US" altLang="ko-KR" dirty="0"/>
           </a:p>
         </p:txBody>
       </p:sp>
@@ -6176,12 +6389,775 @@
           <a:chExt cx="0" cy="0"/>
         </a:xfrm>
       </p:grpSpPr>
-      <p:sp>
-        <p:nvSpPr>
-          <p:cNvPr id="2" name="제목 1">
-            <a:extLst>
-              <a:ext uri="{FF2B5EF4-FFF2-40B4-BE49-F238E27FC236}">
-                <a16:creationId xmlns:a16="http://schemas.microsoft.com/office/drawing/2014/main" id="{4283781D-1850-4266-BAD7-05DA11829CB7}"/>
+      <p:pic>
+        <p:nvPicPr>
+          <p:cNvPr id="5" name="그림 4">
+            <a:extLst>
+              <a:ext uri="{FF2B5EF4-FFF2-40B4-BE49-F238E27FC236}">
+                <a16:creationId xmlns:a16="http://schemas.microsoft.com/office/drawing/2014/main" id="{02E27C0A-0C15-442C-B1EB-C4E99464DC83}"/>
+              </a:ext>
+            </a:extLst>
+          </p:cNvPr>
+          <p:cNvPicPr>
+            <a:picLocks noChangeAspect="1"/>
+          </p:cNvPicPr>
+          <p:nvPr/>
+        </p:nvPicPr>
+        <p:blipFill>
+          <a:blip r:embed="rId2">
+            <a:extLst>
+              <a:ext uri="{28A0092B-C50C-407E-A947-70E740481C1C}">
+                <a14:useLocalDpi xmlns:a14="http://schemas.microsoft.com/office/drawing/2010/main" val="0"/>
+              </a:ext>
+            </a:extLst>
+          </a:blip>
+          <a:stretch>
+            <a:fillRect/>
+          </a:stretch>
+        </p:blipFill>
+        <p:spPr>
+          <a:xfrm>
+            <a:off x="2551479" y="639800"/>
+            <a:ext cx="1626730" cy="2893284"/>
+          </a:xfrm>
+          <a:prstGeom prst="rect">
+            <a:avLst/>
+          </a:prstGeom>
+        </p:spPr>
+      </p:pic>
+      <p:pic>
+        <p:nvPicPr>
+          <p:cNvPr id="7" name="그림 6">
+            <a:extLst>
+              <a:ext uri="{FF2B5EF4-FFF2-40B4-BE49-F238E27FC236}">
+                <a16:creationId xmlns:a16="http://schemas.microsoft.com/office/drawing/2014/main" id="{4D7416C6-277F-43FD-A40C-29017A5452E8}"/>
+              </a:ext>
+            </a:extLst>
+          </p:cNvPr>
+          <p:cNvPicPr>
+            <a:picLocks noChangeAspect="1"/>
+          </p:cNvPicPr>
+          <p:nvPr/>
+        </p:nvPicPr>
+        <p:blipFill>
+          <a:blip r:embed="rId3">
+            <a:extLst>
+              <a:ext uri="{28A0092B-C50C-407E-A947-70E740481C1C}">
+                <a14:useLocalDpi xmlns:a14="http://schemas.microsoft.com/office/drawing/2010/main" val="0"/>
+              </a:ext>
+            </a:extLst>
+          </a:blip>
+          <a:stretch>
+            <a:fillRect/>
+          </a:stretch>
+        </p:blipFill>
+        <p:spPr>
+          <a:xfrm>
+            <a:off x="473807" y="639800"/>
+            <a:ext cx="1626730" cy="2893284"/>
+          </a:xfrm>
+          <a:prstGeom prst="rect">
+            <a:avLst/>
+          </a:prstGeom>
+        </p:spPr>
+      </p:pic>
+      <p:pic>
+        <p:nvPicPr>
+          <p:cNvPr id="13" name="그림 12">
+            <a:extLst>
+              <a:ext uri="{FF2B5EF4-FFF2-40B4-BE49-F238E27FC236}">
+                <a16:creationId xmlns:a16="http://schemas.microsoft.com/office/drawing/2014/main" id="{29176760-9341-4F13-A1C1-5FC8180738D7}"/>
+              </a:ext>
+            </a:extLst>
+          </p:cNvPr>
+          <p:cNvPicPr>
+            <a:picLocks noChangeAspect="1"/>
+          </p:cNvPicPr>
+          <p:nvPr/>
+        </p:nvPicPr>
+        <p:blipFill>
+          <a:blip r:embed="rId4">
+            <a:extLst>
+              <a:ext uri="{28A0092B-C50C-407E-A947-70E740481C1C}">
+                <a14:useLocalDpi xmlns:a14="http://schemas.microsoft.com/office/drawing/2010/main" val="0"/>
+              </a:ext>
+            </a:extLst>
+          </a:blip>
+          <a:stretch>
+            <a:fillRect/>
+          </a:stretch>
+        </p:blipFill>
+        <p:spPr>
+          <a:xfrm>
+            <a:off x="4780102" y="0"/>
+            <a:ext cx="1865412" cy="6858000"/>
+          </a:xfrm>
+          <a:prstGeom prst="rect">
+            <a:avLst/>
+          </a:prstGeom>
+        </p:spPr>
+      </p:pic>
+      <p:cxnSp>
+        <p:nvCxnSpPr>
+          <p:cNvPr id="15" name="직선 화살표 연결선 14">
+            <a:extLst>
+              <a:ext uri="{FF2B5EF4-FFF2-40B4-BE49-F238E27FC236}">
+                <a16:creationId xmlns:a16="http://schemas.microsoft.com/office/drawing/2014/main" id="{08657351-1F70-4D08-8BD1-B1A18BAF9E73}"/>
+              </a:ext>
+            </a:extLst>
+          </p:cNvPr>
+          <p:cNvCxnSpPr>
+            <a:cxnSpLocks/>
+            <a:endCxn id="5" idx="1"/>
+          </p:cNvCxnSpPr>
+          <p:nvPr/>
+        </p:nvCxnSpPr>
+        <p:spPr>
+          <a:xfrm flipV="1">
+            <a:off x="1703034" y="2086442"/>
+            <a:ext cx="848445" cy="246835"/>
+          </a:xfrm>
+          <a:prstGeom prst="straightConnector1">
+            <a:avLst/>
+          </a:prstGeom>
+          <a:ln w="28575">
+            <a:tailEnd type="triangle"/>
+          </a:ln>
+        </p:spPr>
+        <p:style>
+          <a:lnRef idx="1">
+            <a:schemeClr val="accent1"/>
+          </a:lnRef>
+          <a:fillRef idx="0">
+            <a:schemeClr val="accent1"/>
+          </a:fillRef>
+          <a:effectRef idx="0">
+            <a:schemeClr val="accent1"/>
+          </a:effectRef>
+          <a:fontRef idx="minor">
+            <a:schemeClr val="tx1"/>
+          </a:fontRef>
+        </p:style>
+      </p:cxnSp>
+      <p:cxnSp>
+        <p:nvCxnSpPr>
+          <p:cNvPr id="17" name="직선 화살표 연결선 16">
+            <a:extLst>
+              <a:ext uri="{FF2B5EF4-FFF2-40B4-BE49-F238E27FC236}">
+                <a16:creationId xmlns:a16="http://schemas.microsoft.com/office/drawing/2014/main" id="{5F01FE33-3412-4AEE-A319-2584BFB27ECC}"/>
+              </a:ext>
+            </a:extLst>
+          </p:cNvPr>
+          <p:cNvCxnSpPr>
+            <a:cxnSpLocks/>
+          </p:cNvCxnSpPr>
+          <p:nvPr/>
+        </p:nvCxnSpPr>
+        <p:spPr>
+          <a:xfrm flipV="1">
+            <a:off x="3568446" y="2086442"/>
+            <a:ext cx="1211656" cy="388123"/>
+          </a:xfrm>
+          <a:prstGeom prst="straightConnector1">
+            <a:avLst/>
+          </a:prstGeom>
+          <a:ln w="28575">
+            <a:tailEnd type="triangle"/>
+          </a:ln>
+        </p:spPr>
+        <p:style>
+          <a:lnRef idx="1">
+            <a:schemeClr val="accent1"/>
+          </a:lnRef>
+          <a:fillRef idx="0">
+            <a:schemeClr val="accent1"/>
+          </a:fillRef>
+          <a:effectRef idx="0">
+            <a:schemeClr val="accent1"/>
+          </a:effectRef>
+          <a:fontRef idx="minor">
+            <a:schemeClr val="tx1"/>
+          </a:fontRef>
+        </p:style>
+      </p:cxnSp>
+      <p:cxnSp>
+        <p:nvCxnSpPr>
+          <p:cNvPr id="19" name="직선 화살표 연결선 18">
+            <a:extLst>
+              <a:ext uri="{FF2B5EF4-FFF2-40B4-BE49-F238E27FC236}">
+                <a16:creationId xmlns:a16="http://schemas.microsoft.com/office/drawing/2014/main" id="{BD826B3E-35DD-4E12-8F7A-663485C8A6EF}"/>
+              </a:ext>
+            </a:extLst>
+          </p:cNvPr>
+          <p:cNvCxnSpPr/>
+          <p:nvPr/>
+        </p:nvCxnSpPr>
+        <p:spPr>
+          <a:xfrm flipV="1">
+            <a:off x="6096000" y="2761861"/>
+            <a:ext cx="939677" cy="307910"/>
+          </a:xfrm>
+          <a:prstGeom prst="straightConnector1">
+            <a:avLst/>
+          </a:prstGeom>
+          <a:ln w="28575">
+            <a:tailEnd type="triangle"/>
+          </a:ln>
+        </p:spPr>
+        <p:style>
+          <a:lnRef idx="1">
+            <a:schemeClr val="accent1"/>
+          </a:lnRef>
+          <a:fillRef idx="0">
+            <a:schemeClr val="accent1"/>
+          </a:fillRef>
+          <a:effectRef idx="0">
+            <a:schemeClr val="accent1"/>
+          </a:effectRef>
+          <a:fontRef idx="minor">
+            <a:schemeClr val="tx1"/>
+          </a:fontRef>
+        </p:style>
+      </p:cxnSp>
+      <p:pic>
+        <p:nvPicPr>
+          <p:cNvPr id="21" name="그림 20">
+            <a:extLst>
+              <a:ext uri="{FF2B5EF4-FFF2-40B4-BE49-F238E27FC236}">
+                <a16:creationId xmlns:a16="http://schemas.microsoft.com/office/drawing/2014/main" id="{AA005E97-304B-460F-A709-0FCC7CCF4ED1}"/>
+              </a:ext>
+            </a:extLst>
+          </p:cNvPr>
+          <p:cNvPicPr>
+            <a:picLocks noChangeAspect="1"/>
+          </p:cNvPicPr>
+          <p:nvPr/>
+        </p:nvPicPr>
+        <p:blipFill>
+          <a:blip r:embed="rId5">
+            <a:extLst>
+              <a:ext uri="{28A0092B-C50C-407E-A947-70E740481C1C}">
+                <a14:useLocalDpi xmlns:a14="http://schemas.microsoft.com/office/drawing/2010/main" val="0"/>
+              </a:ext>
+            </a:extLst>
+          </a:blip>
+          <a:stretch>
+            <a:fillRect/>
+          </a:stretch>
+        </p:blipFill>
+        <p:spPr>
+          <a:xfrm>
+            <a:off x="6888993" y="3669354"/>
+            <a:ext cx="1626729" cy="2893283"/>
+          </a:xfrm>
+          <a:prstGeom prst="rect">
+            <a:avLst/>
+          </a:prstGeom>
+        </p:spPr>
+      </p:pic>
+      <p:pic>
+        <p:nvPicPr>
+          <p:cNvPr id="23" name="그림 22">
+            <a:extLst>
+              <a:ext uri="{FF2B5EF4-FFF2-40B4-BE49-F238E27FC236}">
+                <a16:creationId xmlns:a16="http://schemas.microsoft.com/office/drawing/2014/main" id="{FA38D402-4069-4F1D-9CC4-0FE76C1B1EAF}"/>
+              </a:ext>
+            </a:extLst>
+          </p:cNvPr>
+          <p:cNvPicPr>
+            <a:picLocks noChangeAspect="1"/>
+          </p:cNvPicPr>
+          <p:nvPr/>
+        </p:nvPicPr>
+        <p:blipFill>
+          <a:blip r:embed="rId6">
+            <a:extLst>
+              <a:ext uri="{28A0092B-C50C-407E-A947-70E740481C1C}">
+                <a14:useLocalDpi xmlns:a14="http://schemas.microsoft.com/office/drawing/2010/main" val="0"/>
+              </a:ext>
+            </a:extLst>
+          </a:blip>
+          <a:stretch>
+            <a:fillRect/>
+          </a:stretch>
+        </p:blipFill>
+        <p:spPr>
+          <a:xfrm>
+            <a:off x="8637462" y="3669354"/>
+            <a:ext cx="1626729" cy="2893281"/>
+          </a:xfrm>
+          <a:prstGeom prst="rect">
+            <a:avLst/>
+          </a:prstGeom>
+        </p:spPr>
+      </p:pic>
+      <p:pic>
+        <p:nvPicPr>
+          <p:cNvPr id="25" name="그림 24">
+            <a:extLst>
+              <a:ext uri="{FF2B5EF4-FFF2-40B4-BE49-F238E27FC236}">
+                <a16:creationId xmlns:a16="http://schemas.microsoft.com/office/drawing/2014/main" id="{099D1410-593C-49AB-AC2D-47021218FA76}"/>
+              </a:ext>
+            </a:extLst>
+          </p:cNvPr>
+          <p:cNvPicPr>
+            <a:picLocks noChangeAspect="1"/>
+          </p:cNvPicPr>
+          <p:nvPr/>
+        </p:nvPicPr>
+        <p:blipFill rotWithShape="1">
+          <a:blip r:embed="rId7">
+            <a:extLst>
+              <a:ext uri="{28A0092B-C50C-407E-A947-70E740481C1C}">
+                <a14:useLocalDpi xmlns:a14="http://schemas.microsoft.com/office/drawing/2010/main" val="0"/>
+              </a:ext>
+            </a:extLst>
+          </a:blip>
+          <a:srcRect b="23058"/>
+          <a:stretch/>
+        </p:blipFill>
+        <p:spPr>
+          <a:xfrm>
+            <a:off x="9902089" y="100662"/>
+            <a:ext cx="1816104" cy="3280898"/>
+          </a:xfrm>
+          <a:prstGeom prst="rect">
+            <a:avLst/>
+          </a:prstGeom>
+        </p:spPr>
+      </p:pic>
+      <p:pic>
+        <p:nvPicPr>
+          <p:cNvPr id="27" name="그림 26">
+            <a:extLst>
+              <a:ext uri="{FF2B5EF4-FFF2-40B4-BE49-F238E27FC236}">
+                <a16:creationId xmlns:a16="http://schemas.microsoft.com/office/drawing/2014/main" id="{05E423F2-1453-4A6E-8AC7-DBC0BDDC206D}"/>
+              </a:ext>
+            </a:extLst>
+          </p:cNvPr>
+          <p:cNvPicPr>
+            <a:picLocks noChangeAspect="1"/>
+          </p:cNvPicPr>
+          <p:nvPr/>
+        </p:nvPicPr>
+        <p:blipFill>
+          <a:blip r:embed="rId8">
+            <a:extLst>
+              <a:ext uri="{28A0092B-C50C-407E-A947-70E740481C1C}">
+                <a14:useLocalDpi xmlns:a14="http://schemas.microsoft.com/office/drawing/2010/main" val="0"/>
+              </a:ext>
+            </a:extLst>
+          </a:blip>
+          <a:stretch>
+            <a:fillRect/>
+          </a:stretch>
+        </p:blipFill>
+        <p:spPr>
+          <a:xfrm>
+            <a:off x="10385931" y="3669353"/>
+            <a:ext cx="1626728" cy="2893281"/>
+          </a:xfrm>
+          <a:prstGeom prst="rect">
+            <a:avLst/>
+          </a:prstGeom>
+        </p:spPr>
+      </p:pic>
+      <p:pic>
+        <p:nvPicPr>
+          <p:cNvPr id="29" name="그림 28">
+            <a:extLst>
+              <a:ext uri="{FF2B5EF4-FFF2-40B4-BE49-F238E27FC236}">
+                <a16:creationId xmlns:a16="http://schemas.microsoft.com/office/drawing/2014/main" id="{4C8A5505-1CB0-481C-9813-FE613C0CF55B}"/>
+              </a:ext>
+            </a:extLst>
+          </p:cNvPr>
+          <p:cNvPicPr>
+            <a:picLocks noChangeAspect="1"/>
+          </p:cNvPicPr>
+          <p:nvPr/>
+        </p:nvPicPr>
+        <p:blipFill>
+          <a:blip r:embed="rId9">
+            <a:extLst>
+              <a:ext uri="{28A0092B-C50C-407E-A947-70E740481C1C}">
+                <a14:useLocalDpi xmlns:a14="http://schemas.microsoft.com/office/drawing/2010/main" val="0"/>
+              </a:ext>
+            </a:extLst>
+          </a:blip>
+          <a:stretch>
+            <a:fillRect/>
+          </a:stretch>
+        </p:blipFill>
+        <p:spPr>
+          <a:xfrm>
+            <a:off x="802029" y="3814808"/>
+            <a:ext cx="1626728" cy="2893281"/>
+          </a:xfrm>
+          <a:prstGeom prst="rect">
+            <a:avLst/>
+          </a:prstGeom>
+        </p:spPr>
+      </p:pic>
+      <p:pic>
+        <p:nvPicPr>
+          <p:cNvPr id="31" name="그림 30">
+            <a:extLst>
+              <a:ext uri="{FF2B5EF4-FFF2-40B4-BE49-F238E27FC236}">
+                <a16:creationId xmlns:a16="http://schemas.microsoft.com/office/drawing/2014/main" id="{F93B6849-D4D3-4252-AF89-597EEB425F91}"/>
+              </a:ext>
+            </a:extLst>
+          </p:cNvPr>
+          <p:cNvPicPr>
+            <a:picLocks noChangeAspect="1"/>
+          </p:cNvPicPr>
+          <p:nvPr/>
+        </p:nvPicPr>
+        <p:blipFill>
+          <a:blip r:embed="rId10">
+            <a:extLst>
+              <a:ext uri="{28A0092B-C50C-407E-A947-70E740481C1C}">
+                <a14:useLocalDpi xmlns:a14="http://schemas.microsoft.com/office/drawing/2010/main" val="0"/>
+              </a:ext>
+            </a:extLst>
+          </a:blip>
+          <a:stretch>
+            <a:fillRect/>
+          </a:stretch>
+        </p:blipFill>
+        <p:spPr>
+          <a:xfrm>
+            <a:off x="7035936" y="639803"/>
+            <a:ext cx="1626728" cy="2893281"/>
+          </a:xfrm>
+          <a:prstGeom prst="rect">
+            <a:avLst/>
+          </a:prstGeom>
+        </p:spPr>
+      </p:pic>
+      <p:pic>
+        <p:nvPicPr>
+          <p:cNvPr id="34" name="그래픽 33" descr="사용자">
+            <a:extLst>
+              <a:ext uri="{FF2B5EF4-FFF2-40B4-BE49-F238E27FC236}">
+                <a16:creationId xmlns:a16="http://schemas.microsoft.com/office/drawing/2014/main" id="{4B918C22-18B4-48FD-B3C1-09CA6BD87CDD}"/>
+              </a:ext>
+            </a:extLst>
+          </p:cNvPr>
+          <p:cNvPicPr>
+            <a:picLocks noChangeAspect="1"/>
+          </p:cNvPicPr>
+          <p:nvPr/>
+        </p:nvPicPr>
+        <p:blipFill>
+          <a:blip r:embed="rId11">
+            <a:extLst>
+              <a:ext uri="{28A0092B-C50C-407E-A947-70E740481C1C}">
+                <a14:useLocalDpi xmlns:a14="http://schemas.microsoft.com/office/drawing/2010/main" val="0"/>
+              </a:ext>
+              <a:ext uri="{96DAC541-7B7A-43D3-8B79-37D633B846F1}">
+                <asvg:svgBlip xmlns:asvg="http://schemas.microsoft.com/office/drawing/2016/SVG/main" r:embed="rId12"/>
+              </a:ext>
+            </a:extLst>
+          </a:blip>
+          <a:stretch>
+            <a:fillRect/>
+          </a:stretch>
+        </p:blipFill>
+        <p:spPr>
+          <a:xfrm>
+            <a:off x="2605887" y="733107"/>
+            <a:ext cx="237278" cy="237278"/>
+          </a:xfrm>
+          <a:prstGeom prst="rect">
+            <a:avLst/>
+          </a:prstGeom>
+        </p:spPr>
+      </p:pic>
+      <p:cxnSp>
+        <p:nvCxnSpPr>
+          <p:cNvPr id="36" name="직선 화살표 연결선 35">
+            <a:extLst>
+              <a:ext uri="{FF2B5EF4-FFF2-40B4-BE49-F238E27FC236}">
+                <a16:creationId xmlns:a16="http://schemas.microsoft.com/office/drawing/2014/main" id="{02A3627C-F1D3-4D31-A16F-22478C2D3477}"/>
+              </a:ext>
+            </a:extLst>
+          </p:cNvPr>
+          <p:cNvCxnSpPr>
+            <a:endCxn id="29" idx="0"/>
+          </p:cNvCxnSpPr>
+          <p:nvPr/>
+        </p:nvCxnSpPr>
+        <p:spPr>
+          <a:xfrm flipH="1">
+            <a:off x="1615393" y="851746"/>
+            <a:ext cx="1109133" cy="2963062"/>
+          </a:xfrm>
+          <a:prstGeom prst="straightConnector1">
+            <a:avLst/>
+          </a:prstGeom>
+          <a:ln w="28575">
+            <a:tailEnd type="triangle"/>
+          </a:ln>
+        </p:spPr>
+        <p:style>
+          <a:lnRef idx="1">
+            <a:schemeClr val="accent1"/>
+          </a:lnRef>
+          <a:fillRef idx="0">
+            <a:schemeClr val="accent1"/>
+          </a:fillRef>
+          <a:effectRef idx="0">
+            <a:schemeClr val="accent1"/>
+          </a:effectRef>
+          <a:fontRef idx="minor">
+            <a:schemeClr val="tx1"/>
+          </a:fontRef>
+        </p:style>
+      </p:cxnSp>
+      <p:cxnSp>
+        <p:nvCxnSpPr>
+          <p:cNvPr id="38" name="직선 화살표 연결선 37">
+            <a:extLst>
+              <a:ext uri="{FF2B5EF4-FFF2-40B4-BE49-F238E27FC236}">
+                <a16:creationId xmlns:a16="http://schemas.microsoft.com/office/drawing/2014/main" id="{B6389D36-EA06-4EE3-9C80-E9075D611702}"/>
+              </a:ext>
+            </a:extLst>
+          </p:cNvPr>
+          <p:cNvCxnSpPr/>
+          <p:nvPr/>
+        </p:nvCxnSpPr>
+        <p:spPr>
+          <a:xfrm>
+            <a:off x="7156580" y="3359020"/>
+            <a:ext cx="251926" cy="310334"/>
+          </a:xfrm>
+          <a:prstGeom prst="straightConnector1">
+            <a:avLst/>
+          </a:prstGeom>
+          <a:ln w="28575">
+            <a:tailEnd type="triangle"/>
+          </a:ln>
+        </p:spPr>
+        <p:style>
+          <a:lnRef idx="1">
+            <a:schemeClr val="accent1"/>
+          </a:lnRef>
+          <a:fillRef idx="0">
+            <a:schemeClr val="accent1"/>
+          </a:fillRef>
+          <a:effectRef idx="0">
+            <a:schemeClr val="accent1"/>
+          </a:effectRef>
+          <a:fontRef idx="minor">
+            <a:schemeClr val="tx1"/>
+          </a:fontRef>
+        </p:style>
+      </p:cxnSp>
+      <p:cxnSp>
+        <p:nvCxnSpPr>
+          <p:cNvPr id="40" name="직선 화살표 연결선 39">
+            <a:extLst>
+              <a:ext uri="{FF2B5EF4-FFF2-40B4-BE49-F238E27FC236}">
+                <a16:creationId xmlns:a16="http://schemas.microsoft.com/office/drawing/2014/main" id="{216E1224-2218-45FA-9446-4AFD73025D76}"/>
+              </a:ext>
+            </a:extLst>
+          </p:cNvPr>
+          <p:cNvCxnSpPr>
+            <a:cxnSpLocks/>
+          </p:cNvCxnSpPr>
+          <p:nvPr/>
+        </p:nvCxnSpPr>
+        <p:spPr>
+          <a:xfrm>
+            <a:off x="8304245" y="4058816"/>
+            <a:ext cx="333217" cy="0"/>
+          </a:xfrm>
+          <a:prstGeom prst="straightConnector1">
+            <a:avLst/>
+          </a:prstGeom>
+          <a:ln w="28575">
+            <a:tailEnd type="triangle"/>
+          </a:ln>
+        </p:spPr>
+        <p:style>
+          <a:lnRef idx="1">
+            <a:schemeClr val="accent1"/>
+          </a:lnRef>
+          <a:fillRef idx="0">
+            <a:schemeClr val="accent1"/>
+          </a:fillRef>
+          <a:effectRef idx="0">
+            <a:schemeClr val="accent1"/>
+          </a:effectRef>
+          <a:fontRef idx="minor">
+            <a:schemeClr val="tx1"/>
+          </a:fontRef>
+        </p:style>
+      </p:cxnSp>
+      <p:cxnSp>
+        <p:nvCxnSpPr>
+          <p:cNvPr id="43" name="직선 화살표 연결선 42">
+            <a:extLst>
+              <a:ext uri="{FF2B5EF4-FFF2-40B4-BE49-F238E27FC236}">
+                <a16:creationId xmlns:a16="http://schemas.microsoft.com/office/drawing/2014/main" id="{152EAC5D-C68D-4A65-9AC4-B9AB8F30AB55}"/>
+              </a:ext>
+            </a:extLst>
+          </p:cNvPr>
+          <p:cNvCxnSpPr>
+            <a:cxnSpLocks/>
+          </p:cNvCxnSpPr>
+          <p:nvPr/>
+        </p:nvCxnSpPr>
+        <p:spPr>
+          <a:xfrm>
+            <a:off x="8755936" y="1844426"/>
+            <a:ext cx="1146153" cy="0"/>
+          </a:xfrm>
+          <a:prstGeom prst="straightConnector1">
+            <a:avLst/>
+          </a:prstGeom>
+          <a:ln w="28575">
+            <a:tailEnd type="triangle"/>
+          </a:ln>
+        </p:spPr>
+        <p:style>
+          <a:lnRef idx="1">
+            <a:schemeClr val="accent1"/>
+          </a:lnRef>
+          <a:fillRef idx="0">
+            <a:schemeClr val="accent1"/>
+          </a:fillRef>
+          <a:effectRef idx="0">
+            <a:schemeClr val="accent1"/>
+          </a:effectRef>
+          <a:fontRef idx="minor">
+            <a:schemeClr val="tx1"/>
+          </a:fontRef>
+        </p:style>
+      </p:cxnSp>
+      <p:sp>
+        <p:nvSpPr>
+          <p:cNvPr id="45" name="TextBox 44">
+            <a:extLst>
+              <a:ext uri="{FF2B5EF4-FFF2-40B4-BE49-F238E27FC236}">
+                <a16:creationId xmlns:a16="http://schemas.microsoft.com/office/drawing/2014/main" id="{7FD88927-9719-43EA-8807-EFCA7E1973E4}"/>
+              </a:ext>
+            </a:extLst>
+          </p:cNvPr>
+          <p:cNvSpPr txBox="1"/>
+          <p:nvPr/>
+        </p:nvSpPr>
+        <p:spPr>
+          <a:xfrm>
+            <a:off x="8755936" y="1826935"/>
+            <a:ext cx="1052881" cy="276999"/>
+          </a:xfrm>
+          <a:prstGeom prst="rect">
+            <a:avLst/>
+          </a:prstGeom>
+          <a:noFill/>
+        </p:spPr>
+        <p:txBody>
+          <a:bodyPr wrap="square" rtlCol="0">
+            <a:spAutoFit/>
+          </a:bodyPr>
+          <a:lstStyle/>
+          <a:p>
+            <a:r>
+              <a:rPr lang="ko-KR" altLang="en-US" sz="1200" dirty="0"/>
+              <a:t>책 다 읽으면</a:t>
+            </a:r>
+          </a:p>
+        </p:txBody>
+      </p:sp>
+      <p:pic>
+        <p:nvPicPr>
+          <p:cNvPr id="47" name="그래픽 46" descr="트로피">
+            <a:extLst>
+              <a:ext uri="{FF2B5EF4-FFF2-40B4-BE49-F238E27FC236}">
+                <a16:creationId xmlns:a16="http://schemas.microsoft.com/office/drawing/2014/main" id="{7F5276E6-65B6-4028-B7CB-7DC31932CC97}"/>
+              </a:ext>
+            </a:extLst>
+          </p:cNvPr>
+          <p:cNvPicPr>
+            <a:picLocks noChangeAspect="1"/>
+          </p:cNvPicPr>
+          <p:nvPr/>
+        </p:nvPicPr>
+        <p:blipFill>
+          <a:blip r:embed="rId13">
+            <a:extLst>
+              <a:ext uri="{28A0092B-C50C-407E-A947-70E740481C1C}">
+                <a14:useLocalDpi xmlns:a14="http://schemas.microsoft.com/office/drawing/2010/main" val="0"/>
+              </a:ext>
+              <a:ext uri="{96DAC541-7B7A-43D3-8B79-37D633B846F1}">
+                <asvg:svgBlip xmlns:asvg="http://schemas.microsoft.com/office/drawing/2016/SVG/main" r:embed="rId14"/>
+              </a:ext>
+            </a:extLst>
+          </a:blip>
+          <a:stretch>
+            <a:fillRect/>
+          </a:stretch>
+        </p:blipFill>
+        <p:spPr>
+          <a:xfrm>
+            <a:off x="11435818" y="172581"/>
+            <a:ext cx="245570" cy="245570"/>
+          </a:xfrm>
+          <a:prstGeom prst="rect">
+            <a:avLst/>
+          </a:prstGeom>
+        </p:spPr>
+      </p:pic>
+      <p:cxnSp>
+        <p:nvCxnSpPr>
+          <p:cNvPr id="49" name="직선 화살표 연결선 48">
+            <a:extLst>
+              <a:ext uri="{FF2B5EF4-FFF2-40B4-BE49-F238E27FC236}">
+                <a16:creationId xmlns:a16="http://schemas.microsoft.com/office/drawing/2014/main" id="{0DAEAAE4-DC39-4382-9B6B-8277399970D7}"/>
+              </a:ext>
+            </a:extLst>
+          </p:cNvPr>
+          <p:cNvCxnSpPr>
+            <a:cxnSpLocks/>
+            <a:stCxn id="47" idx="2"/>
+            <a:endCxn id="27" idx="0"/>
+          </p:cNvCxnSpPr>
+          <p:nvPr/>
+        </p:nvCxnSpPr>
+        <p:spPr>
+          <a:xfrm flipH="1">
+            <a:off x="11199295" y="418151"/>
+            <a:ext cx="359308" cy="3251202"/>
+          </a:xfrm>
+          <a:prstGeom prst="straightConnector1">
+            <a:avLst/>
+          </a:prstGeom>
+          <a:ln w="28575">
+            <a:tailEnd type="triangle"/>
+          </a:ln>
+        </p:spPr>
+        <p:style>
+          <a:lnRef idx="1">
+            <a:schemeClr val="accent1"/>
+          </a:lnRef>
+          <a:fillRef idx="0">
+            <a:schemeClr val="accent1"/>
+          </a:fillRef>
+          <a:effectRef idx="0">
+            <a:schemeClr val="accent1"/>
+          </a:effectRef>
+          <a:fontRef idx="minor">
+            <a:schemeClr val="tx1"/>
+          </a:fontRef>
+        </p:style>
+      </p:cxnSp>
+      <p:sp>
+        <p:nvSpPr>
+          <p:cNvPr id="51" name="제목 1">
+            <a:extLst>
+              <a:ext uri="{FF2B5EF4-FFF2-40B4-BE49-F238E27FC236}">
+                <a16:creationId xmlns:a16="http://schemas.microsoft.com/office/drawing/2014/main" id="{5144B6F0-BC8F-45A1-9237-FF55ED9D04DA}"/>
               </a:ext>
             </a:extLst>
           </p:cNvPr>
@@ -6192,78 +7168,21 @@
             <p:ph type="title"/>
           </p:nvPr>
         </p:nvSpPr>
-        <p:spPr/>
-        <p:txBody>
-          <a:bodyPr/>
-          <a:lstStyle/>
-          <a:p>
-            <a:r>
-              <a:rPr lang="ko-KR" altLang="en-US" dirty="0"/>
-              <a:t>실행 화면</a:t>
-            </a:r>
-          </a:p>
-        </p:txBody>
-      </p:sp>
-      <p:pic>
-        <p:nvPicPr>
-          <p:cNvPr id="4" name="그림 3">
-            <a:extLst>
-              <a:ext uri="{FF2B5EF4-FFF2-40B4-BE49-F238E27FC236}">
-                <a16:creationId xmlns:a16="http://schemas.microsoft.com/office/drawing/2014/main" id="{5B335ACD-1D82-4D98-9DAB-6A44B2723B9E}"/>
-              </a:ext>
-            </a:extLst>
-          </p:cNvPr>
-          <p:cNvPicPr>
-            <a:picLocks noChangeAspect="1"/>
-          </p:cNvPicPr>
-          <p:nvPr/>
-        </p:nvPicPr>
-        <p:blipFill rotWithShape="1">
-          <a:blip r:embed="rId2"/>
-          <a:srcRect l="1361" t="3222" r="3893" b="1819"/>
-          <a:stretch/>
-        </p:blipFill>
         <p:spPr>
           <a:xfrm>
-            <a:off x="1359016" y="1690688"/>
-            <a:ext cx="8468437" cy="4257106"/>
+            <a:off x="331425" y="-306904"/>
+            <a:ext cx="10515600" cy="1325563"/>
           </a:xfrm>
-          <a:prstGeom prst="rect">
-            <a:avLst/>
-          </a:prstGeom>
         </p:spPr>
-      </p:pic>
-      <p:sp>
-        <p:nvSpPr>
-          <p:cNvPr id="5" name="TextBox 4">
-            <a:extLst>
-              <a:ext uri="{FF2B5EF4-FFF2-40B4-BE49-F238E27FC236}">
-                <a16:creationId xmlns:a16="http://schemas.microsoft.com/office/drawing/2014/main" id="{C304CAAB-EEDA-46F5-B6E7-3AB69E889181}"/>
-              </a:ext>
-            </a:extLst>
-          </p:cNvPr>
-          <p:cNvSpPr txBox="1"/>
-          <p:nvPr/>
-        </p:nvSpPr>
-        <p:spPr>
-          <a:xfrm>
-            <a:off x="8783274" y="1147159"/>
-            <a:ext cx="3485625" cy="646331"/>
-          </a:xfrm>
-          <a:prstGeom prst="rect">
-            <a:avLst/>
-          </a:prstGeom>
-          <a:noFill/>
-        </p:spPr>
-        <p:txBody>
-          <a:bodyPr wrap="square" rtlCol="0">
-            <a:spAutoFit/>
+        <p:txBody>
+          <a:bodyPr>
+            <a:normAutofit/>
           </a:bodyPr>
           <a:lstStyle/>
           <a:p>
             <a:r>
-              <a:rPr lang="ko-KR" altLang="en-US"/>
-              <a:t>이 버튼을 누르면 이 화면으로 간다 화살표로 표시</a:t>
+              <a:rPr lang="ko-KR" altLang="en-US" sz="2800" dirty="0"/>
+              <a:t>실행 화면</a:t>
             </a:r>
           </a:p>
         </p:txBody>
@@ -6271,7 +7190,7 @@
     </p:spTree>
     <p:extLst>
       <p:ext uri="{BB962C8B-B14F-4D97-AF65-F5344CB8AC3E}">
-        <p14:creationId xmlns:p14="http://schemas.microsoft.com/office/powerpoint/2010/main" val="59442744"/>
+        <p14:creationId xmlns:p14="http://schemas.microsoft.com/office/powerpoint/2010/main" val="3196175685"/>
       </p:ext>
     </p:extLst>
   </p:cSld>
@@ -6298,6 +7217,42 @@
           <a:chExt cx="0" cy="0"/>
         </a:xfrm>
       </p:grpSpPr>
+      <p:pic>
+        <p:nvPicPr>
+          <p:cNvPr id="8" name="그림 7">
+            <a:extLst>
+              <a:ext uri="{FF2B5EF4-FFF2-40B4-BE49-F238E27FC236}">
+                <a16:creationId xmlns:a16="http://schemas.microsoft.com/office/drawing/2014/main" id="{01F15B44-C81D-489F-AA84-8A534D11BA81}"/>
+              </a:ext>
+            </a:extLst>
+          </p:cNvPr>
+          <p:cNvPicPr>
+            <a:picLocks noChangeAspect="1"/>
+          </p:cNvPicPr>
+          <p:nvPr/>
+        </p:nvPicPr>
+        <p:blipFill>
+          <a:blip r:embed="rId2">
+            <a:extLst>
+              <a:ext uri="{28A0092B-C50C-407E-A947-70E740481C1C}">
+                <a14:useLocalDpi xmlns:a14="http://schemas.microsoft.com/office/drawing/2010/main" val="0"/>
+              </a:ext>
+            </a:extLst>
+          </a:blip>
+          <a:stretch>
+            <a:fillRect/>
+          </a:stretch>
+        </p:blipFill>
+        <p:spPr>
+          <a:xfrm>
+            <a:off x="979862" y="1546301"/>
+            <a:ext cx="2781178" cy="4946573"/>
+          </a:xfrm>
+          <a:prstGeom prst="rect">
+            <a:avLst/>
+          </a:prstGeom>
+        </p:spPr>
+      </p:pic>
       <p:sp>
         <p:nvSpPr>
           <p:cNvPr id="2" name="제목 1">
@@ -6325,50 +7280,9 @@
             </a:r>
             <a:r>
               <a:rPr lang="ko-KR" altLang="en-US" dirty="0" err="1"/>
-              <a:t>메인화면</a:t>
+              <a:t>로그인화면</a:t>
             </a:r>
             <a:endParaRPr lang="ko-KR" altLang="en-US" dirty="0"/>
-          </a:p>
-        </p:txBody>
-      </p:sp>
-      <p:sp>
-        <p:nvSpPr>
-          <p:cNvPr id="3" name="내용 개체 틀 2">
-            <a:extLst>
-              <a:ext uri="{FF2B5EF4-FFF2-40B4-BE49-F238E27FC236}">
-                <a16:creationId xmlns:a16="http://schemas.microsoft.com/office/drawing/2014/main" id="{403180BD-B541-4CB5-AF16-B546A1290B1D}"/>
-              </a:ext>
-            </a:extLst>
-          </p:cNvPr>
-          <p:cNvSpPr>
-            <a:spLocks noGrp="1"/>
-          </p:cNvSpPr>
-          <p:nvPr>
-            <p:ph idx="1"/>
-          </p:nvPr>
-        </p:nvSpPr>
-        <p:spPr>
-          <a:xfrm>
-            <a:off x="838200" y="1825625"/>
-            <a:ext cx="3456963" cy="4351338"/>
-          </a:xfrm>
-          <a:ln>
-            <a:solidFill>
-              <a:schemeClr val="accent1"/>
-            </a:solidFill>
-          </a:ln>
-        </p:spPr>
-        <p:txBody>
-          <a:bodyPr anchor="ctr"/>
-          <a:lstStyle/>
-          <a:p>
-            <a:pPr marL="0" indent="0" algn="ctr">
-              <a:buNone/>
-            </a:pPr>
-            <a:r>
-              <a:rPr lang="ko-KR" altLang="en-US" dirty="0"/>
-              <a:t>화면 사진</a:t>
-            </a:r>
           </a:p>
         </p:txBody>
       </p:sp>
@@ -6387,7 +7301,7 @@
         <p:spPr>
           <a:xfrm>
             <a:off x="5217952" y="1690688"/>
-            <a:ext cx="6467912" cy="1815882"/>
+            <a:ext cx="6467912" cy="3240695"/>
           </a:xfrm>
           <a:prstGeom prst="rect">
             <a:avLst/>
@@ -6408,25 +7322,96 @@
               <a:rPr lang="en-US" altLang="ko-KR" sz="2800" dirty="0"/>
               <a:t>: </a:t>
             </a:r>
-          </a:p>
-          <a:p>
             <a:r>
               <a:rPr lang="ko-KR" altLang="en-US" sz="2800" dirty="0"/>
-              <a:t>① 설명</a:t>
+              <a:t>맨 처음 앱을 실행시키면 뜨는 로그인 창</a:t>
             </a:r>
             <a:endParaRPr lang="en-US" altLang="ko-KR" sz="2800" dirty="0"/>
           </a:p>
           <a:p>
-            <a:r>
-              <a:rPr lang="ko-KR" altLang="en-US" sz="2800" dirty="0"/>
-              <a:t>② 설명</a:t>
-            </a:r>
             <a:endParaRPr lang="en-US" altLang="ko-KR" sz="2800" dirty="0"/>
           </a:p>
           <a:p>
-            <a:r>
-              <a:rPr lang="ko-KR" altLang="en-US" sz="2800" dirty="0"/>
-              <a:t>③ 설명</a:t>
+            <a:pPr>
+              <a:lnSpc>
+                <a:spcPct val="150000"/>
+              </a:lnSpc>
+            </a:pPr>
+            <a:r>
+              <a:rPr lang="ko-KR" altLang="en-US" sz="2800" spc="-150" dirty="0"/>
+              <a:t>① </a:t>
+            </a:r>
+            <a:r>
+              <a:rPr lang="en-US" altLang="ko-KR" sz="2800" spc="-150" dirty="0"/>
+              <a:t>:</a:t>
+            </a:r>
+            <a:r>
+              <a:rPr lang="ko-KR" altLang="en-US" sz="2800" spc="-150" dirty="0"/>
+              <a:t> 로그인 </a:t>
+            </a:r>
+            <a:r>
+              <a:rPr lang="ko-KR" altLang="en-US" sz="2800" spc="-150" dirty="0" err="1"/>
+              <a:t>성공시</a:t>
+            </a:r>
+            <a:r>
+              <a:rPr lang="ko-KR" altLang="en-US" sz="2800" spc="-150" dirty="0"/>
+              <a:t> </a:t>
+            </a:r>
+            <a:r>
+              <a:rPr lang="ko-KR" altLang="en-US" sz="2800" spc="-150" dirty="0" err="1"/>
+              <a:t>메인화면으로</a:t>
+            </a:r>
+            <a:r>
+              <a:rPr lang="ko-KR" altLang="en-US" sz="2800" spc="-150" dirty="0"/>
+              <a:t> 이동</a:t>
+            </a:r>
+            <a:endParaRPr lang="en-US" altLang="ko-KR" sz="2800" spc="-150" dirty="0"/>
+          </a:p>
+          <a:p>
+            <a:pPr>
+              <a:lnSpc>
+                <a:spcPct val="150000"/>
+              </a:lnSpc>
+            </a:pPr>
+            <a:r>
+              <a:rPr lang="ko-KR" altLang="en-US" sz="2800" spc="-150" dirty="0"/>
+              <a:t>② </a:t>
+            </a:r>
+            <a:r>
+              <a:rPr lang="en-US" altLang="ko-KR" sz="2800" spc="-150" dirty="0"/>
+              <a:t>: </a:t>
+            </a:r>
+            <a:r>
+              <a:rPr lang="ko-KR" altLang="en-US" sz="2800" spc="-150" dirty="0"/>
+              <a:t>아이디</a:t>
+            </a:r>
+            <a:r>
+              <a:rPr lang="en-US" altLang="ko-KR" sz="2800" spc="-150" dirty="0"/>
+              <a:t>/</a:t>
+            </a:r>
+            <a:r>
+              <a:rPr lang="ko-KR" altLang="en-US" sz="2800" spc="-150" dirty="0"/>
+              <a:t>비밀번호 찾는 기능 제공</a:t>
+            </a:r>
+            <a:endParaRPr lang="en-US" altLang="ko-KR" sz="2800" spc="-150" dirty="0"/>
+          </a:p>
+          <a:p>
+            <a:pPr>
+              <a:lnSpc>
+                <a:spcPct val="150000"/>
+              </a:lnSpc>
+            </a:pPr>
+            <a:r>
+              <a:rPr lang="ko-KR" altLang="en-US" sz="2800" spc="-150" dirty="0"/>
+              <a:t>③ </a:t>
+            </a:r>
+            <a:r>
+              <a:rPr lang="en-US" altLang="ko-KR" sz="2800" spc="-150" dirty="0"/>
+              <a:t>: </a:t>
+            </a:r>
+            <a:r>
+              <a:rPr lang="ko-KR" altLang="en-US" sz="2800" spc="-150" dirty="0"/>
+              <a:t>회원가입 기능 제공</a:t>
             </a:r>
           </a:p>
         </p:txBody>
@@ -6445,7 +7430,7 @@
         </p:nvSpPr>
         <p:spPr>
           <a:xfrm>
-            <a:off x="1400961" y="2886931"/>
+            <a:off x="2920098" y="4259613"/>
             <a:ext cx="503340" cy="377504"/>
           </a:xfrm>
           <a:prstGeom prst="rect">
@@ -6460,7 +7445,11 @@
           <a:lstStyle/>
           <a:p>
             <a:r>
-              <a:rPr lang="ko-KR" altLang="en-US" dirty="0"/>
+              <a:rPr lang="ko-KR" altLang="en-US" dirty="0">
+                <a:highlight>
+                  <a:srgbClr val="FFFF00"/>
+                </a:highlight>
+              </a:rPr>
               <a:t>①</a:t>
             </a:r>
           </a:p>
@@ -6480,7 +7469,7 @@
         </p:nvSpPr>
         <p:spPr>
           <a:xfrm>
-            <a:off x="3305262" y="3339937"/>
+            <a:off x="3065035" y="4768987"/>
             <a:ext cx="503340" cy="377504"/>
           </a:xfrm>
           <a:prstGeom prst="rect">
@@ -6495,7 +7484,11 @@
           <a:lstStyle/>
           <a:p>
             <a:r>
-              <a:rPr lang="ko-KR" altLang="en-US" dirty="0"/>
+              <a:rPr lang="ko-KR" altLang="en-US" dirty="0">
+                <a:highlight>
+                  <a:srgbClr val="FFFF00"/>
+                </a:highlight>
+              </a:rPr>
               <a:t>②</a:t>
             </a:r>
           </a:p>
@@ -6503,10 +7496,10 @@
       </p:sp>
       <p:sp>
         <p:nvSpPr>
-          <p:cNvPr id="7" name="TextBox 6">
-            <a:extLst>
-              <a:ext uri="{FF2B5EF4-FFF2-40B4-BE49-F238E27FC236}">
-                <a16:creationId xmlns:a16="http://schemas.microsoft.com/office/drawing/2014/main" id="{3DAC5130-3963-4C78-8FF0-4277AB440D8F}"/>
+          <p:cNvPr id="11" name="TextBox 10">
+            <a:extLst>
+              <a:ext uri="{FF2B5EF4-FFF2-40B4-BE49-F238E27FC236}">
+                <a16:creationId xmlns:a16="http://schemas.microsoft.com/office/drawing/2014/main" id="{9A7987F8-FC0A-4950-8DC9-0ECB5101713A}"/>
               </a:ext>
             </a:extLst>
           </p:cNvPr>
@@ -6515,7 +7508,7 @@
         </p:nvSpPr>
         <p:spPr>
           <a:xfrm>
-            <a:off x="2315011" y="4959012"/>
+            <a:off x="2620700" y="5066151"/>
             <a:ext cx="503340" cy="377504"/>
           </a:xfrm>
           <a:prstGeom prst="rect">
@@ -6530,7 +7523,11 @@
           <a:lstStyle/>
           <a:p>
             <a:r>
-              <a:rPr lang="ko-KR" altLang="en-US" dirty="0"/>
+              <a:rPr lang="ko-KR" altLang="en-US" dirty="0">
+                <a:highlight>
+                  <a:srgbClr val="FFFF00"/>
+                </a:highlight>
+              </a:rPr>
               <a:t>③</a:t>
             </a:r>
           </a:p>
@@ -6539,7 +7536,7 @@
     </p:spTree>
     <p:extLst>
       <p:ext uri="{BB962C8B-B14F-4D97-AF65-F5344CB8AC3E}">
-        <p14:creationId xmlns:p14="http://schemas.microsoft.com/office/powerpoint/2010/main" val="2598213264"/>
+        <p14:creationId xmlns:p14="http://schemas.microsoft.com/office/powerpoint/2010/main" val="4266104640"/>
       </p:ext>
     </p:extLst>
   </p:cSld>
@@ -6566,6 +7563,42 @@
           <a:chExt cx="0" cy="0"/>
         </a:xfrm>
       </p:grpSpPr>
+      <p:pic>
+        <p:nvPicPr>
+          <p:cNvPr id="9" name="그림 8">
+            <a:extLst>
+              <a:ext uri="{FF2B5EF4-FFF2-40B4-BE49-F238E27FC236}">
+                <a16:creationId xmlns:a16="http://schemas.microsoft.com/office/drawing/2014/main" id="{1F435FE1-C5EA-4F42-8FFA-95331CC9BC82}"/>
+              </a:ext>
+            </a:extLst>
+          </p:cNvPr>
+          <p:cNvPicPr>
+            <a:picLocks noChangeAspect="1"/>
+          </p:cNvPicPr>
+          <p:nvPr/>
+        </p:nvPicPr>
+        <p:blipFill>
+          <a:blip r:embed="rId2">
+            <a:extLst>
+              <a:ext uri="{28A0092B-C50C-407E-A947-70E740481C1C}">
+                <a14:useLocalDpi xmlns:a14="http://schemas.microsoft.com/office/drawing/2010/main" val="0"/>
+              </a:ext>
+            </a:extLst>
+          </a:blip>
+          <a:stretch>
+            <a:fillRect/>
+          </a:stretch>
+        </p:blipFill>
+        <p:spPr>
+          <a:xfrm>
+            <a:off x="979861" y="1546302"/>
+            <a:ext cx="2781179" cy="4946573"/>
+          </a:xfrm>
+          <a:prstGeom prst="rect">
+            <a:avLst/>
+          </a:prstGeom>
+        </p:spPr>
+      </p:pic>
       <p:sp>
         <p:nvSpPr>
           <p:cNvPr id="2" name="제목 1">
@@ -6589,53 +7622,13 @@
           <a:p>
             <a:r>
               <a:rPr lang="en-US" altLang="ko-KR" dirty="0"/>
-              <a:t>1. </a:t>
-            </a:r>
-            <a:r>
-              <a:rPr lang="ko-KR" altLang="en-US" dirty="0"/>
-              <a:t>책 소개 화면</a:t>
-            </a:r>
-          </a:p>
-        </p:txBody>
-      </p:sp>
-      <p:sp>
-        <p:nvSpPr>
-          <p:cNvPr id="3" name="내용 개체 틀 2">
-            <a:extLst>
-              <a:ext uri="{FF2B5EF4-FFF2-40B4-BE49-F238E27FC236}">
-                <a16:creationId xmlns:a16="http://schemas.microsoft.com/office/drawing/2014/main" id="{403180BD-B541-4CB5-AF16-B546A1290B1D}"/>
-              </a:ext>
-            </a:extLst>
-          </p:cNvPr>
-          <p:cNvSpPr>
-            <a:spLocks noGrp="1"/>
-          </p:cNvSpPr>
-          <p:nvPr>
-            <p:ph idx="1"/>
-          </p:nvPr>
-        </p:nvSpPr>
-        <p:spPr>
-          <a:xfrm>
-            <a:off x="838200" y="1825625"/>
-            <a:ext cx="3456963" cy="4351338"/>
-          </a:xfrm>
-          <a:ln>
-            <a:solidFill>
-              <a:schemeClr val="accent1"/>
-            </a:solidFill>
-          </a:ln>
-        </p:spPr>
-        <p:txBody>
-          <a:bodyPr anchor="ctr"/>
-          <a:lstStyle/>
-          <a:p>
-            <a:pPr marL="0" indent="0" algn="ctr">
-              <a:buNone/>
-            </a:pPr>
-            <a:r>
-              <a:rPr lang="ko-KR" altLang="en-US" dirty="0"/>
-              <a:t>화면 사진</a:t>
-            </a:r>
+              <a:t>2. </a:t>
+            </a:r>
+            <a:r>
+              <a:rPr lang="ko-KR" altLang="en-US" dirty="0" err="1"/>
+              <a:t>메인화면</a:t>
+            </a:r>
+            <a:endParaRPr lang="ko-KR" altLang="en-US" dirty="0"/>
           </a:p>
         </p:txBody>
       </p:sp>
@@ -6654,7 +7647,7 @@
         <p:spPr>
           <a:xfrm>
             <a:off x="5217952" y="1690688"/>
-            <a:ext cx="6467912" cy="1815882"/>
+            <a:ext cx="6467912" cy="4102470"/>
           </a:xfrm>
           <a:prstGeom prst="rect">
             <a:avLst/>
@@ -6677,23 +7670,85 @@
             </a:r>
           </a:p>
           <a:p>
-            <a:r>
-              <a:rPr lang="ko-KR" altLang="en-US" sz="2800" dirty="0"/>
-              <a:t>① 설명</a:t>
-            </a:r>
             <a:endParaRPr lang="en-US" altLang="ko-KR" sz="2800" dirty="0"/>
           </a:p>
           <a:p>
-            <a:r>
-              <a:rPr lang="ko-KR" altLang="en-US" sz="2800" dirty="0"/>
-              <a:t>② 설명</a:t>
-            </a:r>
-            <a:endParaRPr lang="en-US" altLang="ko-KR" sz="2800" dirty="0"/>
-          </a:p>
-          <a:p>
-            <a:r>
-              <a:rPr lang="ko-KR" altLang="en-US" sz="2800" dirty="0"/>
-              <a:t>③ 설명</a:t>
+            <a:pPr>
+              <a:lnSpc>
+                <a:spcPct val="150000"/>
+              </a:lnSpc>
+            </a:pPr>
+            <a:r>
+              <a:rPr lang="ko-KR" altLang="en-US" sz="2800" spc="-300" dirty="0"/>
+              <a:t>① </a:t>
+            </a:r>
+            <a:r>
+              <a:rPr lang="en-US" altLang="ko-KR" sz="2800" spc="-300" dirty="0"/>
+              <a:t>:</a:t>
+            </a:r>
+            <a:r>
+              <a:rPr lang="ko-KR" altLang="en-US" sz="2800" spc="-300" dirty="0"/>
+              <a:t> 마이페이지 화면으로 이동</a:t>
+            </a:r>
+            <a:endParaRPr lang="en-US" altLang="ko-KR" sz="2800" spc="-300" dirty="0"/>
+          </a:p>
+          <a:p>
+            <a:pPr>
+              <a:lnSpc>
+                <a:spcPct val="150000"/>
+              </a:lnSpc>
+            </a:pPr>
+            <a:r>
+              <a:rPr lang="ko-KR" altLang="en-US" sz="2800" spc="-300" dirty="0"/>
+              <a:t>② </a:t>
+            </a:r>
+            <a:r>
+              <a:rPr lang="en-US" altLang="ko-KR" sz="2800" spc="-300" dirty="0"/>
+              <a:t>:</a:t>
+            </a:r>
+            <a:r>
+              <a:rPr lang="ko-KR" altLang="en-US" sz="2800" spc="-300" dirty="0"/>
+              <a:t> 유저가 디바이스에 다운받은 책 목록 출력</a:t>
+            </a:r>
+            <a:endParaRPr lang="en-US" altLang="ko-KR" sz="2800" spc="-300" dirty="0"/>
+          </a:p>
+          <a:p>
+            <a:pPr>
+              <a:lnSpc>
+                <a:spcPct val="150000"/>
+              </a:lnSpc>
+            </a:pPr>
+            <a:r>
+              <a:rPr lang="ko-KR" altLang="en-US" sz="2800" spc="-300" dirty="0"/>
+              <a:t>③ </a:t>
+            </a:r>
+            <a:r>
+              <a:rPr lang="en-US" altLang="ko-KR" sz="2800" spc="-300" dirty="0"/>
+              <a:t>:</a:t>
+            </a:r>
+            <a:r>
+              <a:rPr lang="ko-KR" altLang="en-US" sz="2800" spc="-300" dirty="0"/>
+              <a:t> 서버가 가지고 있는 책 파일 검색 기능</a:t>
+            </a:r>
+            <a:endParaRPr lang="en-US" altLang="ko-KR" sz="2800" spc="-300" dirty="0"/>
+          </a:p>
+          <a:p>
+            <a:pPr>
+              <a:lnSpc>
+                <a:spcPct val="150000"/>
+              </a:lnSpc>
+            </a:pPr>
+            <a:r>
+              <a:rPr lang="ko-KR" altLang="ko-KR" sz="2800" spc="-300" dirty="0"/>
+              <a:t>④</a:t>
+            </a:r>
+            <a:r>
+              <a:rPr lang="en-US" altLang="ko-KR" sz="2800" spc="-300" dirty="0"/>
+              <a:t> : </a:t>
+            </a:r>
+            <a:r>
+              <a:rPr lang="ko-KR" altLang="en-US" sz="2800" spc="-300" dirty="0"/>
+              <a:t>다운받지 않은 책 목록 출력</a:t>
             </a:r>
           </a:p>
         </p:txBody>
@@ -6712,7 +7767,7 @@
         </p:nvSpPr>
         <p:spPr>
           <a:xfrm>
-            <a:off x="1400961" y="2886931"/>
+            <a:off x="838200" y="1714716"/>
             <a:ext cx="503340" cy="377504"/>
           </a:xfrm>
           <a:prstGeom prst="rect">
@@ -6727,7 +7782,11 @@
           <a:lstStyle/>
           <a:p>
             <a:r>
-              <a:rPr lang="ko-KR" altLang="en-US" dirty="0"/>
+              <a:rPr lang="ko-KR" altLang="en-US" dirty="0">
+                <a:highlight>
+                  <a:srgbClr val="FFFF00"/>
+                </a:highlight>
+              </a:rPr>
               <a:t>①</a:t>
             </a:r>
           </a:p>
@@ -6747,7 +7806,7 @@
         </p:nvSpPr>
         <p:spPr>
           <a:xfrm>
-            <a:off x="3305262" y="3339937"/>
+            <a:off x="2875605" y="3492731"/>
             <a:ext cx="503340" cy="377504"/>
           </a:xfrm>
           <a:prstGeom prst="rect">
@@ -6762,7 +7821,11 @@
           <a:lstStyle/>
           <a:p>
             <a:r>
-              <a:rPr lang="ko-KR" altLang="en-US" dirty="0"/>
+              <a:rPr lang="ko-KR" altLang="en-US" dirty="0">
+                <a:highlight>
+                  <a:srgbClr val="FFFF00"/>
+                </a:highlight>
+              </a:rPr>
               <a:t>②</a:t>
             </a:r>
           </a:p>
@@ -6782,7 +7845,7 @@
         </p:nvSpPr>
         <p:spPr>
           <a:xfrm>
-            <a:off x="2315011" y="4959012"/>
+            <a:off x="3568375" y="1714716"/>
             <a:ext cx="503340" cy="377504"/>
           </a:xfrm>
           <a:prstGeom prst="rect">
@@ -6797,8 +7860,90 @@
           <a:lstStyle/>
           <a:p>
             <a:r>
-              <a:rPr lang="ko-KR" altLang="en-US" dirty="0"/>
+              <a:rPr lang="ko-KR" altLang="en-US" dirty="0">
+                <a:highlight>
+                  <a:srgbClr val="FFFF00"/>
+                </a:highlight>
+              </a:rPr>
               <a:t>③</a:t>
+            </a:r>
+          </a:p>
+        </p:txBody>
+      </p:sp>
+      <p:pic>
+        <p:nvPicPr>
+          <p:cNvPr id="10" name="그래픽 9" descr="사용자">
+            <a:extLst>
+              <a:ext uri="{FF2B5EF4-FFF2-40B4-BE49-F238E27FC236}">
+                <a16:creationId xmlns:a16="http://schemas.microsoft.com/office/drawing/2014/main" id="{26F1F13B-4267-4F5D-972E-506B30AB635F}"/>
+              </a:ext>
+            </a:extLst>
+          </p:cNvPr>
+          <p:cNvPicPr>
+            <a:picLocks noChangeAspect="1"/>
+          </p:cNvPicPr>
+          <p:nvPr/>
+        </p:nvPicPr>
+        <p:blipFill>
+          <a:blip r:embed="rId3">
+            <a:extLst>
+              <a:ext uri="{28A0092B-C50C-407E-A947-70E740481C1C}">
+                <a14:useLocalDpi xmlns:a14="http://schemas.microsoft.com/office/drawing/2010/main" val="0"/>
+              </a:ext>
+              <a:ext uri="{96DAC541-7B7A-43D3-8B79-37D633B846F1}">
+                <asvg:svgBlip xmlns:asvg="http://schemas.microsoft.com/office/drawing/2016/SVG/main" r:embed="rId4"/>
+              </a:ext>
+            </a:extLst>
+          </a:blip>
+          <a:stretch>
+            <a:fillRect/>
+          </a:stretch>
+        </p:blipFill>
+        <p:spPr>
+          <a:xfrm>
+            <a:off x="1129626" y="1690688"/>
+            <a:ext cx="302565" cy="302565"/>
+          </a:xfrm>
+          <a:prstGeom prst="rect">
+            <a:avLst/>
+          </a:prstGeom>
+        </p:spPr>
+      </p:pic>
+      <p:sp>
+        <p:nvSpPr>
+          <p:cNvPr id="11" name="TextBox 10">
+            <a:extLst>
+              <a:ext uri="{FF2B5EF4-FFF2-40B4-BE49-F238E27FC236}">
+                <a16:creationId xmlns:a16="http://schemas.microsoft.com/office/drawing/2014/main" id="{9A7987F8-FC0A-4950-8DC9-0ECB5101713A}"/>
+              </a:ext>
+            </a:extLst>
+          </p:cNvPr>
+          <p:cNvSpPr txBox="1"/>
+          <p:nvPr/>
+        </p:nvSpPr>
+        <p:spPr>
+          <a:xfrm>
+            <a:off x="3171768" y="5614687"/>
+            <a:ext cx="503340" cy="369332"/>
+          </a:xfrm>
+          <a:prstGeom prst="rect">
+            <a:avLst/>
+          </a:prstGeom>
+          <a:noFill/>
+        </p:spPr>
+        <p:txBody>
+          <a:bodyPr wrap="square" rtlCol="0">
+            <a:spAutoFit/>
+          </a:bodyPr>
+          <a:lstStyle/>
+          <a:p>
+            <a:r>
+              <a:rPr lang="ko-KR" altLang="en-US" dirty="0">
+                <a:highlight>
+                  <a:srgbClr val="FFFF00"/>
+                </a:highlight>
+              </a:rPr>
+              <a:t>④</a:t>
             </a:r>
           </a:p>
         </p:txBody>
@@ -6806,7 +7951,7 @@
     </p:spTree>
     <p:extLst>
       <p:ext uri="{BB962C8B-B14F-4D97-AF65-F5344CB8AC3E}">
-        <p14:creationId xmlns:p14="http://schemas.microsoft.com/office/powerpoint/2010/main" val="2407369947"/>
+        <p14:creationId xmlns:p14="http://schemas.microsoft.com/office/powerpoint/2010/main" val="2598213264"/>
       </p:ext>
     </p:extLst>
   </p:cSld>
@@ -6833,12 +7978,48 @@
           <a:chExt cx="0" cy="0"/>
         </a:xfrm>
       </p:grpSpPr>
+      <p:pic>
+        <p:nvPicPr>
+          <p:cNvPr id="8" name="그림 7">
+            <a:extLst>
+              <a:ext uri="{FF2B5EF4-FFF2-40B4-BE49-F238E27FC236}">
+                <a16:creationId xmlns:a16="http://schemas.microsoft.com/office/drawing/2014/main" id="{D5C29BC0-4B5F-47D3-B0B8-1E4F925239D2}"/>
+              </a:ext>
+            </a:extLst>
+          </p:cNvPr>
+          <p:cNvPicPr>
+            <a:picLocks noChangeAspect="1"/>
+          </p:cNvPicPr>
+          <p:nvPr/>
+        </p:nvPicPr>
+        <p:blipFill>
+          <a:blip r:embed="rId2">
+            <a:extLst>
+              <a:ext uri="{28A0092B-C50C-407E-A947-70E740481C1C}">
+                <a14:useLocalDpi xmlns:a14="http://schemas.microsoft.com/office/drawing/2010/main" val="0"/>
+              </a:ext>
+            </a:extLst>
+          </a:blip>
+          <a:stretch>
+            <a:fillRect/>
+          </a:stretch>
+        </p:blipFill>
+        <p:spPr>
+          <a:xfrm>
+            <a:off x="979860" y="1546301"/>
+            <a:ext cx="2781179" cy="4946573"/>
+          </a:xfrm>
+          <a:prstGeom prst="rect">
+            <a:avLst/>
+          </a:prstGeom>
+        </p:spPr>
+      </p:pic>
       <p:sp>
         <p:nvSpPr>
           <p:cNvPr id="2" name="제목 1">
             <a:extLst>
               <a:ext uri="{FF2B5EF4-FFF2-40B4-BE49-F238E27FC236}">
-                <a16:creationId xmlns:a16="http://schemas.microsoft.com/office/drawing/2014/main" id="{D41D48DF-4037-49BC-BAE8-A2C6EBFF52A5}"/>
+                <a16:creationId xmlns:a16="http://schemas.microsoft.com/office/drawing/2014/main" id="{F6B71058-F764-4412-A574-A2FF767D45D1}"/>
               </a:ext>
             </a:extLst>
           </p:cNvPr>
@@ -6855,41 +8036,419 @@
           <a:lstStyle/>
           <a:p>
             <a:r>
+              <a:rPr lang="en-US" altLang="ko-KR" dirty="0"/>
+              <a:t>3. </a:t>
+            </a:r>
+            <a:r>
               <a:rPr lang="ko-KR" altLang="en-US" dirty="0"/>
-              <a:t>기술분석</a:t>
-            </a:r>
-          </a:p>
-        </p:txBody>
-      </p:sp>
-      <p:sp>
-        <p:nvSpPr>
-          <p:cNvPr id="3" name="내용 개체 틀 2">
-            <a:extLst>
-              <a:ext uri="{FF2B5EF4-FFF2-40B4-BE49-F238E27FC236}">
-                <a16:creationId xmlns:a16="http://schemas.microsoft.com/office/drawing/2014/main" id="{4BCCD8EE-9FBF-40CF-AA9C-C1B64D27C7F9}"/>
-              </a:ext>
-            </a:extLst>
-          </p:cNvPr>
-          <p:cNvSpPr>
-            <a:spLocks noGrp="1"/>
-          </p:cNvSpPr>
-          <p:nvPr>
-            <p:ph idx="1"/>
-          </p:nvPr>
-        </p:nvSpPr>
-        <p:spPr/>
-        <p:txBody>
-          <a:bodyPr/>
+              <a:t>마이페이지 화면</a:t>
+            </a:r>
+          </a:p>
+        </p:txBody>
+      </p:sp>
+      <p:sp>
+        <p:nvSpPr>
+          <p:cNvPr id="4" name="TextBox 3">
+            <a:extLst>
+              <a:ext uri="{FF2B5EF4-FFF2-40B4-BE49-F238E27FC236}">
+                <a16:creationId xmlns:a16="http://schemas.microsoft.com/office/drawing/2014/main" id="{C051F320-FE13-4BF3-B464-F2347EB54B16}"/>
+              </a:ext>
+            </a:extLst>
+          </p:cNvPr>
+          <p:cNvSpPr txBox="1"/>
+          <p:nvPr/>
+        </p:nvSpPr>
+        <p:spPr>
+          <a:xfrm>
+            <a:off x="5217952" y="1690688"/>
+            <a:ext cx="6467912" cy="4748801"/>
+          </a:xfrm>
+          <a:prstGeom prst="rect">
+            <a:avLst/>
+          </a:prstGeom>
+          <a:noFill/>
+        </p:spPr>
+        <p:txBody>
+          <a:bodyPr wrap="square" rtlCol="0">
+            <a:spAutoFit/>
+          </a:bodyPr>
           <a:lstStyle/>
           <a:p>
-            <a:endParaRPr lang="ko-KR" altLang="en-US"/>
+            <a:r>
+              <a:rPr lang="ko-KR" altLang="en-US" sz="2800" dirty="0"/>
+              <a:t>기능 </a:t>
+            </a:r>
+            <a:r>
+              <a:rPr lang="en-US" altLang="ko-KR" sz="2800" dirty="0"/>
+              <a:t>: </a:t>
+            </a:r>
+          </a:p>
+          <a:p>
+            <a:endParaRPr lang="en-US" altLang="ko-KR" sz="2800" dirty="0"/>
+          </a:p>
+          <a:p>
+            <a:pPr>
+              <a:lnSpc>
+                <a:spcPct val="150000"/>
+              </a:lnSpc>
+            </a:pPr>
+            <a:r>
+              <a:rPr lang="ko-KR" altLang="en-US" sz="2800" spc="-150" dirty="0"/>
+              <a:t>① </a:t>
+            </a:r>
+            <a:r>
+              <a:rPr lang="en-US" altLang="ko-KR" sz="2800" spc="-150" dirty="0"/>
+              <a:t>:</a:t>
+            </a:r>
+            <a:r>
+              <a:rPr lang="ko-KR" altLang="en-US" sz="2800" spc="-150" dirty="0"/>
+              <a:t> 로그인 상태 표시</a:t>
+            </a:r>
+            <a:endParaRPr lang="en-US" altLang="ko-KR" sz="2800" spc="-150" dirty="0"/>
+          </a:p>
+          <a:p>
+            <a:pPr>
+              <a:lnSpc>
+                <a:spcPct val="150000"/>
+              </a:lnSpc>
+            </a:pPr>
+            <a:r>
+              <a:rPr lang="ko-KR" altLang="en-US" sz="2800" spc="-150" dirty="0"/>
+              <a:t>② </a:t>
+            </a:r>
+            <a:r>
+              <a:rPr lang="en-US" altLang="ko-KR" sz="2800" spc="-150" dirty="0"/>
+              <a:t>:</a:t>
+            </a:r>
+            <a:r>
+              <a:rPr lang="ko-KR" altLang="en-US" sz="2800" spc="-150" dirty="0"/>
+              <a:t> 로그아웃 기능</a:t>
+            </a:r>
+            <a:endParaRPr lang="en-US" altLang="ko-KR" sz="2800" spc="-150" dirty="0"/>
+          </a:p>
+          <a:p>
+            <a:pPr>
+              <a:lnSpc>
+                <a:spcPct val="150000"/>
+              </a:lnSpc>
+            </a:pPr>
+            <a:r>
+              <a:rPr lang="ko-KR" altLang="en-US" sz="2800" spc="-150" dirty="0"/>
+              <a:t>③ </a:t>
+            </a:r>
+            <a:r>
+              <a:rPr lang="en-US" altLang="ko-KR" sz="2800" spc="-150" dirty="0"/>
+              <a:t>:</a:t>
+            </a:r>
+            <a:r>
+              <a:rPr lang="ko-KR" altLang="en-US" sz="2800" spc="-150" dirty="0"/>
+              <a:t> 비밀번호 변경 기능</a:t>
+            </a:r>
+            <a:endParaRPr lang="en-US" altLang="ko-KR" sz="2800" spc="-150" dirty="0"/>
+          </a:p>
+          <a:p>
+            <a:pPr>
+              <a:lnSpc>
+                <a:spcPct val="150000"/>
+              </a:lnSpc>
+            </a:pPr>
+            <a:r>
+              <a:rPr lang="ko-KR" altLang="ko-KR" sz="2800" spc="-150" dirty="0"/>
+              <a:t>④</a:t>
+            </a:r>
+            <a:r>
+              <a:rPr lang="en-US" altLang="ko-KR" sz="2800" spc="-150" dirty="0"/>
+              <a:t> : </a:t>
+            </a:r>
+            <a:r>
+              <a:rPr lang="ko-KR" altLang="en-US" sz="2800" spc="-150" dirty="0"/>
+              <a:t>회원탈퇴 기능</a:t>
+            </a:r>
+            <a:endParaRPr lang="en-US" altLang="ko-KR" sz="2800" spc="-150" dirty="0"/>
+          </a:p>
+          <a:p>
+            <a:pPr>
+              <a:lnSpc>
+                <a:spcPct val="150000"/>
+              </a:lnSpc>
+            </a:pPr>
+            <a:r>
+              <a:rPr lang="ko-KR" altLang="ko-KR" sz="2800" spc="-150" dirty="0"/>
+              <a:t>⑤</a:t>
+            </a:r>
+            <a:r>
+              <a:rPr lang="en-US" altLang="ko-KR" sz="2800" spc="-150" dirty="0"/>
+              <a:t> : </a:t>
+            </a:r>
+            <a:r>
+              <a:rPr lang="ko-KR" altLang="en-US" sz="2800" spc="-150" dirty="0"/>
+              <a:t>내가 남겼던 리뷰들 </a:t>
+            </a:r>
+            <a:r>
+              <a:rPr lang="ko-KR" altLang="en-US" sz="2800" spc="-150" dirty="0" err="1"/>
+              <a:t>모아보기</a:t>
+            </a:r>
+            <a:endParaRPr lang="en-US" altLang="ko-KR" sz="2800" spc="-150" dirty="0"/>
+          </a:p>
+          <a:p>
+            <a:pPr>
+              <a:lnSpc>
+                <a:spcPct val="150000"/>
+              </a:lnSpc>
+            </a:pPr>
+            <a:r>
+              <a:rPr lang="ko-KR" altLang="en-US" sz="2800" spc="-150" dirty="0"/>
+              <a:t>⑥ </a:t>
+            </a:r>
+            <a:r>
+              <a:rPr lang="en-US" altLang="ko-KR" sz="2800" spc="-150" dirty="0"/>
+              <a:t>: </a:t>
+            </a:r>
+            <a:r>
+              <a:rPr lang="ko-KR" altLang="en-US" sz="2800" spc="-150" dirty="0"/>
+              <a:t>내가 읽은 책들 목록</a:t>
+            </a:r>
+          </a:p>
+        </p:txBody>
+      </p:sp>
+      <p:sp>
+        <p:nvSpPr>
+          <p:cNvPr id="5" name="TextBox 4">
+            <a:extLst>
+              <a:ext uri="{FF2B5EF4-FFF2-40B4-BE49-F238E27FC236}">
+                <a16:creationId xmlns:a16="http://schemas.microsoft.com/office/drawing/2014/main" id="{9D99F421-D9D5-4A7E-870C-2720F95A7F5F}"/>
+              </a:ext>
+            </a:extLst>
+          </p:cNvPr>
+          <p:cNvSpPr txBox="1"/>
+          <p:nvPr/>
+        </p:nvSpPr>
+        <p:spPr>
+          <a:xfrm>
+            <a:off x="728190" y="2008527"/>
+            <a:ext cx="503340" cy="377504"/>
+          </a:xfrm>
+          <a:prstGeom prst="rect">
+            <a:avLst/>
+          </a:prstGeom>
+          <a:noFill/>
+        </p:spPr>
+        <p:txBody>
+          <a:bodyPr wrap="square" rtlCol="0">
+            <a:spAutoFit/>
+          </a:bodyPr>
+          <a:lstStyle/>
+          <a:p>
+            <a:r>
+              <a:rPr lang="ko-KR" altLang="en-US" dirty="0">
+                <a:highlight>
+                  <a:srgbClr val="FFFF00"/>
+                </a:highlight>
+              </a:rPr>
+              <a:t>①</a:t>
+            </a:r>
+          </a:p>
+        </p:txBody>
+      </p:sp>
+      <p:sp>
+        <p:nvSpPr>
+          <p:cNvPr id="6" name="TextBox 5">
+            <a:extLst>
+              <a:ext uri="{FF2B5EF4-FFF2-40B4-BE49-F238E27FC236}">
+                <a16:creationId xmlns:a16="http://schemas.microsoft.com/office/drawing/2014/main" id="{0D341BA6-A03E-42C5-ACA1-23F15301CFA9}"/>
+              </a:ext>
+            </a:extLst>
+          </p:cNvPr>
+          <p:cNvSpPr txBox="1"/>
+          <p:nvPr/>
+        </p:nvSpPr>
+        <p:spPr>
+          <a:xfrm>
+            <a:off x="2467981" y="1917319"/>
+            <a:ext cx="503340" cy="377504"/>
+          </a:xfrm>
+          <a:prstGeom prst="rect">
+            <a:avLst/>
+          </a:prstGeom>
+          <a:noFill/>
+        </p:spPr>
+        <p:txBody>
+          <a:bodyPr wrap="square" rtlCol="0">
+            <a:spAutoFit/>
+          </a:bodyPr>
+          <a:lstStyle/>
+          <a:p>
+            <a:r>
+              <a:rPr lang="ko-KR" altLang="en-US" dirty="0">
+                <a:highlight>
+                  <a:srgbClr val="FFFF00"/>
+                </a:highlight>
+              </a:rPr>
+              <a:t>②</a:t>
+            </a:r>
+          </a:p>
+        </p:txBody>
+      </p:sp>
+      <p:sp>
+        <p:nvSpPr>
+          <p:cNvPr id="7" name="TextBox 6">
+            <a:extLst>
+              <a:ext uri="{FF2B5EF4-FFF2-40B4-BE49-F238E27FC236}">
+                <a16:creationId xmlns:a16="http://schemas.microsoft.com/office/drawing/2014/main" id="{3DAC5130-3963-4C78-8FF0-4277AB440D8F}"/>
+              </a:ext>
+            </a:extLst>
+          </p:cNvPr>
+          <p:cNvSpPr txBox="1"/>
+          <p:nvPr/>
+        </p:nvSpPr>
+        <p:spPr>
+          <a:xfrm>
+            <a:off x="728190" y="2450677"/>
+            <a:ext cx="503340" cy="377504"/>
+          </a:xfrm>
+          <a:prstGeom prst="rect">
+            <a:avLst/>
+          </a:prstGeom>
+          <a:noFill/>
+        </p:spPr>
+        <p:txBody>
+          <a:bodyPr wrap="square" rtlCol="0">
+            <a:spAutoFit/>
+          </a:bodyPr>
+          <a:lstStyle/>
+          <a:p>
+            <a:r>
+              <a:rPr lang="ko-KR" altLang="en-US" dirty="0">
+                <a:highlight>
+                  <a:srgbClr val="FFFF00"/>
+                </a:highlight>
+              </a:rPr>
+              <a:t>③</a:t>
+            </a:r>
+          </a:p>
+        </p:txBody>
+      </p:sp>
+      <p:sp>
+        <p:nvSpPr>
+          <p:cNvPr id="11" name="TextBox 10">
+            <a:extLst>
+              <a:ext uri="{FF2B5EF4-FFF2-40B4-BE49-F238E27FC236}">
+                <a16:creationId xmlns:a16="http://schemas.microsoft.com/office/drawing/2014/main" id="{9A7987F8-FC0A-4950-8DC9-0ECB5101713A}"/>
+              </a:ext>
+            </a:extLst>
+          </p:cNvPr>
+          <p:cNvSpPr txBox="1"/>
+          <p:nvPr/>
+        </p:nvSpPr>
+        <p:spPr>
+          <a:xfrm>
+            <a:off x="2244614" y="2336788"/>
+            <a:ext cx="503340" cy="369332"/>
+          </a:xfrm>
+          <a:prstGeom prst="rect">
+            <a:avLst/>
+          </a:prstGeom>
+          <a:noFill/>
+        </p:spPr>
+        <p:txBody>
+          <a:bodyPr wrap="square" rtlCol="0">
+            <a:spAutoFit/>
+          </a:bodyPr>
+          <a:lstStyle/>
+          <a:p>
+            <a:r>
+              <a:rPr lang="ko-KR" altLang="en-US" dirty="0">
+                <a:highlight>
+                  <a:srgbClr val="FFFF00"/>
+                </a:highlight>
+              </a:rPr>
+              <a:t>④</a:t>
+            </a:r>
+          </a:p>
+        </p:txBody>
+      </p:sp>
+      <p:sp>
+        <p:nvSpPr>
+          <p:cNvPr id="12" name="TextBox 11">
+            <a:extLst>
+              <a:ext uri="{FF2B5EF4-FFF2-40B4-BE49-F238E27FC236}">
+                <a16:creationId xmlns:a16="http://schemas.microsoft.com/office/drawing/2014/main" id="{7FE9C2A8-9438-44A8-92CB-964E5A0A2CC8}"/>
+              </a:ext>
+            </a:extLst>
+          </p:cNvPr>
+          <p:cNvSpPr txBox="1"/>
+          <p:nvPr/>
+        </p:nvSpPr>
+        <p:spPr>
+          <a:xfrm>
+            <a:off x="1627670" y="3388247"/>
+            <a:ext cx="503340" cy="369332"/>
+          </a:xfrm>
+          <a:prstGeom prst="rect">
+            <a:avLst/>
+          </a:prstGeom>
+          <a:noFill/>
+        </p:spPr>
+        <p:txBody>
+          <a:bodyPr wrap="square" rtlCol="0">
+            <a:spAutoFit/>
+          </a:bodyPr>
+          <a:lstStyle/>
+          <a:p>
+            <a:r>
+              <a:rPr lang="ko-KR" altLang="en-US" dirty="0">
+                <a:highlight>
+                  <a:srgbClr val="FFFF00"/>
+                </a:highlight>
+              </a:rPr>
+              <a:t>⑤</a:t>
+            </a:r>
+          </a:p>
+        </p:txBody>
+      </p:sp>
+      <p:sp>
+        <p:nvSpPr>
+          <p:cNvPr id="13" name="TextBox 12">
+            <a:extLst>
+              <a:ext uri="{FF2B5EF4-FFF2-40B4-BE49-F238E27FC236}">
+                <a16:creationId xmlns:a16="http://schemas.microsoft.com/office/drawing/2014/main" id="{A7F6B6E1-2C45-4181-94A0-56A2F8449EC1}"/>
+              </a:ext>
+            </a:extLst>
+          </p:cNvPr>
+          <p:cNvSpPr txBox="1"/>
+          <p:nvPr/>
+        </p:nvSpPr>
+        <p:spPr>
+          <a:xfrm>
+            <a:off x="1627670" y="5624671"/>
+            <a:ext cx="503340" cy="369332"/>
+          </a:xfrm>
+          <a:prstGeom prst="rect">
+            <a:avLst/>
+          </a:prstGeom>
+          <a:noFill/>
+        </p:spPr>
+        <p:txBody>
+          <a:bodyPr wrap="square" rtlCol="0">
+            <a:spAutoFit/>
+          </a:bodyPr>
+          <a:lstStyle/>
+          <a:p>
+            <a:r>
+              <a:rPr lang="ko-KR" altLang="en-US" dirty="0">
+                <a:highlight>
+                  <a:srgbClr val="FFFF00"/>
+                </a:highlight>
+              </a:rPr>
+              <a:t>⑥</a:t>
+            </a:r>
           </a:p>
         </p:txBody>
       </p:sp>
     </p:spTree>
     <p:extLst>
       <p:ext uri="{BB962C8B-B14F-4D97-AF65-F5344CB8AC3E}">
-        <p14:creationId xmlns:p14="http://schemas.microsoft.com/office/powerpoint/2010/main" val="944522468"/>
+        <p14:creationId xmlns:p14="http://schemas.microsoft.com/office/powerpoint/2010/main" val="897358876"/>
       </p:ext>
     </p:extLst>
   </p:cSld>
@@ -6916,12 +8475,48 @@
           <a:chExt cx="0" cy="0"/>
         </a:xfrm>
       </p:grpSpPr>
+      <p:pic>
+        <p:nvPicPr>
+          <p:cNvPr id="9" name="그림 8">
+            <a:extLst>
+              <a:ext uri="{FF2B5EF4-FFF2-40B4-BE49-F238E27FC236}">
+                <a16:creationId xmlns:a16="http://schemas.microsoft.com/office/drawing/2014/main" id="{796DF28C-683C-4D76-B0F8-7B66F90008C7}"/>
+              </a:ext>
+            </a:extLst>
+          </p:cNvPr>
+          <p:cNvPicPr>
+            <a:picLocks noChangeAspect="1"/>
+          </p:cNvPicPr>
+          <p:nvPr/>
+        </p:nvPicPr>
+        <p:blipFill>
+          <a:blip r:embed="rId2">
+            <a:extLst>
+              <a:ext uri="{28A0092B-C50C-407E-A947-70E740481C1C}">
+                <a14:useLocalDpi xmlns:a14="http://schemas.microsoft.com/office/drawing/2010/main" val="0"/>
+              </a:ext>
+            </a:extLst>
+          </a:blip>
+          <a:stretch>
+            <a:fillRect/>
+          </a:stretch>
+        </p:blipFill>
+        <p:spPr>
+          <a:xfrm>
+            <a:off x="977266" y="23871"/>
+            <a:ext cx="2783773" cy="6834129"/>
+          </a:xfrm>
+          <a:prstGeom prst="rect">
+            <a:avLst/>
+          </a:prstGeom>
+        </p:spPr>
+      </p:pic>
       <p:sp>
         <p:nvSpPr>
           <p:cNvPr id="2" name="제목 1">
             <a:extLst>
               <a:ext uri="{FF2B5EF4-FFF2-40B4-BE49-F238E27FC236}">
-                <a16:creationId xmlns:a16="http://schemas.microsoft.com/office/drawing/2014/main" id="{01675B1D-BA3F-4C9E-A982-25BE10855BC3}"/>
+                <a16:creationId xmlns:a16="http://schemas.microsoft.com/office/drawing/2014/main" id="{F6B71058-F764-4412-A574-A2FF767D45D1}"/>
               </a:ext>
             </a:extLst>
           </p:cNvPr>
@@ -6937,42 +8532,580 @@
           <a:bodyPr/>
           <a:lstStyle/>
           <a:p>
+            <a:pPr algn="r"/>
+            <a:r>
+              <a:rPr lang="en-US" altLang="ko-KR" dirty="0"/>
+              <a:t>4. </a:t>
+            </a:r>
             <a:r>
               <a:rPr lang="ko-KR" altLang="en-US" dirty="0"/>
-              <a:t>참고 라이브러리</a:t>
-            </a:r>
-          </a:p>
-        </p:txBody>
-      </p:sp>
-      <p:sp>
-        <p:nvSpPr>
-          <p:cNvPr id="3" name="내용 개체 틀 2">
-            <a:extLst>
-              <a:ext uri="{FF2B5EF4-FFF2-40B4-BE49-F238E27FC236}">
-                <a16:creationId xmlns:a16="http://schemas.microsoft.com/office/drawing/2014/main" id="{1C2188EF-D496-4F48-8F72-9F5B29AAF8A1}"/>
-              </a:ext>
-            </a:extLst>
-          </p:cNvPr>
-          <p:cNvSpPr>
-            <a:spLocks noGrp="1"/>
-          </p:cNvSpPr>
-          <p:nvPr>
-            <p:ph idx="1"/>
-          </p:nvPr>
-        </p:nvSpPr>
-        <p:spPr/>
-        <p:txBody>
-          <a:bodyPr/>
+              <a:t>책 소개 화면</a:t>
+            </a:r>
+          </a:p>
+        </p:txBody>
+      </p:sp>
+      <p:sp>
+        <p:nvSpPr>
+          <p:cNvPr id="4" name="TextBox 3">
+            <a:extLst>
+              <a:ext uri="{FF2B5EF4-FFF2-40B4-BE49-F238E27FC236}">
+                <a16:creationId xmlns:a16="http://schemas.microsoft.com/office/drawing/2014/main" id="{C051F320-FE13-4BF3-B464-F2347EB54B16}"/>
+              </a:ext>
+            </a:extLst>
+          </p:cNvPr>
+          <p:cNvSpPr txBox="1"/>
+          <p:nvPr/>
+        </p:nvSpPr>
+        <p:spPr>
+          <a:xfrm>
+            <a:off x="5217952" y="1690688"/>
+            <a:ext cx="6467912" cy="4240584"/>
+          </a:xfrm>
+          <a:prstGeom prst="rect">
+            <a:avLst/>
+          </a:prstGeom>
+          <a:noFill/>
+        </p:spPr>
+        <p:txBody>
+          <a:bodyPr wrap="square" rtlCol="0">
+            <a:spAutoFit/>
+          </a:bodyPr>
           <a:lstStyle/>
           <a:p>
-            <a:endParaRPr lang="ko-KR" altLang="en-US"/>
+            <a:r>
+              <a:rPr lang="ko-KR" altLang="en-US" sz="2400" dirty="0"/>
+              <a:t>기능 </a:t>
+            </a:r>
+            <a:r>
+              <a:rPr lang="en-US" altLang="ko-KR" sz="2400" dirty="0"/>
+              <a:t>: </a:t>
+            </a:r>
+            <a:r>
+              <a:rPr lang="ko-KR" altLang="en-US" sz="2400" dirty="0"/>
+              <a:t>책을 선택하는데 기준이 될 수 있는 내용들 표시</a:t>
+            </a:r>
+            <a:endParaRPr lang="en-US" altLang="ko-KR" sz="2400" dirty="0"/>
+          </a:p>
+          <a:p>
+            <a:endParaRPr lang="en-US" altLang="ko-KR" sz="2400" dirty="0"/>
+          </a:p>
+          <a:p>
+            <a:pPr>
+              <a:lnSpc>
+                <a:spcPct val="140000"/>
+              </a:lnSpc>
+            </a:pPr>
+            <a:r>
+              <a:rPr lang="ko-KR" altLang="en-US" sz="2400" spc="-150" dirty="0"/>
+              <a:t>① </a:t>
+            </a:r>
+            <a:r>
+              <a:rPr lang="en-US" altLang="ko-KR" sz="2400" spc="-150" dirty="0"/>
+              <a:t>: </a:t>
+            </a:r>
+            <a:r>
+              <a:rPr lang="ko-KR" altLang="en-US" sz="2400" spc="-150" dirty="0"/>
+              <a:t>책 소개</a:t>
+            </a:r>
+            <a:endParaRPr lang="en-US" altLang="ko-KR" sz="2400" spc="-150" dirty="0"/>
+          </a:p>
+          <a:p>
+            <a:pPr>
+              <a:lnSpc>
+                <a:spcPct val="140000"/>
+              </a:lnSpc>
+            </a:pPr>
+            <a:r>
+              <a:rPr lang="ko-KR" altLang="en-US" sz="2400" spc="-150" dirty="0"/>
+              <a:t>② </a:t>
+            </a:r>
+            <a:r>
+              <a:rPr lang="en-US" altLang="ko-KR" sz="2400" spc="-150" dirty="0"/>
+              <a:t>: </a:t>
+            </a:r>
+            <a:r>
+              <a:rPr lang="ko-KR" altLang="en-US" sz="2400" spc="-150" dirty="0"/>
+              <a:t>텍스트 뷰어 화면으로 이동</a:t>
+            </a:r>
+            <a:endParaRPr lang="en-US" altLang="ko-KR" sz="2400" spc="-150" dirty="0"/>
+          </a:p>
+          <a:p>
+            <a:pPr>
+              <a:lnSpc>
+                <a:spcPct val="140000"/>
+              </a:lnSpc>
+            </a:pPr>
+            <a:r>
+              <a:rPr lang="ko-KR" altLang="en-US" sz="2400" spc="-150" dirty="0"/>
+              <a:t>③ </a:t>
+            </a:r>
+            <a:r>
+              <a:rPr lang="en-US" altLang="ko-KR" sz="2400" spc="-150" dirty="0"/>
+              <a:t>: </a:t>
+            </a:r>
+            <a:r>
+              <a:rPr lang="ko-KR" altLang="en-US" sz="2400" spc="-150" dirty="0"/>
+              <a:t>목차</a:t>
+            </a:r>
+            <a:endParaRPr lang="en-US" altLang="ko-KR" sz="2400" spc="-150" dirty="0"/>
+          </a:p>
+          <a:p>
+            <a:pPr>
+              <a:lnSpc>
+                <a:spcPct val="140000"/>
+              </a:lnSpc>
+            </a:pPr>
+            <a:r>
+              <a:rPr lang="ko-KR" altLang="en-US" sz="2400" spc="-150" dirty="0"/>
+              <a:t>④ </a:t>
+            </a:r>
+            <a:r>
+              <a:rPr lang="en-US" altLang="ko-KR" sz="2400" spc="-150" dirty="0"/>
+              <a:t>: </a:t>
+            </a:r>
+            <a:r>
+              <a:rPr lang="ko-KR" altLang="en-US" sz="2400" spc="-150" dirty="0"/>
+              <a:t>저자 소개</a:t>
+            </a:r>
+            <a:endParaRPr lang="en-US" altLang="ko-KR" sz="2400" spc="-150" dirty="0"/>
+          </a:p>
+          <a:p>
+            <a:pPr>
+              <a:lnSpc>
+                <a:spcPct val="140000"/>
+              </a:lnSpc>
+            </a:pPr>
+            <a:r>
+              <a:rPr lang="ko-KR" altLang="en-US" sz="2400" spc="-150" dirty="0"/>
+              <a:t>⑤ </a:t>
+            </a:r>
+            <a:r>
+              <a:rPr lang="en-US" altLang="ko-KR" sz="2400" spc="-150" dirty="0"/>
+              <a:t>: </a:t>
+            </a:r>
+            <a:r>
+              <a:rPr lang="ko-KR" altLang="en-US" sz="2400" spc="-150" dirty="0"/>
+              <a:t>다른 유저들이 남긴 리뷰</a:t>
+            </a:r>
+            <a:endParaRPr lang="en-US" altLang="ko-KR" sz="2400" spc="-150" dirty="0"/>
+          </a:p>
+          <a:p>
+            <a:pPr>
+              <a:lnSpc>
+                <a:spcPct val="140000"/>
+              </a:lnSpc>
+            </a:pPr>
+            <a:r>
+              <a:rPr lang="ko-KR" altLang="ko-KR" sz="2400" spc="-150" dirty="0"/>
+              <a:t>⑥</a:t>
+            </a:r>
+            <a:r>
+              <a:rPr lang="en-US" altLang="ko-KR" sz="2400" spc="-150" dirty="0"/>
+              <a:t> : </a:t>
+            </a:r>
+            <a:r>
+              <a:rPr lang="ko-KR" altLang="en-US" sz="2400" spc="-150" dirty="0"/>
+              <a:t>좋아요</a:t>
+            </a:r>
+            <a:r>
+              <a:rPr lang="en-US" altLang="ko-KR" sz="2400" spc="-150" dirty="0"/>
+              <a:t>/</a:t>
+            </a:r>
+            <a:r>
+              <a:rPr lang="ko-KR" altLang="en-US" sz="2400" spc="-150" dirty="0"/>
+              <a:t>싫어요 기능</a:t>
+            </a:r>
+          </a:p>
+        </p:txBody>
+      </p:sp>
+      <p:sp>
+        <p:nvSpPr>
+          <p:cNvPr id="5" name="TextBox 4">
+            <a:extLst>
+              <a:ext uri="{FF2B5EF4-FFF2-40B4-BE49-F238E27FC236}">
+                <a16:creationId xmlns:a16="http://schemas.microsoft.com/office/drawing/2014/main" id="{9D99F421-D9D5-4A7E-870C-2720F95A7F5F}"/>
+              </a:ext>
+            </a:extLst>
+          </p:cNvPr>
+          <p:cNvSpPr txBox="1"/>
+          <p:nvPr/>
+        </p:nvSpPr>
+        <p:spPr>
+          <a:xfrm>
+            <a:off x="1596679" y="3717441"/>
+            <a:ext cx="503340" cy="377504"/>
+          </a:xfrm>
+          <a:prstGeom prst="rect">
+            <a:avLst/>
+          </a:prstGeom>
+          <a:noFill/>
+        </p:spPr>
+        <p:txBody>
+          <a:bodyPr wrap="square" rtlCol="0">
+            <a:spAutoFit/>
+          </a:bodyPr>
+          <a:lstStyle/>
+          <a:p>
+            <a:r>
+              <a:rPr lang="ko-KR" altLang="en-US" dirty="0">
+                <a:highlight>
+                  <a:srgbClr val="FFFF00"/>
+                </a:highlight>
+              </a:rPr>
+              <a:t>①</a:t>
+            </a:r>
+          </a:p>
+        </p:txBody>
+      </p:sp>
+      <p:sp>
+        <p:nvSpPr>
+          <p:cNvPr id="6" name="TextBox 5">
+            <a:extLst>
+              <a:ext uri="{FF2B5EF4-FFF2-40B4-BE49-F238E27FC236}">
+                <a16:creationId xmlns:a16="http://schemas.microsoft.com/office/drawing/2014/main" id="{0D341BA6-A03E-42C5-ACA1-23F15301CFA9}"/>
+              </a:ext>
+            </a:extLst>
+          </p:cNvPr>
+          <p:cNvSpPr txBox="1"/>
+          <p:nvPr/>
+        </p:nvSpPr>
+        <p:spPr>
+          <a:xfrm>
+            <a:off x="2818351" y="4397556"/>
+            <a:ext cx="503340" cy="377504"/>
+          </a:xfrm>
+          <a:prstGeom prst="rect">
+            <a:avLst/>
+          </a:prstGeom>
+          <a:noFill/>
+        </p:spPr>
+        <p:txBody>
+          <a:bodyPr wrap="square" rtlCol="0">
+            <a:spAutoFit/>
+          </a:bodyPr>
+          <a:lstStyle/>
+          <a:p>
+            <a:r>
+              <a:rPr lang="ko-KR" altLang="en-US" dirty="0">
+                <a:highlight>
+                  <a:srgbClr val="FFFF00"/>
+                </a:highlight>
+              </a:rPr>
+              <a:t>②</a:t>
+            </a:r>
+          </a:p>
+        </p:txBody>
+      </p:sp>
+      <p:sp>
+        <p:nvSpPr>
+          <p:cNvPr id="7" name="TextBox 6">
+            <a:extLst>
+              <a:ext uri="{FF2B5EF4-FFF2-40B4-BE49-F238E27FC236}">
+                <a16:creationId xmlns:a16="http://schemas.microsoft.com/office/drawing/2014/main" id="{3DAC5130-3963-4C78-8FF0-4277AB440D8F}"/>
+              </a:ext>
+            </a:extLst>
+          </p:cNvPr>
+          <p:cNvSpPr txBox="1"/>
+          <p:nvPr/>
+        </p:nvSpPr>
+        <p:spPr>
+          <a:xfrm>
+            <a:off x="1409143" y="5003079"/>
+            <a:ext cx="503340" cy="377504"/>
+          </a:xfrm>
+          <a:prstGeom prst="rect">
+            <a:avLst/>
+          </a:prstGeom>
+          <a:noFill/>
+        </p:spPr>
+        <p:txBody>
+          <a:bodyPr wrap="square" rtlCol="0">
+            <a:spAutoFit/>
+          </a:bodyPr>
+          <a:lstStyle/>
+          <a:p>
+            <a:r>
+              <a:rPr lang="ko-KR" altLang="en-US" dirty="0">
+                <a:highlight>
+                  <a:srgbClr val="FFFF00"/>
+                </a:highlight>
+              </a:rPr>
+              <a:t>③</a:t>
+            </a:r>
+          </a:p>
+        </p:txBody>
+      </p:sp>
+      <p:sp>
+        <p:nvSpPr>
+          <p:cNvPr id="17" name="TextBox 16">
+            <a:extLst>
+              <a:ext uri="{FF2B5EF4-FFF2-40B4-BE49-F238E27FC236}">
+                <a16:creationId xmlns:a16="http://schemas.microsoft.com/office/drawing/2014/main" id="{4CFBAB0B-4177-4CBA-AD77-AA6C959D948D}"/>
+              </a:ext>
+            </a:extLst>
+          </p:cNvPr>
+          <p:cNvSpPr txBox="1"/>
+          <p:nvPr/>
+        </p:nvSpPr>
+        <p:spPr>
+          <a:xfrm>
+            <a:off x="1799879" y="5287720"/>
+            <a:ext cx="503340" cy="369332"/>
+          </a:xfrm>
+          <a:prstGeom prst="rect">
+            <a:avLst/>
+          </a:prstGeom>
+          <a:noFill/>
+        </p:spPr>
+        <p:txBody>
+          <a:bodyPr wrap="square" rtlCol="0">
+            <a:spAutoFit/>
+          </a:bodyPr>
+          <a:lstStyle/>
+          <a:p>
+            <a:r>
+              <a:rPr lang="ko-KR" altLang="en-US" dirty="0">
+                <a:highlight>
+                  <a:srgbClr val="FFFF00"/>
+                </a:highlight>
+              </a:rPr>
+              <a:t>④</a:t>
+            </a:r>
+          </a:p>
+        </p:txBody>
+      </p:sp>
+      <p:sp>
+        <p:nvSpPr>
+          <p:cNvPr id="18" name="TextBox 17">
+            <a:extLst>
+              <a:ext uri="{FF2B5EF4-FFF2-40B4-BE49-F238E27FC236}">
+                <a16:creationId xmlns:a16="http://schemas.microsoft.com/office/drawing/2014/main" id="{559555C2-56F9-44BA-A2A0-E1F0DBC500F5}"/>
+              </a:ext>
+            </a:extLst>
+          </p:cNvPr>
+          <p:cNvSpPr txBox="1"/>
+          <p:nvPr/>
+        </p:nvSpPr>
+        <p:spPr>
+          <a:xfrm>
+            <a:off x="1865812" y="5695356"/>
+            <a:ext cx="503340" cy="369332"/>
+          </a:xfrm>
+          <a:prstGeom prst="rect">
+            <a:avLst/>
+          </a:prstGeom>
+          <a:noFill/>
+        </p:spPr>
+        <p:txBody>
+          <a:bodyPr wrap="square" rtlCol="0">
+            <a:spAutoFit/>
+          </a:bodyPr>
+          <a:lstStyle/>
+          <a:p>
+            <a:r>
+              <a:rPr lang="ko-KR" altLang="en-US" dirty="0">
+                <a:highlight>
+                  <a:srgbClr val="FFFF00"/>
+                </a:highlight>
+              </a:rPr>
+              <a:t>⑤</a:t>
+            </a:r>
+          </a:p>
+        </p:txBody>
+      </p:sp>
+      <p:pic>
+        <p:nvPicPr>
+          <p:cNvPr id="20" name="그래픽 19" descr="엄지척 기호">
+            <a:extLst>
+              <a:ext uri="{FF2B5EF4-FFF2-40B4-BE49-F238E27FC236}">
+                <a16:creationId xmlns:a16="http://schemas.microsoft.com/office/drawing/2014/main" id="{1971A625-11F1-4E73-A0CA-11C56A7C47F6}"/>
+              </a:ext>
+            </a:extLst>
+          </p:cNvPr>
+          <p:cNvPicPr>
+            <a:picLocks noChangeAspect="1"/>
+          </p:cNvPicPr>
+          <p:nvPr/>
+        </p:nvPicPr>
+        <p:blipFill>
+          <a:blip r:embed="rId3">
+            <a:extLst>
+              <a:ext uri="{28A0092B-C50C-407E-A947-70E740481C1C}">
+                <a14:useLocalDpi xmlns:a14="http://schemas.microsoft.com/office/drawing/2010/main" val="0"/>
+              </a:ext>
+              <a:ext uri="{96DAC541-7B7A-43D3-8B79-37D633B846F1}">
+                <asvg:svgBlip xmlns:asvg="http://schemas.microsoft.com/office/drawing/2016/SVG/main" r:embed="rId4"/>
+              </a:ext>
+            </a:extLst>
+          </a:blip>
+          <a:stretch>
+            <a:fillRect/>
+          </a:stretch>
+        </p:blipFill>
+        <p:spPr>
+          <a:xfrm>
+            <a:off x="1584128" y="2924129"/>
+            <a:ext cx="328355" cy="328355"/>
+          </a:xfrm>
+          <a:prstGeom prst="rect">
+            <a:avLst/>
+          </a:prstGeom>
+        </p:spPr>
+      </p:pic>
+      <p:pic>
+        <p:nvPicPr>
+          <p:cNvPr id="21" name="그래픽 20" descr="엄지척 기호">
+            <a:extLst>
+              <a:ext uri="{FF2B5EF4-FFF2-40B4-BE49-F238E27FC236}">
+                <a16:creationId xmlns:a16="http://schemas.microsoft.com/office/drawing/2014/main" id="{920744A3-2E64-4A1B-8CDF-BA6D90180FA1}"/>
+              </a:ext>
+            </a:extLst>
+          </p:cNvPr>
+          <p:cNvPicPr>
+            <a:picLocks noChangeAspect="1"/>
+          </p:cNvPicPr>
+          <p:nvPr/>
+        </p:nvPicPr>
+        <p:blipFill>
+          <a:blip r:embed="rId5">
+            <a:extLst>
+              <a:ext uri="{28A0092B-C50C-407E-A947-70E740481C1C}">
+                <a14:useLocalDpi xmlns:a14="http://schemas.microsoft.com/office/drawing/2010/main" val="0"/>
+              </a:ext>
+              <a:ext uri="{96DAC541-7B7A-43D3-8B79-37D633B846F1}">
+                <asvg:svgBlip xmlns:asvg="http://schemas.microsoft.com/office/drawing/2016/SVG/main" r:embed="rId6"/>
+              </a:ext>
+            </a:extLst>
+          </a:blip>
+          <a:stretch>
+            <a:fillRect/>
+          </a:stretch>
+        </p:blipFill>
+        <p:spPr>
+          <a:xfrm flipV="1">
+            <a:off x="2406332" y="2924128"/>
+            <a:ext cx="328355" cy="328355"/>
+          </a:xfrm>
+          <a:prstGeom prst="rect">
+            <a:avLst/>
+          </a:prstGeom>
+        </p:spPr>
+      </p:pic>
+      <p:sp>
+        <p:nvSpPr>
+          <p:cNvPr id="22" name="TextBox 21">
+            <a:extLst>
+              <a:ext uri="{FF2B5EF4-FFF2-40B4-BE49-F238E27FC236}">
+                <a16:creationId xmlns:a16="http://schemas.microsoft.com/office/drawing/2014/main" id="{516A7EAA-A9EF-4C0B-B398-24B589EE35D4}"/>
+              </a:ext>
+            </a:extLst>
+          </p:cNvPr>
+          <p:cNvSpPr txBox="1"/>
+          <p:nvPr/>
+        </p:nvSpPr>
+        <p:spPr>
+          <a:xfrm>
+            <a:off x="1912483" y="3011186"/>
+            <a:ext cx="390736" cy="276999"/>
+          </a:xfrm>
+          <a:prstGeom prst="rect">
+            <a:avLst/>
+          </a:prstGeom>
+          <a:noFill/>
+        </p:spPr>
+        <p:txBody>
+          <a:bodyPr wrap="square" rtlCol="0">
+            <a:spAutoFit/>
+          </a:bodyPr>
+          <a:lstStyle/>
+          <a:p>
+            <a:r>
+              <a:rPr lang="en-US" altLang="ko-KR" sz="1200" dirty="0"/>
+              <a:t>8</a:t>
+            </a:r>
+            <a:endParaRPr lang="ko-KR" altLang="en-US" sz="1200" dirty="0"/>
+          </a:p>
+        </p:txBody>
+      </p:sp>
+      <p:sp>
+        <p:nvSpPr>
+          <p:cNvPr id="23" name="TextBox 22">
+            <a:extLst>
+              <a:ext uri="{FF2B5EF4-FFF2-40B4-BE49-F238E27FC236}">
+                <a16:creationId xmlns:a16="http://schemas.microsoft.com/office/drawing/2014/main" id="{826AE283-1D98-44F5-9A4D-D2597A648CA2}"/>
+              </a:ext>
+            </a:extLst>
+          </p:cNvPr>
+          <p:cNvSpPr txBox="1"/>
+          <p:nvPr/>
+        </p:nvSpPr>
+        <p:spPr>
+          <a:xfrm>
+            <a:off x="2734687" y="3011186"/>
+            <a:ext cx="390736" cy="276999"/>
+          </a:xfrm>
+          <a:prstGeom prst="rect">
+            <a:avLst/>
+          </a:prstGeom>
+          <a:noFill/>
+        </p:spPr>
+        <p:txBody>
+          <a:bodyPr wrap="square" rtlCol="0">
+            <a:spAutoFit/>
+          </a:bodyPr>
+          <a:lstStyle/>
+          <a:p>
+            <a:r>
+              <a:rPr lang="en-US" altLang="ko-KR" sz="1200" dirty="0"/>
+              <a:t>2</a:t>
+            </a:r>
+            <a:endParaRPr lang="ko-KR" altLang="en-US" sz="1200" dirty="0"/>
+          </a:p>
+        </p:txBody>
+      </p:sp>
+      <p:sp>
+        <p:nvSpPr>
+          <p:cNvPr id="24" name="TextBox 23">
+            <a:extLst>
+              <a:ext uri="{FF2B5EF4-FFF2-40B4-BE49-F238E27FC236}">
+                <a16:creationId xmlns:a16="http://schemas.microsoft.com/office/drawing/2014/main" id="{B04A7DD4-2B32-4DBB-978D-9A9E3A48DC5D}"/>
+              </a:ext>
+            </a:extLst>
+          </p:cNvPr>
+          <p:cNvSpPr txBox="1"/>
+          <p:nvPr/>
+        </p:nvSpPr>
+        <p:spPr>
+          <a:xfrm>
+            <a:off x="3012819" y="2924128"/>
+            <a:ext cx="503340" cy="369332"/>
+          </a:xfrm>
+          <a:prstGeom prst="rect">
+            <a:avLst/>
+          </a:prstGeom>
+          <a:noFill/>
+        </p:spPr>
+        <p:txBody>
+          <a:bodyPr wrap="square" rtlCol="0">
+            <a:spAutoFit/>
+          </a:bodyPr>
+          <a:lstStyle/>
+          <a:p>
+            <a:r>
+              <a:rPr lang="ko-KR" altLang="en-US" dirty="0">
+                <a:highlight>
+                  <a:srgbClr val="FFFF00"/>
+                </a:highlight>
+              </a:rPr>
+              <a:t>⑥</a:t>
+            </a:r>
           </a:p>
         </p:txBody>
       </p:sp>
     </p:spTree>
     <p:extLst>
       <p:ext uri="{BB962C8B-B14F-4D97-AF65-F5344CB8AC3E}">
-        <p14:creationId xmlns:p14="http://schemas.microsoft.com/office/powerpoint/2010/main" val="3575394382"/>
+        <p14:creationId xmlns:p14="http://schemas.microsoft.com/office/powerpoint/2010/main" val="2407369947"/>
       </p:ext>
     </p:extLst>
   </p:cSld>
@@ -6999,12 +9132,48 @@
           <a:chExt cx="0" cy="0"/>
         </a:xfrm>
       </p:grpSpPr>
+      <p:pic>
+        <p:nvPicPr>
+          <p:cNvPr id="9" name="그림 8">
+            <a:extLst>
+              <a:ext uri="{FF2B5EF4-FFF2-40B4-BE49-F238E27FC236}">
+                <a16:creationId xmlns:a16="http://schemas.microsoft.com/office/drawing/2014/main" id="{E28A8584-E45F-463D-8340-73A5433DE6FD}"/>
+              </a:ext>
+            </a:extLst>
+          </p:cNvPr>
+          <p:cNvPicPr>
+            <a:picLocks noChangeAspect="1"/>
+          </p:cNvPicPr>
+          <p:nvPr/>
+        </p:nvPicPr>
+        <p:blipFill>
+          <a:blip r:embed="rId2">
+            <a:extLst>
+              <a:ext uri="{28A0092B-C50C-407E-A947-70E740481C1C}">
+                <a14:useLocalDpi xmlns:a14="http://schemas.microsoft.com/office/drawing/2010/main" val="0"/>
+              </a:ext>
+            </a:extLst>
+          </a:blip>
+          <a:stretch>
+            <a:fillRect/>
+          </a:stretch>
+        </p:blipFill>
+        <p:spPr>
+          <a:xfrm>
+            <a:off x="979860" y="1547128"/>
+            <a:ext cx="2780713" cy="4945746"/>
+          </a:xfrm>
+          <a:prstGeom prst="rect">
+            <a:avLst/>
+          </a:prstGeom>
+        </p:spPr>
+      </p:pic>
       <p:sp>
         <p:nvSpPr>
           <p:cNvPr id="2" name="제목 1">
             <a:extLst>
               <a:ext uri="{FF2B5EF4-FFF2-40B4-BE49-F238E27FC236}">
-                <a16:creationId xmlns:a16="http://schemas.microsoft.com/office/drawing/2014/main" id="{BEED4316-A34C-42A3-B982-6B8E2A97CFA1}"/>
+                <a16:creationId xmlns:a16="http://schemas.microsoft.com/office/drawing/2014/main" id="{F6B71058-F764-4412-A574-A2FF767D45D1}"/>
               </a:ext>
             </a:extLst>
           </p:cNvPr>
@@ -7015,2320 +9184,621 @@
             <p:ph type="title"/>
           </p:nvPr>
         </p:nvSpPr>
+        <p:spPr/>
+        <p:txBody>
+          <a:bodyPr/>
+          <a:lstStyle/>
+          <a:p>
+            <a:r>
+              <a:rPr lang="en-US" altLang="ko-KR" dirty="0"/>
+              <a:t>5. </a:t>
+            </a:r>
+            <a:r>
+              <a:rPr lang="ko-KR" altLang="en-US" dirty="0"/>
+              <a:t>텍스트 뷰어 화면</a:t>
+            </a:r>
+          </a:p>
+        </p:txBody>
+      </p:sp>
+      <p:sp>
+        <p:nvSpPr>
+          <p:cNvPr id="4" name="TextBox 3">
+            <a:extLst>
+              <a:ext uri="{FF2B5EF4-FFF2-40B4-BE49-F238E27FC236}">
+                <a16:creationId xmlns:a16="http://schemas.microsoft.com/office/drawing/2014/main" id="{C051F320-FE13-4BF3-B464-F2347EB54B16}"/>
+              </a:ext>
+            </a:extLst>
+          </p:cNvPr>
+          <p:cNvSpPr txBox="1"/>
+          <p:nvPr/>
+        </p:nvSpPr>
         <p:spPr>
           <a:xfrm>
-            <a:off x="81924" y="3723715"/>
-            <a:ext cx="668574" cy="2776145"/>
+            <a:off x="5217952" y="1690688"/>
+            <a:ext cx="6467912" cy="3085781"/>
           </a:xfrm>
+          <a:prstGeom prst="rect">
+            <a:avLst/>
+          </a:prstGeom>
+          <a:noFill/>
         </p:spPr>
         <p:txBody>
-          <a:bodyPr vert="vert270">
-            <a:noAutofit/>
+          <a:bodyPr wrap="square" rtlCol="0">
+            <a:spAutoFit/>
           </a:bodyPr>
           <a:lstStyle/>
           <a:p>
             <a:r>
-              <a:rPr lang="en-US" altLang="ko-KR" sz="6000" u="sng" dirty="0"/>
-              <a:t>Tasks</a:t>
-            </a:r>
-            <a:endParaRPr lang="ko-KR" altLang="en-US" u="sng" dirty="0"/>
-          </a:p>
-        </p:txBody>
-      </p:sp>
-      <p:graphicFrame>
-        <p:nvGraphicFramePr>
-          <p:cNvPr id="4" name="표 4">
-            <a:extLst>
-              <a:ext uri="{FF2B5EF4-FFF2-40B4-BE49-F238E27FC236}">
-                <a16:creationId xmlns:a16="http://schemas.microsoft.com/office/drawing/2014/main" id="{07022F4A-02C7-43BB-905B-C42AD8C5D976}"/>
-              </a:ext>
-            </a:extLst>
-          </p:cNvPr>
-          <p:cNvGraphicFramePr>
-            <a:graphicFrameLocks noGrp="1"/>
-          </p:cNvGraphicFramePr>
-          <p:nvPr>
-            <p:ph idx="1"/>
-            <p:extLst>
-              <p:ext uri="{D42A27DB-BD31-4B8C-83A1-F6EECF244321}">
-                <p14:modId xmlns:p14="http://schemas.microsoft.com/office/powerpoint/2010/main" val="777276170"/>
-              </p:ext>
-            </p:extLst>
-          </p:nvPr>
-        </p:nvGraphicFramePr>
-        <p:xfrm>
-          <a:off x="838199" y="173430"/>
-          <a:ext cx="10515601" cy="6511140"/>
-        </p:xfrm>
-        <a:graphic>
-          <a:graphicData uri="http://schemas.openxmlformats.org/drawingml/2006/table">
-            <a:tbl>
-              <a:tblPr firstRow="1">
-                <a:tableStyleId>{F5AB1C69-6EDB-4FF4-983F-18BD219EF322}</a:tableStyleId>
-              </a:tblPr>
-              <a:tblGrid>
-                <a:gridCol w="2626453">
-                  <a:extLst>
-                    <a:ext uri="{9D8B030D-6E8A-4147-A177-3AD203B41FA5}">
-                      <a16:colId xmlns:a16="http://schemas.microsoft.com/office/drawing/2014/main" val="679126270"/>
-                    </a:ext>
-                  </a:extLst>
-                </a:gridCol>
-                <a:gridCol w="4874004">
-                  <a:extLst>
-                    <a:ext uri="{9D8B030D-6E8A-4147-A177-3AD203B41FA5}">
-                      <a16:colId xmlns:a16="http://schemas.microsoft.com/office/drawing/2014/main" val="330631611"/>
-                    </a:ext>
-                  </a:extLst>
-                </a:gridCol>
-                <a:gridCol w="1507572">
-                  <a:extLst>
-                    <a:ext uri="{9D8B030D-6E8A-4147-A177-3AD203B41FA5}">
-                      <a16:colId xmlns:a16="http://schemas.microsoft.com/office/drawing/2014/main" val="1629269031"/>
-                    </a:ext>
-                  </a:extLst>
-                </a:gridCol>
-                <a:gridCol w="1507572">
-                  <a:extLst>
-                    <a:ext uri="{9D8B030D-6E8A-4147-A177-3AD203B41FA5}">
-                      <a16:colId xmlns:a16="http://schemas.microsoft.com/office/drawing/2014/main" val="14956339"/>
-                    </a:ext>
-                  </a:extLst>
-                </a:gridCol>
-              </a:tblGrid>
-              <a:tr h="315420">
-                <a:tc>
-                  <a:txBody>
-                    <a:bodyPr/>
-                    <a:lstStyle/>
-                    <a:p>
-                      <a:pPr algn="ctr" latinLnBrk="1"/>
-                      <a:r>
-                        <a:rPr lang="ko-KR" altLang="en-US" sz="1400" dirty="0"/>
-                        <a:t>화면</a:t>
-                      </a:r>
-                    </a:p>
-                  </a:txBody>
-                  <a:tcPr anchor="ctr">
-                    <a:lnR w="12700" cap="flat" cmpd="sng" algn="ctr">
-                      <a:solidFill>
-                        <a:schemeClr val="bg1"/>
-                      </a:solidFill>
-                      <a:prstDash val="solid"/>
-                      <a:round/>
-                      <a:headEnd type="none" w="med" len="med"/>
-                      <a:tailEnd type="none" w="med" len="med"/>
-                    </a:lnR>
-                  </a:tcPr>
-                </a:tc>
-                <a:tc>
-                  <a:txBody>
-                    <a:bodyPr/>
-                    <a:lstStyle/>
-                    <a:p>
-                      <a:pPr algn="ctr" latinLnBrk="1"/>
-                      <a:r>
-                        <a:rPr lang="ko-KR" altLang="en-US" sz="1400" dirty="0"/>
-                        <a:t>기능</a:t>
-                      </a:r>
-                    </a:p>
-                  </a:txBody>
-                  <a:tcPr anchor="ctr">
-                    <a:lnL w="12700" cap="flat" cmpd="sng" algn="ctr">
-                      <a:solidFill>
-                        <a:schemeClr val="bg1"/>
-                      </a:solidFill>
-                      <a:prstDash val="solid"/>
-                      <a:round/>
-                      <a:headEnd type="none" w="med" len="med"/>
-                      <a:tailEnd type="none" w="med" len="med"/>
-                    </a:lnL>
-                  </a:tcPr>
-                </a:tc>
-                <a:tc>
-                  <a:txBody>
-                    <a:bodyPr/>
-                    <a:lstStyle/>
-                    <a:p>
-                      <a:pPr algn="ctr" latinLnBrk="1"/>
-                      <a:r>
-                        <a:rPr lang="ko-KR" altLang="en-US" sz="1400" dirty="0"/>
-                        <a:t>담당자</a:t>
-                      </a:r>
-                    </a:p>
-                  </a:txBody>
-                  <a:tcPr anchor="ctr"/>
-                </a:tc>
-                <a:tc>
-                  <a:txBody>
-                    <a:bodyPr/>
-                    <a:lstStyle/>
-                    <a:p>
-                      <a:pPr algn="ctr" latinLnBrk="1"/>
-                      <a:r>
-                        <a:rPr lang="ko-KR" altLang="en-US" sz="1400" dirty="0"/>
-                        <a:t>난이도</a:t>
-                      </a:r>
-                    </a:p>
-                  </a:txBody>
-                  <a:tcPr anchor="ctr"/>
-                </a:tc>
-                <a:extLst>
-                  <a:ext uri="{0D108BD9-81ED-4DB2-BD59-A6C34878D82A}">
-                    <a16:rowId xmlns:a16="http://schemas.microsoft.com/office/drawing/2014/main" val="2650560278"/>
-                  </a:ext>
-                </a:extLst>
-              </a:tr>
-              <a:tr h="315420">
-                <a:tc rowSpan="2">
-                  <a:txBody>
-                    <a:bodyPr/>
-                    <a:lstStyle/>
-                    <a:p>
-                      <a:pPr algn="ctr" latinLnBrk="1"/>
-                      <a:r>
-                        <a:rPr lang="ko-KR" altLang="en-US" sz="1400" dirty="0" err="1"/>
-                        <a:t>메인화면</a:t>
-                      </a:r>
-                      <a:endParaRPr lang="ko-KR" altLang="en-US" sz="1400" dirty="0"/>
-                    </a:p>
-                  </a:txBody>
-                  <a:tcPr anchor="ctr">
-                    <a:lnR w="12700" cap="flat" cmpd="sng" algn="ctr">
-                      <a:solidFill>
-                        <a:schemeClr val="tx1"/>
-                      </a:solidFill>
-                      <a:prstDash val="solid"/>
-                      <a:round/>
-                      <a:headEnd type="none" w="med" len="med"/>
-                      <a:tailEnd type="none" w="med" len="med"/>
-                    </a:lnR>
-                    <a:lnB w="12700" cap="flat" cmpd="sng" algn="ctr">
-                      <a:solidFill>
-                        <a:schemeClr val="tx1"/>
-                      </a:solidFill>
-                      <a:prstDash val="solid"/>
-                      <a:round/>
-                      <a:headEnd type="none" w="med" len="med"/>
-                      <a:tailEnd type="none" w="med" len="med"/>
-                    </a:lnB>
-                  </a:tcPr>
-                </a:tc>
-                <a:tc>
-                  <a:txBody>
-                    <a:bodyPr/>
-                    <a:lstStyle/>
-                    <a:p>
-                      <a:pPr latinLnBrk="1"/>
-                      <a:r>
-                        <a:rPr lang="ko-KR" altLang="en-US" sz="1400" dirty="0"/>
-                        <a:t>다운받은 책 목록 확인</a:t>
-                      </a:r>
-                    </a:p>
-                  </a:txBody>
-                  <a:tcPr anchor="ctr">
-                    <a:lnL w="12700" cap="flat" cmpd="sng" algn="ctr">
-                      <a:solidFill>
-                        <a:schemeClr val="tx1"/>
-                      </a:solidFill>
-                      <a:prstDash val="solid"/>
-                      <a:round/>
-                      <a:headEnd type="none" w="med" len="med"/>
-                      <a:tailEnd type="none" w="med" len="med"/>
-                    </a:lnL>
-                  </a:tcPr>
-                </a:tc>
-                <a:tc>
-                  <a:txBody>
-                    <a:bodyPr/>
-                    <a:lstStyle/>
-                    <a:p>
-                      <a:pPr latinLnBrk="1"/>
-                      <a:endParaRPr lang="ko-KR" altLang="en-US" sz="1400" dirty="0"/>
-                    </a:p>
-                  </a:txBody>
-                  <a:tcPr anchor="ctr"/>
-                </a:tc>
-                <a:tc>
-                  <a:txBody>
-                    <a:bodyPr/>
-                    <a:lstStyle/>
-                    <a:p>
-                      <a:pPr algn="ctr" latinLnBrk="1"/>
-                      <a:endParaRPr lang="ko-KR" altLang="en-US" sz="1400" dirty="0"/>
-                    </a:p>
-                  </a:txBody>
-                  <a:tcPr anchor="ctr"/>
-                </a:tc>
-                <a:extLst>
-                  <a:ext uri="{0D108BD9-81ED-4DB2-BD59-A6C34878D82A}">
-                    <a16:rowId xmlns:a16="http://schemas.microsoft.com/office/drawing/2014/main" val="643804773"/>
-                  </a:ext>
-                </a:extLst>
-              </a:tr>
-              <a:tr h="315420">
-                <a:tc vMerge="1">
-                  <a:txBody>
-                    <a:bodyPr/>
-                    <a:lstStyle/>
-                    <a:p>
-                      <a:pPr algn="ctr" latinLnBrk="1"/>
-                      <a:endParaRPr lang="ko-KR" altLang="en-US" dirty="0"/>
-                    </a:p>
-                  </a:txBody>
-                  <a:tcPr anchor="ctr"/>
-                </a:tc>
-                <a:tc>
-                  <a:txBody>
-                    <a:bodyPr/>
-                    <a:lstStyle/>
-                    <a:p>
-                      <a:pPr latinLnBrk="1"/>
-                      <a:r>
-                        <a:rPr lang="ko-KR" altLang="en-US" sz="1400" dirty="0"/>
-                        <a:t>다운 가능한 책 목록 확인</a:t>
-                      </a:r>
-                    </a:p>
-                  </a:txBody>
-                  <a:tcPr anchor="ctr">
-                    <a:lnL w="12700" cap="flat" cmpd="sng" algn="ctr">
-                      <a:solidFill>
-                        <a:schemeClr val="tx1"/>
-                      </a:solidFill>
-                      <a:prstDash val="solid"/>
-                      <a:round/>
-                      <a:headEnd type="none" w="med" len="med"/>
-                      <a:tailEnd type="none" w="med" len="med"/>
-                    </a:lnL>
-                    <a:lnB w="12700" cap="flat" cmpd="sng" algn="ctr">
-                      <a:solidFill>
-                        <a:schemeClr val="tx1"/>
-                      </a:solidFill>
-                      <a:prstDash val="solid"/>
-                      <a:round/>
-                      <a:headEnd type="none" w="med" len="med"/>
-                      <a:tailEnd type="none" w="med" len="med"/>
-                    </a:lnB>
-                  </a:tcPr>
-                </a:tc>
-                <a:tc>
-                  <a:txBody>
-                    <a:bodyPr/>
-                    <a:lstStyle/>
-                    <a:p>
-                      <a:pPr latinLnBrk="1"/>
-                      <a:endParaRPr lang="ko-KR" altLang="en-US" sz="1400" dirty="0"/>
-                    </a:p>
-                  </a:txBody>
-                  <a:tcPr anchor="ctr">
-                    <a:lnB w="12700" cap="flat" cmpd="sng" algn="ctr">
-                      <a:solidFill>
-                        <a:schemeClr val="tx1"/>
-                      </a:solidFill>
-                      <a:prstDash val="solid"/>
-                      <a:round/>
-                      <a:headEnd type="none" w="med" len="med"/>
-                      <a:tailEnd type="none" w="med" len="med"/>
-                    </a:lnB>
-                  </a:tcPr>
-                </a:tc>
-                <a:tc>
-                  <a:txBody>
-                    <a:bodyPr/>
-                    <a:lstStyle/>
-                    <a:p>
-                      <a:pPr algn="ctr" latinLnBrk="1"/>
-                      <a:endParaRPr lang="ko-KR" altLang="en-US" sz="1400" dirty="0"/>
-                    </a:p>
-                  </a:txBody>
-                  <a:tcPr anchor="ctr">
-                    <a:lnB w="12700" cap="flat" cmpd="sng" algn="ctr">
-                      <a:solidFill>
-                        <a:schemeClr val="tx1"/>
-                      </a:solidFill>
-                      <a:prstDash val="solid"/>
-                      <a:round/>
-                      <a:headEnd type="none" w="med" len="med"/>
-                      <a:tailEnd type="none" w="med" len="med"/>
-                    </a:lnB>
-                  </a:tcPr>
-                </a:tc>
-                <a:extLst>
-                  <a:ext uri="{0D108BD9-81ED-4DB2-BD59-A6C34878D82A}">
-                    <a16:rowId xmlns:a16="http://schemas.microsoft.com/office/drawing/2014/main" val="2362533382"/>
-                  </a:ext>
-                </a:extLst>
-              </a:tr>
-              <a:tr h="315420">
-                <a:tc rowSpan="2">
-                  <a:txBody>
-                    <a:bodyPr/>
-                    <a:lstStyle/>
-                    <a:p>
-                      <a:pPr algn="ctr" latinLnBrk="1"/>
-                      <a:r>
-                        <a:rPr lang="ko-KR" altLang="en-US" sz="1400" dirty="0"/>
-                        <a:t>책 소개 화면</a:t>
-                      </a:r>
-                    </a:p>
-                  </a:txBody>
-                  <a:tcPr anchor="ctr">
-                    <a:lnR w="12700" cap="flat" cmpd="sng" algn="ctr">
-                      <a:solidFill>
-                        <a:schemeClr val="tx1"/>
-                      </a:solidFill>
-                      <a:prstDash val="solid"/>
-                      <a:round/>
-                      <a:headEnd type="none" w="med" len="med"/>
-                      <a:tailEnd type="none" w="med" len="med"/>
-                    </a:lnR>
-                    <a:lnT w="12700" cap="flat" cmpd="sng" algn="ctr">
-                      <a:solidFill>
-                        <a:schemeClr val="tx1"/>
-                      </a:solidFill>
-                      <a:prstDash val="solid"/>
-                      <a:round/>
-                      <a:headEnd type="none" w="med" len="med"/>
-                      <a:tailEnd type="none" w="med" len="med"/>
-                    </a:lnT>
-                    <a:lnB w="12700" cap="flat" cmpd="sng" algn="ctr">
-                      <a:solidFill>
-                        <a:schemeClr val="tx1"/>
-                      </a:solidFill>
-                      <a:prstDash val="solid"/>
-                      <a:round/>
-                      <a:headEnd type="none" w="med" len="med"/>
-                      <a:tailEnd type="none" w="med" len="med"/>
-                    </a:lnB>
-                  </a:tcPr>
-                </a:tc>
-                <a:tc>
-                  <a:txBody>
-                    <a:bodyPr/>
-                    <a:lstStyle/>
-                    <a:p>
-                      <a:pPr latinLnBrk="1"/>
-                      <a:r>
-                        <a:rPr lang="ko-KR" altLang="en-US" sz="1400" dirty="0"/>
-                        <a:t>미리보기 기능</a:t>
-                      </a:r>
-                    </a:p>
-                  </a:txBody>
-                  <a:tcPr anchor="ctr">
-                    <a:lnL w="12700" cap="flat" cmpd="sng" algn="ctr">
-                      <a:solidFill>
-                        <a:schemeClr val="tx1"/>
-                      </a:solidFill>
-                      <a:prstDash val="solid"/>
-                      <a:round/>
-                      <a:headEnd type="none" w="med" len="med"/>
-                      <a:tailEnd type="none" w="med" len="med"/>
-                    </a:lnL>
-                    <a:lnT w="12700" cap="flat" cmpd="sng" algn="ctr">
-                      <a:solidFill>
-                        <a:schemeClr val="tx1"/>
-                      </a:solidFill>
-                      <a:prstDash val="solid"/>
-                      <a:round/>
-                      <a:headEnd type="none" w="med" len="med"/>
-                      <a:tailEnd type="none" w="med" len="med"/>
-                    </a:lnT>
-                  </a:tcPr>
-                </a:tc>
-                <a:tc>
-                  <a:txBody>
-                    <a:bodyPr/>
-                    <a:lstStyle/>
-                    <a:p>
-                      <a:pPr latinLnBrk="1"/>
-                      <a:endParaRPr lang="ko-KR" altLang="en-US" sz="1400" dirty="0"/>
-                    </a:p>
-                  </a:txBody>
-                  <a:tcPr anchor="ctr">
-                    <a:lnT w="12700" cap="flat" cmpd="sng" algn="ctr">
-                      <a:solidFill>
-                        <a:schemeClr val="tx1"/>
-                      </a:solidFill>
-                      <a:prstDash val="solid"/>
-                      <a:round/>
-                      <a:headEnd type="none" w="med" len="med"/>
-                      <a:tailEnd type="none" w="med" len="med"/>
-                    </a:lnT>
-                  </a:tcPr>
-                </a:tc>
-                <a:tc>
-                  <a:txBody>
-                    <a:bodyPr/>
-                    <a:lstStyle/>
-                    <a:p>
-                      <a:pPr algn="ctr" latinLnBrk="1"/>
-                      <a:endParaRPr lang="ko-KR" altLang="en-US" sz="1400" dirty="0"/>
-                    </a:p>
-                  </a:txBody>
-                  <a:tcPr anchor="ctr">
-                    <a:lnT w="12700" cap="flat" cmpd="sng" algn="ctr">
-                      <a:solidFill>
-                        <a:schemeClr val="tx1"/>
-                      </a:solidFill>
-                      <a:prstDash val="solid"/>
-                      <a:round/>
-                      <a:headEnd type="none" w="med" len="med"/>
-                      <a:tailEnd type="none" w="med" len="med"/>
-                    </a:lnT>
-                  </a:tcPr>
-                </a:tc>
-                <a:extLst>
-                  <a:ext uri="{0D108BD9-81ED-4DB2-BD59-A6C34878D82A}">
-                    <a16:rowId xmlns:a16="http://schemas.microsoft.com/office/drawing/2014/main" val="1344636601"/>
-                  </a:ext>
-                </a:extLst>
-              </a:tr>
-              <a:tr h="315420">
-                <a:tc vMerge="1">
-                  <a:txBody>
-                    <a:bodyPr/>
-                    <a:lstStyle/>
-                    <a:p>
-                      <a:pPr algn="ctr" latinLnBrk="1"/>
-                      <a:endParaRPr lang="ko-KR" altLang="en-US" dirty="0"/>
-                    </a:p>
-                  </a:txBody>
-                  <a:tcPr anchor="ctr"/>
-                </a:tc>
-                <a:tc>
-                  <a:txBody>
-                    <a:bodyPr/>
-                    <a:lstStyle/>
-                    <a:p>
-                      <a:pPr latinLnBrk="1"/>
-                      <a:r>
-                        <a:rPr lang="ko-KR" altLang="en-US" sz="1400" dirty="0"/>
-                        <a:t>추천</a:t>
-                      </a:r>
-                      <a:r>
-                        <a:rPr lang="en-US" altLang="ko-KR" sz="1400" dirty="0"/>
-                        <a:t>/</a:t>
-                      </a:r>
-                      <a:r>
-                        <a:rPr lang="ko-KR" altLang="en-US" sz="1400" dirty="0" err="1"/>
-                        <a:t>비추천</a:t>
-                      </a:r>
-                      <a:r>
-                        <a:rPr lang="ko-KR" altLang="en-US" sz="1400" dirty="0"/>
-                        <a:t> 수 볼 수 있는 기능</a:t>
-                      </a:r>
-                    </a:p>
-                  </a:txBody>
-                  <a:tcPr anchor="ctr">
-                    <a:lnL w="12700" cap="flat" cmpd="sng" algn="ctr">
-                      <a:solidFill>
-                        <a:schemeClr val="tx1"/>
-                      </a:solidFill>
-                      <a:prstDash val="solid"/>
-                      <a:round/>
-                      <a:headEnd type="none" w="med" len="med"/>
-                      <a:tailEnd type="none" w="med" len="med"/>
-                    </a:lnL>
-                    <a:lnB w="12700" cap="flat" cmpd="sng" algn="ctr">
-                      <a:solidFill>
-                        <a:schemeClr val="tx1"/>
-                      </a:solidFill>
-                      <a:prstDash val="solid"/>
-                      <a:round/>
-                      <a:headEnd type="none" w="med" len="med"/>
-                      <a:tailEnd type="none" w="med" len="med"/>
-                    </a:lnB>
-                  </a:tcPr>
-                </a:tc>
-                <a:tc>
-                  <a:txBody>
-                    <a:bodyPr/>
-                    <a:lstStyle/>
-                    <a:p>
-                      <a:pPr latinLnBrk="1"/>
-                      <a:endParaRPr lang="ko-KR" altLang="en-US" sz="1400" dirty="0"/>
-                    </a:p>
-                  </a:txBody>
-                  <a:tcPr anchor="ctr">
-                    <a:lnB w="12700" cap="flat" cmpd="sng" algn="ctr">
-                      <a:solidFill>
-                        <a:schemeClr val="tx1"/>
-                      </a:solidFill>
-                      <a:prstDash val="solid"/>
-                      <a:round/>
-                      <a:headEnd type="none" w="med" len="med"/>
-                      <a:tailEnd type="none" w="med" len="med"/>
-                    </a:lnB>
-                  </a:tcPr>
-                </a:tc>
-                <a:tc>
-                  <a:txBody>
-                    <a:bodyPr/>
-                    <a:lstStyle/>
-                    <a:p>
-                      <a:pPr algn="ctr" latinLnBrk="1"/>
-                      <a:endParaRPr lang="ko-KR" altLang="en-US" sz="1400" dirty="0"/>
-                    </a:p>
-                  </a:txBody>
-                  <a:tcPr anchor="ctr">
-                    <a:lnB w="12700" cap="flat" cmpd="sng" algn="ctr">
-                      <a:solidFill>
-                        <a:schemeClr val="tx1"/>
-                      </a:solidFill>
-                      <a:prstDash val="solid"/>
-                      <a:round/>
-                      <a:headEnd type="none" w="med" len="med"/>
-                      <a:tailEnd type="none" w="med" len="med"/>
-                    </a:lnB>
-                  </a:tcPr>
-                </a:tc>
-                <a:extLst>
-                  <a:ext uri="{0D108BD9-81ED-4DB2-BD59-A6C34878D82A}">
-                    <a16:rowId xmlns:a16="http://schemas.microsoft.com/office/drawing/2014/main" val="3552892532"/>
-                  </a:ext>
-                </a:extLst>
-              </a:tr>
-              <a:tr h="315420">
-                <a:tc rowSpan="2">
-                  <a:txBody>
-                    <a:bodyPr/>
-                    <a:lstStyle/>
-                    <a:p>
-                      <a:pPr algn="ctr" latinLnBrk="1"/>
-                      <a:r>
-                        <a:rPr lang="ko-KR" altLang="en-US" sz="1400" dirty="0"/>
-                        <a:t>로그인 화면</a:t>
-                      </a:r>
-                    </a:p>
-                  </a:txBody>
-                  <a:tcPr anchor="ctr">
-                    <a:lnR w="12700" cap="flat" cmpd="sng" algn="ctr">
-                      <a:solidFill>
-                        <a:schemeClr val="tx1"/>
-                      </a:solidFill>
-                      <a:prstDash val="solid"/>
-                      <a:round/>
-                      <a:headEnd type="none" w="med" len="med"/>
-                      <a:tailEnd type="none" w="med" len="med"/>
-                    </a:lnR>
-                    <a:lnT w="12700" cap="flat" cmpd="sng" algn="ctr">
-                      <a:solidFill>
-                        <a:schemeClr val="tx1"/>
-                      </a:solidFill>
-                      <a:prstDash val="solid"/>
-                      <a:round/>
-                      <a:headEnd type="none" w="med" len="med"/>
-                      <a:tailEnd type="none" w="med" len="med"/>
-                    </a:lnT>
-                    <a:lnB w="12700" cap="flat" cmpd="sng" algn="ctr">
-                      <a:solidFill>
-                        <a:schemeClr val="tx1"/>
-                      </a:solidFill>
-                      <a:prstDash val="solid"/>
-                      <a:round/>
-                      <a:headEnd type="none" w="med" len="med"/>
-                      <a:tailEnd type="none" w="med" len="med"/>
-                    </a:lnB>
-                  </a:tcPr>
-                </a:tc>
-                <a:tc>
-                  <a:txBody>
-                    <a:bodyPr/>
-                    <a:lstStyle/>
-                    <a:p>
-                      <a:pPr latinLnBrk="1"/>
-                      <a:r>
-                        <a:rPr lang="ko-KR" altLang="en-US" sz="1400" dirty="0"/>
-                        <a:t>로그인</a:t>
-                      </a:r>
-                    </a:p>
-                  </a:txBody>
-                  <a:tcPr anchor="ctr">
-                    <a:lnL w="12700" cap="flat" cmpd="sng" algn="ctr">
-                      <a:solidFill>
-                        <a:schemeClr val="tx1"/>
-                      </a:solidFill>
-                      <a:prstDash val="solid"/>
-                      <a:round/>
-                      <a:headEnd type="none" w="med" len="med"/>
-                      <a:tailEnd type="none" w="med" len="med"/>
-                    </a:lnL>
-                    <a:lnT w="12700" cap="flat" cmpd="sng" algn="ctr">
-                      <a:solidFill>
-                        <a:schemeClr val="tx1"/>
-                      </a:solidFill>
-                      <a:prstDash val="solid"/>
-                      <a:round/>
-                      <a:headEnd type="none" w="med" len="med"/>
-                      <a:tailEnd type="none" w="med" len="med"/>
-                    </a:lnT>
-                  </a:tcPr>
-                </a:tc>
-                <a:tc>
-                  <a:txBody>
-                    <a:bodyPr/>
-                    <a:lstStyle/>
-                    <a:p>
-                      <a:pPr latinLnBrk="1"/>
-                      <a:endParaRPr lang="ko-KR" altLang="en-US" sz="1400"/>
-                    </a:p>
-                  </a:txBody>
-                  <a:tcPr anchor="ctr">
-                    <a:lnT w="12700" cap="flat" cmpd="sng" algn="ctr">
-                      <a:solidFill>
-                        <a:schemeClr val="tx1"/>
-                      </a:solidFill>
-                      <a:prstDash val="solid"/>
-                      <a:round/>
-                      <a:headEnd type="none" w="med" len="med"/>
-                      <a:tailEnd type="none" w="med" len="med"/>
-                    </a:lnT>
-                  </a:tcPr>
-                </a:tc>
-                <a:tc>
-                  <a:txBody>
-                    <a:bodyPr/>
-                    <a:lstStyle/>
-                    <a:p>
-                      <a:pPr algn="ctr" latinLnBrk="1"/>
-                      <a:r>
-                        <a:rPr lang="ko-KR" altLang="en-US" sz="1400" dirty="0"/>
-                        <a:t>하</a:t>
-                      </a:r>
-                    </a:p>
-                  </a:txBody>
-                  <a:tcPr anchor="ctr">
-                    <a:lnT w="12700" cap="flat" cmpd="sng" algn="ctr">
-                      <a:solidFill>
-                        <a:schemeClr val="tx1"/>
-                      </a:solidFill>
-                      <a:prstDash val="solid"/>
-                      <a:round/>
-                      <a:headEnd type="none" w="med" len="med"/>
-                      <a:tailEnd type="none" w="med" len="med"/>
-                    </a:lnT>
-                  </a:tcPr>
-                </a:tc>
-                <a:extLst>
-                  <a:ext uri="{0D108BD9-81ED-4DB2-BD59-A6C34878D82A}">
-                    <a16:rowId xmlns:a16="http://schemas.microsoft.com/office/drawing/2014/main" val="282371225"/>
-                  </a:ext>
-                </a:extLst>
-              </a:tr>
-              <a:tr h="315420">
-                <a:tc vMerge="1">
-                  <a:txBody>
-                    <a:bodyPr/>
-                    <a:lstStyle/>
-                    <a:p>
-                      <a:pPr algn="ctr" latinLnBrk="1"/>
-                      <a:endParaRPr lang="ko-KR" altLang="en-US" dirty="0"/>
-                    </a:p>
-                  </a:txBody>
-                  <a:tcPr anchor="ctr"/>
-                </a:tc>
-                <a:tc>
-                  <a:txBody>
-                    <a:bodyPr/>
-                    <a:lstStyle/>
-                    <a:p>
-                      <a:pPr latinLnBrk="1"/>
-                      <a:r>
-                        <a:rPr lang="ko-KR" altLang="en-US" sz="1400" dirty="0"/>
-                        <a:t>회원가입</a:t>
-                      </a:r>
-                    </a:p>
-                  </a:txBody>
-                  <a:tcPr anchor="ctr">
-                    <a:lnL w="12700" cap="flat" cmpd="sng" algn="ctr">
-                      <a:solidFill>
-                        <a:schemeClr val="tx1"/>
-                      </a:solidFill>
-                      <a:prstDash val="solid"/>
-                      <a:round/>
-                      <a:headEnd type="none" w="med" len="med"/>
-                      <a:tailEnd type="none" w="med" len="med"/>
-                    </a:lnL>
-                    <a:lnB w="12700" cap="flat" cmpd="sng" algn="ctr">
-                      <a:solidFill>
-                        <a:schemeClr val="tx1"/>
-                      </a:solidFill>
-                      <a:prstDash val="solid"/>
-                      <a:round/>
-                      <a:headEnd type="none" w="med" len="med"/>
-                      <a:tailEnd type="none" w="med" len="med"/>
-                    </a:lnB>
-                  </a:tcPr>
-                </a:tc>
-                <a:tc>
-                  <a:txBody>
-                    <a:bodyPr/>
-                    <a:lstStyle/>
-                    <a:p>
-                      <a:pPr latinLnBrk="1"/>
-                      <a:endParaRPr lang="ko-KR" altLang="en-US" sz="1400" dirty="0"/>
-                    </a:p>
-                  </a:txBody>
-                  <a:tcPr anchor="ctr">
-                    <a:lnB w="12700" cap="flat" cmpd="sng" algn="ctr">
-                      <a:solidFill>
-                        <a:schemeClr val="tx1"/>
-                      </a:solidFill>
-                      <a:prstDash val="solid"/>
-                      <a:round/>
-                      <a:headEnd type="none" w="med" len="med"/>
-                      <a:tailEnd type="none" w="med" len="med"/>
-                    </a:lnB>
-                  </a:tcPr>
-                </a:tc>
-                <a:tc>
-                  <a:txBody>
-                    <a:bodyPr/>
-                    <a:lstStyle/>
-                    <a:p>
-                      <a:pPr algn="ctr" latinLnBrk="1"/>
-                      <a:r>
-                        <a:rPr lang="ko-KR" altLang="en-US" sz="1400" dirty="0"/>
-                        <a:t>하</a:t>
-                      </a:r>
-                    </a:p>
-                  </a:txBody>
-                  <a:tcPr anchor="ctr">
-                    <a:lnB w="12700" cap="flat" cmpd="sng" algn="ctr">
-                      <a:solidFill>
-                        <a:schemeClr val="tx1"/>
-                      </a:solidFill>
-                      <a:prstDash val="solid"/>
-                      <a:round/>
-                      <a:headEnd type="none" w="med" len="med"/>
-                      <a:tailEnd type="none" w="med" len="med"/>
-                    </a:lnB>
-                  </a:tcPr>
-                </a:tc>
-                <a:extLst>
-                  <a:ext uri="{0D108BD9-81ED-4DB2-BD59-A6C34878D82A}">
-                    <a16:rowId xmlns:a16="http://schemas.microsoft.com/office/drawing/2014/main" val="338263280"/>
-                  </a:ext>
-                </a:extLst>
-              </a:tr>
-              <a:tr h="315420">
-                <a:tc rowSpan="2">
-                  <a:txBody>
-                    <a:bodyPr/>
-                    <a:lstStyle/>
-                    <a:p>
-                      <a:pPr algn="ctr" latinLnBrk="1"/>
-                      <a:r>
-                        <a:rPr lang="ko-KR" altLang="en-US" sz="1400" dirty="0"/>
-                        <a:t>설정 화면</a:t>
-                      </a:r>
-                    </a:p>
-                  </a:txBody>
-                  <a:tcPr anchor="ctr">
-                    <a:lnR w="12700" cap="flat" cmpd="sng" algn="ctr">
-                      <a:solidFill>
-                        <a:schemeClr val="tx1"/>
-                      </a:solidFill>
-                      <a:prstDash val="solid"/>
-                      <a:round/>
-                      <a:headEnd type="none" w="med" len="med"/>
-                      <a:tailEnd type="none" w="med" len="med"/>
-                    </a:lnR>
-                    <a:lnT w="12700" cap="flat" cmpd="sng" algn="ctr">
-                      <a:solidFill>
-                        <a:schemeClr val="tx1"/>
-                      </a:solidFill>
-                      <a:prstDash val="solid"/>
-                      <a:round/>
-                      <a:headEnd type="none" w="med" len="med"/>
-                      <a:tailEnd type="none" w="med" len="med"/>
-                    </a:lnT>
-                    <a:lnB w="12700" cap="flat" cmpd="sng" algn="ctr">
-                      <a:solidFill>
-                        <a:schemeClr val="tx1"/>
-                      </a:solidFill>
-                      <a:prstDash val="solid"/>
-                      <a:round/>
-                      <a:headEnd type="none" w="med" len="med"/>
-                      <a:tailEnd type="none" w="med" len="med"/>
-                    </a:lnB>
-                  </a:tcPr>
-                </a:tc>
-                <a:tc>
-                  <a:txBody>
-                    <a:bodyPr/>
-                    <a:lstStyle/>
-                    <a:p>
-                      <a:pPr latinLnBrk="1"/>
-                      <a:r>
-                        <a:rPr lang="ko-KR" altLang="en-US" sz="1400" dirty="0" err="1"/>
-                        <a:t>다크</a:t>
-                      </a:r>
-                      <a:r>
-                        <a:rPr lang="ko-KR" altLang="en-US" sz="1400" dirty="0"/>
-                        <a:t> 모드 선택 기능</a:t>
-                      </a:r>
-                    </a:p>
-                  </a:txBody>
-                  <a:tcPr anchor="ctr">
-                    <a:lnL w="12700" cap="flat" cmpd="sng" algn="ctr">
-                      <a:solidFill>
-                        <a:schemeClr val="tx1"/>
-                      </a:solidFill>
-                      <a:prstDash val="solid"/>
-                      <a:round/>
-                      <a:headEnd type="none" w="med" len="med"/>
-                      <a:tailEnd type="none" w="med" len="med"/>
-                    </a:lnL>
-                    <a:lnT w="12700" cap="flat" cmpd="sng" algn="ctr">
-                      <a:solidFill>
-                        <a:schemeClr val="tx1"/>
-                      </a:solidFill>
-                      <a:prstDash val="solid"/>
-                      <a:round/>
-                      <a:headEnd type="none" w="med" len="med"/>
-                      <a:tailEnd type="none" w="med" len="med"/>
-                    </a:lnT>
-                  </a:tcPr>
-                </a:tc>
-                <a:tc>
-                  <a:txBody>
-                    <a:bodyPr/>
-                    <a:lstStyle/>
-                    <a:p>
-                      <a:pPr latinLnBrk="1"/>
-                      <a:endParaRPr lang="ko-KR" altLang="en-US" sz="1400"/>
-                    </a:p>
-                  </a:txBody>
-                  <a:tcPr anchor="ctr">
-                    <a:lnT w="12700" cap="flat" cmpd="sng" algn="ctr">
-                      <a:solidFill>
-                        <a:schemeClr val="tx1"/>
-                      </a:solidFill>
-                      <a:prstDash val="solid"/>
-                      <a:round/>
-                      <a:headEnd type="none" w="med" len="med"/>
-                      <a:tailEnd type="none" w="med" len="med"/>
-                    </a:lnT>
-                  </a:tcPr>
-                </a:tc>
-                <a:tc>
-                  <a:txBody>
-                    <a:bodyPr/>
-                    <a:lstStyle/>
-                    <a:p>
-                      <a:pPr algn="ctr" latinLnBrk="1"/>
-                      <a:endParaRPr lang="ko-KR" altLang="en-US" sz="1400" dirty="0"/>
-                    </a:p>
-                  </a:txBody>
-                  <a:tcPr anchor="ctr">
-                    <a:lnT w="12700" cap="flat" cmpd="sng" algn="ctr">
-                      <a:solidFill>
-                        <a:schemeClr val="tx1"/>
-                      </a:solidFill>
-                      <a:prstDash val="solid"/>
-                      <a:round/>
-                      <a:headEnd type="none" w="med" len="med"/>
-                      <a:tailEnd type="none" w="med" len="med"/>
-                    </a:lnT>
-                  </a:tcPr>
-                </a:tc>
-                <a:extLst>
-                  <a:ext uri="{0D108BD9-81ED-4DB2-BD59-A6C34878D82A}">
-                    <a16:rowId xmlns:a16="http://schemas.microsoft.com/office/drawing/2014/main" val="672009577"/>
-                  </a:ext>
-                </a:extLst>
-              </a:tr>
-              <a:tr h="315420">
-                <a:tc vMerge="1">
-                  <a:txBody>
-                    <a:bodyPr/>
-                    <a:lstStyle/>
-                    <a:p>
-                      <a:pPr algn="ctr" latinLnBrk="1"/>
-                      <a:endParaRPr lang="ko-KR" altLang="en-US" dirty="0"/>
-                    </a:p>
-                  </a:txBody>
-                  <a:tcPr anchor="ctr"/>
-                </a:tc>
-                <a:tc>
-                  <a:txBody>
-                    <a:bodyPr/>
-                    <a:lstStyle/>
-                    <a:p>
-                      <a:pPr latinLnBrk="1"/>
-                      <a:r>
-                        <a:rPr lang="ko-KR" altLang="en-US" sz="1400" dirty="0"/>
-                        <a:t>동기화 기능</a:t>
-                      </a:r>
-                    </a:p>
-                  </a:txBody>
-                  <a:tcPr anchor="ctr">
-                    <a:lnL w="12700" cap="flat" cmpd="sng" algn="ctr">
-                      <a:solidFill>
-                        <a:schemeClr val="tx1"/>
-                      </a:solidFill>
-                      <a:prstDash val="solid"/>
-                      <a:round/>
-                      <a:headEnd type="none" w="med" len="med"/>
-                      <a:tailEnd type="none" w="med" len="med"/>
-                    </a:lnL>
-                    <a:lnB w="12700" cap="flat" cmpd="sng" algn="ctr">
-                      <a:solidFill>
-                        <a:schemeClr val="tx1"/>
-                      </a:solidFill>
-                      <a:prstDash val="solid"/>
-                      <a:round/>
-                      <a:headEnd type="none" w="med" len="med"/>
-                      <a:tailEnd type="none" w="med" len="med"/>
-                    </a:lnB>
-                  </a:tcPr>
-                </a:tc>
-                <a:tc>
-                  <a:txBody>
-                    <a:bodyPr/>
-                    <a:lstStyle/>
-                    <a:p>
-                      <a:pPr latinLnBrk="1"/>
-                      <a:endParaRPr lang="ko-KR" altLang="en-US" sz="1400" dirty="0"/>
-                    </a:p>
-                  </a:txBody>
-                  <a:tcPr anchor="ctr">
-                    <a:lnB w="12700" cap="flat" cmpd="sng" algn="ctr">
-                      <a:solidFill>
-                        <a:schemeClr val="tx1"/>
-                      </a:solidFill>
-                      <a:prstDash val="solid"/>
-                      <a:round/>
-                      <a:headEnd type="none" w="med" len="med"/>
-                      <a:tailEnd type="none" w="med" len="med"/>
-                    </a:lnB>
-                  </a:tcPr>
-                </a:tc>
-                <a:tc>
-                  <a:txBody>
-                    <a:bodyPr/>
-                    <a:lstStyle/>
-                    <a:p>
-                      <a:pPr algn="ctr" latinLnBrk="1"/>
-                      <a:r>
-                        <a:rPr lang="ko-KR" altLang="en-US" sz="1400" dirty="0"/>
-                        <a:t>상</a:t>
-                      </a:r>
-                    </a:p>
-                  </a:txBody>
-                  <a:tcPr anchor="ctr">
-                    <a:lnB w="12700" cap="flat" cmpd="sng" algn="ctr">
-                      <a:solidFill>
-                        <a:schemeClr val="tx1"/>
-                      </a:solidFill>
-                      <a:prstDash val="solid"/>
-                      <a:round/>
-                      <a:headEnd type="none" w="med" len="med"/>
-                      <a:tailEnd type="none" w="med" len="med"/>
-                    </a:lnB>
-                  </a:tcPr>
-                </a:tc>
-                <a:extLst>
-                  <a:ext uri="{0D108BD9-81ED-4DB2-BD59-A6C34878D82A}">
-                    <a16:rowId xmlns:a16="http://schemas.microsoft.com/office/drawing/2014/main" val="2549400428"/>
-                  </a:ext>
-                </a:extLst>
-              </a:tr>
-              <a:tr h="315420">
-                <a:tc rowSpan="7">
-                  <a:txBody>
-                    <a:bodyPr/>
-                    <a:lstStyle/>
-                    <a:p>
-                      <a:pPr algn="ctr" latinLnBrk="1"/>
-                      <a:r>
-                        <a:rPr lang="ko-KR" altLang="en-US" sz="1400" dirty="0"/>
-                        <a:t>텍스트 뷰어</a:t>
-                      </a:r>
-                    </a:p>
-                  </a:txBody>
-                  <a:tcPr anchor="ctr">
-                    <a:lnR w="12700" cap="flat" cmpd="sng" algn="ctr">
-                      <a:solidFill>
-                        <a:schemeClr val="tx1"/>
-                      </a:solidFill>
-                      <a:prstDash val="solid"/>
-                      <a:round/>
-                      <a:headEnd type="none" w="med" len="med"/>
-                      <a:tailEnd type="none" w="med" len="med"/>
-                    </a:lnR>
-                    <a:lnT w="12700" cap="flat" cmpd="sng" algn="ctr">
-                      <a:solidFill>
-                        <a:schemeClr val="tx1"/>
-                      </a:solidFill>
-                      <a:prstDash val="solid"/>
-                      <a:round/>
-                      <a:headEnd type="none" w="med" len="med"/>
-                      <a:tailEnd type="none" w="med" len="med"/>
-                    </a:lnT>
-                    <a:lnB w="12700" cap="flat" cmpd="sng" algn="ctr">
-                      <a:solidFill>
-                        <a:schemeClr val="tx1"/>
-                      </a:solidFill>
-                      <a:prstDash val="solid"/>
-                      <a:round/>
-                      <a:headEnd type="none" w="med" len="med"/>
-                      <a:tailEnd type="none" w="med" len="med"/>
-                    </a:lnB>
-                  </a:tcPr>
-                </a:tc>
-                <a:tc>
-                  <a:txBody>
-                    <a:bodyPr/>
-                    <a:lstStyle/>
-                    <a:p>
-                      <a:pPr latinLnBrk="1"/>
-                      <a:r>
-                        <a:rPr lang="ko-KR" altLang="en-US" sz="1400" dirty="0"/>
-                        <a:t>텍스트 보여주는 기능</a:t>
-                      </a:r>
-                    </a:p>
-                  </a:txBody>
-                  <a:tcPr anchor="ctr">
-                    <a:lnL w="12700" cap="flat" cmpd="sng" algn="ctr">
-                      <a:solidFill>
-                        <a:schemeClr val="tx1"/>
-                      </a:solidFill>
-                      <a:prstDash val="solid"/>
-                      <a:round/>
-                      <a:headEnd type="none" w="med" len="med"/>
-                      <a:tailEnd type="none" w="med" len="med"/>
-                    </a:lnL>
-                    <a:lnT w="12700" cap="flat" cmpd="sng" algn="ctr">
-                      <a:solidFill>
-                        <a:schemeClr val="tx1"/>
-                      </a:solidFill>
-                      <a:prstDash val="solid"/>
-                      <a:round/>
-                      <a:headEnd type="none" w="med" len="med"/>
-                      <a:tailEnd type="none" w="med" len="med"/>
-                    </a:lnT>
-                  </a:tcPr>
-                </a:tc>
-                <a:tc>
-                  <a:txBody>
-                    <a:bodyPr/>
-                    <a:lstStyle/>
-                    <a:p>
-                      <a:pPr latinLnBrk="1"/>
-                      <a:endParaRPr lang="ko-KR" altLang="en-US" sz="1400" dirty="0"/>
-                    </a:p>
-                  </a:txBody>
-                  <a:tcPr anchor="ctr">
-                    <a:lnT w="12700" cap="flat" cmpd="sng" algn="ctr">
-                      <a:solidFill>
-                        <a:schemeClr val="tx1"/>
-                      </a:solidFill>
-                      <a:prstDash val="solid"/>
-                      <a:round/>
-                      <a:headEnd type="none" w="med" len="med"/>
-                      <a:tailEnd type="none" w="med" len="med"/>
-                    </a:lnT>
-                  </a:tcPr>
-                </a:tc>
-                <a:tc>
-                  <a:txBody>
-                    <a:bodyPr/>
-                    <a:lstStyle/>
-                    <a:p>
-                      <a:pPr algn="ctr" latinLnBrk="1"/>
-                      <a:r>
-                        <a:rPr lang="ko-KR" altLang="en-US" sz="1400" dirty="0"/>
-                        <a:t>중</a:t>
-                      </a:r>
-                    </a:p>
-                  </a:txBody>
-                  <a:tcPr anchor="ctr">
-                    <a:lnT w="12700" cap="flat" cmpd="sng" algn="ctr">
-                      <a:solidFill>
-                        <a:schemeClr val="tx1"/>
-                      </a:solidFill>
-                      <a:prstDash val="solid"/>
-                      <a:round/>
-                      <a:headEnd type="none" w="med" len="med"/>
-                      <a:tailEnd type="none" w="med" len="med"/>
-                    </a:lnT>
-                  </a:tcPr>
-                </a:tc>
-                <a:extLst>
-                  <a:ext uri="{0D108BD9-81ED-4DB2-BD59-A6C34878D82A}">
-                    <a16:rowId xmlns:a16="http://schemas.microsoft.com/office/drawing/2014/main" val="4064287632"/>
-                  </a:ext>
-                </a:extLst>
-              </a:tr>
-              <a:tr h="315420">
-                <a:tc vMerge="1">
-                  <a:txBody>
-                    <a:bodyPr/>
-                    <a:lstStyle/>
-                    <a:p>
-                      <a:pPr algn="ctr" latinLnBrk="1"/>
-                      <a:endParaRPr lang="ko-KR" altLang="en-US" dirty="0"/>
-                    </a:p>
-                  </a:txBody>
-                  <a:tcPr anchor="ctr"/>
-                </a:tc>
-                <a:tc>
-                  <a:txBody>
-                    <a:bodyPr/>
-                    <a:lstStyle/>
-                    <a:p>
-                      <a:pPr latinLnBrk="1"/>
-                      <a:r>
-                        <a:rPr lang="ko-KR" altLang="en-US" sz="1400" dirty="0"/>
-                        <a:t>글자 설정</a:t>
-                      </a:r>
-                      <a:r>
-                        <a:rPr lang="en-US" altLang="ko-KR" sz="1400" dirty="0"/>
-                        <a:t>(</a:t>
-                      </a:r>
-                      <a:r>
-                        <a:rPr lang="ko-KR" altLang="en-US" sz="1400" dirty="0"/>
-                        <a:t>크기</a:t>
-                      </a:r>
-                      <a:r>
-                        <a:rPr lang="en-US" altLang="ko-KR" sz="1400" dirty="0"/>
-                        <a:t>, </a:t>
-                      </a:r>
-                      <a:r>
-                        <a:rPr lang="ko-KR" altLang="en-US" sz="1400" dirty="0"/>
-                        <a:t>글꼴</a:t>
-                      </a:r>
-                      <a:r>
-                        <a:rPr lang="en-US" altLang="ko-KR" sz="1400" dirty="0"/>
-                        <a:t>, </a:t>
-                      </a:r>
-                      <a:r>
-                        <a:rPr lang="ko-KR" altLang="en-US" sz="1400" dirty="0"/>
-                        <a:t>줄 간격 등</a:t>
-                      </a:r>
-                      <a:r>
-                        <a:rPr lang="en-US" altLang="ko-KR" sz="1400" dirty="0"/>
-                        <a:t>)</a:t>
-                      </a:r>
-                      <a:endParaRPr lang="ko-KR" altLang="en-US" sz="1400" dirty="0"/>
-                    </a:p>
-                  </a:txBody>
-                  <a:tcPr anchor="ctr">
-                    <a:lnL w="12700" cap="flat" cmpd="sng" algn="ctr">
-                      <a:solidFill>
-                        <a:schemeClr val="tx1"/>
-                      </a:solidFill>
-                      <a:prstDash val="solid"/>
-                      <a:round/>
-                      <a:headEnd type="none" w="med" len="med"/>
-                      <a:tailEnd type="none" w="med" len="med"/>
-                    </a:lnL>
-                  </a:tcPr>
-                </a:tc>
-                <a:tc>
-                  <a:txBody>
-                    <a:bodyPr/>
-                    <a:lstStyle/>
-                    <a:p>
-                      <a:pPr latinLnBrk="1"/>
-                      <a:endParaRPr lang="ko-KR" altLang="en-US" sz="1400"/>
-                    </a:p>
-                  </a:txBody>
-                  <a:tcPr anchor="ctr"/>
-                </a:tc>
-                <a:tc>
-                  <a:txBody>
-                    <a:bodyPr/>
-                    <a:lstStyle/>
-                    <a:p>
-                      <a:pPr algn="ctr" latinLnBrk="1"/>
-                      <a:r>
-                        <a:rPr lang="ko-KR" altLang="en-US" sz="1400" dirty="0"/>
-                        <a:t>하</a:t>
-                      </a:r>
-                    </a:p>
-                  </a:txBody>
-                  <a:tcPr anchor="ctr"/>
-                </a:tc>
-                <a:extLst>
-                  <a:ext uri="{0D108BD9-81ED-4DB2-BD59-A6C34878D82A}">
-                    <a16:rowId xmlns:a16="http://schemas.microsoft.com/office/drawing/2014/main" val="1535395748"/>
-                  </a:ext>
-                </a:extLst>
-              </a:tr>
-              <a:tr h="315420">
-                <a:tc vMerge="1">
-                  <a:txBody>
-                    <a:bodyPr/>
-                    <a:lstStyle/>
-                    <a:p>
-                      <a:pPr algn="ctr" latinLnBrk="1"/>
-                      <a:endParaRPr lang="ko-KR" altLang="en-US" dirty="0"/>
-                    </a:p>
-                  </a:txBody>
-                  <a:tcPr anchor="ctr"/>
-                </a:tc>
-                <a:tc>
-                  <a:txBody>
-                    <a:bodyPr/>
-                    <a:lstStyle/>
-                    <a:p>
-                      <a:pPr latinLnBrk="1"/>
-                      <a:r>
-                        <a:rPr lang="ko-KR" altLang="en-US" sz="1400" dirty="0"/>
-                        <a:t>번역 기능</a:t>
-                      </a:r>
-                    </a:p>
-                  </a:txBody>
-                  <a:tcPr anchor="ctr">
-                    <a:lnL w="12700" cap="flat" cmpd="sng" algn="ctr">
-                      <a:solidFill>
-                        <a:schemeClr val="tx1"/>
-                      </a:solidFill>
-                      <a:prstDash val="solid"/>
-                      <a:round/>
-                      <a:headEnd type="none" w="med" len="med"/>
-                      <a:tailEnd type="none" w="med" len="med"/>
-                    </a:lnL>
-                  </a:tcPr>
-                </a:tc>
-                <a:tc>
-                  <a:txBody>
-                    <a:bodyPr/>
-                    <a:lstStyle/>
-                    <a:p>
-                      <a:pPr latinLnBrk="1"/>
-                      <a:endParaRPr lang="ko-KR" altLang="en-US" sz="1400"/>
-                    </a:p>
-                  </a:txBody>
-                  <a:tcPr anchor="ctr"/>
-                </a:tc>
-                <a:tc>
-                  <a:txBody>
-                    <a:bodyPr/>
-                    <a:lstStyle/>
-                    <a:p>
-                      <a:pPr algn="ctr" latinLnBrk="1"/>
-                      <a:r>
-                        <a:rPr lang="ko-KR" altLang="en-US" sz="1400" dirty="0"/>
-                        <a:t>중</a:t>
-                      </a:r>
-                    </a:p>
-                  </a:txBody>
-                  <a:tcPr anchor="ctr"/>
-                </a:tc>
-                <a:extLst>
-                  <a:ext uri="{0D108BD9-81ED-4DB2-BD59-A6C34878D82A}">
-                    <a16:rowId xmlns:a16="http://schemas.microsoft.com/office/drawing/2014/main" val="3096808037"/>
-                  </a:ext>
-                </a:extLst>
-              </a:tr>
-              <a:tr h="315420">
-                <a:tc vMerge="1">
-                  <a:txBody>
-                    <a:bodyPr/>
-                    <a:lstStyle/>
-                    <a:p>
-                      <a:pPr algn="ctr" latinLnBrk="1"/>
-                      <a:endParaRPr lang="ko-KR" altLang="en-US" dirty="0"/>
-                    </a:p>
-                  </a:txBody>
-                  <a:tcPr anchor="ctr"/>
-                </a:tc>
-                <a:tc>
-                  <a:txBody>
-                    <a:bodyPr/>
-                    <a:lstStyle/>
-                    <a:p>
-                      <a:pPr latinLnBrk="1"/>
-                      <a:r>
-                        <a:rPr lang="ko-KR" altLang="en-US" sz="1400" dirty="0"/>
-                        <a:t>단어 검색 기능</a:t>
-                      </a:r>
-                    </a:p>
-                  </a:txBody>
-                  <a:tcPr anchor="ctr">
-                    <a:lnL w="12700" cap="flat" cmpd="sng" algn="ctr">
-                      <a:solidFill>
-                        <a:schemeClr val="tx1"/>
-                      </a:solidFill>
-                      <a:prstDash val="solid"/>
-                      <a:round/>
-                      <a:headEnd type="none" w="med" len="med"/>
-                      <a:tailEnd type="none" w="med" len="med"/>
-                    </a:lnL>
-                  </a:tcPr>
-                </a:tc>
-                <a:tc>
-                  <a:txBody>
-                    <a:bodyPr/>
-                    <a:lstStyle/>
-                    <a:p>
-                      <a:pPr latinLnBrk="1"/>
-                      <a:endParaRPr lang="ko-KR" altLang="en-US" sz="1400"/>
-                    </a:p>
-                  </a:txBody>
-                  <a:tcPr anchor="ctr"/>
-                </a:tc>
-                <a:tc>
-                  <a:txBody>
-                    <a:bodyPr/>
-                    <a:lstStyle/>
-                    <a:p>
-                      <a:pPr algn="ctr" latinLnBrk="1"/>
-                      <a:r>
-                        <a:rPr lang="ko-KR" altLang="en-US" sz="1400" dirty="0"/>
-                        <a:t>중</a:t>
-                      </a:r>
-                    </a:p>
-                  </a:txBody>
-                  <a:tcPr anchor="ctr"/>
-                </a:tc>
-                <a:extLst>
-                  <a:ext uri="{0D108BD9-81ED-4DB2-BD59-A6C34878D82A}">
-                    <a16:rowId xmlns:a16="http://schemas.microsoft.com/office/drawing/2014/main" val="2681495039"/>
-                  </a:ext>
-                </a:extLst>
-              </a:tr>
-              <a:tr h="315420">
-                <a:tc vMerge="1">
-                  <a:txBody>
-                    <a:bodyPr/>
-                    <a:lstStyle/>
-                    <a:p>
-                      <a:pPr algn="ctr" latinLnBrk="1"/>
-                      <a:endParaRPr lang="ko-KR" altLang="en-US" dirty="0"/>
-                    </a:p>
-                  </a:txBody>
-                  <a:tcPr anchor="ctr"/>
-                </a:tc>
-                <a:tc>
-                  <a:txBody>
-                    <a:bodyPr/>
-                    <a:lstStyle/>
-                    <a:p>
-                      <a:pPr latinLnBrk="1"/>
-                      <a:r>
-                        <a:rPr lang="ko-KR" altLang="en-US" sz="1400" dirty="0"/>
-                        <a:t>책 진행률 표시</a:t>
-                      </a:r>
-                    </a:p>
-                  </a:txBody>
-                  <a:tcPr anchor="ctr">
-                    <a:lnL w="12700" cap="flat" cmpd="sng" algn="ctr">
-                      <a:solidFill>
-                        <a:schemeClr val="tx1"/>
-                      </a:solidFill>
-                      <a:prstDash val="solid"/>
-                      <a:round/>
-                      <a:headEnd type="none" w="med" len="med"/>
-                      <a:tailEnd type="none" w="med" len="med"/>
-                    </a:lnL>
-                  </a:tcPr>
-                </a:tc>
-                <a:tc>
-                  <a:txBody>
-                    <a:bodyPr/>
-                    <a:lstStyle/>
-                    <a:p>
-                      <a:pPr latinLnBrk="1"/>
-                      <a:endParaRPr lang="ko-KR" altLang="en-US" sz="1400"/>
-                    </a:p>
-                  </a:txBody>
-                  <a:tcPr anchor="ctr"/>
-                </a:tc>
-                <a:tc>
-                  <a:txBody>
-                    <a:bodyPr/>
-                    <a:lstStyle/>
-                    <a:p>
-                      <a:pPr algn="ctr" latinLnBrk="1"/>
-                      <a:endParaRPr lang="ko-KR" altLang="en-US" sz="1400" dirty="0"/>
-                    </a:p>
-                  </a:txBody>
-                  <a:tcPr anchor="ctr"/>
-                </a:tc>
-                <a:extLst>
-                  <a:ext uri="{0D108BD9-81ED-4DB2-BD59-A6C34878D82A}">
-                    <a16:rowId xmlns:a16="http://schemas.microsoft.com/office/drawing/2014/main" val="189993683"/>
-                  </a:ext>
-                </a:extLst>
-              </a:tr>
-              <a:tr h="315420">
-                <a:tc vMerge="1">
-                  <a:txBody>
-                    <a:bodyPr/>
-                    <a:lstStyle/>
-                    <a:p>
-                      <a:pPr algn="ctr" latinLnBrk="1"/>
-                      <a:endParaRPr lang="ko-KR" altLang="en-US" dirty="0"/>
-                    </a:p>
-                  </a:txBody>
-                  <a:tcPr anchor="ctr"/>
-                </a:tc>
-                <a:tc>
-                  <a:txBody>
-                    <a:bodyPr/>
-                    <a:lstStyle/>
-                    <a:p>
-                      <a:pPr latinLnBrk="1"/>
-                      <a:r>
-                        <a:rPr lang="ko-KR" altLang="en-US" sz="1400" dirty="0"/>
-                        <a:t>메모</a:t>
-                      </a:r>
-                      <a:r>
-                        <a:rPr lang="en-US" altLang="ko-KR" sz="1400" dirty="0"/>
-                        <a:t>, </a:t>
-                      </a:r>
-                      <a:r>
-                        <a:rPr lang="ko-KR" altLang="en-US" sz="1400" dirty="0"/>
-                        <a:t>책갈피</a:t>
-                      </a:r>
-                      <a:r>
-                        <a:rPr lang="en-US" altLang="ko-KR" sz="1400" dirty="0"/>
-                        <a:t>, </a:t>
-                      </a:r>
-                      <a:r>
-                        <a:rPr lang="ko-KR" altLang="en-US" sz="1400" dirty="0"/>
-                        <a:t>하이라이트</a:t>
-                      </a:r>
-                    </a:p>
-                  </a:txBody>
-                  <a:tcPr anchor="ctr">
-                    <a:lnL w="12700" cap="flat" cmpd="sng" algn="ctr">
-                      <a:solidFill>
-                        <a:schemeClr val="tx1"/>
-                      </a:solidFill>
-                      <a:prstDash val="solid"/>
-                      <a:round/>
-                      <a:headEnd type="none" w="med" len="med"/>
-                      <a:tailEnd type="none" w="med" len="med"/>
-                    </a:lnL>
-                    <a:lnB w="12700" cap="flat" cmpd="sng" algn="ctr">
-                      <a:solidFill>
-                        <a:schemeClr val="bg1"/>
-                      </a:solidFill>
-                      <a:prstDash val="solid"/>
-                      <a:round/>
-                      <a:headEnd type="none" w="med" len="med"/>
-                      <a:tailEnd type="none" w="med" len="med"/>
-                    </a:lnB>
-                  </a:tcPr>
-                </a:tc>
-                <a:tc>
-                  <a:txBody>
-                    <a:bodyPr/>
-                    <a:lstStyle/>
-                    <a:p>
-                      <a:pPr latinLnBrk="1"/>
-                      <a:endParaRPr lang="ko-KR" altLang="en-US" sz="1400" dirty="0"/>
-                    </a:p>
-                  </a:txBody>
-                  <a:tcPr anchor="ctr">
-                    <a:lnB w="12700" cap="flat" cmpd="sng" algn="ctr">
-                      <a:solidFill>
-                        <a:schemeClr val="bg1"/>
-                      </a:solidFill>
-                      <a:prstDash val="solid"/>
-                      <a:round/>
-                      <a:headEnd type="none" w="med" len="med"/>
-                      <a:tailEnd type="none" w="med" len="med"/>
-                    </a:lnB>
-                  </a:tcPr>
-                </a:tc>
-                <a:tc>
-                  <a:txBody>
-                    <a:bodyPr/>
-                    <a:lstStyle/>
-                    <a:p>
-                      <a:pPr algn="ctr" latinLnBrk="1"/>
-                      <a:endParaRPr lang="ko-KR" altLang="en-US" sz="1400" dirty="0"/>
-                    </a:p>
-                  </a:txBody>
-                  <a:tcPr anchor="ctr">
-                    <a:lnB w="12700" cap="flat" cmpd="sng" algn="ctr">
-                      <a:solidFill>
-                        <a:schemeClr val="bg1"/>
-                      </a:solidFill>
-                      <a:prstDash val="solid"/>
-                      <a:round/>
-                      <a:headEnd type="none" w="med" len="med"/>
-                      <a:tailEnd type="none" w="med" len="med"/>
-                    </a:lnB>
-                  </a:tcPr>
-                </a:tc>
-                <a:extLst>
-                  <a:ext uri="{0D108BD9-81ED-4DB2-BD59-A6C34878D82A}">
-                    <a16:rowId xmlns:a16="http://schemas.microsoft.com/office/drawing/2014/main" val="898244659"/>
-                  </a:ext>
-                </a:extLst>
-              </a:tr>
-              <a:tr h="315420">
-                <a:tc vMerge="1">
-                  <a:txBody>
-                    <a:bodyPr/>
-                    <a:lstStyle/>
-                    <a:p>
-                      <a:pPr algn="ctr" latinLnBrk="1"/>
-                      <a:endParaRPr lang="ko-KR" altLang="en-US" sz="1600" dirty="0"/>
-                    </a:p>
-                  </a:txBody>
-                  <a:tcPr anchor="ctr">
-                    <a:lnR w="12700" cap="flat" cmpd="sng" algn="ctr">
-                      <a:solidFill>
-                        <a:schemeClr val="tx1"/>
-                      </a:solidFill>
-                      <a:prstDash val="solid"/>
-                      <a:round/>
-                      <a:headEnd type="none" w="med" len="med"/>
-                      <a:tailEnd type="none" w="med" len="med"/>
-                    </a:lnR>
-                    <a:lnT w="12700" cap="flat" cmpd="sng" algn="ctr">
-                      <a:noFill/>
-                      <a:prstDash val="solid"/>
-                      <a:round/>
-                      <a:headEnd type="none" w="med" len="med"/>
-                      <a:tailEnd type="none" w="med" len="med"/>
-                    </a:lnT>
-                    <a:lnB w="12700" cap="flat" cmpd="sng" algn="ctr">
-                      <a:solidFill>
-                        <a:schemeClr val="tx1"/>
-                      </a:solidFill>
-                      <a:prstDash val="solid"/>
-                      <a:round/>
-                      <a:headEnd type="none" w="med" len="med"/>
-                      <a:tailEnd type="none" w="med" len="med"/>
-                    </a:lnB>
-                  </a:tcPr>
-                </a:tc>
-                <a:tc>
-                  <a:txBody>
-                    <a:bodyPr/>
-                    <a:lstStyle/>
-                    <a:p>
-                      <a:pPr latinLnBrk="1"/>
-                      <a:r>
-                        <a:rPr lang="ko-KR" altLang="en-US" sz="1400" dirty="0"/>
-                        <a:t>문장에 </a:t>
-                      </a:r>
-                      <a:r>
-                        <a:rPr lang="en-US" altLang="ko-KR" sz="1400" dirty="0"/>
-                        <a:t>‘</a:t>
-                      </a:r>
-                      <a:r>
-                        <a:rPr lang="ko-KR" altLang="en-US" sz="1400" dirty="0"/>
-                        <a:t>좋아요</a:t>
-                      </a:r>
-                      <a:r>
-                        <a:rPr lang="en-US" altLang="ko-KR" sz="1400" dirty="0"/>
-                        <a:t>’ </a:t>
-                      </a:r>
-                      <a:r>
-                        <a:rPr lang="ko-KR" altLang="en-US" sz="1400" dirty="0"/>
-                        <a:t>할 수 있는 기능</a:t>
-                      </a:r>
-                    </a:p>
-                  </a:txBody>
-                  <a:tcPr anchor="ctr">
-                    <a:lnL w="12700" cap="flat" cmpd="sng" algn="ctr">
-                      <a:solidFill>
-                        <a:schemeClr val="tx1"/>
-                      </a:solidFill>
-                      <a:prstDash val="solid"/>
-                      <a:round/>
-                      <a:headEnd type="none" w="med" len="med"/>
-                      <a:tailEnd type="none" w="med" len="med"/>
-                    </a:lnL>
-                    <a:lnT w="12700" cap="flat" cmpd="sng" algn="ctr">
-                      <a:solidFill>
-                        <a:schemeClr val="bg1"/>
-                      </a:solidFill>
-                      <a:prstDash val="solid"/>
-                      <a:round/>
-                      <a:headEnd type="none" w="med" len="med"/>
-                      <a:tailEnd type="none" w="med" len="med"/>
-                    </a:lnT>
-                    <a:lnB w="12700" cap="flat" cmpd="sng" algn="ctr">
-                      <a:solidFill>
-                        <a:schemeClr val="tx1"/>
-                      </a:solidFill>
-                      <a:prstDash val="solid"/>
-                      <a:round/>
-                      <a:headEnd type="none" w="med" len="med"/>
-                      <a:tailEnd type="none" w="med" len="med"/>
-                    </a:lnB>
-                  </a:tcPr>
-                </a:tc>
-                <a:tc>
-                  <a:txBody>
-                    <a:bodyPr/>
-                    <a:lstStyle/>
-                    <a:p>
-                      <a:pPr latinLnBrk="1"/>
-                      <a:endParaRPr lang="ko-KR" altLang="en-US" sz="1400" dirty="0"/>
-                    </a:p>
-                  </a:txBody>
-                  <a:tcPr anchor="ctr">
-                    <a:lnT w="12700" cap="flat" cmpd="sng" algn="ctr">
-                      <a:solidFill>
-                        <a:schemeClr val="bg1"/>
-                      </a:solidFill>
-                      <a:prstDash val="solid"/>
-                      <a:round/>
-                      <a:headEnd type="none" w="med" len="med"/>
-                      <a:tailEnd type="none" w="med" len="med"/>
-                    </a:lnT>
-                    <a:lnB w="12700" cap="flat" cmpd="sng" algn="ctr">
-                      <a:solidFill>
-                        <a:schemeClr val="tx1"/>
-                      </a:solidFill>
-                      <a:prstDash val="solid"/>
-                      <a:round/>
-                      <a:headEnd type="none" w="med" len="med"/>
-                      <a:tailEnd type="none" w="med" len="med"/>
-                    </a:lnB>
-                  </a:tcPr>
-                </a:tc>
-                <a:tc>
-                  <a:txBody>
-                    <a:bodyPr/>
-                    <a:lstStyle/>
-                    <a:p>
-                      <a:pPr algn="ctr" latinLnBrk="1"/>
-                      <a:endParaRPr lang="ko-KR" altLang="en-US" sz="1400" dirty="0"/>
-                    </a:p>
-                  </a:txBody>
-                  <a:tcPr anchor="ctr">
-                    <a:lnT w="12700" cap="flat" cmpd="sng" algn="ctr">
-                      <a:solidFill>
-                        <a:schemeClr val="bg1"/>
-                      </a:solidFill>
-                      <a:prstDash val="solid"/>
-                      <a:round/>
-                      <a:headEnd type="none" w="med" len="med"/>
-                      <a:tailEnd type="none" w="med" len="med"/>
-                    </a:lnT>
-                    <a:lnB w="12700" cap="flat" cmpd="sng" algn="ctr">
-                      <a:solidFill>
-                        <a:schemeClr val="tx1"/>
-                      </a:solidFill>
-                      <a:prstDash val="solid"/>
-                      <a:round/>
-                      <a:headEnd type="none" w="med" len="med"/>
-                      <a:tailEnd type="none" w="med" len="med"/>
-                    </a:lnB>
-                  </a:tcPr>
-                </a:tc>
-                <a:extLst>
-                  <a:ext uri="{0D108BD9-81ED-4DB2-BD59-A6C34878D82A}">
-                    <a16:rowId xmlns:a16="http://schemas.microsoft.com/office/drawing/2014/main" val="1467995807"/>
-                  </a:ext>
-                </a:extLst>
-              </a:tr>
-              <a:tr h="315420">
-                <a:tc rowSpan="3">
-                  <a:txBody>
-                    <a:bodyPr/>
-                    <a:lstStyle/>
-                    <a:p>
-                      <a:pPr algn="ctr" latinLnBrk="1"/>
-                      <a:r>
-                        <a:rPr lang="ko-KR" altLang="en-US" sz="1400" dirty="0"/>
-                        <a:t>책 후기 </a:t>
-                      </a:r>
-                      <a:r>
-                        <a:rPr lang="ko-KR" altLang="en-US" sz="1400" dirty="0" err="1"/>
-                        <a:t>댓글창</a:t>
-                      </a:r>
-                      <a:endParaRPr lang="ko-KR" altLang="en-US" sz="1400" dirty="0"/>
-                    </a:p>
-                  </a:txBody>
-                  <a:tcPr anchor="ctr">
-                    <a:lnR w="12700" cap="flat" cmpd="sng" algn="ctr">
-                      <a:solidFill>
-                        <a:schemeClr val="tx1"/>
-                      </a:solidFill>
-                      <a:prstDash val="solid"/>
-                      <a:round/>
-                      <a:headEnd type="none" w="med" len="med"/>
-                      <a:tailEnd type="none" w="med" len="med"/>
-                    </a:lnR>
-                    <a:lnT w="12700" cap="flat" cmpd="sng" algn="ctr">
-                      <a:solidFill>
-                        <a:schemeClr val="tx1"/>
-                      </a:solidFill>
-                      <a:prstDash val="solid"/>
-                      <a:round/>
-                      <a:headEnd type="none" w="med" len="med"/>
-                      <a:tailEnd type="none" w="med" len="med"/>
-                    </a:lnT>
-                    <a:lnB w="12700" cap="flat" cmpd="sng" algn="ctr">
-                      <a:solidFill>
-                        <a:schemeClr val="tx1"/>
-                      </a:solidFill>
-                      <a:prstDash val="solid"/>
-                      <a:round/>
-                      <a:headEnd type="none" w="med" len="med"/>
-                      <a:tailEnd type="none" w="med" len="med"/>
-                    </a:lnB>
-                  </a:tcPr>
-                </a:tc>
-                <a:tc>
-                  <a:txBody>
-                    <a:bodyPr/>
-                    <a:lstStyle/>
-                    <a:p>
-                      <a:pPr latinLnBrk="1"/>
-                      <a:r>
-                        <a:rPr lang="ko-KR" altLang="en-US" sz="1400" dirty="0"/>
-                        <a:t>댓글 기능</a:t>
-                      </a:r>
-                    </a:p>
-                  </a:txBody>
-                  <a:tcPr anchor="ctr">
-                    <a:lnL w="12700" cap="flat" cmpd="sng" algn="ctr">
-                      <a:solidFill>
-                        <a:schemeClr val="tx1"/>
-                      </a:solidFill>
-                      <a:prstDash val="solid"/>
-                      <a:round/>
-                      <a:headEnd type="none" w="med" len="med"/>
-                      <a:tailEnd type="none" w="med" len="med"/>
-                    </a:lnL>
-                    <a:lnT w="12700" cap="flat" cmpd="sng" algn="ctr">
-                      <a:solidFill>
-                        <a:schemeClr val="tx1"/>
-                      </a:solidFill>
-                      <a:prstDash val="solid"/>
-                      <a:round/>
-                      <a:headEnd type="none" w="med" len="med"/>
-                      <a:tailEnd type="none" w="med" len="med"/>
-                    </a:lnT>
-                    <a:lnB w="12700" cap="flat" cmpd="sng" algn="ctr">
-                      <a:solidFill>
-                        <a:schemeClr val="bg1"/>
-                      </a:solidFill>
-                      <a:prstDash val="solid"/>
-                      <a:round/>
-                      <a:headEnd type="none" w="med" len="med"/>
-                      <a:tailEnd type="none" w="med" len="med"/>
-                    </a:lnB>
-                  </a:tcPr>
-                </a:tc>
-                <a:tc>
-                  <a:txBody>
-                    <a:bodyPr/>
-                    <a:lstStyle/>
-                    <a:p>
-                      <a:pPr latinLnBrk="1"/>
-                      <a:endParaRPr lang="ko-KR" altLang="en-US" sz="1400" dirty="0"/>
-                    </a:p>
-                  </a:txBody>
-                  <a:tcPr anchor="ctr">
-                    <a:lnT w="12700" cap="flat" cmpd="sng" algn="ctr">
-                      <a:solidFill>
-                        <a:schemeClr val="tx1"/>
-                      </a:solidFill>
-                      <a:prstDash val="solid"/>
-                      <a:round/>
-                      <a:headEnd type="none" w="med" len="med"/>
-                      <a:tailEnd type="none" w="med" len="med"/>
-                    </a:lnT>
-                    <a:lnB w="12700" cap="flat" cmpd="sng" algn="ctr">
-                      <a:solidFill>
-                        <a:schemeClr val="bg1"/>
-                      </a:solidFill>
-                      <a:prstDash val="solid"/>
-                      <a:round/>
-                      <a:headEnd type="none" w="med" len="med"/>
-                      <a:tailEnd type="none" w="med" len="med"/>
-                    </a:lnB>
-                  </a:tcPr>
-                </a:tc>
-                <a:tc>
-                  <a:txBody>
-                    <a:bodyPr/>
-                    <a:lstStyle/>
-                    <a:p>
-                      <a:pPr algn="ctr" latinLnBrk="1"/>
-                      <a:endParaRPr lang="ko-KR" altLang="en-US" sz="1400" dirty="0"/>
-                    </a:p>
-                  </a:txBody>
-                  <a:tcPr anchor="ctr">
-                    <a:lnT w="12700" cap="flat" cmpd="sng" algn="ctr">
-                      <a:solidFill>
-                        <a:schemeClr val="tx1"/>
-                      </a:solidFill>
-                      <a:prstDash val="solid"/>
-                      <a:round/>
-                      <a:headEnd type="none" w="med" len="med"/>
-                      <a:tailEnd type="none" w="med" len="med"/>
-                    </a:lnT>
-                    <a:lnB w="12700" cap="flat" cmpd="sng" algn="ctr">
-                      <a:solidFill>
-                        <a:schemeClr val="bg1"/>
-                      </a:solidFill>
-                      <a:prstDash val="solid"/>
-                      <a:round/>
-                      <a:headEnd type="none" w="med" len="med"/>
-                      <a:tailEnd type="none" w="med" len="med"/>
-                    </a:lnB>
-                  </a:tcPr>
-                </a:tc>
-                <a:extLst>
-                  <a:ext uri="{0D108BD9-81ED-4DB2-BD59-A6C34878D82A}">
-                    <a16:rowId xmlns:a16="http://schemas.microsoft.com/office/drawing/2014/main" val="425402129"/>
-                  </a:ext>
-                </a:extLst>
-              </a:tr>
-              <a:tr h="315420">
-                <a:tc vMerge="1">
-                  <a:txBody>
-                    <a:bodyPr/>
-                    <a:lstStyle/>
-                    <a:p>
-                      <a:pPr algn="ctr" latinLnBrk="1"/>
-                      <a:endParaRPr lang="ko-KR" altLang="en-US" sz="1600" dirty="0"/>
-                    </a:p>
-                  </a:txBody>
-                  <a:tcPr anchor="ctr">
-                    <a:lnR w="12700" cap="flat" cmpd="sng" algn="ctr">
-                      <a:solidFill>
-                        <a:schemeClr val="tx1"/>
-                      </a:solidFill>
-                      <a:prstDash val="solid"/>
-                      <a:round/>
-                      <a:headEnd type="none" w="med" len="med"/>
-                      <a:tailEnd type="none" w="med" len="med"/>
-                    </a:lnR>
-                    <a:lnT w="12700" cap="flat" cmpd="sng" algn="ctr">
-                      <a:noFill/>
-                      <a:prstDash val="solid"/>
-                      <a:round/>
-                      <a:headEnd type="none" w="med" len="med"/>
-                      <a:tailEnd type="none" w="med" len="med"/>
-                    </a:lnT>
-                    <a:lnB w="12700" cap="flat" cmpd="sng" algn="ctr">
-                      <a:solidFill>
-                        <a:schemeClr val="tx1"/>
-                      </a:solidFill>
-                      <a:prstDash val="solid"/>
-                      <a:round/>
-                      <a:headEnd type="none" w="med" len="med"/>
-                      <a:tailEnd type="none" w="med" len="med"/>
-                    </a:lnB>
-                  </a:tcPr>
-                </a:tc>
-                <a:tc>
-                  <a:txBody>
-                    <a:bodyPr/>
-                    <a:lstStyle/>
-                    <a:p>
-                      <a:pPr latinLnBrk="1"/>
-                      <a:r>
-                        <a:rPr lang="ko-KR" altLang="en-US" sz="1400" dirty="0"/>
-                        <a:t>인용 구절에 링크 걸 수 있는 기능</a:t>
-                      </a:r>
-                    </a:p>
-                  </a:txBody>
-                  <a:tcPr anchor="ctr">
-                    <a:lnL w="12700" cap="flat" cmpd="sng" algn="ctr">
-                      <a:solidFill>
-                        <a:schemeClr val="tx1"/>
-                      </a:solidFill>
-                      <a:prstDash val="solid"/>
-                      <a:round/>
-                      <a:headEnd type="none" w="med" len="med"/>
-                      <a:tailEnd type="none" w="med" len="med"/>
-                    </a:lnL>
-                    <a:lnT w="12700" cap="flat" cmpd="sng" algn="ctr">
-                      <a:solidFill>
-                        <a:schemeClr val="bg1"/>
-                      </a:solidFill>
-                      <a:prstDash val="solid"/>
-                      <a:round/>
-                      <a:headEnd type="none" w="med" len="med"/>
-                      <a:tailEnd type="none" w="med" len="med"/>
-                    </a:lnT>
-                    <a:lnB w="12700" cap="flat" cmpd="sng" algn="ctr">
-                      <a:solidFill>
-                        <a:schemeClr val="bg1"/>
-                      </a:solidFill>
-                      <a:prstDash val="solid"/>
-                      <a:round/>
-                      <a:headEnd type="none" w="med" len="med"/>
-                      <a:tailEnd type="none" w="med" len="med"/>
-                    </a:lnB>
-                  </a:tcPr>
-                </a:tc>
-                <a:tc>
-                  <a:txBody>
-                    <a:bodyPr/>
-                    <a:lstStyle/>
-                    <a:p>
-                      <a:pPr latinLnBrk="1"/>
-                      <a:endParaRPr lang="ko-KR" altLang="en-US" sz="1400" dirty="0"/>
-                    </a:p>
-                  </a:txBody>
-                  <a:tcPr anchor="ctr">
-                    <a:lnT w="12700" cap="flat" cmpd="sng" algn="ctr">
-                      <a:solidFill>
-                        <a:schemeClr val="bg1"/>
-                      </a:solidFill>
-                      <a:prstDash val="solid"/>
-                      <a:round/>
-                      <a:headEnd type="none" w="med" len="med"/>
-                      <a:tailEnd type="none" w="med" len="med"/>
-                    </a:lnT>
-                    <a:lnB w="12700" cap="flat" cmpd="sng" algn="ctr">
-                      <a:solidFill>
-                        <a:schemeClr val="bg1"/>
-                      </a:solidFill>
-                      <a:prstDash val="solid"/>
-                      <a:round/>
-                      <a:headEnd type="none" w="med" len="med"/>
-                      <a:tailEnd type="none" w="med" len="med"/>
-                    </a:lnB>
-                  </a:tcPr>
-                </a:tc>
-                <a:tc>
-                  <a:txBody>
-                    <a:bodyPr/>
-                    <a:lstStyle/>
-                    <a:p>
-                      <a:pPr algn="ctr" latinLnBrk="1"/>
-                      <a:endParaRPr lang="ko-KR" altLang="en-US" sz="1400" dirty="0"/>
-                    </a:p>
-                  </a:txBody>
-                  <a:tcPr anchor="ctr">
-                    <a:lnT w="12700" cap="flat" cmpd="sng" algn="ctr">
-                      <a:solidFill>
-                        <a:schemeClr val="bg1"/>
-                      </a:solidFill>
-                      <a:prstDash val="solid"/>
-                      <a:round/>
-                      <a:headEnd type="none" w="med" len="med"/>
-                      <a:tailEnd type="none" w="med" len="med"/>
-                    </a:lnT>
-                    <a:lnB w="12700" cap="flat" cmpd="sng" algn="ctr">
-                      <a:solidFill>
-                        <a:schemeClr val="bg1"/>
-                      </a:solidFill>
-                      <a:prstDash val="solid"/>
-                      <a:round/>
-                      <a:headEnd type="none" w="med" len="med"/>
-                      <a:tailEnd type="none" w="med" len="med"/>
-                    </a:lnB>
-                  </a:tcPr>
-                </a:tc>
-                <a:extLst>
-                  <a:ext uri="{0D108BD9-81ED-4DB2-BD59-A6C34878D82A}">
-                    <a16:rowId xmlns:a16="http://schemas.microsoft.com/office/drawing/2014/main" val="1247127632"/>
-                  </a:ext>
-                </a:extLst>
-              </a:tr>
-              <a:tr h="315420">
-                <a:tc vMerge="1">
-                  <a:txBody>
-                    <a:bodyPr/>
-                    <a:lstStyle/>
-                    <a:p>
-                      <a:pPr algn="ctr" latinLnBrk="1"/>
-                      <a:endParaRPr lang="ko-KR" altLang="en-US" sz="1600" dirty="0"/>
-                    </a:p>
-                  </a:txBody>
-                  <a:tcPr anchor="ctr">
-                    <a:lnR w="12700" cap="flat" cmpd="sng" algn="ctr">
-                      <a:solidFill>
-                        <a:schemeClr val="tx1"/>
-                      </a:solidFill>
-                      <a:prstDash val="solid"/>
-                      <a:round/>
-                      <a:headEnd type="none" w="med" len="med"/>
-                      <a:tailEnd type="none" w="med" len="med"/>
-                    </a:lnR>
-                    <a:lnT w="12700" cap="flat" cmpd="sng" algn="ctr">
-                      <a:solidFill>
-                        <a:schemeClr val="tx1"/>
-                      </a:solidFill>
-                      <a:prstDash val="solid"/>
-                      <a:round/>
-                      <a:headEnd type="none" w="med" len="med"/>
-                      <a:tailEnd type="none" w="med" len="med"/>
-                    </a:lnT>
-                    <a:lnB w="12700" cap="flat" cmpd="sng" algn="ctr">
-                      <a:solidFill>
-                        <a:schemeClr val="tx1"/>
-                      </a:solidFill>
-                      <a:prstDash val="solid"/>
-                      <a:round/>
-                      <a:headEnd type="none" w="med" len="med"/>
-                      <a:tailEnd type="none" w="med" len="med"/>
-                    </a:lnB>
-                  </a:tcPr>
-                </a:tc>
-                <a:tc>
-                  <a:txBody>
-                    <a:bodyPr/>
-                    <a:lstStyle/>
-                    <a:p>
-                      <a:pPr latinLnBrk="1"/>
-                      <a:r>
-                        <a:rPr lang="en-US" altLang="ko-KR" sz="1400" dirty="0"/>
-                        <a:t>‘</a:t>
-                      </a:r>
-                      <a:r>
-                        <a:rPr lang="ko-KR" altLang="en-US" sz="1400" dirty="0"/>
-                        <a:t>좋아요</a:t>
-                      </a:r>
-                      <a:r>
-                        <a:rPr lang="en-US" altLang="ko-KR" sz="1400" dirty="0"/>
-                        <a:t>’ </a:t>
-                      </a:r>
-                      <a:r>
-                        <a:rPr lang="ko-KR" altLang="en-US" sz="1400" dirty="0"/>
-                        <a:t>많이 받은 문장 </a:t>
-                      </a:r>
-                      <a:r>
-                        <a:rPr lang="en-US" altLang="ko-KR" sz="1400" dirty="0"/>
-                        <a:t>Top10</a:t>
-                      </a:r>
-                      <a:endParaRPr lang="ko-KR" altLang="en-US" sz="1400" dirty="0"/>
-                    </a:p>
-                  </a:txBody>
-                  <a:tcPr anchor="ctr">
-                    <a:lnL w="12700" cap="flat" cmpd="sng" algn="ctr">
-                      <a:solidFill>
-                        <a:schemeClr val="tx1"/>
-                      </a:solidFill>
-                      <a:prstDash val="solid"/>
-                      <a:round/>
-                      <a:headEnd type="none" w="med" len="med"/>
-                      <a:tailEnd type="none" w="med" len="med"/>
-                    </a:lnL>
-                    <a:lnT w="12700" cap="flat" cmpd="sng" algn="ctr">
-                      <a:solidFill>
-                        <a:schemeClr val="bg1"/>
-                      </a:solidFill>
-                      <a:prstDash val="solid"/>
-                      <a:round/>
-                      <a:headEnd type="none" w="med" len="med"/>
-                      <a:tailEnd type="none" w="med" len="med"/>
-                    </a:lnT>
-                    <a:lnB w="12700" cap="flat" cmpd="sng" algn="ctr">
-                      <a:solidFill>
-                        <a:schemeClr val="tx1"/>
-                      </a:solidFill>
-                      <a:prstDash val="solid"/>
-                      <a:round/>
-                      <a:headEnd type="none" w="med" len="med"/>
-                      <a:tailEnd type="none" w="med" len="med"/>
-                    </a:lnB>
-                  </a:tcPr>
-                </a:tc>
-                <a:tc>
-                  <a:txBody>
-                    <a:bodyPr/>
-                    <a:lstStyle/>
-                    <a:p>
-                      <a:pPr latinLnBrk="1"/>
-                      <a:endParaRPr lang="ko-KR" altLang="en-US" sz="1400" dirty="0"/>
-                    </a:p>
-                  </a:txBody>
-                  <a:tcPr anchor="ctr">
-                    <a:lnT w="12700" cap="flat" cmpd="sng" algn="ctr">
-                      <a:solidFill>
-                        <a:schemeClr val="bg1"/>
-                      </a:solidFill>
-                      <a:prstDash val="solid"/>
-                      <a:round/>
-                      <a:headEnd type="none" w="med" len="med"/>
-                      <a:tailEnd type="none" w="med" len="med"/>
-                    </a:lnT>
-                    <a:lnB w="12700" cap="flat" cmpd="sng" algn="ctr">
-                      <a:solidFill>
-                        <a:schemeClr val="tx1"/>
-                      </a:solidFill>
-                      <a:prstDash val="solid"/>
-                      <a:round/>
-                      <a:headEnd type="none" w="med" len="med"/>
-                      <a:tailEnd type="none" w="med" len="med"/>
-                    </a:lnB>
-                  </a:tcPr>
-                </a:tc>
-                <a:tc>
-                  <a:txBody>
-                    <a:bodyPr/>
-                    <a:lstStyle/>
-                    <a:p>
-                      <a:pPr algn="ctr" latinLnBrk="1"/>
-                      <a:endParaRPr lang="ko-KR" altLang="en-US" sz="1400" dirty="0"/>
-                    </a:p>
-                  </a:txBody>
-                  <a:tcPr anchor="ctr">
-                    <a:lnT w="12700" cap="flat" cmpd="sng" algn="ctr">
-                      <a:solidFill>
-                        <a:schemeClr val="bg1"/>
-                      </a:solidFill>
-                      <a:prstDash val="solid"/>
-                      <a:round/>
-                      <a:headEnd type="none" w="med" len="med"/>
-                      <a:tailEnd type="none" w="med" len="med"/>
-                    </a:lnT>
-                    <a:lnB w="12700" cap="flat" cmpd="sng" algn="ctr">
-                      <a:solidFill>
-                        <a:schemeClr val="tx1"/>
-                      </a:solidFill>
-                      <a:prstDash val="solid"/>
-                      <a:round/>
-                      <a:headEnd type="none" w="med" len="med"/>
-                      <a:tailEnd type="none" w="med" len="med"/>
-                    </a:lnB>
-                  </a:tcPr>
-                </a:tc>
-                <a:extLst>
-                  <a:ext uri="{0D108BD9-81ED-4DB2-BD59-A6C34878D82A}">
-                    <a16:rowId xmlns:a16="http://schemas.microsoft.com/office/drawing/2014/main" val="3141910051"/>
-                  </a:ext>
-                </a:extLst>
-              </a:tr>
-              <a:tr h="506873">
-                <a:tc>
-                  <a:txBody>
-                    <a:bodyPr/>
-                    <a:lstStyle/>
-                    <a:p>
-                      <a:pPr algn="ctr" latinLnBrk="1"/>
-                      <a:r>
-                        <a:rPr lang="ko-KR" altLang="en-US" sz="1400" dirty="0"/>
-                        <a:t>책 </a:t>
-                      </a:r>
-                      <a:r>
-                        <a:rPr lang="ko-KR" altLang="en-US" sz="1400" dirty="0" err="1"/>
-                        <a:t>감상평</a:t>
-                      </a:r>
-                      <a:endParaRPr lang="en-US" altLang="ko-KR" sz="1400" dirty="0"/>
-                    </a:p>
-                    <a:p>
-                      <a:pPr algn="ctr" latinLnBrk="1"/>
-                      <a:r>
-                        <a:rPr lang="ko-KR" altLang="en-US" sz="1400" dirty="0"/>
-                        <a:t>개인 기록 저장소</a:t>
-                      </a:r>
-                    </a:p>
-                  </a:txBody>
-                  <a:tcPr anchor="ctr">
-                    <a:lnR w="12700" cap="flat" cmpd="sng" algn="ctr">
-                      <a:solidFill>
-                        <a:schemeClr val="tx1"/>
-                      </a:solidFill>
-                      <a:prstDash val="solid"/>
-                      <a:round/>
-                      <a:headEnd type="none" w="med" len="med"/>
-                      <a:tailEnd type="none" w="med" len="med"/>
-                    </a:lnR>
-                    <a:lnT w="12700" cap="flat" cmpd="sng" algn="ctr">
-                      <a:solidFill>
-                        <a:schemeClr val="tx1"/>
-                      </a:solidFill>
-                      <a:prstDash val="solid"/>
-                      <a:round/>
-                      <a:headEnd type="none" w="med" len="med"/>
-                      <a:tailEnd type="none" w="med" len="med"/>
-                    </a:lnT>
-                  </a:tcPr>
-                </a:tc>
-                <a:tc>
-                  <a:txBody>
-                    <a:bodyPr/>
-                    <a:lstStyle/>
-                    <a:p>
-                      <a:pPr latinLnBrk="1"/>
-                      <a:r>
-                        <a:rPr lang="ko-KR" altLang="en-US" sz="1400" dirty="0"/>
-                        <a:t>읽은 책 정리할 수 있는 기능</a:t>
-                      </a:r>
-                    </a:p>
-                  </a:txBody>
-                  <a:tcPr anchor="ctr">
-                    <a:lnL w="12700" cap="flat" cmpd="sng" algn="ctr">
-                      <a:solidFill>
-                        <a:schemeClr val="tx1"/>
-                      </a:solidFill>
-                      <a:prstDash val="solid"/>
-                      <a:round/>
-                      <a:headEnd type="none" w="med" len="med"/>
-                      <a:tailEnd type="none" w="med" len="med"/>
-                    </a:lnL>
-                    <a:lnT w="12700" cap="flat" cmpd="sng" algn="ctr">
-                      <a:solidFill>
-                        <a:schemeClr val="tx1"/>
-                      </a:solidFill>
-                      <a:prstDash val="solid"/>
-                      <a:round/>
-                      <a:headEnd type="none" w="med" len="med"/>
-                      <a:tailEnd type="none" w="med" len="med"/>
-                    </a:lnT>
-                  </a:tcPr>
-                </a:tc>
-                <a:tc>
-                  <a:txBody>
-                    <a:bodyPr/>
-                    <a:lstStyle/>
-                    <a:p>
-                      <a:pPr latinLnBrk="1"/>
-                      <a:endParaRPr lang="ko-KR" altLang="en-US" sz="1400" dirty="0"/>
-                    </a:p>
-                  </a:txBody>
-                  <a:tcPr anchor="ctr">
-                    <a:lnT w="12700" cap="flat" cmpd="sng" algn="ctr">
-                      <a:solidFill>
-                        <a:schemeClr val="tx1"/>
-                      </a:solidFill>
-                      <a:prstDash val="solid"/>
-                      <a:round/>
-                      <a:headEnd type="none" w="med" len="med"/>
-                      <a:tailEnd type="none" w="med" len="med"/>
-                    </a:lnT>
-                  </a:tcPr>
-                </a:tc>
-                <a:tc>
-                  <a:txBody>
-                    <a:bodyPr/>
-                    <a:lstStyle/>
-                    <a:p>
-                      <a:pPr algn="ctr" latinLnBrk="1"/>
-                      <a:endParaRPr lang="ko-KR" altLang="en-US" sz="1400" dirty="0"/>
-                    </a:p>
-                  </a:txBody>
-                  <a:tcPr anchor="ctr">
-                    <a:lnT w="12700" cap="flat" cmpd="sng" algn="ctr">
-                      <a:solidFill>
-                        <a:schemeClr val="tx1"/>
-                      </a:solidFill>
-                      <a:prstDash val="solid"/>
-                      <a:round/>
-                      <a:headEnd type="none" w="med" len="med"/>
-                      <a:tailEnd type="none" w="med" len="med"/>
-                    </a:lnT>
-                  </a:tcPr>
-                </a:tc>
-                <a:extLst>
-                  <a:ext uri="{0D108BD9-81ED-4DB2-BD59-A6C34878D82A}">
-                    <a16:rowId xmlns:a16="http://schemas.microsoft.com/office/drawing/2014/main" val="4050106967"/>
-                  </a:ext>
-                </a:extLst>
-              </a:tr>
-            </a:tbl>
-          </a:graphicData>
-        </a:graphic>
-      </p:graphicFrame>
+              <a:rPr lang="ko-KR" altLang="en-US" dirty="0"/>
+              <a:t>기능 </a:t>
+            </a:r>
+            <a:r>
+              <a:rPr lang="en-US" altLang="ko-KR" dirty="0"/>
+              <a:t>: </a:t>
+            </a:r>
+          </a:p>
+          <a:p>
+            <a:endParaRPr lang="en-US" altLang="ko-KR" dirty="0"/>
+          </a:p>
+          <a:p>
+            <a:pPr>
+              <a:lnSpc>
+                <a:spcPct val="150000"/>
+              </a:lnSpc>
+            </a:pPr>
+            <a:r>
+              <a:rPr lang="ko-KR" altLang="en-US" spc="-150" dirty="0"/>
+              <a:t>① </a:t>
+            </a:r>
+            <a:r>
+              <a:rPr lang="en-US" altLang="ko-KR" spc="-150" dirty="0"/>
+              <a:t>:</a:t>
+            </a:r>
+            <a:r>
+              <a:rPr lang="ko-KR" altLang="en-US" spc="-150" dirty="0"/>
+              <a:t> 이전 화면으로 돌아가기</a:t>
+            </a:r>
+            <a:endParaRPr lang="en-US" altLang="ko-KR" spc="-150" dirty="0"/>
+          </a:p>
+          <a:p>
+            <a:pPr>
+              <a:lnSpc>
+                <a:spcPct val="150000"/>
+              </a:lnSpc>
+            </a:pPr>
+            <a:r>
+              <a:rPr lang="ko-KR" altLang="en-US" spc="-150" dirty="0"/>
+              <a:t>② </a:t>
+            </a:r>
+            <a:r>
+              <a:rPr lang="en-US" altLang="ko-KR" spc="-150" dirty="0"/>
+              <a:t>:</a:t>
+            </a:r>
+            <a:r>
+              <a:rPr lang="ko-KR" altLang="en-US" spc="-150" dirty="0"/>
+              <a:t> 글꼴</a:t>
+            </a:r>
+            <a:r>
+              <a:rPr lang="en-US" altLang="ko-KR" spc="-150" dirty="0"/>
+              <a:t>/</a:t>
+            </a:r>
+            <a:r>
+              <a:rPr lang="ko-KR" altLang="en-US" spc="-150" dirty="0"/>
+              <a:t>글자크기</a:t>
+            </a:r>
+            <a:r>
+              <a:rPr lang="en-US" altLang="ko-KR" spc="-150" dirty="0"/>
+              <a:t>/</a:t>
+            </a:r>
+            <a:r>
+              <a:rPr lang="ko-KR" altLang="en-US" spc="-150" dirty="0" err="1"/>
+              <a:t>줄간격</a:t>
+            </a:r>
+            <a:r>
+              <a:rPr lang="ko-KR" altLang="en-US" spc="-150" dirty="0"/>
+              <a:t> 등 옵션 변경</a:t>
+            </a:r>
+            <a:endParaRPr lang="en-US" altLang="ko-KR" spc="-150" dirty="0"/>
+          </a:p>
+          <a:p>
+            <a:pPr>
+              <a:lnSpc>
+                <a:spcPct val="150000"/>
+              </a:lnSpc>
+            </a:pPr>
+            <a:r>
+              <a:rPr lang="ko-KR" altLang="en-US" spc="-150" dirty="0"/>
+              <a:t>③ </a:t>
+            </a:r>
+            <a:r>
+              <a:rPr lang="en-US" altLang="ko-KR" spc="-150" dirty="0"/>
+              <a:t>:</a:t>
+            </a:r>
+            <a:r>
+              <a:rPr lang="ko-KR" altLang="en-US" spc="-150" dirty="0"/>
+              <a:t> 책갈피</a:t>
+            </a:r>
+            <a:endParaRPr lang="en-US" altLang="ko-KR" spc="-150" dirty="0"/>
+          </a:p>
+          <a:p>
+            <a:pPr>
+              <a:lnSpc>
+                <a:spcPct val="150000"/>
+              </a:lnSpc>
+            </a:pPr>
+            <a:r>
+              <a:rPr lang="ko-KR" altLang="ko-KR" spc="-150" dirty="0"/>
+              <a:t>④</a:t>
+            </a:r>
+            <a:r>
+              <a:rPr lang="en-US" altLang="ko-KR" spc="-150" dirty="0"/>
+              <a:t> : </a:t>
+            </a:r>
+            <a:r>
+              <a:rPr lang="ko-KR" altLang="en-US" spc="-150" dirty="0"/>
+              <a:t>사전 검색</a:t>
+            </a:r>
+            <a:endParaRPr lang="en-US" altLang="ko-KR" spc="-150" dirty="0"/>
+          </a:p>
+          <a:p>
+            <a:pPr>
+              <a:lnSpc>
+                <a:spcPct val="150000"/>
+              </a:lnSpc>
+            </a:pPr>
+            <a:r>
+              <a:rPr lang="ko-KR" altLang="ko-KR" spc="-150" dirty="0"/>
+              <a:t>⑤</a:t>
+            </a:r>
+            <a:r>
+              <a:rPr lang="en-US" altLang="ko-KR" spc="-150" dirty="0"/>
+              <a:t> : </a:t>
+            </a:r>
+            <a:r>
+              <a:rPr lang="ko-KR" altLang="en-US" spc="-150" dirty="0"/>
+              <a:t>텍스트 보여주는 부분</a:t>
+            </a:r>
+            <a:endParaRPr lang="en-US" altLang="ko-KR" spc="-150" dirty="0"/>
+          </a:p>
+          <a:p>
+            <a:pPr>
+              <a:lnSpc>
+                <a:spcPct val="150000"/>
+              </a:lnSpc>
+            </a:pPr>
+            <a:r>
+              <a:rPr lang="ko-KR" altLang="en-US" spc="-150" dirty="0"/>
+              <a:t>⑥ </a:t>
+            </a:r>
+            <a:r>
+              <a:rPr lang="en-US" altLang="ko-KR" spc="-150" dirty="0"/>
+              <a:t>: </a:t>
+            </a:r>
+            <a:r>
+              <a:rPr lang="ko-KR" altLang="en-US" spc="-150" dirty="0" err="1"/>
+              <a:t>다크모드</a:t>
+            </a:r>
+            <a:r>
+              <a:rPr lang="ko-KR" altLang="en-US" spc="-150" dirty="0"/>
+              <a:t> 기능</a:t>
+            </a:r>
+          </a:p>
+        </p:txBody>
+      </p:sp>
+      <p:sp>
+        <p:nvSpPr>
+          <p:cNvPr id="5" name="TextBox 4">
+            <a:extLst>
+              <a:ext uri="{FF2B5EF4-FFF2-40B4-BE49-F238E27FC236}">
+                <a16:creationId xmlns:a16="http://schemas.microsoft.com/office/drawing/2014/main" id="{9D99F421-D9D5-4A7E-870C-2720F95A7F5F}"/>
+              </a:ext>
+            </a:extLst>
+          </p:cNvPr>
+          <p:cNvSpPr txBox="1"/>
+          <p:nvPr/>
+        </p:nvSpPr>
+        <p:spPr>
+          <a:xfrm>
+            <a:off x="1231530" y="1547128"/>
+            <a:ext cx="503340" cy="377504"/>
+          </a:xfrm>
+          <a:prstGeom prst="rect">
+            <a:avLst/>
+          </a:prstGeom>
+          <a:noFill/>
+        </p:spPr>
+        <p:txBody>
+          <a:bodyPr wrap="square" rtlCol="0">
+            <a:spAutoFit/>
+          </a:bodyPr>
+          <a:lstStyle/>
+          <a:p>
+            <a:r>
+              <a:rPr lang="ko-KR" altLang="en-US" dirty="0">
+                <a:highlight>
+                  <a:srgbClr val="FFFF00"/>
+                </a:highlight>
+              </a:rPr>
+              <a:t>①</a:t>
+            </a:r>
+          </a:p>
+        </p:txBody>
+      </p:sp>
+      <p:sp>
+        <p:nvSpPr>
+          <p:cNvPr id="6" name="TextBox 5">
+            <a:extLst>
+              <a:ext uri="{FF2B5EF4-FFF2-40B4-BE49-F238E27FC236}">
+                <a16:creationId xmlns:a16="http://schemas.microsoft.com/office/drawing/2014/main" id="{0D341BA6-A03E-42C5-ACA1-23F15301CFA9}"/>
+              </a:ext>
+            </a:extLst>
+          </p:cNvPr>
+          <p:cNvSpPr txBox="1"/>
+          <p:nvPr/>
+        </p:nvSpPr>
+        <p:spPr>
+          <a:xfrm>
+            <a:off x="2573403" y="1504426"/>
+            <a:ext cx="503340" cy="377504"/>
+          </a:xfrm>
+          <a:prstGeom prst="rect">
+            <a:avLst/>
+          </a:prstGeom>
+          <a:noFill/>
+        </p:spPr>
+        <p:txBody>
+          <a:bodyPr wrap="square" rtlCol="0">
+            <a:spAutoFit/>
+          </a:bodyPr>
+          <a:lstStyle/>
+          <a:p>
+            <a:r>
+              <a:rPr lang="ko-KR" altLang="en-US" dirty="0">
+                <a:highlight>
+                  <a:srgbClr val="FFFF00"/>
+                </a:highlight>
+              </a:rPr>
+              <a:t>②</a:t>
+            </a:r>
+          </a:p>
+        </p:txBody>
+      </p:sp>
+      <p:sp>
+        <p:nvSpPr>
+          <p:cNvPr id="7" name="TextBox 6">
+            <a:extLst>
+              <a:ext uri="{FF2B5EF4-FFF2-40B4-BE49-F238E27FC236}">
+                <a16:creationId xmlns:a16="http://schemas.microsoft.com/office/drawing/2014/main" id="{3DAC5130-3963-4C78-8FF0-4277AB440D8F}"/>
+              </a:ext>
+            </a:extLst>
+          </p:cNvPr>
+          <p:cNvSpPr txBox="1"/>
+          <p:nvPr/>
+        </p:nvSpPr>
+        <p:spPr>
+          <a:xfrm>
+            <a:off x="3076743" y="1504426"/>
+            <a:ext cx="503340" cy="377504"/>
+          </a:xfrm>
+          <a:prstGeom prst="rect">
+            <a:avLst/>
+          </a:prstGeom>
+          <a:noFill/>
+        </p:spPr>
+        <p:txBody>
+          <a:bodyPr wrap="square" rtlCol="0">
+            <a:spAutoFit/>
+          </a:bodyPr>
+          <a:lstStyle/>
+          <a:p>
+            <a:r>
+              <a:rPr lang="ko-KR" altLang="en-US" dirty="0">
+                <a:highlight>
+                  <a:srgbClr val="FFFF00"/>
+                </a:highlight>
+              </a:rPr>
+              <a:t>③</a:t>
+            </a:r>
+          </a:p>
+        </p:txBody>
+      </p:sp>
+      <p:sp>
+        <p:nvSpPr>
+          <p:cNvPr id="11" name="TextBox 10">
+            <a:extLst>
+              <a:ext uri="{FF2B5EF4-FFF2-40B4-BE49-F238E27FC236}">
+                <a16:creationId xmlns:a16="http://schemas.microsoft.com/office/drawing/2014/main" id="{9A7987F8-FC0A-4950-8DC9-0ECB5101713A}"/>
+              </a:ext>
+            </a:extLst>
+          </p:cNvPr>
+          <p:cNvSpPr txBox="1"/>
+          <p:nvPr/>
+        </p:nvSpPr>
+        <p:spPr>
+          <a:xfrm>
+            <a:off x="3494369" y="1504426"/>
+            <a:ext cx="503340" cy="369332"/>
+          </a:xfrm>
+          <a:prstGeom prst="rect">
+            <a:avLst/>
+          </a:prstGeom>
+          <a:noFill/>
+        </p:spPr>
+        <p:txBody>
+          <a:bodyPr wrap="square" rtlCol="0">
+            <a:spAutoFit/>
+          </a:bodyPr>
+          <a:lstStyle/>
+          <a:p>
+            <a:r>
+              <a:rPr lang="ko-KR" altLang="en-US" dirty="0">
+                <a:highlight>
+                  <a:srgbClr val="FFFF00"/>
+                </a:highlight>
+              </a:rPr>
+              <a:t>④</a:t>
+            </a:r>
+          </a:p>
+        </p:txBody>
+      </p:sp>
+      <p:sp>
+        <p:nvSpPr>
+          <p:cNvPr id="12" name="TextBox 11">
+            <a:extLst>
+              <a:ext uri="{FF2B5EF4-FFF2-40B4-BE49-F238E27FC236}">
+                <a16:creationId xmlns:a16="http://schemas.microsoft.com/office/drawing/2014/main" id="{7FE9C2A8-9438-44A8-92CB-964E5A0A2CC8}"/>
+              </a:ext>
+            </a:extLst>
+          </p:cNvPr>
+          <p:cNvSpPr txBox="1"/>
+          <p:nvPr/>
+        </p:nvSpPr>
+        <p:spPr>
+          <a:xfrm>
+            <a:off x="3092514" y="3244334"/>
+            <a:ext cx="503340" cy="369332"/>
+          </a:xfrm>
+          <a:prstGeom prst="rect">
+            <a:avLst/>
+          </a:prstGeom>
+          <a:noFill/>
+        </p:spPr>
+        <p:txBody>
+          <a:bodyPr wrap="square" rtlCol="0">
+            <a:spAutoFit/>
+          </a:bodyPr>
+          <a:lstStyle/>
+          <a:p>
+            <a:r>
+              <a:rPr lang="ko-KR" altLang="en-US" dirty="0">
+                <a:highlight>
+                  <a:srgbClr val="FFFF00"/>
+                </a:highlight>
+              </a:rPr>
+              <a:t>⑤</a:t>
+            </a:r>
+          </a:p>
+        </p:txBody>
+      </p:sp>
+      <p:sp>
+        <p:nvSpPr>
+          <p:cNvPr id="13" name="TextBox 12">
+            <a:extLst>
+              <a:ext uri="{FF2B5EF4-FFF2-40B4-BE49-F238E27FC236}">
+                <a16:creationId xmlns:a16="http://schemas.microsoft.com/office/drawing/2014/main" id="{A7F6B6E1-2C45-4181-94A0-56A2F8449EC1}"/>
+              </a:ext>
+            </a:extLst>
+          </p:cNvPr>
+          <p:cNvSpPr txBox="1"/>
+          <p:nvPr/>
+        </p:nvSpPr>
+        <p:spPr>
+          <a:xfrm>
+            <a:off x="3595854" y="4614910"/>
+            <a:ext cx="503340" cy="369332"/>
+          </a:xfrm>
+          <a:prstGeom prst="rect">
+            <a:avLst/>
+          </a:prstGeom>
+          <a:noFill/>
+        </p:spPr>
+        <p:txBody>
+          <a:bodyPr wrap="square" rtlCol="0">
+            <a:spAutoFit/>
+          </a:bodyPr>
+          <a:lstStyle/>
+          <a:p>
+            <a:r>
+              <a:rPr lang="ko-KR" altLang="en-US" dirty="0">
+                <a:highlight>
+                  <a:srgbClr val="FFFF00"/>
+                </a:highlight>
+              </a:rPr>
+              <a:t>⑥</a:t>
+            </a:r>
+          </a:p>
+        </p:txBody>
+      </p:sp>
+      <p:sp>
+        <p:nvSpPr>
+          <p:cNvPr id="14" name="TextBox 13">
+            <a:extLst>
+              <a:ext uri="{FF2B5EF4-FFF2-40B4-BE49-F238E27FC236}">
+                <a16:creationId xmlns:a16="http://schemas.microsoft.com/office/drawing/2014/main" id="{25ADE6DE-1C0C-4038-A801-1F75DD95EF11}"/>
+              </a:ext>
+            </a:extLst>
+          </p:cNvPr>
+          <p:cNvSpPr txBox="1"/>
+          <p:nvPr/>
+        </p:nvSpPr>
+        <p:spPr>
+          <a:xfrm>
+            <a:off x="3580083" y="5184560"/>
+            <a:ext cx="503340" cy="369332"/>
+          </a:xfrm>
+          <a:prstGeom prst="rect">
+            <a:avLst/>
+          </a:prstGeom>
+          <a:noFill/>
+        </p:spPr>
+        <p:txBody>
+          <a:bodyPr wrap="square" rtlCol="0">
+            <a:spAutoFit/>
+          </a:bodyPr>
+          <a:lstStyle/>
+          <a:p>
+            <a:r>
+              <a:rPr lang="ko-KR" altLang="en-US" dirty="0">
+                <a:highlight>
+                  <a:srgbClr val="FFFF00"/>
+                </a:highlight>
+              </a:rPr>
+              <a:t>⑦</a:t>
+            </a:r>
+          </a:p>
+        </p:txBody>
+      </p:sp>
+      <p:sp>
+        <p:nvSpPr>
+          <p:cNvPr id="15" name="TextBox 14">
+            <a:extLst>
+              <a:ext uri="{FF2B5EF4-FFF2-40B4-BE49-F238E27FC236}">
+                <a16:creationId xmlns:a16="http://schemas.microsoft.com/office/drawing/2014/main" id="{614393B2-FAE7-4BAA-AD97-618A37367792}"/>
+              </a:ext>
+            </a:extLst>
+          </p:cNvPr>
+          <p:cNvSpPr txBox="1"/>
+          <p:nvPr/>
+        </p:nvSpPr>
+        <p:spPr>
+          <a:xfrm>
+            <a:off x="2861872" y="4975981"/>
+            <a:ext cx="503340" cy="369332"/>
+          </a:xfrm>
+          <a:prstGeom prst="rect">
+            <a:avLst/>
+          </a:prstGeom>
+          <a:noFill/>
+        </p:spPr>
+        <p:txBody>
+          <a:bodyPr wrap="square" rtlCol="0">
+            <a:spAutoFit/>
+          </a:bodyPr>
+          <a:lstStyle/>
+          <a:p>
+            <a:r>
+              <a:rPr lang="ko-KR" altLang="en-US" dirty="0">
+                <a:highlight>
+                  <a:srgbClr val="FFFF00"/>
+                </a:highlight>
+              </a:rPr>
+              <a:t>⑧</a:t>
+            </a:r>
+          </a:p>
+        </p:txBody>
+      </p:sp>
+      <p:sp>
+        <p:nvSpPr>
+          <p:cNvPr id="16" name="TextBox 15">
+            <a:extLst>
+              <a:ext uri="{FF2B5EF4-FFF2-40B4-BE49-F238E27FC236}">
+                <a16:creationId xmlns:a16="http://schemas.microsoft.com/office/drawing/2014/main" id="{96D4D5D7-340E-410A-B9CE-B1C375641870}"/>
+              </a:ext>
+            </a:extLst>
+          </p:cNvPr>
+          <p:cNvSpPr txBox="1"/>
+          <p:nvPr/>
+        </p:nvSpPr>
+        <p:spPr>
+          <a:xfrm>
+            <a:off x="1355753" y="6043875"/>
+            <a:ext cx="503340" cy="369332"/>
+          </a:xfrm>
+          <a:prstGeom prst="rect">
+            <a:avLst/>
+          </a:prstGeom>
+          <a:noFill/>
+        </p:spPr>
+        <p:txBody>
+          <a:bodyPr wrap="square" rtlCol="0">
+            <a:spAutoFit/>
+          </a:bodyPr>
+          <a:lstStyle/>
+          <a:p>
+            <a:r>
+              <a:rPr lang="ko-KR" altLang="en-US" dirty="0">
+                <a:highlight>
+                  <a:srgbClr val="FFFF00"/>
+                </a:highlight>
+              </a:rPr>
+              <a:t>⑨</a:t>
+            </a:r>
+          </a:p>
+        </p:txBody>
+      </p:sp>
+      <p:sp>
+        <p:nvSpPr>
+          <p:cNvPr id="10" name="타원 9">
+            <a:extLst>
+              <a:ext uri="{FF2B5EF4-FFF2-40B4-BE49-F238E27FC236}">
+                <a16:creationId xmlns:a16="http://schemas.microsoft.com/office/drawing/2014/main" id="{3FB393B4-D7C5-4775-A39C-5487D1A88606}"/>
+              </a:ext>
+            </a:extLst>
+          </p:cNvPr>
+          <p:cNvSpPr/>
+          <p:nvPr/>
+        </p:nvSpPr>
+        <p:spPr>
+          <a:xfrm>
+            <a:off x="2733503" y="4886734"/>
+            <a:ext cx="324000" cy="324000"/>
+          </a:xfrm>
+          <a:prstGeom prst="ellipse">
+            <a:avLst/>
+          </a:prstGeom>
+          <a:noFill/>
+          <a:ln>
+            <a:solidFill>
+              <a:schemeClr val="accent6"/>
+            </a:solidFill>
+          </a:ln>
+        </p:spPr>
+        <p:style>
+          <a:lnRef idx="2">
+            <a:schemeClr val="accent1">
+              <a:shade val="50000"/>
+            </a:schemeClr>
+          </a:lnRef>
+          <a:fillRef idx="1">
+            <a:schemeClr val="accent1"/>
+          </a:fillRef>
+          <a:effectRef idx="0">
+            <a:schemeClr val="accent1"/>
+          </a:effectRef>
+          <a:fontRef idx="minor">
+            <a:schemeClr val="lt1"/>
+          </a:fontRef>
+        </p:style>
+        <p:txBody>
+          <a:bodyPr rtlCol="0" anchor="ctr"/>
+          <a:lstStyle/>
+          <a:p>
+            <a:pPr algn="ctr"/>
+            <a:r>
+              <a:rPr lang="ko-KR" altLang="en-US" sz="900" dirty="0">
+                <a:solidFill>
+                  <a:schemeClr val="tx1"/>
+                </a:solidFill>
+              </a:rPr>
+              <a:t>번역</a:t>
+            </a:r>
+          </a:p>
+        </p:txBody>
+      </p:sp>
     </p:spTree>
     <p:extLst>
       <p:ext uri="{BB962C8B-B14F-4D97-AF65-F5344CB8AC3E}">
-        <p14:creationId xmlns:p14="http://schemas.microsoft.com/office/powerpoint/2010/main" val="265183995"/>
+        <p14:creationId xmlns:p14="http://schemas.microsoft.com/office/powerpoint/2010/main" val="2509582027"/>
       </p:ext>
     </p:extLst>
   </p:cSld>

--- a/보고서/사용자인터페이스(나) 제안발표ppt_3code.pptx
+++ b/보고서/사용자인터페이스(나) 제안발표ppt_3code.pptx
@@ -11171,7 +11171,7 @@
             <a:r>
               <a:rPr lang="ko-KR" altLang="en-US" sz="5400" dirty="0">
                 <a:effectLst>
-                  <a:outerShdw blurRad="50800" dist="431800" dir="6300000" sx="126000" sy="126000" algn="ctr" rotWithShape="0">
+                  <a:outerShdw blurRad="50800" dist="431800" dir="6900000" sx="126000" sy="126000" algn="ctr" rotWithShape="0">
                     <a:schemeClr val="bg1">
                       <a:lumMod val="75000"/>
                     </a:schemeClr>
@@ -11184,7 +11184,7 @@
             </a:r>
             <a:endParaRPr lang="en-US" altLang="ko-KR" sz="5400" dirty="0">
               <a:effectLst>
-                <a:outerShdw blurRad="50800" dist="431800" dir="6300000" sx="126000" sy="126000" algn="ctr" rotWithShape="0">
+                <a:outerShdw blurRad="50800" dist="431800" dir="6900000" sx="126000" sy="126000" algn="ctr" rotWithShape="0">
                   <a:schemeClr val="bg1">
                     <a:lumMod val="75000"/>
                   </a:schemeClr>
@@ -11198,7 +11198,7 @@
             <a:r>
               <a:rPr lang="ko-KR" altLang="en-US" sz="5400" dirty="0">
                 <a:effectLst>
-                  <a:outerShdw blurRad="50800" dist="431800" dir="6300000" sx="126000" sy="126000" algn="ctr" rotWithShape="0">
+                  <a:outerShdw blurRad="50800" dist="431800" dir="6900000" sx="126000" sy="126000" algn="ctr" rotWithShape="0">
                     <a:schemeClr val="bg1">
                       <a:lumMod val="75000"/>
                     </a:schemeClr>
@@ -11329,7 +11329,7 @@
       </p:sp>
       <p:pic>
         <p:nvPicPr>
-          <p:cNvPr id="10" name="그림 9">
+          <p:cNvPr id="10" name="그림 9" hidden="1">
             <a:extLst>
               <a:ext uri="{FF2B5EF4-FFF2-40B4-BE49-F238E27FC236}">
                 <a16:creationId xmlns:a16="http://schemas.microsoft.com/office/drawing/2014/main" id="{B50D0009-C4E5-4A5A-B886-CB2A6819A58E}"/>
@@ -11357,6 +11357,42 @@
           <a:xfrm>
             <a:off x="1920355" y="1725706"/>
             <a:ext cx="2761727" cy="2859272"/>
+          </a:xfrm>
+          <a:prstGeom prst="rect">
+            <a:avLst/>
+          </a:prstGeom>
+        </p:spPr>
+      </p:pic>
+      <p:pic>
+        <p:nvPicPr>
+          <p:cNvPr id="9" name="그림 8">
+            <a:extLst>
+              <a:ext uri="{FF2B5EF4-FFF2-40B4-BE49-F238E27FC236}">
+                <a16:creationId xmlns:a16="http://schemas.microsoft.com/office/drawing/2014/main" id="{C0045072-DECB-4528-89EB-A5212319A665}"/>
+              </a:ext>
+            </a:extLst>
+          </p:cNvPr>
+          <p:cNvPicPr>
+            <a:picLocks noChangeAspect="1"/>
+          </p:cNvPicPr>
+          <p:nvPr/>
+        </p:nvPicPr>
+        <p:blipFill>
+          <a:blip r:embed="rId9">
+            <a:extLst>
+              <a:ext uri="{28A0092B-C50C-407E-A947-70E740481C1C}">
+                <a14:useLocalDpi xmlns:a14="http://schemas.microsoft.com/office/drawing/2010/main" val="0"/>
+              </a:ext>
+            </a:extLst>
+          </a:blip>
+          <a:stretch>
+            <a:fillRect/>
+          </a:stretch>
+        </p:blipFill>
+        <p:spPr>
+          <a:xfrm>
+            <a:off x="1865836" y="1750092"/>
+            <a:ext cx="2767824" cy="2834886"/>
           </a:xfrm>
           <a:prstGeom prst="rect">
             <a:avLst/>

--- a/보고서/사용자인터페이스(나) 제안발표ppt_3code.pptx
+++ b/보고서/사용자인터페이스(나) 제안발표ppt_3code.pptx
@@ -277,7 +277,7 @@
           <a:p>
             <a:fld id="{81CFE647-D1B4-40D3-8B7A-C201E16AF312}" type="datetimeFigureOut">
               <a:rPr lang="ko-KR" altLang="en-US" smtClean="0"/>
-              <a:t>2020-10-25</a:t>
+              <a:t>2020-10-26</a:t>
             </a:fld>
             <a:endParaRPr lang="ko-KR" altLang="en-US"/>
           </a:p>
@@ -475,7 +475,7 @@
           <a:p>
             <a:fld id="{81CFE647-D1B4-40D3-8B7A-C201E16AF312}" type="datetimeFigureOut">
               <a:rPr lang="ko-KR" altLang="en-US" smtClean="0"/>
-              <a:t>2020-10-25</a:t>
+              <a:t>2020-10-26</a:t>
             </a:fld>
             <a:endParaRPr lang="ko-KR" altLang="en-US"/>
           </a:p>
@@ -683,7 +683,7 @@
           <a:p>
             <a:fld id="{81CFE647-D1B4-40D3-8B7A-C201E16AF312}" type="datetimeFigureOut">
               <a:rPr lang="ko-KR" altLang="en-US" smtClean="0"/>
-              <a:t>2020-10-25</a:t>
+              <a:t>2020-10-26</a:t>
             </a:fld>
             <a:endParaRPr lang="ko-KR" altLang="en-US"/>
           </a:p>
@@ -881,7 +881,7 @@
           <a:p>
             <a:fld id="{81CFE647-D1B4-40D3-8B7A-C201E16AF312}" type="datetimeFigureOut">
               <a:rPr lang="ko-KR" altLang="en-US" smtClean="0"/>
-              <a:t>2020-10-25</a:t>
+              <a:t>2020-10-26</a:t>
             </a:fld>
             <a:endParaRPr lang="ko-KR" altLang="en-US"/>
           </a:p>
@@ -1156,7 +1156,7 @@
           <a:p>
             <a:fld id="{81CFE647-D1B4-40D3-8B7A-C201E16AF312}" type="datetimeFigureOut">
               <a:rPr lang="ko-KR" altLang="en-US" smtClean="0"/>
-              <a:t>2020-10-25</a:t>
+              <a:t>2020-10-26</a:t>
             </a:fld>
             <a:endParaRPr lang="ko-KR" altLang="en-US"/>
           </a:p>
@@ -1421,7 +1421,7 @@
           <a:p>
             <a:fld id="{81CFE647-D1B4-40D3-8B7A-C201E16AF312}" type="datetimeFigureOut">
               <a:rPr lang="ko-KR" altLang="en-US" smtClean="0"/>
-              <a:t>2020-10-25</a:t>
+              <a:t>2020-10-26</a:t>
             </a:fld>
             <a:endParaRPr lang="ko-KR" altLang="en-US"/>
           </a:p>
@@ -1833,7 +1833,7 @@
           <a:p>
             <a:fld id="{81CFE647-D1B4-40D3-8B7A-C201E16AF312}" type="datetimeFigureOut">
               <a:rPr lang="ko-KR" altLang="en-US" smtClean="0"/>
-              <a:t>2020-10-25</a:t>
+              <a:t>2020-10-26</a:t>
             </a:fld>
             <a:endParaRPr lang="ko-KR" altLang="en-US"/>
           </a:p>
@@ -1974,7 +1974,7 @@
           <a:p>
             <a:fld id="{81CFE647-D1B4-40D3-8B7A-C201E16AF312}" type="datetimeFigureOut">
               <a:rPr lang="ko-KR" altLang="en-US" smtClean="0"/>
-              <a:t>2020-10-25</a:t>
+              <a:t>2020-10-26</a:t>
             </a:fld>
             <a:endParaRPr lang="ko-KR" altLang="en-US"/>
           </a:p>
@@ -2087,7 +2087,7 @@
           <a:p>
             <a:fld id="{81CFE647-D1B4-40D3-8B7A-C201E16AF312}" type="datetimeFigureOut">
               <a:rPr lang="ko-KR" altLang="en-US" smtClean="0"/>
-              <a:t>2020-10-25</a:t>
+              <a:t>2020-10-26</a:t>
             </a:fld>
             <a:endParaRPr lang="ko-KR" altLang="en-US"/>
           </a:p>
@@ -2398,7 +2398,7 @@
           <a:p>
             <a:fld id="{81CFE647-D1B4-40D3-8B7A-C201E16AF312}" type="datetimeFigureOut">
               <a:rPr lang="ko-KR" altLang="en-US" smtClean="0"/>
-              <a:t>2020-10-25</a:t>
+              <a:t>2020-10-26</a:t>
             </a:fld>
             <a:endParaRPr lang="ko-KR" altLang="en-US"/>
           </a:p>
@@ -2686,7 +2686,7 @@
           <a:p>
             <a:fld id="{81CFE647-D1B4-40D3-8B7A-C201E16AF312}" type="datetimeFigureOut">
               <a:rPr lang="ko-KR" altLang="en-US" smtClean="0"/>
-              <a:t>2020-10-25</a:t>
+              <a:t>2020-10-26</a:t>
             </a:fld>
             <a:endParaRPr lang="ko-KR" altLang="en-US"/>
           </a:p>
@@ -2932,7 +2932,7 @@
           <a:p>
             <a:fld id="{81CFE647-D1B4-40D3-8B7A-C201E16AF312}" type="datetimeFigureOut">
               <a:rPr lang="ko-KR" altLang="en-US" smtClean="0"/>
-              <a:t>2020-10-25</a:t>
+              <a:t>2020-10-26</a:t>
             </a:fld>
             <a:endParaRPr lang="ko-KR" altLang="en-US"/>
           </a:p>
@@ -6458,10 +6458,36 @@
               <a:t>문장별로 관리할 수 있는 방법이 필요하다</a:t>
             </a:r>
             <a:r>
-              <a:rPr lang="en-US" altLang="ko-KR" sz="2400"/>
+              <a:rPr lang="en-US" altLang="ko-KR" sz="2400" dirty="0"/>
               <a:t>.</a:t>
             </a:r>
-            <a:endParaRPr lang="ko-KR" altLang="en-US" sz="2400" dirty="0"/>
+          </a:p>
+          <a:p>
+            <a:pPr marL="0" indent="0">
+              <a:buNone/>
+            </a:pPr>
+            <a:endParaRPr lang="en-US" altLang="ko-KR" sz="2400" dirty="0"/>
+          </a:p>
+          <a:p>
+            <a:pPr marL="0" indent="0">
+              <a:buNone/>
+            </a:pPr>
+            <a:r>
+              <a:rPr lang="ko-KR" altLang="en-US" sz="2400" dirty="0"/>
+              <a:t>대안 </a:t>
+            </a:r>
+            <a:r>
+              <a:rPr lang="en-US" altLang="ko-KR" sz="2400" dirty="0"/>
+              <a:t>: </a:t>
+            </a:r>
+            <a:r>
+              <a:rPr lang="ko-KR" altLang="en-US" sz="2400" dirty="0" err="1"/>
+              <a:t>챕터별</a:t>
+            </a:r>
+            <a:r>
+              <a:rPr lang="ko-KR" altLang="en-US" sz="2400" dirty="0"/>
+              <a:t> 사용자의 선호도 표시</a:t>
+            </a:r>
           </a:p>
         </p:txBody>
       </p:sp>
@@ -6684,6 +6710,35 @@
               <a:rPr lang="en-US" altLang="ko-KR" sz="2400" dirty="0"/>
               <a:t>: </a:t>
             </a:r>
+            <a:r>
+              <a:rPr lang="ko-KR" altLang="en-US" sz="2400" dirty="0"/>
+              <a:t>상세한 위치</a:t>
+            </a:r>
+            <a:r>
+              <a:rPr lang="en-US" altLang="ko-KR" sz="2400" dirty="0"/>
+              <a:t>(ex. 40</a:t>
+            </a:r>
+            <a:r>
+              <a:rPr lang="ko-KR" altLang="en-US" sz="2400" dirty="0"/>
+              <a:t>페이지 </a:t>
+            </a:r>
+            <a:r>
+              <a:rPr lang="en-US" altLang="ko-KR" sz="2400" dirty="0"/>
+              <a:t>4</a:t>
+            </a:r>
+            <a:r>
+              <a:rPr lang="ko-KR" altLang="en-US" sz="2400" dirty="0"/>
+              <a:t>번째 문장</a:t>
+            </a:r>
+            <a:r>
+              <a:rPr lang="en-US" altLang="ko-KR" sz="2400" dirty="0"/>
+              <a:t>)</a:t>
+            </a:r>
+            <a:r>
+              <a:rPr lang="ko-KR" altLang="en-US" sz="2400" dirty="0"/>
+              <a:t>를 가리키는 링크 대신 챕터의 맨 첫 장을 가리키는 링크 기능 지원</a:t>
+            </a:r>
+            <a:endParaRPr lang="en-US" altLang="ko-KR" sz="2400" dirty="0"/>
           </a:p>
           <a:p>
             <a:pPr marL="0" indent="0">

--- a/보고서/사용자인터페이스(나) 제안발표ppt_3code.pptx
+++ b/보고서/사용자인터페이스(나) 제안발표ppt_3code.pptx
@@ -6,24 +6,25 @@
   </p:sldMasterIdLst>
   <p:sldIdLst>
     <p:sldId id="256" r:id="rId2"/>
-    <p:sldId id="258" r:id="rId3"/>
+    <p:sldId id="282" r:id="rId3"/>
     <p:sldId id="271" r:id="rId4"/>
-    <p:sldId id="272" r:id="rId5"/>
-    <p:sldId id="266" r:id="rId6"/>
-    <p:sldId id="267" r:id="rId7"/>
-    <p:sldId id="261" r:id="rId8"/>
-    <p:sldId id="268" r:id="rId9"/>
-    <p:sldId id="264" r:id="rId10"/>
-    <p:sldId id="269" r:id="rId11"/>
-    <p:sldId id="274" r:id="rId12"/>
-    <p:sldId id="275" r:id="rId13"/>
-    <p:sldId id="276" r:id="rId14"/>
-    <p:sldId id="262" r:id="rId15"/>
-    <p:sldId id="278" r:id="rId16"/>
-    <p:sldId id="279" r:id="rId17"/>
-    <p:sldId id="280" r:id="rId18"/>
+    <p:sldId id="258" r:id="rId5"/>
+    <p:sldId id="272" r:id="rId6"/>
+    <p:sldId id="266" r:id="rId7"/>
+    <p:sldId id="267" r:id="rId8"/>
+    <p:sldId id="261" r:id="rId9"/>
+    <p:sldId id="268" r:id="rId10"/>
+    <p:sldId id="264" r:id="rId11"/>
+    <p:sldId id="269" r:id="rId12"/>
+    <p:sldId id="274" r:id="rId13"/>
+    <p:sldId id="275" r:id="rId14"/>
+    <p:sldId id="276" r:id="rId15"/>
+    <p:sldId id="262" r:id="rId16"/>
+    <p:sldId id="278" r:id="rId17"/>
+    <p:sldId id="279" r:id="rId18"/>
     <p:sldId id="281" r:id="rId19"/>
-    <p:sldId id="265" r:id="rId20"/>
+    <p:sldId id="280" r:id="rId20"/>
+    <p:sldId id="265" r:id="rId21"/>
   </p:sldIdLst>
   <p:sldSz cx="12192000" cy="6858000"/>
   <p:notesSz cx="6858000" cy="9144000"/>
@@ -277,7 +278,7 @@
           <a:p>
             <a:fld id="{81CFE647-D1B4-40D3-8B7A-C201E16AF312}" type="datetimeFigureOut">
               <a:rPr lang="ko-KR" altLang="en-US" smtClean="0"/>
-              <a:t>2020-10-26</a:t>
+              <a:t>2020-10-29</a:t>
             </a:fld>
             <a:endParaRPr lang="ko-KR" altLang="en-US"/>
           </a:p>
@@ -475,7 +476,7 @@
           <a:p>
             <a:fld id="{81CFE647-D1B4-40D3-8B7A-C201E16AF312}" type="datetimeFigureOut">
               <a:rPr lang="ko-KR" altLang="en-US" smtClean="0"/>
-              <a:t>2020-10-26</a:t>
+              <a:t>2020-10-29</a:t>
             </a:fld>
             <a:endParaRPr lang="ko-KR" altLang="en-US"/>
           </a:p>
@@ -683,7 +684,7 @@
           <a:p>
             <a:fld id="{81CFE647-D1B4-40D3-8B7A-C201E16AF312}" type="datetimeFigureOut">
               <a:rPr lang="ko-KR" altLang="en-US" smtClean="0"/>
-              <a:t>2020-10-26</a:t>
+              <a:t>2020-10-29</a:t>
             </a:fld>
             <a:endParaRPr lang="ko-KR" altLang="en-US"/>
           </a:p>
@@ -881,7 +882,7 @@
           <a:p>
             <a:fld id="{81CFE647-D1B4-40D3-8B7A-C201E16AF312}" type="datetimeFigureOut">
               <a:rPr lang="ko-KR" altLang="en-US" smtClean="0"/>
-              <a:t>2020-10-26</a:t>
+              <a:t>2020-10-29</a:t>
             </a:fld>
             <a:endParaRPr lang="ko-KR" altLang="en-US"/>
           </a:p>
@@ -1156,7 +1157,7 @@
           <a:p>
             <a:fld id="{81CFE647-D1B4-40D3-8B7A-C201E16AF312}" type="datetimeFigureOut">
               <a:rPr lang="ko-KR" altLang="en-US" smtClean="0"/>
-              <a:t>2020-10-26</a:t>
+              <a:t>2020-10-29</a:t>
             </a:fld>
             <a:endParaRPr lang="ko-KR" altLang="en-US"/>
           </a:p>
@@ -1421,7 +1422,7 @@
           <a:p>
             <a:fld id="{81CFE647-D1B4-40D3-8B7A-C201E16AF312}" type="datetimeFigureOut">
               <a:rPr lang="ko-KR" altLang="en-US" smtClean="0"/>
-              <a:t>2020-10-26</a:t>
+              <a:t>2020-10-29</a:t>
             </a:fld>
             <a:endParaRPr lang="ko-KR" altLang="en-US"/>
           </a:p>
@@ -1833,7 +1834,7 @@
           <a:p>
             <a:fld id="{81CFE647-D1B4-40D3-8B7A-C201E16AF312}" type="datetimeFigureOut">
               <a:rPr lang="ko-KR" altLang="en-US" smtClean="0"/>
-              <a:t>2020-10-26</a:t>
+              <a:t>2020-10-29</a:t>
             </a:fld>
             <a:endParaRPr lang="ko-KR" altLang="en-US"/>
           </a:p>
@@ -1974,7 +1975,7 @@
           <a:p>
             <a:fld id="{81CFE647-D1B4-40D3-8B7A-C201E16AF312}" type="datetimeFigureOut">
               <a:rPr lang="ko-KR" altLang="en-US" smtClean="0"/>
-              <a:t>2020-10-26</a:t>
+              <a:t>2020-10-29</a:t>
             </a:fld>
             <a:endParaRPr lang="ko-KR" altLang="en-US"/>
           </a:p>
@@ -2087,7 +2088,7 @@
           <a:p>
             <a:fld id="{81CFE647-D1B4-40D3-8B7A-C201E16AF312}" type="datetimeFigureOut">
               <a:rPr lang="ko-KR" altLang="en-US" smtClean="0"/>
-              <a:t>2020-10-26</a:t>
+              <a:t>2020-10-29</a:t>
             </a:fld>
             <a:endParaRPr lang="ko-KR" altLang="en-US"/>
           </a:p>
@@ -2398,7 +2399,7 @@
           <a:p>
             <a:fld id="{81CFE647-D1B4-40D3-8B7A-C201E16AF312}" type="datetimeFigureOut">
               <a:rPr lang="ko-KR" altLang="en-US" smtClean="0"/>
-              <a:t>2020-10-26</a:t>
+              <a:t>2020-10-29</a:t>
             </a:fld>
             <a:endParaRPr lang="ko-KR" altLang="en-US"/>
           </a:p>
@@ -2686,7 +2687,7 @@
           <a:p>
             <a:fld id="{81CFE647-D1B4-40D3-8B7A-C201E16AF312}" type="datetimeFigureOut">
               <a:rPr lang="ko-KR" altLang="en-US" smtClean="0"/>
-              <a:t>2020-10-26</a:t>
+              <a:t>2020-10-29</a:t>
             </a:fld>
             <a:endParaRPr lang="ko-KR" altLang="en-US"/>
           </a:p>
@@ -2932,7 +2933,7 @@
           <a:p>
             <a:fld id="{81CFE647-D1B4-40D3-8B7A-C201E16AF312}" type="datetimeFigureOut">
               <a:rPr lang="ko-KR" altLang="en-US" smtClean="0"/>
-              <a:t>2020-10-26</a:t>
+              <a:t>2020-10-29</a:t>
             </a:fld>
             <a:endParaRPr lang="ko-KR" altLang="en-US"/>
           </a:p>
@@ -3490,6 +3491,663 @@
           <p:cNvPr id="9" name="그림 8">
             <a:extLst>
               <a:ext uri="{FF2B5EF4-FFF2-40B4-BE49-F238E27FC236}">
+                <a16:creationId xmlns:a16="http://schemas.microsoft.com/office/drawing/2014/main" id="{796DF28C-683C-4D76-B0F8-7B66F90008C7}"/>
+              </a:ext>
+            </a:extLst>
+          </p:cNvPr>
+          <p:cNvPicPr>
+            <a:picLocks noChangeAspect="1"/>
+          </p:cNvPicPr>
+          <p:nvPr/>
+        </p:nvPicPr>
+        <p:blipFill>
+          <a:blip r:embed="rId2">
+            <a:extLst>
+              <a:ext uri="{28A0092B-C50C-407E-A947-70E740481C1C}">
+                <a14:useLocalDpi xmlns:a14="http://schemas.microsoft.com/office/drawing/2010/main" val="0"/>
+              </a:ext>
+            </a:extLst>
+          </a:blip>
+          <a:stretch>
+            <a:fillRect/>
+          </a:stretch>
+        </p:blipFill>
+        <p:spPr>
+          <a:xfrm>
+            <a:off x="977266" y="23871"/>
+            <a:ext cx="2783773" cy="6834129"/>
+          </a:xfrm>
+          <a:prstGeom prst="rect">
+            <a:avLst/>
+          </a:prstGeom>
+        </p:spPr>
+      </p:pic>
+      <p:sp>
+        <p:nvSpPr>
+          <p:cNvPr id="2" name="제목 1">
+            <a:extLst>
+              <a:ext uri="{FF2B5EF4-FFF2-40B4-BE49-F238E27FC236}">
+                <a16:creationId xmlns:a16="http://schemas.microsoft.com/office/drawing/2014/main" id="{F6B71058-F764-4412-A574-A2FF767D45D1}"/>
+              </a:ext>
+            </a:extLst>
+          </p:cNvPr>
+          <p:cNvSpPr>
+            <a:spLocks noGrp="1"/>
+          </p:cNvSpPr>
+          <p:nvPr>
+            <p:ph type="title"/>
+          </p:nvPr>
+        </p:nvSpPr>
+        <p:spPr/>
+        <p:txBody>
+          <a:bodyPr/>
+          <a:lstStyle/>
+          <a:p>
+            <a:pPr algn="r"/>
+            <a:r>
+              <a:rPr lang="en-US" altLang="ko-KR" dirty="0"/>
+              <a:t>4. </a:t>
+            </a:r>
+            <a:r>
+              <a:rPr lang="ko-KR" altLang="en-US" dirty="0"/>
+              <a:t>책 소개 화면</a:t>
+            </a:r>
+          </a:p>
+        </p:txBody>
+      </p:sp>
+      <p:sp>
+        <p:nvSpPr>
+          <p:cNvPr id="4" name="TextBox 3">
+            <a:extLst>
+              <a:ext uri="{FF2B5EF4-FFF2-40B4-BE49-F238E27FC236}">
+                <a16:creationId xmlns:a16="http://schemas.microsoft.com/office/drawing/2014/main" id="{C051F320-FE13-4BF3-B464-F2347EB54B16}"/>
+              </a:ext>
+            </a:extLst>
+          </p:cNvPr>
+          <p:cNvSpPr txBox="1"/>
+          <p:nvPr/>
+        </p:nvSpPr>
+        <p:spPr>
+          <a:xfrm>
+            <a:off x="5217952" y="1690688"/>
+            <a:ext cx="6467912" cy="4240584"/>
+          </a:xfrm>
+          <a:prstGeom prst="rect">
+            <a:avLst/>
+          </a:prstGeom>
+          <a:noFill/>
+        </p:spPr>
+        <p:txBody>
+          <a:bodyPr wrap="square" rtlCol="0">
+            <a:spAutoFit/>
+          </a:bodyPr>
+          <a:lstStyle/>
+          <a:p>
+            <a:r>
+              <a:rPr lang="ko-KR" altLang="en-US" sz="2400" dirty="0"/>
+              <a:t>기능 </a:t>
+            </a:r>
+            <a:r>
+              <a:rPr lang="en-US" altLang="ko-KR" sz="2400" dirty="0"/>
+              <a:t>: </a:t>
+            </a:r>
+            <a:r>
+              <a:rPr lang="ko-KR" altLang="en-US" sz="2400" dirty="0"/>
+              <a:t>책을 선택하는데 기준이 될 수 있는 내용들 표시</a:t>
+            </a:r>
+            <a:endParaRPr lang="en-US" altLang="ko-KR" sz="2400" dirty="0"/>
+          </a:p>
+          <a:p>
+            <a:endParaRPr lang="en-US" altLang="ko-KR" sz="2400" dirty="0"/>
+          </a:p>
+          <a:p>
+            <a:pPr>
+              <a:lnSpc>
+                <a:spcPct val="140000"/>
+              </a:lnSpc>
+            </a:pPr>
+            <a:r>
+              <a:rPr lang="ko-KR" altLang="en-US" sz="2400" spc="-150" dirty="0"/>
+              <a:t>① </a:t>
+            </a:r>
+            <a:r>
+              <a:rPr lang="en-US" altLang="ko-KR" sz="2400" spc="-150" dirty="0"/>
+              <a:t>: </a:t>
+            </a:r>
+            <a:r>
+              <a:rPr lang="ko-KR" altLang="en-US" sz="2400" spc="-150" dirty="0"/>
+              <a:t>책 소개</a:t>
+            </a:r>
+            <a:endParaRPr lang="en-US" altLang="ko-KR" sz="2400" spc="-150" dirty="0"/>
+          </a:p>
+          <a:p>
+            <a:pPr>
+              <a:lnSpc>
+                <a:spcPct val="140000"/>
+              </a:lnSpc>
+            </a:pPr>
+            <a:r>
+              <a:rPr lang="ko-KR" altLang="en-US" sz="2400" spc="-150" dirty="0"/>
+              <a:t>② </a:t>
+            </a:r>
+            <a:r>
+              <a:rPr lang="en-US" altLang="ko-KR" sz="2400" spc="-150" dirty="0"/>
+              <a:t>: </a:t>
+            </a:r>
+            <a:r>
+              <a:rPr lang="ko-KR" altLang="en-US" sz="2400" spc="-150" dirty="0"/>
+              <a:t>텍스트 뷰어 화면으로 이동</a:t>
+            </a:r>
+            <a:endParaRPr lang="en-US" altLang="ko-KR" sz="2400" spc="-150" dirty="0"/>
+          </a:p>
+          <a:p>
+            <a:pPr>
+              <a:lnSpc>
+                <a:spcPct val="140000"/>
+              </a:lnSpc>
+            </a:pPr>
+            <a:r>
+              <a:rPr lang="ko-KR" altLang="en-US" sz="2400" spc="-150" dirty="0"/>
+              <a:t>③ </a:t>
+            </a:r>
+            <a:r>
+              <a:rPr lang="en-US" altLang="ko-KR" sz="2400" spc="-150" dirty="0"/>
+              <a:t>: </a:t>
+            </a:r>
+            <a:r>
+              <a:rPr lang="ko-KR" altLang="en-US" sz="2400" spc="-150" dirty="0"/>
+              <a:t>목차</a:t>
+            </a:r>
+            <a:endParaRPr lang="en-US" altLang="ko-KR" sz="2400" spc="-150" dirty="0"/>
+          </a:p>
+          <a:p>
+            <a:pPr>
+              <a:lnSpc>
+                <a:spcPct val="140000"/>
+              </a:lnSpc>
+            </a:pPr>
+            <a:r>
+              <a:rPr lang="ko-KR" altLang="en-US" sz="2400" spc="-150" dirty="0"/>
+              <a:t>④ </a:t>
+            </a:r>
+            <a:r>
+              <a:rPr lang="en-US" altLang="ko-KR" sz="2400" spc="-150" dirty="0"/>
+              <a:t>: </a:t>
+            </a:r>
+            <a:r>
+              <a:rPr lang="ko-KR" altLang="en-US" sz="2400" spc="-150" dirty="0"/>
+              <a:t>저자 소개</a:t>
+            </a:r>
+            <a:endParaRPr lang="en-US" altLang="ko-KR" sz="2400" spc="-150" dirty="0"/>
+          </a:p>
+          <a:p>
+            <a:pPr>
+              <a:lnSpc>
+                <a:spcPct val="140000"/>
+              </a:lnSpc>
+            </a:pPr>
+            <a:r>
+              <a:rPr lang="ko-KR" altLang="en-US" sz="2400" spc="-150" dirty="0"/>
+              <a:t>⑤ </a:t>
+            </a:r>
+            <a:r>
+              <a:rPr lang="en-US" altLang="ko-KR" sz="2400" spc="-150" dirty="0"/>
+              <a:t>: </a:t>
+            </a:r>
+            <a:r>
+              <a:rPr lang="ko-KR" altLang="en-US" sz="2400" spc="-150" dirty="0"/>
+              <a:t>다른 유저들이 남긴 리뷰</a:t>
+            </a:r>
+            <a:endParaRPr lang="en-US" altLang="ko-KR" sz="2400" spc="-150" dirty="0"/>
+          </a:p>
+          <a:p>
+            <a:pPr>
+              <a:lnSpc>
+                <a:spcPct val="140000"/>
+              </a:lnSpc>
+            </a:pPr>
+            <a:r>
+              <a:rPr lang="ko-KR" altLang="ko-KR" sz="2400" spc="-150" dirty="0"/>
+              <a:t>⑥</a:t>
+            </a:r>
+            <a:r>
+              <a:rPr lang="en-US" altLang="ko-KR" sz="2400" spc="-150" dirty="0"/>
+              <a:t> : </a:t>
+            </a:r>
+            <a:r>
+              <a:rPr lang="ko-KR" altLang="en-US" sz="2400" spc="-150" dirty="0"/>
+              <a:t>좋아요</a:t>
+            </a:r>
+            <a:r>
+              <a:rPr lang="en-US" altLang="ko-KR" sz="2400" spc="-150" dirty="0"/>
+              <a:t>/</a:t>
+            </a:r>
+            <a:r>
+              <a:rPr lang="ko-KR" altLang="en-US" sz="2400" spc="-150" dirty="0"/>
+              <a:t>싫어요 기능</a:t>
+            </a:r>
+          </a:p>
+        </p:txBody>
+      </p:sp>
+      <p:sp>
+        <p:nvSpPr>
+          <p:cNvPr id="5" name="TextBox 4">
+            <a:extLst>
+              <a:ext uri="{FF2B5EF4-FFF2-40B4-BE49-F238E27FC236}">
+                <a16:creationId xmlns:a16="http://schemas.microsoft.com/office/drawing/2014/main" id="{9D99F421-D9D5-4A7E-870C-2720F95A7F5F}"/>
+              </a:ext>
+            </a:extLst>
+          </p:cNvPr>
+          <p:cNvSpPr txBox="1"/>
+          <p:nvPr/>
+        </p:nvSpPr>
+        <p:spPr>
+          <a:xfrm>
+            <a:off x="1596679" y="3717441"/>
+            <a:ext cx="503340" cy="377504"/>
+          </a:xfrm>
+          <a:prstGeom prst="rect">
+            <a:avLst/>
+          </a:prstGeom>
+          <a:noFill/>
+        </p:spPr>
+        <p:txBody>
+          <a:bodyPr wrap="square" rtlCol="0">
+            <a:spAutoFit/>
+          </a:bodyPr>
+          <a:lstStyle/>
+          <a:p>
+            <a:r>
+              <a:rPr lang="ko-KR" altLang="en-US" dirty="0">
+                <a:highlight>
+                  <a:srgbClr val="FFFF00"/>
+                </a:highlight>
+              </a:rPr>
+              <a:t>①</a:t>
+            </a:r>
+          </a:p>
+        </p:txBody>
+      </p:sp>
+      <p:sp>
+        <p:nvSpPr>
+          <p:cNvPr id="6" name="TextBox 5">
+            <a:extLst>
+              <a:ext uri="{FF2B5EF4-FFF2-40B4-BE49-F238E27FC236}">
+                <a16:creationId xmlns:a16="http://schemas.microsoft.com/office/drawing/2014/main" id="{0D341BA6-A03E-42C5-ACA1-23F15301CFA9}"/>
+              </a:ext>
+            </a:extLst>
+          </p:cNvPr>
+          <p:cNvSpPr txBox="1"/>
+          <p:nvPr/>
+        </p:nvSpPr>
+        <p:spPr>
+          <a:xfrm>
+            <a:off x="2818351" y="4397556"/>
+            <a:ext cx="503340" cy="377504"/>
+          </a:xfrm>
+          <a:prstGeom prst="rect">
+            <a:avLst/>
+          </a:prstGeom>
+          <a:noFill/>
+        </p:spPr>
+        <p:txBody>
+          <a:bodyPr wrap="square" rtlCol="0">
+            <a:spAutoFit/>
+          </a:bodyPr>
+          <a:lstStyle/>
+          <a:p>
+            <a:r>
+              <a:rPr lang="ko-KR" altLang="en-US" dirty="0">
+                <a:highlight>
+                  <a:srgbClr val="FFFF00"/>
+                </a:highlight>
+              </a:rPr>
+              <a:t>②</a:t>
+            </a:r>
+          </a:p>
+        </p:txBody>
+      </p:sp>
+      <p:sp>
+        <p:nvSpPr>
+          <p:cNvPr id="7" name="TextBox 6">
+            <a:extLst>
+              <a:ext uri="{FF2B5EF4-FFF2-40B4-BE49-F238E27FC236}">
+                <a16:creationId xmlns:a16="http://schemas.microsoft.com/office/drawing/2014/main" id="{3DAC5130-3963-4C78-8FF0-4277AB440D8F}"/>
+              </a:ext>
+            </a:extLst>
+          </p:cNvPr>
+          <p:cNvSpPr txBox="1"/>
+          <p:nvPr/>
+        </p:nvSpPr>
+        <p:spPr>
+          <a:xfrm>
+            <a:off x="1409143" y="5003079"/>
+            <a:ext cx="503340" cy="377504"/>
+          </a:xfrm>
+          <a:prstGeom prst="rect">
+            <a:avLst/>
+          </a:prstGeom>
+          <a:noFill/>
+        </p:spPr>
+        <p:txBody>
+          <a:bodyPr wrap="square" rtlCol="0">
+            <a:spAutoFit/>
+          </a:bodyPr>
+          <a:lstStyle/>
+          <a:p>
+            <a:r>
+              <a:rPr lang="ko-KR" altLang="en-US" dirty="0">
+                <a:highlight>
+                  <a:srgbClr val="FFFF00"/>
+                </a:highlight>
+              </a:rPr>
+              <a:t>③</a:t>
+            </a:r>
+          </a:p>
+        </p:txBody>
+      </p:sp>
+      <p:sp>
+        <p:nvSpPr>
+          <p:cNvPr id="17" name="TextBox 16">
+            <a:extLst>
+              <a:ext uri="{FF2B5EF4-FFF2-40B4-BE49-F238E27FC236}">
+                <a16:creationId xmlns:a16="http://schemas.microsoft.com/office/drawing/2014/main" id="{4CFBAB0B-4177-4CBA-AD77-AA6C959D948D}"/>
+              </a:ext>
+            </a:extLst>
+          </p:cNvPr>
+          <p:cNvSpPr txBox="1"/>
+          <p:nvPr/>
+        </p:nvSpPr>
+        <p:spPr>
+          <a:xfrm>
+            <a:off x="1799879" y="5287720"/>
+            <a:ext cx="503340" cy="369332"/>
+          </a:xfrm>
+          <a:prstGeom prst="rect">
+            <a:avLst/>
+          </a:prstGeom>
+          <a:noFill/>
+        </p:spPr>
+        <p:txBody>
+          <a:bodyPr wrap="square" rtlCol="0">
+            <a:spAutoFit/>
+          </a:bodyPr>
+          <a:lstStyle/>
+          <a:p>
+            <a:r>
+              <a:rPr lang="ko-KR" altLang="en-US" dirty="0">
+                <a:highlight>
+                  <a:srgbClr val="FFFF00"/>
+                </a:highlight>
+              </a:rPr>
+              <a:t>④</a:t>
+            </a:r>
+          </a:p>
+        </p:txBody>
+      </p:sp>
+      <p:sp>
+        <p:nvSpPr>
+          <p:cNvPr id="18" name="TextBox 17">
+            <a:extLst>
+              <a:ext uri="{FF2B5EF4-FFF2-40B4-BE49-F238E27FC236}">
+                <a16:creationId xmlns:a16="http://schemas.microsoft.com/office/drawing/2014/main" id="{559555C2-56F9-44BA-A2A0-E1F0DBC500F5}"/>
+              </a:ext>
+            </a:extLst>
+          </p:cNvPr>
+          <p:cNvSpPr txBox="1"/>
+          <p:nvPr/>
+        </p:nvSpPr>
+        <p:spPr>
+          <a:xfrm>
+            <a:off x="1865812" y="5695356"/>
+            <a:ext cx="503340" cy="369332"/>
+          </a:xfrm>
+          <a:prstGeom prst="rect">
+            <a:avLst/>
+          </a:prstGeom>
+          <a:noFill/>
+        </p:spPr>
+        <p:txBody>
+          <a:bodyPr wrap="square" rtlCol="0">
+            <a:spAutoFit/>
+          </a:bodyPr>
+          <a:lstStyle/>
+          <a:p>
+            <a:r>
+              <a:rPr lang="ko-KR" altLang="en-US" dirty="0">
+                <a:highlight>
+                  <a:srgbClr val="FFFF00"/>
+                </a:highlight>
+              </a:rPr>
+              <a:t>⑤</a:t>
+            </a:r>
+          </a:p>
+        </p:txBody>
+      </p:sp>
+      <p:pic>
+        <p:nvPicPr>
+          <p:cNvPr id="20" name="그래픽 19" descr="엄지척 기호">
+            <a:extLst>
+              <a:ext uri="{FF2B5EF4-FFF2-40B4-BE49-F238E27FC236}">
+                <a16:creationId xmlns:a16="http://schemas.microsoft.com/office/drawing/2014/main" id="{1971A625-11F1-4E73-A0CA-11C56A7C47F6}"/>
+              </a:ext>
+            </a:extLst>
+          </p:cNvPr>
+          <p:cNvPicPr>
+            <a:picLocks noChangeAspect="1"/>
+          </p:cNvPicPr>
+          <p:nvPr/>
+        </p:nvPicPr>
+        <p:blipFill>
+          <a:blip r:embed="rId3">
+            <a:extLst>
+              <a:ext uri="{28A0092B-C50C-407E-A947-70E740481C1C}">
+                <a14:useLocalDpi xmlns:a14="http://schemas.microsoft.com/office/drawing/2010/main" val="0"/>
+              </a:ext>
+              <a:ext uri="{96DAC541-7B7A-43D3-8B79-37D633B846F1}">
+                <asvg:svgBlip xmlns:asvg="http://schemas.microsoft.com/office/drawing/2016/SVG/main" r:embed="rId4"/>
+              </a:ext>
+            </a:extLst>
+          </a:blip>
+          <a:stretch>
+            <a:fillRect/>
+          </a:stretch>
+        </p:blipFill>
+        <p:spPr>
+          <a:xfrm>
+            <a:off x="1584128" y="2924129"/>
+            <a:ext cx="328355" cy="328355"/>
+          </a:xfrm>
+          <a:prstGeom prst="rect">
+            <a:avLst/>
+          </a:prstGeom>
+        </p:spPr>
+      </p:pic>
+      <p:pic>
+        <p:nvPicPr>
+          <p:cNvPr id="21" name="그래픽 20" descr="엄지척 기호">
+            <a:extLst>
+              <a:ext uri="{FF2B5EF4-FFF2-40B4-BE49-F238E27FC236}">
+                <a16:creationId xmlns:a16="http://schemas.microsoft.com/office/drawing/2014/main" id="{920744A3-2E64-4A1B-8CDF-BA6D90180FA1}"/>
+              </a:ext>
+            </a:extLst>
+          </p:cNvPr>
+          <p:cNvPicPr>
+            <a:picLocks noChangeAspect="1"/>
+          </p:cNvPicPr>
+          <p:nvPr/>
+        </p:nvPicPr>
+        <p:blipFill>
+          <a:blip r:embed="rId5">
+            <a:extLst>
+              <a:ext uri="{28A0092B-C50C-407E-A947-70E740481C1C}">
+                <a14:useLocalDpi xmlns:a14="http://schemas.microsoft.com/office/drawing/2010/main" val="0"/>
+              </a:ext>
+              <a:ext uri="{96DAC541-7B7A-43D3-8B79-37D633B846F1}">
+                <asvg:svgBlip xmlns:asvg="http://schemas.microsoft.com/office/drawing/2016/SVG/main" r:embed="rId6"/>
+              </a:ext>
+            </a:extLst>
+          </a:blip>
+          <a:stretch>
+            <a:fillRect/>
+          </a:stretch>
+        </p:blipFill>
+        <p:spPr>
+          <a:xfrm flipV="1">
+            <a:off x="2406332" y="2924128"/>
+            <a:ext cx="328355" cy="328355"/>
+          </a:xfrm>
+          <a:prstGeom prst="rect">
+            <a:avLst/>
+          </a:prstGeom>
+        </p:spPr>
+      </p:pic>
+      <p:sp>
+        <p:nvSpPr>
+          <p:cNvPr id="22" name="TextBox 21">
+            <a:extLst>
+              <a:ext uri="{FF2B5EF4-FFF2-40B4-BE49-F238E27FC236}">
+                <a16:creationId xmlns:a16="http://schemas.microsoft.com/office/drawing/2014/main" id="{516A7EAA-A9EF-4C0B-B398-24B589EE35D4}"/>
+              </a:ext>
+            </a:extLst>
+          </p:cNvPr>
+          <p:cNvSpPr txBox="1"/>
+          <p:nvPr/>
+        </p:nvSpPr>
+        <p:spPr>
+          <a:xfrm>
+            <a:off x="1912483" y="3011186"/>
+            <a:ext cx="390736" cy="276999"/>
+          </a:xfrm>
+          <a:prstGeom prst="rect">
+            <a:avLst/>
+          </a:prstGeom>
+          <a:noFill/>
+        </p:spPr>
+        <p:txBody>
+          <a:bodyPr wrap="square" rtlCol="0">
+            <a:spAutoFit/>
+          </a:bodyPr>
+          <a:lstStyle/>
+          <a:p>
+            <a:r>
+              <a:rPr lang="en-US" altLang="ko-KR" sz="1200" dirty="0"/>
+              <a:t>8</a:t>
+            </a:r>
+            <a:endParaRPr lang="ko-KR" altLang="en-US" sz="1200" dirty="0"/>
+          </a:p>
+        </p:txBody>
+      </p:sp>
+      <p:sp>
+        <p:nvSpPr>
+          <p:cNvPr id="23" name="TextBox 22">
+            <a:extLst>
+              <a:ext uri="{FF2B5EF4-FFF2-40B4-BE49-F238E27FC236}">
+                <a16:creationId xmlns:a16="http://schemas.microsoft.com/office/drawing/2014/main" id="{826AE283-1D98-44F5-9A4D-D2597A648CA2}"/>
+              </a:ext>
+            </a:extLst>
+          </p:cNvPr>
+          <p:cNvSpPr txBox="1"/>
+          <p:nvPr/>
+        </p:nvSpPr>
+        <p:spPr>
+          <a:xfrm>
+            <a:off x="2734687" y="3011186"/>
+            <a:ext cx="390736" cy="276999"/>
+          </a:xfrm>
+          <a:prstGeom prst="rect">
+            <a:avLst/>
+          </a:prstGeom>
+          <a:noFill/>
+        </p:spPr>
+        <p:txBody>
+          <a:bodyPr wrap="square" rtlCol="0">
+            <a:spAutoFit/>
+          </a:bodyPr>
+          <a:lstStyle/>
+          <a:p>
+            <a:r>
+              <a:rPr lang="en-US" altLang="ko-KR" sz="1200" dirty="0"/>
+              <a:t>2</a:t>
+            </a:r>
+            <a:endParaRPr lang="ko-KR" altLang="en-US" sz="1200" dirty="0"/>
+          </a:p>
+        </p:txBody>
+      </p:sp>
+      <p:sp>
+        <p:nvSpPr>
+          <p:cNvPr id="24" name="TextBox 23">
+            <a:extLst>
+              <a:ext uri="{FF2B5EF4-FFF2-40B4-BE49-F238E27FC236}">
+                <a16:creationId xmlns:a16="http://schemas.microsoft.com/office/drawing/2014/main" id="{B04A7DD4-2B32-4DBB-978D-9A9E3A48DC5D}"/>
+              </a:ext>
+            </a:extLst>
+          </p:cNvPr>
+          <p:cNvSpPr txBox="1"/>
+          <p:nvPr/>
+        </p:nvSpPr>
+        <p:spPr>
+          <a:xfrm>
+            <a:off x="3012819" y="2924128"/>
+            <a:ext cx="503340" cy="369332"/>
+          </a:xfrm>
+          <a:prstGeom prst="rect">
+            <a:avLst/>
+          </a:prstGeom>
+          <a:noFill/>
+        </p:spPr>
+        <p:txBody>
+          <a:bodyPr wrap="square" rtlCol="0">
+            <a:spAutoFit/>
+          </a:bodyPr>
+          <a:lstStyle/>
+          <a:p>
+            <a:r>
+              <a:rPr lang="ko-KR" altLang="en-US" dirty="0">
+                <a:highlight>
+                  <a:srgbClr val="FFFF00"/>
+                </a:highlight>
+              </a:rPr>
+              <a:t>⑥</a:t>
+            </a:r>
+          </a:p>
+        </p:txBody>
+      </p:sp>
+    </p:spTree>
+    <p:extLst>
+      <p:ext uri="{BB962C8B-B14F-4D97-AF65-F5344CB8AC3E}">
+        <p14:creationId xmlns:p14="http://schemas.microsoft.com/office/powerpoint/2010/main" val="2407369947"/>
+      </p:ext>
+    </p:extLst>
+  </p:cSld>
+  <p:clrMapOvr>
+    <a:masterClrMapping/>
+  </p:clrMapOvr>
+</p:sld>
+</file>
+
+<file path=ppt/slides/slide11.xml><?xml version="1.0" encoding="utf-8"?>
+<p:sld xmlns:a="http://schemas.openxmlformats.org/drawingml/2006/main" xmlns:r="http://schemas.openxmlformats.org/officeDocument/2006/relationships" xmlns:p="http://schemas.openxmlformats.org/presentationml/2006/main">
+  <p:cSld>
+    <p:spTree>
+      <p:nvGrpSpPr>
+        <p:cNvPr id="1" name=""/>
+        <p:cNvGrpSpPr/>
+        <p:nvPr/>
+      </p:nvGrpSpPr>
+      <p:grpSpPr>
+        <a:xfrm>
+          <a:off x="0" y="0"/>
+          <a:ext cx="0" cy="0"/>
+          <a:chOff x="0" y="0"/>
+          <a:chExt cx="0" cy="0"/>
+        </a:xfrm>
+      </p:grpSpPr>
+      <p:pic>
+        <p:nvPicPr>
+          <p:cNvPr id="9" name="그림 8">
+            <a:extLst>
+              <a:ext uri="{FF2B5EF4-FFF2-40B4-BE49-F238E27FC236}">
                 <a16:creationId xmlns:a16="http://schemas.microsoft.com/office/drawing/2014/main" id="{E28A8584-E45F-463D-8340-73A5433DE6FD}"/>
               </a:ext>
             </a:extLst>
@@ -4174,7 +4832,7 @@
 </p:sld>
 </file>
 
-<file path=ppt/slides/slide11.xml><?xml version="1.0" encoding="utf-8"?>
+<file path=ppt/slides/slide12.xml><?xml version="1.0" encoding="utf-8"?>
 <p:sld xmlns:a="http://schemas.openxmlformats.org/drawingml/2006/main" xmlns:r="http://schemas.openxmlformats.org/officeDocument/2006/relationships" xmlns:p="http://schemas.openxmlformats.org/presentationml/2006/main">
   <p:cSld>
     <p:spTree>
@@ -4761,426 +5419,6 @@
 </p:sld>
 </file>
 
-<file path=ppt/slides/slide12.xml><?xml version="1.0" encoding="utf-8"?>
-<p:sld xmlns:a="http://schemas.openxmlformats.org/drawingml/2006/main" xmlns:r="http://schemas.openxmlformats.org/officeDocument/2006/relationships" xmlns:p="http://schemas.openxmlformats.org/presentationml/2006/main">
-  <p:cSld>
-    <p:spTree>
-      <p:nvGrpSpPr>
-        <p:cNvPr id="1" name=""/>
-        <p:cNvGrpSpPr/>
-        <p:nvPr/>
-      </p:nvGrpSpPr>
-      <p:grpSpPr>
-        <a:xfrm>
-          <a:off x="0" y="0"/>
-          <a:ext cx="0" cy="0"/>
-          <a:chOff x="0" y="0"/>
-          <a:chExt cx="0" cy="0"/>
-        </a:xfrm>
-      </p:grpSpPr>
-      <p:pic>
-        <p:nvPicPr>
-          <p:cNvPr id="17" name="그림 16">
-            <a:extLst>
-              <a:ext uri="{FF2B5EF4-FFF2-40B4-BE49-F238E27FC236}">
-                <a16:creationId xmlns:a16="http://schemas.microsoft.com/office/drawing/2014/main" id="{9A0F2A25-BA15-4E17-8C9E-86F2C914D766}"/>
-              </a:ext>
-            </a:extLst>
-          </p:cNvPr>
-          <p:cNvPicPr>
-            <a:picLocks noChangeAspect="1"/>
-          </p:cNvPicPr>
-          <p:nvPr/>
-        </p:nvPicPr>
-        <p:blipFill>
-          <a:blip r:embed="rId2">
-            <a:extLst>
-              <a:ext uri="{28A0092B-C50C-407E-A947-70E740481C1C}">
-                <a14:useLocalDpi xmlns:a14="http://schemas.microsoft.com/office/drawing/2010/main" val="0"/>
-              </a:ext>
-            </a:extLst>
-          </a:blip>
-          <a:stretch>
-            <a:fillRect/>
-          </a:stretch>
-        </p:blipFill>
-        <p:spPr>
-          <a:xfrm>
-            <a:off x="979859" y="1547124"/>
-            <a:ext cx="2780713" cy="4945747"/>
-          </a:xfrm>
-          <a:prstGeom prst="rect">
-            <a:avLst/>
-          </a:prstGeom>
-        </p:spPr>
-      </p:pic>
-      <p:sp>
-        <p:nvSpPr>
-          <p:cNvPr id="2" name="제목 1">
-            <a:extLst>
-              <a:ext uri="{FF2B5EF4-FFF2-40B4-BE49-F238E27FC236}">
-                <a16:creationId xmlns:a16="http://schemas.microsoft.com/office/drawing/2014/main" id="{F6B71058-F764-4412-A574-A2FF767D45D1}"/>
-              </a:ext>
-            </a:extLst>
-          </p:cNvPr>
-          <p:cNvSpPr>
-            <a:spLocks noGrp="1"/>
-          </p:cNvSpPr>
-          <p:nvPr>
-            <p:ph type="title"/>
-          </p:nvPr>
-        </p:nvSpPr>
-        <p:spPr/>
-        <p:txBody>
-          <a:bodyPr/>
-          <a:lstStyle/>
-          <a:p>
-            <a:r>
-              <a:rPr lang="en-US" altLang="ko-KR" dirty="0"/>
-              <a:t>7. </a:t>
-            </a:r>
-            <a:r>
-              <a:rPr lang="ko-KR" altLang="en-US" dirty="0"/>
-              <a:t>목차 </a:t>
-            </a:r>
-            <a:r>
-              <a:rPr lang="en-US" altLang="ko-KR" dirty="0"/>
-              <a:t>/ </a:t>
-            </a:r>
-            <a:r>
-              <a:rPr lang="ko-KR" altLang="en-US" dirty="0"/>
-              <a:t>책갈피</a:t>
-            </a:r>
-          </a:p>
-        </p:txBody>
-      </p:sp>
-      <p:sp>
-        <p:nvSpPr>
-          <p:cNvPr id="4" name="TextBox 3">
-            <a:extLst>
-              <a:ext uri="{FF2B5EF4-FFF2-40B4-BE49-F238E27FC236}">
-                <a16:creationId xmlns:a16="http://schemas.microsoft.com/office/drawing/2014/main" id="{C051F320-FE13-4BF3-B464-F2347EB54B16}"/>
-              </a:ext>
-            </a:extLst>
-          </p:cNvPr>
-          <p:cNvSpPr txBox="1"/>
-          <p:nvPr/>
-        </p:nvSpPr>
-        <p:spPr>
-          <a:xfrm>
-            <a:off x="5217952" y="1690688"/>
-            <a:ext cx="6467912" cy="2802819"/>
-          </a:xfrm>
-          <a:prstGeom prst="rect">
-            <a:avLst/>
-          </a:prstGeom>
-          <a:noFill/>
-        </p:spPr>
-        <p:txBody>
-          <a:bodyPr wrap="square" rtlCol="0">
-            <a:spAutoFit/>
-          </a:bodyPr>
-          <a:lstStyle/>
-          <a:p>
-            <a:r>
-              <a:rPr lang="ko-KR" altLang="en-US" sz="2000" dirty="0"/>
-              <a:t>기능 </a:t>
-            </a:r>
-            <a:r>
-              <a:rPr lang="en-US" altLang="ko-KR" sz="2000" dirty="0"/>
-              <a:t>: </a:t>
-            </a:r>
-            <a:r>
-              <a:rPr lang="ko-KR" altLang="en-US" sz="2000" dirty="0"/>
-              <a:t>책의 목차를 누르면 그 페이지로 이동</a:t>
-            </a:r>
-            <a:r>
-              <a:rPr lang="en-US" altLang="ko-KR" sz="2000" dirty="0"/>
-              <a:t> </a:t>
-            </a:r>
-            <a:r>
-              <a:rPr lang="ko-KR" altLang="en-US" sz="2000" dirty="0"/>
-              <a:t>가능</a:t>
-            </a:r>
-            <a:r>
-              <a:rPr lang="en-US" altLang="ko-KR" sz="2000" dirty="0"/>
-              <a:t>, </a:t>
-            </a:r>
-            <a:r>
-              <a:rPr lang="ko-KR" altLang="en-US" sz="2000" dirty="0"/>
-              <a:t>유저가 </a:t>
-            </a:r>
-            <a:r>
-              <a:rPr lang="ko-KR" altLang="en-US" sz="2000" dirty="0" err="1"/>
-              <a:t>해놓은</a:t>
-            </a:r>
-            <a:r>
-              <a:rPr lang="ko-KR" altLang="en-US" sz="2000" dirty="0"/>
-              <a:t> 책갈피 목록 표시</a:t>
-            </a:r>
-            <a:endParaRPr lang="en-US" altLang="ko-KR" sz="2000" dirty="0"/>
-          </a:p>
-          <a:p>
-            <a:endParaRPr lang="en-US" altLang="ko-KR" sz="2000" dirty="0"/>
-          </a:p>
-          <a:p>
-            <a:pPr>
-              <a:lnSpc>
-                <a:spcPct val="150000"/>
-              </a:lnSpc>
-            </a:pPr>
-            <a:r>
-              <a:rPr lang="ko-KR" altLang="en-US" sz="2000" spc="-150" dirty="0"/>
-              <a:t>① </a:t>
-            </a:r>
-            <a:r>
-              <a:rPr lang="en-US" altLang="ko-KR" sz="2000" spc="-150" dirty="0"/>
-              <a:t>:</a:t>
-            </a:r>
-            <a:r>
-              <a:rPr lang="ko-KR" altLang="en-US" sz="2000" spc="-150" dirty="0"/>
-              <a:t> 목차 탭</a:t>
-            </a:r>
-            <a:endParaRPr lang="en-US" altLang="ko-KR" sz="2000" spc="-150" dirty="0"/>
-          </a:p>
-          <a:p>
-            <a:pPr>
-              <a:lnSpc>
-                <a:spcPct val="150000"/>
-              </a:lnSpc>
-            </a:pPr>
-            <a:r>
-              <a:rPr lang="ko-KR" altLang="en-US" sz="2000" spc="-150" dirty="0"/>
-              <a:t>② </a:t>
-            </a:r>
-            <a:r>
-              <a:rPr lang="en-US" altLang="ko-KR" sz="2000" spc="-150" dirty="0"/>
-              <a:t>:</a:t>
-            </a:r>
-            <a:r>
-              <a:rPr lang="ko-KR" altLang="en-US" sz="2000" spc="-150" dirty="0"/>
-              <a:t> 책갈피 탭</a:t>
-            </a:r>
-            <a:endParaRPr lang="en-US" altLang="ko-KR" sz="2000" spc="-150" dirty="0"/>
-          </a:p>
-          <a:p>
-            <a:pPr>
-              <a:lnSpc>
-                <a:spcPct val="150000"/>
-              </a:lnSpc>
-            </a:pPr>
-            <a:r>
-              <a:rPr lang="ko-KR" altLang="en-US" sz="2000" spc="-150" dirty="0"/>
-              <a:t>③ </a:t>
-            </a:r>
-            <a:r>
-              <a:rPr lang="en-US" altLang="ko-KR" sz="2000" spc="-150" dirty="0"/>
-              <a:t>:</a:t>
-            </a:r>
-            <a:r>
-              <a:rPr lang="ko-KR" altLang="en-US" sz="2000" spc="-150" dirty="0"/>
-              <a:t> 챕터 표시</a:t>
-            </a:r>
-            <a:r>
-              <a:rPr lang="en-US" altLang="ko-KR" sz="2000" spc="-150" dirty="0"/>
-              <a:t>, </a:t>
-            </a:r>
-            <a:r>
-              <a:rPr lang="ko-KR" altLang="en-US" sz="2000" spc="-150" dirty="0"/>
-              <a:t>클릭하면 해당 페이지로 이동</a:t>
-            </a:r>
-            <a:endParaRPr lang="en-US" altLang="ko-KR" sz="2000" spc="-150" dirty="0"/>
-          </a:p>
-          <a:p>
-            <a:pPr>
-              <a:lnSpc>
-                <a:spcPct val="150000"/>
-              </a:lnSpc>
-            </a:pPr>
-            <a:r>
-              <a:rPr lang="ko-KR" altLang="ko-KR" sz="2000" spc="-150" dirty="0"/>
-              <a:t>④</a:t>
-            </a:r>
-            <a:r>
-              <a:rPr lang="en-US" altLang="ko-KR" sz="2000" spc="-150" dirty="0"/>
-              <a:t> : </a:t>
-            </a:r>
-            <a:r>
-              <a:rPr lang="ko-KR" altLang="en-US" sz="2000" spc="-150" dirty="0"/>
-              <a:t>이전 화면으로 이동</a:t>
-            </a:r>
-          </a:p>
-        </p:txBody>
-      </p:sp>
-      <p:sp>
-        <p:nvSpPr>
-          <p:cNvPr id="5" name="TextBox 4">
-            <a:extLst>
-              <a:ext uri="{FF2B5EF4-FFF2-40B4-BE49-F238E27FC236}">
-                <a16:creationId xmlns:a16="http://schemas.microsoft.com/office/drawing/2014/main" id="{9D99F421-D9D5-4A7E-870C-2720F95A7F5F}"/>
-              </a:ext>
-            </a:extLst>
-          </p:cNvPr>
-          <p:cNvSpPr txBox="1"/>
-          <p:nvPr/>
-        </p:nvSpPr>
-        <p:spPr>
-          <a:xfrm>
-            <a:off x="1736355" y="2042428"/>
-            <a:ext cx="503340" cy="377504"/>
-          </a:xfrm>
-          <a:prstGeom prst="rect">
-            <a:avLst/>
-          </a:prstGeom>
-          <a:noFill/>
-        </p:spPr>
-        <p:txBody>
-          <a:bodyPr wrap="square" rtlCol="0">
-            <a:spAutoFit/>
-          </a:bodyPr>
-          <a:lstStyle/>
-          <a:p>
-            <a:r>
-              <a:rPr lang="ko-KR" altLang="en-US" dirty="0">
-                <a:highlight>
-                  <a:srgbClr val="FFFF00"/>
-                </a:highlight>
-              </a:rPr>
-              <a:t>①</a:t>
-            </a:r>
-          </a:p>
-        </p:txBody>
-      </p:sp>
-      <p:sp>
-        <p:nvSpPr>
-          <p:cNvPr id="6" name="TextBox 5">
-            <a:extLst>
-              <a:ext uri="{FF2B5EF4-FFF2-40B4-BE49-F238E27FC236}">
-                <a16:creationId xmlns:a16="http://schemas.microsoft.com/office/drawing/2014/main" id="{0D341BA6-A03E-42C5-ACA1-23F15301CFA9}"/>
-              </a:ext>
-            </a:extLst>
-          </p:cNvPr>
-          <p:cNvSpPr txBox="1"/>
-          <p:nvPr/>
-        </p:nvSpPr>
-        <p:spPr>
-          <a:xfrm>
-            <a:off x="3257232" y="2042428"/>
-            <a:ext cx="503340" cy="377504"/>
-          </a:xfrm>
-          <a:prstGeom prst="rect">
-            <a:avLst/>
-          </a:prstGeom>
-          <a:noFill/>
-        </p:spPr>
-        <p:txBody>
-          <a:bodyPr wrap="square" rtlCol="0">
-            <a:spAutoFit/>
-          </a:bodyPr>
-          <a:lstStyle/>
-          <a:p>
-            <a:r>
-              <a:rPr lang="ko-KR" altLang="en-US" dirty="0">
-                <a:highlight>
-                  <a:srgbClr val="FFFF00"/>
-                </a:highlight>
-              </a:rPr>
-              <a:t>②</a:t>
-            </a:r>
-          </a:p>
-        </p:txBody>
-      </p:sp>
-      <p:sp>
-        <p:nvSpPr>
-          <p:cNvPr id="7" name="TextBox 6">
-            <a:extLst>
-              <a:ext uri="{FF2B5EF4-FFF2-40B4-BE49-F238E27FC236}">
-                <a16:creationId xmlns:a16="http://schemas.microsoft.com/office/drawing/2014/main" id="{3DAC5130-3963-4C78-8FF0-4277AB440D8F}"/>
-              </a:ext>
-            </a:extLst>
-          </p:cNvPr>
-          <p:cNvSpPr txBox="1"/>
-          <p:nvPr/>
-        </p:nvSpPr>
-        <p:spPr>
-          <a:xfrm>
-            <a:off x="1996244" y="2495183"/>
-            <a:ext cx="503340" cy="377504"/>
-          </a:xfrm>
-          <a:prstGeom prst="rect">
-            <a:avLst/>
-          </a:prstGeom>
-          <a:noFill/>
-        </p:spPr>
-        <p:txBody>
-          <a:bodyPr wrap="square" rtlCol="0">
-            <a:spAutoFit/>
-          </a:bodyPr>
-          <a:lstStyle/>
-          <a:p>
-            <a:r>
-              <a:rPr lang="ko-KR" altLang="en-US" dirty="0">
-                <a:highlight>
-                  <a:srgbClr val="FFFF00"/>
-                </a:highlight>
-              </a:rPr>
-              <a:t>③</a:t>
-            </a:r>
-          </a:p>
-        </p:txBody>
-      </p:sp>
-      <p:sp>
-        <p:nvSpPr>
-          <p:cNvPr id="19" name="TextBox 18">
-            <a:extLst>
-              <a:ext uri="{FF2B5EF4-FFF2-40B4-BE49-F238E27FC236}">
-                <a16:creationId xmlns:a16="http://schemas.microsoft.com/office/drawing/2014/main" id="{17D06436-BBAE-49C2-9291-E3F8938F6171}"/>
-              </a:ext>
-            </a:extLst>
-          </p:cNvPr>
-          <p:cNvSpPr txBox="1"/>
-          <p:nvPr/>
-        </p:nvSpPr>
-        <p:spPr>
-          <a:xfrm>
-            <a:off x="1351244" y="1628251"/>
-            <a:ext cx="503340" cy="369332"/>
-          </a:xfrm>
-          <a:prstGeom prst="rect">
-            <a:avLst/>
-          </a:prstGeom>
-          <a:noFill/>
-        </p:spPr>
-        <p:txBody>
-          <a:bodyPr wrap="square" rtlCol="0">
-            <a:spAutoFit/>
-          </a:bodyPr>
-          <a:lstStyle/>
-          <a:p>
-            <a:r>
-              <a:rPr lang="ko-KR" altLang="en-US" dirty="0">
-                <a:highlight>
-                  <a:srgbClr val="FFFF00"/>
-                </a:highlight>
-              </a:rPr>
-              <a:t>④</a:t>
-            </a:r>
-          </a:p>
-        </p:txBody>
-      </p:sp>
-    </p:spTree>
-    <p:extLst>
-      <p:ext uri="{BB962C8B-B14F-4D97-AF65-F5344CB8AC3E}">
-        <p14:creationId xmlns:p14="http://schemas.microsoft.com/office/powerpoint/2010/main" val="1402579110"/>
-      </p:ext>
-    </p:extLst>
-  </p:cSld>
-  <p:clrMapOvr>
-    <a:masterClrMapping/>
-  </p:clrMapOvr>
-</p:sld>
-</file>
-
 <file path=ppt/slides/slide13.xml><?xml version="1.0" encoding="utf-8"?>
 <p:sld xmlns:a="http://schemas.openxmlformats.org/drawingml/2006/main" xmlns:r="http://schemas.openxmlformats.org/officeDocument/2006/relationships" xmlns:p="http://schemas.openxmlformats.org/presentationml/2006/main">
   <p:cSld>
@@ -5203,7 +5441,7 @@
           <p:cNvPr id="17" name="그림 16">
             <a:extLst>
               <a:ext uri="{FF2B5EF4-FFF2-40B4-BE49-F238E27FC236}">
-                <a16:creationId xmlns:a16="http://schemas.microsoft.com/office/drawing/2014/main" id="{4B89F013-69BB-4392-BA2D-943B660967D5}"/>
+                <a16:creationId xmlns:a16="http://schemas.microsoft.com/office/drawing/2014/main" id="{9A0F2A25-BA15-4E17-8C9E-86F2C914D766}"/>
               </a:ext>
             </a:extLst>
           </p:cNvPr>
@@ -5226,8 +5464,8 @@
         </p:blipFill>
         <p:spPr>
           <a:xfrm>
-            <a:off x="973951" y="1547128"/>
-            <a:ext cx="2775791" cy="4936992"/>
+            <a:off x="979859" y="1547124"/>
+            <a:ext cx="2780713" cy="4945747"/>
           </a:xfrm>
           <a:prstGeom prst="rect">
             <a:avLst/>
@@ -5257,25 +5495,20 @@
           <a:p>
             <a:r>
               <a:rPr lang="en-US" altLang="ko-KR" dirty="0"/>
-              <a:t>8. ‘</a:t>
+              <a:t>7. </a:t>
             </a:r>
             <a:r>
               <a:rPr lang="ko-KR" altLang="en-US" dirty="0"/>
-              <a:t>좋아요</a:t>
+              <a:t>목차 </a:t>
             </a:r>
             <a:r>
               <a:rPr lang="en-US" altLang="ko-KR" dirty="0"/>
-              <a:t>’ </a:t>
+              <a:t>/ </a:t>
             </a:r>
             <a:r>
               <a:rPr lang="ko-KR" altLang="en-US" dirty="0"/>
-              <a:t>받은 문장 </a:t>
-            </a:r>
-            <a:r>
-              <a:rPr lang="en-US" altLang="ko-KR" dirty="0"/>
-              <a:t>top 10</a:t>
-            </a:r>
-            <a:endParaRPr lang="ko-KR" altLang="en-US" dirty="0"/>
+              <a:t>책갈피</a:t>
+            </a:r>
           </a:p>
         </p:txBody>
       </p:sp>
@@ -5294,7 +5527,7 @@
         <p:spPr>
           <a:xfrm>
             <a:off x="5217952" y="1690688"/>
-            <a:ext cx="6467912" cy="2236959"/>
+            <a:ext cx="6467912" cy="2802819"/>
           </a:xfrm>
           <a:prstGeom prst="rect">
             <a:avLst/>
@@ -5308,45 +5541,45 @@
           <a:lstStyle/>
           <a:p>
             <a:r>
-              <a:rPr lang="ko-KR" altLang="en-US" sz="2400" dirty="0"/>
+              <a:rPr lang="ko-KR" altLang="en-US" sz="2000" dirty="0"/>
               <a:t>기능 </a:t>
             </a:r>
             <a:r>
-              <a:rPr lang="en-US" altLang="ko-KR" sz="2400" dirty="0"/>
+              <a:rPr lang="en-US" altLang="ko-KR" sz="2000" dirty="0"/>
               <a:t>: </a:t>
             </a:r>
             <a:r>
-              <a:rPr lang="ko-KR" altLang="en-US" sz="2400" dirty="0"/>
-              <a:t>이 책을 읽은 유저들이 문장에 남긴 </a:t>
-            </a:r>
-            <a:r>
-              <a:rPr lang="en-US" altLang="ko-KR" sz="2400" dirty="0"/>
-              <a:t>‘</a:t>
-            </a:r>
-            <a:r>
-              <a:rPr lang="ko-KR" altLang="en-US" sz="2400" dirty="0"/>
-              <a:t>좋아요</a:t>
-            </a:r>
-            <a:r>
-              <a:rPr lang="en-US" altLang="ko-KR" sz="2400" dirty="0"/>
-              <a:t>’ </a:t>
-            </a:r>
-            <a:r>
-              <a:rPr lang="ko-KR" altLang="en-US" sz="2400" dirty="0"/>
-              <a:t>수를 기준으로 </a:t>
-            </a:r>
-            <a:r>
-              <a:rPr lang="en-US" altLang="ko-KR" sz="2400" dirty="0"/>
-              <a:t>top 10 </a:t>
-            </a:r>
-            <a:r>
-              <a:rPr lang="ko-KR" altLang="en-US" sz="2400" dirty="0"/>
-              <a:t>선정</a:t>
-            </a:r>
-            <a:endParaRPr lang="en-US" altLang="ko-KR" sz="2400" dirty="0"/>
-          </a:p>
-          <a:p>
-            <a:endParaRPr lang="en-US" altLang="ko-KR" sz="2400" dirty="0"/>
+              <a:rPr lang="ko-KR" altLang="en-US" sz="2000" dirty="0"/>
+              <a:t>책의 목차를 누르면 그 페이지로 이동</a:t>
+            </a:r>
+            <a:r>
+              <a:rPr lang="en-US" altLang="ko-KR" sz="2000" dirty="0"/>
+              <a:t> </a:t>
+            </a:r>
+            <a:r>
+              <a:rPr lang="ko-KR" altLang="en-US" sz="2000" dirty="0"/>
+              <a:t>가능</a:t>
+            </a:r>
+            <a:r>
+              <a:rPr lang="en-US" altLang="ko-KR" sz="2000" dirty="0"/>
+              <a:t>, </a:t>
+            </a:r>
+            <a:r>
+              <a:rPr lang="ko-KR" altLang="en-US" sz="2000" dirty="0"/>
+              <a:t>유저가 </a:t>
+            </a:r>
+            <a:r>
+              <a:rPr lang="ko-KR" altLang="en-US" sz="2000" dirty="0" err="1"/>
+              <a:t>해놓은</a:t>
+            </a:r>
+            <a:r>
+              <a:rPr lang="ko-KR" altLang="en-US" sz="2000" dirty="0"/>
+              <a:t> 책갈피 목록 표시</a:t>
+            </a:r>
+            <a:endParaRPr lang="en-US" altLang="ko-KR" sz="2000" dirty="0"/>
+          </a:p>
+          <a:p>
+            <a:endParaRPr lang="en-US" altLang="ko-KR" sz="2000" dirty="0"/>
           </a:p>
           <a:p>
             <a:pPr>
@@ -5355,18 +5588,18 @@
               </a:lnSpc>
             </a:pPr>
             <a:r>
-              <a:rPr lang="ko-KR" altLang="en-US" sz="2400" spc="-150" dirty="0"/>
+              <a:rPr lang="ko-KR" altLang="en-US" sz="2000" spc="-150" dirty="0"/>
               <a:t>① </a:t>
             </a:r>
             <a:r>
-              <a:rPr lang="en-US" altLang="ko-KR" sz="2400" spc="-150" dirty="0"/>
+              <a:rPr lang="en-US" altLang="ko-KR" sz="2000" spc="-150" dirty="0"/>
               <a:t>:</a:t>
             </a:r>
             <a:r>
-              <a:rPr lang="ko-KR" altLang="en-US" sz="2400" spc="-150" dirty="0"/>
-              <a:t> 이전 화면으로 돌아가기</a:t>
-            </a:r>
-            <a:endParaRPr lang="en-US" altLang="ko-KR" sz="2400" spc="-150" dirty="0"/>
+              <a:rPr lang="ko-KR" altLang="en-US" sz="2000" spc="-150" dirty="0"/>
+              <a:t> 목차 탭</a:t>
+            </a:r>
+            <a:endParaRPr lang="en-US" altLang="ko-KR" sz="2000" spc="-150" dirty="0"/>
           </a:p>
           <a:p>
             <a:pPr>
@@ -5375,24 +5608,64 @@
               </a:lnSpc>
             </a:pPr>
             <a:r>
-              <a:rPr lang="ko-KR" altLang="en-US" sz="2400" spc="-150" dirty="0"/>
+              <a:rPr lang="ko-KR" altLang="en-US" sz="2000" spc="-150" dirty="0"/>
               <a:t>② </a:t>
             </a:r>
             <a:r>
-              <a:rPr lang="en-US" altLang="ko-KR" sz="2400" spc="-150" dirty="0"/>
+              <a:rPr lang="en-US" altLang="ko-KR" sz="2000" spc="-150" dirty="0"/>
               <a:t>:</a:t>
             </a:r>
             <a:r>
-              <a:rPr lang="ko-KR" altLang="en-US" sz="2400" spc="-150" dirty="0"/>
-              <a:t> </a:t>
-            </a:r>
-            <a:r>
-              <a:rPr lang="en-US" altLang="ko-KR" sz="2400" spc="-150" dirty="0"/>
-              <a:t>top 10 </a:t>
-            </a:r>
-            <a:r>
-              <a:rPr lang="ko-KR" altLang="en-US" sz="2400" spc="-150" dirty="0"/>
-              <a:t>문장 표시</a:t>
+              <a:rPr lang="ko-KR" altLang="en-US" sz="2000" spc="-150" dirty="0"/>
+              <a:t> 책갈피 탭</a:t>
+            </a:r>
+            <a:endParaRPr lang="en-US" altLang="ko-KR" sz="2000" spc="-150" dirty="0"/>
+          </a:p>
+          <a:p>
+            <a:pPr>
+              <a:lnSpc>
+                <a:spcPct val="150000"/>
+              </a:lnSpc>
+            </a:pPr>
+            <a:r>
+              <a:rPr lang="ko-KR" altLang="en-US" sz="2000" spc="-150" dirty="0"/>
+              <a:t>③ </a:t>
+            </a:r>
+            <a:r>
+              <a:rPr lang="en-US" altLang="ko-KR" sz="2000" spc="-150" dirty="0"/>
+              <a:t>:</a:t>
+            </a:r>
+            <a:r>
+              <a:rPr lang="ko-KR" altLang="en-US" sz="2000" spc="-150" dirty="0"/>
+              <a:t> 챕터 표시</a:t>
+            </a:r>
+            <a:r>
+              <a:rPr lang="en-US" altLang="ko-KR" sz="2000" spc="-150" dirty="0"/>
+              <a:t>, </a:t>
+            </a:r>
+            <a:r>
+              <a:rPr lang="ko-KR" altLang="en-US" sz="2000" spc="-150" dirty="0"/>
+              <a:t>클릭하면 해당 페이지로 이동</a:t>
+            </a:r>
+            <a:endParaRPr lang="en-US" altLang="ko-KR" sz="2000" spc="-150" dirty="0"/>
+          </a:p>
+          <a:p>
+            <a:pPr>
+              <a:lnSpc>
+                <a:spcPct val="150000"/>
+              </a:lnSpc>
+            </a:pPr>
+            <a:r>
+              <a:rPr lang="ko-KR" altLang="ko-KR" sz="2000" spc="-150" dirty="0"/>
+              <a:t>④</a:t>
+            </a:r>
+            <a:r>
+              <a:rPr lang="en-US" altLang="ko-KR" sz="2000" spc="-150" dirty="0"/>
+              <a:t> : </a:t>
+            </a:r>
+            <a:r>
+              <a:rPr lang="ko-KR" altLang="en-US" sz="2000" spc="-150" dirty="0"/>
+              <a:t>이전 화면으로 이동</a:t>
             </a:r>
           </a:p>
         </p:txBody>
@@ -5411,7 +5684,7 @@
         </p:nvSpPr>
         <p:spPr>
           <a:xfrm>
-            <a:off x="1231530" y="1547128"/>
+            <a:off x="1736355" y="2042428"/>
             <a:ext cx="503340" cy="377504"/>
           </a:xfrm>
           <a:prstGeom prst="rect">
@@ -5450,7 +5723,7 @@
         </p:nvSpPr>
         <p:spPr>
           <a:xfrm>
-            <a:off x="3494369" y="2931481"/>
+            <a:off x="3257232" y="2042428"/>
             <a:ext cx="503340" cy="377504"/>
           </a:xfrm>
           <a:prstGeom prst="rect">
@@ -5475,10 +5748,88 @@
           </a:p>
         </p:txBody>
       </p:sp>
+      <p:sp>
+        <p:nvSpPr>
+          <p:cNvPr id="7" name="TextBox 6">
+            <a:extLst>
+              <a:ext uri="{FF2B5EF4-FFF2-40B4-BE49-F238E27FC236}">
+                <a16:creationId xmlns:a16="http://schemas.microsoft.com/office/drawing/2014/main" id="{3DAC5130-3963-4C78-8FF0-4277AB440D8F}"/>
+              </a:ext>
+            </a:extLst>
+          </p:cNvPr>
+          <p:cNvSpPr txBox="1"/>
+          <p:nvPr/>
+        </p:nvSpPr>
+        <p:spPr>
+          <a:xfrm>
+            <a:off x="1996244" y="2495183"/>
+            <a:ext cx="503340" cy="377504"/>
+          </a:xfrm>
+          <a:prstGeom prst="rect">
+            <a:avLst/>
+          </a:prstGeom>
+          <a:noFill/>
+        </p:spPr>
+        <p:txBody>
+          <a:bodyPr wrap="square" rtlCol="0">
+            <a:spAutoFit/>
+          </a:bodyPr>
+          <a:lstStyle/>
+          <a:p>
+            <a:r>
+              <a:rPr lang="ko-KR" altLang="en-US" dirty="0">
+                <a:highlight>
+                  <a:srgbClr val="FFFF00"/>
+                </a:highlight>
+              </a:rPr>
+              <a:t>③</a:t>
+            </a:r>
+          </a:p>
+        </p:txBody>
+      </p:sp>
+      <p:sp>
+        <p:nvSpPr>
+          <p:cNvPr id="19" name="TextBox 18">
+            <a:extLst>
+              <a:ext uri="{FF2B5EF4-FFF2-40B4-BE49-F238E27FC236}">
+                <a16:creationId xmlns:a16="http://schemas.microsoft.com/office/drawing/2014/main" id="{17D06436-BBAE-49C2-9291-E3F8938F6171}"/>
+              </a:ext>
+            </a:extLst>
+          </p:cNvPr>
+          <p:cNvSpPr txBox="1"/>
+          <p:nvPr/>
+        </p:nvSpPr>
+        <p:spPr>
+          <a:xfrm>
+            <a:off x="1351244" y="1628251"/>
+            <a:ext cx="503340" cy="369332"/>
+          </a:xfrm>
+          <a:prstGeom prst="rect">
+            <a:avLst/>
+          </a:prstGeom>
+          <a:noFill/>
+        </p:spPr>
+        <p:txBody>
+          <a:bodyPr wrap="square" rtlCol="0">
+            <a:spAutoFit/>
+          </a:bodyPr>
+          <a:lstStyle/>
+          <a:p>
+            <a:r>
+              <a:rPr lang="ko-KR" altLang="en-US" dirty="0">
+                <a:highlight>
+                  <a:srgbClr val="FFFF00"/>
+                </a:highlight>
+              </a:rPr>
+              <a:t>④</a:t>
+            </a:r>
+          </a:p>
+        </p:txBody>
+      </p:sp>
     </p:spTree>
     <p:extLst>
       <p:ext uri="{BB962C8B-B14F-4D97-AF65-F5344CB8AC3E}">
-        <p14:creationId xmlns:p14="http://schemas.microsoft.com/office/powerpoint/2010/main" val="1596045054"/>
+        <p14:creationId xmlns:p14="http://schemas.microsoft.com/office/powerpoint/2010/main" val="1402579110"/>
       </p:ext>
     </p:extLst>
   </p:cSld>
@@ -5505,12 +5856,48 @@
           <a:chExt cx="0" cy="0"/>
         </a:xfrm>
       </p:grpSpPr>
+      <p:pic>
+        <p:nvPicPr>
+          <p:cNvPr id="17" name="그림 16">
+            <a:extLst>
+              <a:ext uri="{FF2B5EF4-FFF2-40B4-BE49-F238E27FC236}">
+                <a16:creationId xmlns:a16="http://schemas.microsoft.com/office/drawing/2014/main" id="{4B89F013-69BB-4392-BA2D-943B660967D5}"/>
+              </a:ext>
+            </a:extLst>
+          </p:cNvPr>
+          <p:cNvPicPr>
+            <a:picLocks noChangeAspect="1"/>
+          </p:cNvPicPr>
+          <p:nvPr/>
+        </p:nvPicPr>
+        <p:blipFill>
+          <a:blip r:embed="rId2">
+            <a:extLst>
+              <a:ext uri="{28A0092B-C50C-407E-A947-70E740481C1C}">
+                <a14:useLocalDpi xmlns:a14="http://schemas.microsoft.com/office/drawing/2010/main" val="0"/>
+              </a:ext>
+            </a:extLst>
+          </a:blip>
+          <a:stretch>
+            <a:fillRect/>
+          </a:stretch>
+        </p:blipFill>
+        <p:spPr>
+          <a:xfrm>
+            <a:off x="973951" y="1547128"/>
+            <a:ext cx="2775791" cy="4936992"/>
+          </a:xfrm>
+          <a:prstGeom prst="rect">
+            <a:avLst/>
+          </a:prstGeom>
+        </p:spPr>
+      </p:pic>
       <p:sp>
         <p:nvSpPr>
           <p:cNvPr id="2" name="제목 1">
             <a:extLst>
               <a:ext uri="{FF2B5EF4-FFF2-40B4-BE49-F238E27FC236}">
-                <a16:creationId xmlns:a16="http://schemas.microsoft.com/office/drawing/2014/main" id="{D41D48DF-4037-49BC-BAE8-A2C6EBFF52A5}"/>
+                <a16:creationId xmlns:a16="http://schemas.microsoft.com/office/drawing/2014/main" id="{F6B71058-F764-4412-A574-A2FF767D45D1}"/>
               </a:ext>
             </a:extLst>
           </p:cNvPr>
@@ -5527,277 +5914,229 @@
           <a:lstStyle/>
           <a:p>
             <a:r>
+              <a:rPr lang="en-US" altLang="ko-KR" dirty="0"/>
+              <a:t>8. ‘</a:t>
+            </a:r>
+            <a:r>
               <a:rPr lang="ko-KR" altLang="en-US" dirty="0"/>
-              <a:t>기술분석① </a:t>
+              <a:t>좋아요</a:t>
             </a:r>
             <a:r>
               <a:rPr lang="en-US" altLang="ko-KR" dirty="0"/>
-              <a:t>- </a:t>
+              <a:t>’ </a:t>
             </a:r>
             <a:r>
               <a:rPr lang="ko-KR" altLang="en-US" dirty="0"/>
-              <a:t>텍스트 뷰어</a:t>
-            </a:r>
+              <a:t>받은 문장 </a:t>
+            </a:r>
+            <a:r>
+              <a:rPr lang="en-US" altLang="ko-KR" dirty="0"/>
+              <a:t>top 10</a:t>
+            </a:r>
+            <a:endParaRPr lang="ko-KR" altLang="en-US" dirty="0"/>
           </a:p>
         </p:txBody>
       </p:sp>
       <p:sp>
         <p:nvSpPr>
-          <p:cNvPr id="3" name="내용 개체 틀 2">
-            <a:extLst>
-              <a:ext uri="{FF2B5EF4-FFF2-40B4-BE49-F238E27FC236}">
-                <a16:creationId xmlns:a16="http://schemas.microsoft.com/office/drawing/2014/main" id="{4BCCD8EE-9FBF-40CF-AA9C-C1B64D27C7F9}"/>
-              </a:ext>
-            </a:extLst>
-          </p:cNvPr>
-          <p:cNvSpPr>
-            <a:spLocks noGrp="1"/>
-          </p:cNvSpPr>
-          <p:nvPr>
-            <p:ph idx="1"/>
-          </p:nvPr>
+          <p:cNvPr id="4" name="TextBox 3">
+            <a:extLst>
+              <a:ext uri="{FF2B5EF4-FFF2-40B4-BE49-F238E27FC236}">
+                <a16:creationId xmlns:a16="http://schemas.microsoft.com/office/drawing/2014/main" id="{C051F320-FE13-4BF3-B464-F2347EB54B16}"/>
+              </a:ext>
+            </a:extLst>
+          </p:cNvPr>
+          <p:cNvSpPr txBox="1"/>
+          <p:nvPr/>
         </p:nvSpPr>
         <p:spPr>
           <a:xfrm>
-            <a:off x="838200" y="1567655"/>
-            <a:ext cx="10515600" cy="4351338"/>
-          </a:xfrm>
-        </p:spPr>
-        <p:txBody>
-          <a:bodyPr>
-            <a:normAutofit/>
-          </a:bodyPr>
-          <a:lstStyle/>
-          <a:p>
-            <a:pPr marL="0" indent="0">
-              <a:lnSpc>
-                <a:spcPct val="120000"/>
-              </a:lnSpc>
-              <a:buNone/>
-            </a:pPr>
-            <a:r>
-              <a:rPr lang="en-US" altLang="ko-KR" sz="2400" dirty="0" err="1"/>
-              <a:t>ePub</a:t>
-            </a:r>
-            <a:r>
-              <a:rPr lang="en-US" altLang="ko-KR" sz="2400" dirty="0"/>
-              <a:t> </a:t>
-            </a:r>
-            <a:r>
-              <a:rPr lang="ko-KR" altLang="en-US" sz="2400" dirty="0"/>
-              <a:t>파일은 </a:t>
-            </a:r>
-            <a:r>
-              <a:rPr lang="en-US" altLang="ko-KR" sz="2400" dirty="0"/>
-              <a:t>html, </a:t>
-            </a:r>
-            <a:r>
-              <a:rPr lang="en-US" altLang="ko-KR" sz="2400" dirty="0" err="1"/>
-              <a:t>css</a:t>
-            </a:r>
-            <a:r>
-              <a:rPr lang="en-US" altLang="ko-KR" sz="2400" dirty="0"/>
-              <a:t>, </a:t>
-            </a:r>
-            <a:r>
-              <a:rPr lang="ko-KR" altLang="en-US" sz="2400" dirty="0"/>
-              <a:t>이미지 파일 등을 </a:t>
-            </a:r>
-            <a:r>
-              <a:rPr lang="ko-KR" altLang="en-US" sz="2400" dirty="0" err="1"/>
-              <a:t>압축해놓은</a:t>
-            </a:r>
-            <a:r>
-              <a:rPr lang="ko-KR" altLang="en-US" sz="2400" dirty="0"/>
-              <a:t> 것으로</a:t>
-            </a:r>
-            <a:r>
-              <a:rPr lang="en-US" altLang="ko-KR" sz="2400" dirty="0"/>
-              <a:t> </a:t>
-            </a:r>
-            <a:r>
-              <a:rPr lang="ko-KR" altLang="en-US" sz="2400" dirty="0"/>
-              <a:t>책에 대한 기본적인 정보도 함께 담고 있기 때문에 목차</a:t>
-            </a:r>
-            <a:r>
-              <a:rPr lang="en-US" altLang="ko-KR" sz="2400" dirty="0"/>
-              <a:t>, </a:t>
-            </a:r>
-            <a:r>
-              <a:rPr lang="ko-KR" altLang="en-US" sz="2400" dirty="0"/>
-              <a:t>책 소개</a:t>
-            </a:r>
-            <a:r>
-              <a:rPr lang="en-US" altLang="ko-KR" sz="2400" dirty="0"/>
-              <a:t>, </a:t>
-            </a:r>
-            <a:r>
-              <a:rPr lang="ko-KR" altLang="en-US" sz="2400" dirty="0"/>
-              <a:t>저자</a:t>
-            </a:r>
-            <a:r>
-              <a:rPr lang="en-US" altLang="ko-KR" sz="2400" dirty="0"/>
-              <a:t>, </a:t>
-            </a:r>
-            <a:r>
-              <a:rPr lang="ko-KR" altLang="en-US" sz="2400" dirty="0"/>
-              <a:t>표지</a:t>
-            </a:r>
-            <a:r>
-              <a:rPr lang="en-US" altLang="ko-KR" sz="2400" dirty="0"/>
-              <a:t> </a:t>
-            </a:r>
-            <a:r>
-              <a:rPr lang="ko-KR" altLang="en-US" sz="2400" dirty="0"/>
-              <a:t>등은 추출해서 사용하면 된다</a:t>
-            </a:r>
-            <a:r>
-              <a:rPr lang="en-US" altLang="ko-KR" sz="2400" dirty="0"/>
-              <a:t>. </a:t>
-            </a:r>
-            <a:r>
-              <a:rPr lang="ko-KR" altLang="en-US" sz="2400" dirty="0"/>
-              <a:t>텍스트 크기</a:t>
-            </a:r>
-            <a:r>
-              <a:rPr lang="en-US" altLang="ko-KR" sz="2400" dirty="0"/>
-              <a:t>, </a:t>
-            </a:r>
-            <a:r>
-              <a:rPr lang="ko-KR" altLang="en-US" sz="2400" dirty="0" err="1"/>
-              <a:t>줄간격</a:t>
-            </a:r>
-            <a:r>
-              <a:rPr lang="ko-KR" altLang="en-US" sz="2400" dirty="0"/>
-              <a:t> 등도 </a:t>
-            </a:r>
-            <a:r>
-              <a:rPr lang="en-US" altLang="ko-KR" sz="2400" dirty="0" err="1"/>
-              <a:t>css</a:t>
-            </a:r>
-            <a:r>
-              <a:rPr lang="ko-KR" altLang="en-US" sz="2400" dirty="0"/>
-              <a:t>파일로 관리가 되고 있으므로 이를 수정할 수 있게 어플을 만들면 되는데 이미 </a:t>
-            </a:r>
-            <a:r>
-              <a:rPr lang="en-US" altLang="ko-KR" sz="2400" dirty="0" err="1"/>
-              <a:t>epublib</a:t>
-            </a:r>
-            <a:r>
-              <a:rPr lang="ko-KR" altLang="en-US" sz="2400" dirty="0"/>
-              <a:t>라는 라이브러리에서 제공하는 기능이므로 </a:t>
-            </a:r>
-            <a:r>
-              <a:rPr lang="en-US" altLang="ko-KR" sz="2400" dirty="0" err="1"/>
-              <a:t>epublib</a:t>
-            </a:r>
-            <a:r>
-              <a:rPr lang="ko-KR" altLang="en-US" sz="2400" dirty="0"/>
-              <a:t>를 사용할 것이다</a:t>
-            </a:r>
-            <a:r>
-              <a:rPr lang="en-US" altLang="ko-KR" sz="2400" dirty="0"/>
-              <a:t>.</a:t>
-            </a:r>
-          </a:p>
-          <a:p>
-            <a:pPr marL="0" indent="0">
-              <a:buNone/>
-            </a:pPr>
-            <a:endParaRPr lang="en-US" altLang="ko-KR" sz="2400" dirty="0"/>
-          </a:p>
-          <a:p>
-            <a:pPr marL="0" indent="0">
-              <a:buNone/>
-            </a:pPr>
-            <a:r>
-              <a:rPr lang="en-US" altLang="ko-KR" sz="2400" dirty="0" err="1"/>
-              <a:t>epublib</a:t>
-            </a:r>
-            <a:r>
-              <a:rPr lang="en-US" altLang="ko-KR" sz="2400" dirty="0"/>
-              <a:t> : </a:t>
-            </a:r>
-            <a:r>
-              <a:rPr lang="en-US" altLang="ko-KR" sz="2400" dirty="0">
-                <a:hlinkClick r:id="rId2"/>
-              </a:rPr>
-              <a:t>https://github.com/psiegman/epublib</a:t>
-            </a:r>
-            <a:endParaRPr lang="en-US" altLang="ko-KR" sz="2400" dirty="0"/>
-          </a:p>
-          <a:p>
-            <a:pPr marL="0" indent="0">
-              <a:buNone/>
-            </a:pPr>
-            <a:endParaRPr lang="ko-KR" altLang="en-US" sz="2400" dirty="0"/>
-          </a:p>
-        </p:txBody>
-      </p:sp>
-      <p:pic>
-        <p:nvPicPr>
-          <p:cNvPr id="4" name="그림 3" hidden="1">
-            <a:extLst>
-              <a:ext uri="{FF2B5EF4-FFF2-40B4-BE49-F238E27FC236}">
-                <a16:creationId xmlns:a16="http://schemas.microsoft.com/office/drawing/2014/main" id="{685EA688-3D61-4263-BB8A-C74768E5B5EA}"/>
-              </a:ext>
-            </a:extLst>
-          </p:cNvPr>
-          <p:cNvPicPr>
-            <a:picLocks noChangeAspect="1"/>
-          </p:cNvPicPr>
-          <p:nvPr/>
-        </p:nvPicPr>
-        <p:blipFill>
-          <a:blip r:embed="rId3"/>
-          <a:stretch>
-            <a:fillRect/>
-          </a:stretch>
-        </p:blipFill>
-        <p:spPr>
-          <a:xfrm>
-            <a:off x="5638800" y="3250546"/>
-            <a:ext cx="6381750" cy="3456781"/>
+            <a:off x="5217952" y="1690688"/>
+            <a:ext cx="6467912" cy="2236959"/>
           </a:xfrm>
           <a:prstGeom prst="rect">
             <a:avLst/>
           </a:prstGeom>
+          <a:noFill/>
         </p:spPr>
-      </p:pic>
-      <p:pic>
-        <p:nvPicPr>
-          <p:cNvPr id="5" name="그림 4" hidden="1">
-            <a:extLst>
-              <a:ext uri="{FF2B5EF4-FFF2-40B4-BE49-F238E27FC236}">
-                <a16:creationId xmlns:a16="http://schemas.microsoft.com/office/drawing/2014/main" id="{BFD00571-7C09-46A6-B4E7-BFC5B565D970}"/>
-              </a:ext>
-            </a:extLst>
-          </p:cNvPr>
-          <p:cNvPicPr>
-            <a:picLocks noChangeAspect="1"/>
-          </p:cNvPicPr>
+        <p:txBody>
+          <a:bodyPr wrap="square" rtlCol="0">
+            <a:spAutoFit/>
+          </a:bodyPr>
+          <a:lstStyle/>
+          <a:p>
+            <a:r>
+              <a:rPr lang="ko-KR" altLang="en-US" sz="2400" dirty="0"/>
+              <a:t>기능 </a:t>
+            </a:r>
+            <a:r>
+              <a:rPr lang="en-US" altLang="ko-KR" sz="2400" dirty="0"/>
+              <a:t>: </a:t>
+            </a:r>
+            <a:r>
+              <a:rPr lang="ko-KR" altLang="en-US" sz="2400" dirty="0"/>
+              <a:t>이 책을 읽은 유저들이 문장에 남긴 </a:t>
+            </a:r>
+            <a:r>
+              <a:rPr lang="en-US" altLang="ko-KR" sz="2400" dirty="0"/>
+              <a:t>‘</a:t>
+            </a:r>
+            <a:r>
+              <a:rPr lang="ko-KR" altLang="en-US" sz="2400" dirty="0"/>
+              <a:t>좋아요</a:t>
+            </a:r>
+            <a:r>
+              <a:rPr lang="en-US" altLang="ko-KR" sz="2400" dirty="0"/>
+              <a:t>’ </a:t>
+            </a:r>
+            <a:r>
+              <a:rPr lang="ko-KR" altLang="en-US" sz="2400" dirty="0"/>
+              <a:t>수를 기준으로 </a:t>
+            </a:r>
+            <a:r>
+              <a:rPr lang="en-US" altLang="ko-KR" sz="2400" dirty="0"/>
+              <a:t>top 10 </a:t>
+            </a:r>
+            <a:r>
+              <a:rPr lang="ko-KR" altLang="en-US" sz="2400" dirty="0"/>
+              <a:t>선정</a:t>
+            </a:r>
+            <a:endParaRPr lang="en-US" altLang="ko-KR" sz="2400" dirty="0"/>
+          </a:p>
+          <a:p>
+            <a:endParaRPr lang="en-US" altLang="ko-KR" sz="2400" dirty="0"/>
+          </a:p>
+          <a:p>
+            <a:pPr>
+              <a:lnSpc>
+                <a:spcPct val="150000"/>
+              </a:lnSpc>
+            </a:pPr>
+            <a:r>
+              <a:rPr lang="ko-KR" altLang="en-US" sz="2400" spc="-150" dirty="0"/>
+              <a:t>① </a:t>
+            </a:r>
+            <a:r>
+              <a:rPr lang="en-US" altLang="ko-KR" sz="2400" spc="-150" dirty="0"/>
+              <a:t>:</a:t>
+            </a:r>
+            <a:r>
+              <a:rPr lang="ko-KR" altLang="en-US" sz="2400" spc="-150" dirty="0"/>
+              <a:t> 이전 화면으로 돌아가기</a:t>
+            </a:r>
+            <a:endParaRPr lang="en-US" altLang="ko-KR" sz="2400" spc="-150" dirty="0"/>
+          </a:p>
+          <a:p>
+            <a:pPr>
+              <a:lnSpc>
+                <a:spcPct val="150000"/>
+              </a:lnSpc>
+            </a:pPr>
+            <a:r>
+              <a:rPr lang="ko-KR" altLang="en-US" sz="2400" spc="-150" dirty="0"/>
+              <a:t>② </a:t>
+            </a:r>
+            <a:r>
+              <a:rPr lang="en-US" altLang="ko-KR" sz="2400" spc="-150" dirty="0"/>
+              <a:t>:</a:t>
+            </a:r>
+            <a:r>
+              <a:rPr lang="ko-KR" altLang="en-US" sz="2400" spc="-150" dirty="0"/>
+              <a:t> </a:t>
+            </a:r>
+            <a:r>
+              <a:rPr lang="en-US" altLang="ko-KR" sz="2400" spc="-150" dirty="0"/>
+              <a:t>top 10 </a:t>
+            </a:r>
+            <a:r>
+              <a:rPr lang="ko-KR" altLang="en-US" sz="2400" spc="-150" dirty="0"/>
+              <a:t>문장 표시</a:t>
+            </a:r>
+          </a:p>
+        </p:txBody>
+      </p:sp>
+      <p:sp>
+        <p:nvSpPr>
+          <p:cNvPr id="5" name="TextBox 4">
+            <a:extLst>
+              <a:ext uri="{FF2B5EF4-FFF2-40B4-BE49-F238E27FC236}">
+                <a16:creationId xmlns:a16="http://schemas.microsoft.com/office/drawing/2014/main" id="{9D99F421-D9D5-4A7E-870C-2720F95A7F5F}"/>
+              </a:ext>
+            </a:extLst>
+          </p:cNvPr>
+          <p:cNvSpPr txBox="1"/>
           <p:nvPr/>
-        </p:nvPicPr>
-        <p:blipFill>
-          <a:blip r:embed="rId4"/>
-          <a:stretch>
-            <a:fillRect/>
-          </a:stretch>
-        </p:blipFill>
+        </p:nvSpPr>
         <p:spPr>
           <a:xfrm>
-            <a:off x="838200" y="3293550"/>
-            <a:ext cx="4581525" cy="3370775"/>
+            <a:off x="1231530" y="1547128"/>
+            <a:ext cx="503340" cy="377504"/>
           </a:xfrm>
           <a:prstGeom prst="rect">
             <a:avLst/>
           </a:prstGeom>
+          <a:noFill/>
         </p:spPr>
-      </p:pic>
+        <p:txBody>
+          <a:bodyPr wrap="square" rtlCol="0">
+            <a:spAutoFit/>
+          </a:bodyPr>
+          <a:lstStyle/>
+          <a:p>
+            <a:r>
+              <a:rPr lang="ko-KR" altLang="en-US" dirty="0">
+                <a:highlight>
+                  <a:srgbClr val="FFFF00"/>
+                </a:highlight>
+              </a:rPr>
+              <a:t>①</a:t>
+            </a:r>
+          </a:p>
+        </p:txBody>
+      </p:sp>
+      <p:sp>
+        <p:nvSpPr>
+          <p:cNvPr id="6" name="TextBox 5">
+            <a:extLst>
+              <a:ext uri="{FF2B5EF4-FFF2-40B4-BE49-F238E27FC236}">
+                <a16:creationId xmlns:a16="http://schemas.microsoft.com/office/drawing/2014/main" id="{0D341BA6-A03E-42C5-ACA1-23F15301CFA9}"/>
+              </a:ext>
+            </a:extLst>
+          </p:cNvPr>
+          <p:cNvSpPr txBox="1"/>
+          <p:nvPr/>
+        </p:nvSpPr>
+        <p:spPr>
+          <a:xfrm>
+            <a:off x="3494369" y="2931481"/>
+            <a:ext cx="503340" cy="377504"/>
+          </a:xfrm>
+          <a:prstGeom prst="rect">
+            <a:avLst/>
+          </a:prstGeom>
+          <a:noFill/>
+        </p:spPr>
+        <p:txBody>
+          <a:bodyPr wrap="square" rtlCol="0">
+            <a:spAutoFit/>
+          </a:bodyPr>
+          <a:lstStyle/>
+          <a:p>
+            <a:r>
+              <a:rPr lang="ko-KR" altLang="en-US" dirty="0">
+                <a:highlight>
+                  <a:srgbClr val="FFFF00"/>
+                </a:highlight>
+              </a:rPr>
+              <a:t>②</a:t>
+            </a:r>
+          </a:p>
+        </p:txBody>
+      </p:sp>
     </p:spTree>
     <p:extLst>
       <p:ext uri="{BB962C8B-B14F-4D97-AF65-F5344CB8AC3E}">
-        <p14:creationId xmlns:p14="http://schemas.microsoft.com/office/powerpoint/2010/main" val="944522468"/>
+        <p14:creationId xmlns:p14="http://schemas.microsoft.com/office/powerpoint/2010/main" val="1596045054"/>
       </p:ext>
     </p:extLst>
   </p:cSld>
@@ -5847,6 +6186,390 @@
           <a:p>
             <a:r>
               <a:rPr lang="ko-KR" altLang="en-US" dirty="0"/>
+              <a:t>기술분석① </a:t>
+            </a:r>
+            <a:r>
+              <a:rPr lang="en-US" altLang="ko-KR" dirty="0"/>
+              <a:t>- </a:t>
+            </a:r>
+            <a:r>
+              <a:rPr lang="ko-KR" altLang="en-US" dirty="0"/>
+              <a:t>텍스트 뷰어</a:t>
+            </a:r>
+          </a:p>
+        </p:txBody>
+      </p:sp>
+      <p:sp>
+        <p:nvSpPr>
+          <p:cNvPr id="3" name="내용 개체 틀 2">
+            <a:extLst>
+              <a:ext uri="{FF2B5EF4-FFF2-40B4-BE49-F238E27FC236}">
+                <a16:creationId xmlns:a16="http://schemas.microsoft.com/office/drawing/2014/main" id="{4BCCD8EE-9FBF-40CF-AA9C-C1B64D27C7F9}"/>
+              </a:ext>
+            </a:extLst>
+          </p:cNvPr>
+          <p:cNvSpPr>
+            <a:spLocks noGrp="1"/>
+          </p:cNvSpPr>
+          <p:nvPr>
+            <p:ph idx="1"/>
+          </p:nvPr>
+        </p:nvSpPr>
+        <p:spPr>
+          <a:xfrm>
+            <a:off x="838200" y="1567655"/>
+            <a:ext cx="10515600" cy="5021404"/>
+          </a:xfrm>
+        </p:spPr>
+        <p:txBody>
+          <a:bodyPr>
+            <a:normAutofit/>
+          </a:bodyPr>
+          <a:lstStyle/>
+          <a:p>
+            <a:pPr marL="0" indent="0">
+              <a:lnSpc>
+                <a:spcPct val="120000"/>
+              </a:lnSpc>
+              <a:buNone/>
+            </a:pPr>
+            <a:r>
+              <a:rPr lang="en-US" altLang="ko-KR" sz="2400" dirty="0" err="1"/>
+              <a:t>ePub</a:t>
+            </a:r>
+            <a:r>
+              <a:rPr lang="en-US" altLang="ko-KR" sz="2400" dirty="0"/>
+              <a:t> </a:t>
+            </a:r>
+            <a:r>
+              <a:rPr lang="ko-KR" altLang="en-US" sz="2400" dirty="0"/>
+              <a:t>파일은 </a:t>
+            </a:r>
+            <a:r>
+              <a:rPr lang="en-US" altLang="ko-KR" sz="2400" dirty="0"/>
+              <a:t>html, </a:t>
+            </a:r>
+            <a:r>
+              <a:rPr lang="en-US" altLang="ko-KR" sz="2400" dirty="0" err="1"/>
+              <a:t>css</a:t>
+            </a:r>
+            <a:r>
+              <a:rPr lang="en-US" altLang="ko-KR" sz="2400" dirty="0"/>
+              <a:t>, </a:t>
+            </a:r>
+            <a:r>
+              <a:rPr lang="ko-KR" altLang="en-US" sz="2400" dirty="0"/>
+              <a:t>이미지 파일 등을 </a:t>
+            </a:r>
+            <a:r>
+              <a:rPr lang="ko-KR" altLang="en-US" sz="2400" dirty="0" err="1"/>
+              <a:t>압축해놓은</a:t>
+            </a:r>
+            <a:r>
+              <a:rPr lang="ko-KR" altLang="en-US" sz="2400" dirty="0"/>
+              <a:t> 것으로</a:t>
+            </a:r>
+            <a:r>
+              <a:rPr lang="en-US" altLang="ko-KR" sz="2400" dirty="0"/>
+              <a:t> </a:t>
+            </a:r>
+            <a:r>
+              <a:rPr lang="ko-KR" altLang="en-US" sz="2400" dirty="0"/>
+              <a:t>책에 대한 기본적인 정보도 함께 담고 있기 때문에 목차</a:t>
+            </a:r>
+            <a:r>
+              <a:rPr lang="en-US" altLang="ko-KR" sz="2400" dirty="0"/>
+              <a:t>, </a:t>
+            </a:r>
+            <a:r>
+              <a:rPr lang="ko-KR" altLang="en-US" sz="2400" dirty="0"/>
+              <a:t>책 소개</a:t>
+            </a:r>
+            <a:r>
+              <a:rPr lang="en-US" altLang="ko-KR" sz="2400" dirty="0"/>
+              <a:t>, </a:t>
+            </a:r>
+            <a:r>
+              <a:rPr lang="ko-KR" altLang="en-US" sz="2400" dirty="0"/>
+              <a:t>저자</a:t>
+            </a:r>
+            <a:r>
+              <a:rPr lang="en-US" altLang="ko-KR" sz="2400" dirty="0"/>
+              <a:t>, </a:t>
+            </a:r>
+            <a:r>
+              <a:rPr lang="ko-KR" altLang="en-US" sz="2400" dirty="0"/>
+              <a:t>표지</a:t>
+            </a:r>
+            <a:r>
+              <a:rPr lang="en-US" altLang="ko-KR" sz="2400" dirty="0"/>
+              <a:t> </a:t>
+            </a:r>
+            <a:r>
+              <a:rPr lang="ko-KR" altLang="en-US" sz="2400" dirty="0"/>
+              <a:t>등은 추출해서 사용하면 된다</a:t>
+            </a:r>
+            <a:r>
+              <a:rPr lang="en-US" altLang="ko-KR" sz="2400" dirty="0"/>
+              <a:t>. </a:t>
+            </a:r>
+            <a:r>
+              <a:rPr lang="ko-KR" altLang="en-US" sz="2400" dirty="0"/>
+              <a:t>텍스트 크기</a:t>
+            </a:r>
+            <a:r>
+              <a:rPr lang="en-US" altLang="ko-KR" sz="2400" dirty="0"/>
+              <a:t>, </a:t>
+            </a:r>
+            <a:r>
+              <a:rPr lang="ko-KR" altLang="en-US" sz="2400" dirty="0" err="1"/>
+              <a:t>줄간격</a:t>
+            </a:r>
+            <a:r>
+              <a:rPr lang="ko-KR" altLang="en-US" sz="2400" dirty="0"/>
+              <a:t> 등도 </a:t>
+            </a:r>
+            <a:r>
+              <a:rPr lang="en-US" altLang="ko-KR" sz="2400" dirty="0" err="1"/>
+              <a:t>css</a:t>
+            </a:r>
+            <a:r>
+              <a:rPr lang="ko-KR" altLang="en-US" sz="2400" dirty="0"/>
+              <a:t>파일로 관리가 되고 있으므로 이를 수정할 수 있게 어플을 만들면 되는데 이미 </a:t>
+            </a:r>
+            <a:r>
+              <a:rPr lang="en-US" altLang="ko-KR" sz="2400" dirty="0" err="1"/>
+              <a:t>epublib</a:t>
+            </a:r>
+            <a:r>
+              <a:rPr lang="ko-KR" altLang="en-US" sz="2400" dirty="0"/>
+              <a:t>라는 라이브러리에서 제공하는 기능이므로 </a:t>
+            </a:r>
+            <a:r>
+              <a:rPr lang="en-US" altLang="ko-KR" sz="2400" dirty="0" err="1"/>
+              <a:t>epublib</a:t>
+            </a:r>
+            <a:r>
+              <a:rPr lang="ko-KR" altLang="en-US" sz="2400" dirty="0"/>
+              <a:t>를 사용할 것이다</a:t>
+            </a:r>
+            <a:r>
+              <a:rPr lang="en-US" altLang="ko-KR" sz="2400" dirty="0"/>
+              <a:t>.</a:t>
+            </a:r>
+          </a:p>
+          <a:p>
+            <a:pPr marL="0" indent="0">
+              <a:buNone/>
+            </a:pPr>
+            <a:endParaRPr lang="en-US" altLang="ko-KR" sz="2400" dirty="0"/>
+          </a:p>
+          <a:p>
+            <a:pPr marL="0" indent="0">
+              <a:buNone/>
+            </a:pPr>
+            <a:r>
+              <a:rPr lang="en-US" altLang="ko-KR" sz="2400" dirty="0" err="1"/>
+              <a:t>epublib</a:t>
+            </a:r>
+            <a:r>
+              <a:rPr lang="en-US" altLang="ko-KR" sz="2400" dirty="0"/>
+              <a:t> : </a:t>
+            </a:r>
+            <a:r>
+              <a:rPr lang="en-US" altLang="ko-KR" sz="2400" dirty="0">
+                <a:hlinkClick r:id="rId2"/>
+              </a:rPr>
+              <a:t>https://github.com/psiegman/epublib</a:t>
+            </a:r>
+            <a:endParaRPr lang="en-US" altLang="ko-KR" sz="2400" dirty="0"/>
+          </a:p>
+          <a:p>
+            <a:pPr marL="0" indent="0">
+              <a:buNone/>
+            </a:pPr>
+            <a:endParaRPr lang="en-US" altLang="ko-KR" sz="2400" dirty="0"/>
+          </a:p>
+          <a:p>
+            <a:pPr marL="0" indent="0">
+              <a:buNone/>
+            </a:pPr>
+            <a:r>
+              <a:rPr lang="ko-KR" altLang="en-US" sz="2400" dirty="0"/>
+              <a:t>대안</a:t>
+            </a:r>
+            <a:endParaRPr lang="en-US" altLang="ko-KR" sz="2400" dirty="0"/>
+          </a:p>
+          <a:p>
+            <a:pPr lvl="1">
+              <a:buFont typeface="Wingdings" panose="05000000000000000000" pitchFamily="2" charset="2"/>
+              <a:buChar char="§"/>
+            </a:pPr>
+            <a:r>
+              <a:rPr lang="en-US" altLang="ko-KR" sz="2000" dirty="0" err="1"/>
+              <a:t>SkyEpub</a:t>
+            </a:r>
+            <a:r>
+              <a:rPr lang="en-US" altLang="ko-KR" sz="2000" dirty="0"/>
+              <a:t> : </a:t>
+            </a:r>
+            <a:r>
+              <a:rPr lang="en-US" altLang="ko-KR" sz="2000" dirty="0">
+                <a:hlinkClick r:id="rId3"/>
+              </a:rPr>
+              <a:t>https://skyepub.net/</a:t>
+            </a:r>
+            <a:endParaRPr lang="en-US" altLang="ko-KR" sz="2000" dirty="0"/>
+          </a:p>
+          <a:p>
+            <a:pPr lvl="1">
+              <a:buFont typeface="Wingdings" panose="05000000000000000000" pitchFamily="2" charset="2"/>
+              <a:buChar char="§"/>
+            </a:pPr>
+            <a:r>
+              <a:rPr lang="en-US" altLang="ko-KR" sz="2000" dirty="0" err="1"/>
+              <a:t>Readium</a:t>
+            </a:r>
+            <a:r>
+              <a:rPr lang="en-US" altLang="ko-KR" sz="2000" dirty="0"/>
+              <a:t> : </a:t>
+            </a:r>
+            <a:r>
+              <a:rPr lang="en-US" altLang="ko-KR" sz="2000" dirty="0">
+                <a:hlinkClick r:id="rId4"/>
+              </a:rPr>
+              <a:t>https://readium.org/</a:t>
+            </a:r>
+            <a:endParaRPr lang="en-US" altLang="ko-KR" sz="2000" dirty="0"/>
+          </a:p>
+          <a:p>
+            <a:pPr lvl="1">
+              <a:buFont typeface="Wingdings" panose="05000000000000000000" pitchFamily="2" charset="2"/>
+              <a:buChar char="§"/>
+            </a:pPr>
+            <a:endParaRPr lang="en-US" altLang="ko-KR" sz="2000" dirty="0"/>
+          </a:p>
+          <a:p>
+            <a:pPr marL="0" indent="0">
+              <a:buNone/>
+            </a:pPr>
+            <a:endParaRPr lang="ko-KR" altLang="en-US" sz="2400" dirty="0"/>
+          </a:p>
+        </p:txBody>
+      </p:sp>
+      <p:pic>
+        <p:nvPicPr>
+          <p:cNvPr id="4" name="그림 3" hidden="1">
+            <a:extLst>
+              <a:ext uri="{FF2B5EF4-FFF2-40B4-BE49-F238E27FC236}">
+                <a16:creationId xmlns:a16="http://schemas.microsoft.com/office/drawing/2014/main" id="{685EA688-3D61-4263-BB8A-C74768E5B5EA}"/>
+              </a:ext>
+            </a:extLst>
+          </p:cNvPr>
+          <p:cNvPicPr>
+            <a:picLocks noChangeAspect="1"/>
+          </p:cNvPicPr>
+          <p:nvPr/>
+        </p:nvPicPr>
+        <p:blipFill>
+          <a:blip r:embed="rId5"/>
+          <a:stretch>
+            <a:fillRect/>
+          </a:stretch>
+        </p:blipFill>
+        <p:spPr>
+          <a:xfrm>
+            <a:off x="5638800" y="3250546"/>
+            <a:ext cx="6381750" cy="3456781"/>
+          </a:xfrm>
+          <a:prstGeom prst="rect">
+            <a:avLst/>
+          </a:prstGeom>
+        </p:spPr>
+      </p:pic>
+      <p:pic>
+        <p:nvPicPr>
+          <p:cNvPr id="5" name="그림 4" hidden="1">
+            <a:extLst>
+              <a:ext uri="{FF2B5EF4-FFF2-40B4-BE49-F238E27FC236}">
+                <a16:creationId xmlns:a16="http://schemas.microsoft.com/office/drawing/2014/main" id="{BFD00571-7C09-46A6-B4E7-BFC5B565D970}"/>
+              </a:ext>
+            </a:extLst>
+          </p:cNvPr>
+          <p:cNvPicPr>
+            <a:picLocks noChangeAspect="1"/>
+          </p:cNvPicPr>
+          <p:nvPr/>
+        </p:nvPicPr>
+        <p:blipFill>
+          <a:blip r:embed="rId6"/>
+          <a:stretch>
+            <a:fillRect/>
+          </a:stretch>
+        </p:blipFill>
+        <p:spPr>
+          <a:xfrm>
+            <a:off x="838200" y="3293550"/>
+            <a:ext cx="4581525" cy="3370775"/>
+          </a:xfrm>
+          <a:prstGeom prst="rect">
+            <a:avLst/>
+          </a:prstGeom>
+        </p:spPr>
+      </p:pic>
+    </p:spTree>
+    <p:extLst>
+      <p:ext uri="{BB962C8B-B14F-4D97-AF65-F5344CB8AC3E}">
+        <p14:creationId xmlns:p14="http://schemas.microsoft.com/office/powerpoint/2010/main" val="944522468"/>
+      </p:ext>
+    </p:extLst>
+  </p:cSld>
+  <p:clrMapOvr>
+    <a:masterClrMapping/>
+  </p:clrMapOvr>
+</p:sld>
+</file>
+
+<file path=ppt/slides/slide16.xml><?xml version="1.0" encoding="utf-8"?>
+<p:sld xmlns:a="http://schemas.openxmlformats.org/drawingml/2006/main" xmlns:r="http://schemas.openxmlformats.org/officeDocument/2006/relationships" xmlns:p="http://schemas.openxmlformats.org/presentationml/2006/main">
+  <p:cSld>
+    <p:spTree>
+      <p:nvGrpSpPr>
+        <p:cNvPr id="1" name=""/>
+        <p:cNvGrpSpPr/>
+        <p:nvPr/>
+      </p:nvGrpSpPr>
+      <p:grpSpPr>
+        <a:xfrm>
+          <a:off x="0" y="0"/>
+          <a:ext cx="0" cy="0"/>
+          <a:chOff x="0" y="0"/>
+          <a:chExt cx="0" cy="0"/>
+        </a:xfrm>
+      </p:grpSpPr>
+      <p:sp>
+        <p:nvSpPr>
+          <p:cNvPr id="2" name="제목 1">
+            <a:extLst>
+              <a:ext uri="{FF2B5EF4-FFF2-40B4-BE49-F238E27FC236}">
+                <a16:creationId xmlns:a16="http://schemas.microsoft.com/office/drawing/2014/main" id="{D41D48DF-4037-49BC-BAE8-A2C6EBFF52A5}"/>
+              </a:ext>
+            </a:extLst>
+          </p:cNvPr>
+          <p:cNvSpPr>
+            <a:spLocks noGrp="1"/>
+          </p:cNvSpPr>
+          <p:nvPr>
+            <p:ph type="title"/>
+          </p:nvPr>
+        </p:nvSpPr>
+        <p:spPr/>
+        <p:txBody>
+          <a:bodyPr/>
+          <a:lstStyle/>
+          <a:p>
+            <a:r>
+              <a:rPr lang="ko-KR" altLang="en-US" dirty="0"/>
               <a:t>기술분석② </a:t>
             </a:r>
             <a:r>
@@ -5946,6 +6669,16 @@
             <a:pPr marL="0" indent="0">
               <a:buNone/>
             </a:pPr>
+            <a:endParaRPr lang="en-US" altLang="ko-KR" sz="2400" dirty="0"/>
+          </a:p>
+          <a:p>
+            <a:pPr marL="0" indent="0">
+              <a:buNone/>
+            </a:pPr>
+            <a:r>
+              <a:rPr lang="ko-KR" altLang="en-US" sz="2400" dirty="0"/>
+              <a:t>대안</a:t>
+            </a:r>
             <a:endParaRPr lang="en-US" altLang="ko-KR" sz="2400" dirty="0"/>
           </a:p>
           <a:p>
@@ -6075,7 +6808,7 @@
 </p:sld>
 </file>
 
-<file path=ppt/slides/slide16.xml><?xml version="1.0" encoding="utf-8"?>
+<file path=ppt/slides/slide17.xml><?xml version="1.0" encoding="utf-8"?>
 <p:sld xmlns:a="http://schemas.openxmlformats.org/drawingml/2006/main" xmlns:r="http://schemas.openxmlformats.org/officeDocument/2006/relationships" xmlns:p="http://schemas.openxmlformats.org/presentationml/2006/main">
   <p:cSld>
     <p:spTree>
@@ -6169,7 +6902,19 @@
             </a:pPr>
             <a:r>
               <a:rPr lang="ko-KR" altLang="en-US" sz="2400" dirty="0"/>
-              <a:t>책은 문자수가 많기 때문에 무제한으로 번역 가능한 구글 번역 </a:t>
+              <a:t>책은 문자수가 많기 때문에 무제한으로 </a:t>
+            </a:r>
+            <a:r>
+              <a:rPr lang="ko-KR" altLang="en-US" sz="2400" dirty="0">
+                <a:highlight>
+                  <a:srgbClr val="FFFF00"/>
+                </a:highlight>
+              </a:rPr>
+              <a:t>번역</a:t>
+            </a:r>
+            <a:r>
+              <a:rPr lang="ko-KR" altLang="en-US" sz="2400" dirty="0"/>
+              <a:t> 가능한 구글 번역 </a:t>
             </a:r>
             <a:r>
               <a:rPr lang="en-US" altLang="ko-KR" sz="2400" dirty="0"/>
@@ -6211,8 +6956,16 @@
               <a:buNone/>
             </a:pPr>
             <a:r>
+              <a:rPr lang="ko-KR" altLang="en-US" sz="2400" dirty="0">
+                <a:highlight>
+                  <a:srgbClr val="FFFF00"/>
+                </a:highlight>
+              </a:rPr>
+              <a:t>단어 검색</a:t>
+            </a:r>
+            <a:r>
               <a:rPr lang="ko-KR" altLang="en-US" sz="2400" dirty="0"/>
-              <a:t>단어 검색에 쓸 사전은 네이버 사전으로 아래 링크에서 </a:t>
+              <a:t>에 쓸 사전은 네이버 사전으로 아래 링크에서 </a:t>
             </a:r>
             <a:r>
               <a:rPr lang="en-US" altLang="ko-KR" sz="2400" dirty="0"/>
@@ -6334,7 +7087,7 @@
 </p:sld>
 </file>
 
-<file path=ppt/slides/slide17.xml><?xml version="1.0" encoding="utf-8"?>
+<file path=ppt/slides/slide18.xml><?xml version="1.0" encoding="utf-8"?>
 <p:sld xmlns:a="http://schemas.openxmlformats.org/drawingml/2006/main" xmlns:r="http://schemas.openxmlformats.org/officeDocument/2006/relationships" xmlns:p="http://schemas.openxmlformats.org/presentationml/2006/main">
   <p:cSld>
     <p:spTree>
@@ -6376,6 +7129,421 @@
           <a:p>
             <a:r>
               <a:rPr lang="ko-KR" altLang="en-US" sz="3600" dirty="0"/>
+              <a:t>기술분석④ </a:t>
+            </a:r>
+            <a:r>
+              <a:rPr lang="en-US" altLang="ko-KR" sz="3600" dirty="0"/>
+              <a:t>- </a:t>
+            </a:r>
+            <a:r>
+              <a:rPr lang="ko-KR" altLang="en-US" sz="3600" dirty="0"/>
+              <a:t>인용 구절에 링크 걸 수 있는 기능</a:t>
+            </a:r>
+          </a:p>
+        </p:txBody>
+      </p:sp>
+      <mc:AlternateContent xmlns:mc="http://schemas.openxmlformats.org/markup-compatibility/2006">
+        <mc:Choice xmlns:a14="http://schemas.microsoft.com/office/drawing/2010/main" Requires="a14">
+          <p:sp>
+            <p:nvSpPr>
+              <p:cNvPr id="3" name="내용 개체 틀 2">
+                <a:extLst>
+                  <a:ext uri="{FF2B5EF4-FFF2-40B4-BE49-F238E27FC236}">
+                    <a16:creationId xmlns:a16="http://schemas.microsoft.com/office/drawing/2014/main" id="{4BCCD8EE-9FBF-40CF-AA9C-C1B64D27C7F9}"/>
+                  </a:ext>
+                </a:extLst>
+              </p:cNvPr>
+              <p:cNvSpPr>
+                <a:spLocks noGrp="1"/>
+              </p:cNvSpPr>
+              <p:nvPr>
+                <p:ph idx="1"/>
+              </p:nvPr>
+            </p:nvSpPr>
+            <p:spPr>
+              <a:xfrm>
+                <a:off x="3409950" y="1567655"/>
+                <a:ext cx="7943850" cy="4351338"/>
+              </a:xfrm>
+            </p:spPr>
+            <p:txBody>
+              <a:bodyPr>
+                <a:normAutofit/>
+              </a:bodyPr>
+              <a:lstStyle/>
+              <a:p>
+                <a:pPr marL="0" indent="0">
+                  <a:lnSpc>
+                    <a:spcPct val="120000"/>
+                  </a:lnSpc>
+                  <a:buNone/>
+                </a:pPr>
+                <a:r>
+                  <a:rPr lang="ko-KR" altLang="en-US" sz="2000" dirty="0"/>
+                  <a:t>기존 </a:t>
+                </a:r>
+                <a:r>
+                  <a:rPr lang="ko-KR" altLang="en-US" sz="2000" dirty="0" err="1"/>
+                  <a:t>어플에</a:t>
+                </a:r>
+                <a:r>
+                  <a:rPr lang="ko-KR" altLang="en-US" sz="2000" dirty="0"/>
+                  <a:t> 없는 기능</a:t>
+                </a:r>
+                <a:r>
+                  <a:rPr lang="en-US" altLang="ko-KR" sz="2000" dirty="0"/>
+                  <a:t>. </a:t>
+                </a:r>
+                <a:r>
+                  <a:rPr lang="en-US" altLang="ko-KR" sz="2000" dirty="0" err="1"/>
+                  <a:t>Epub</a:t>
+                </a:r>
+                <a:r>
+                  <a:rPr lang="ko-KR" altLang="en-US" sz="2000" dirty="0"/>
+                  <a:t>파일은 페이지가 </a:t>
+                </a:r>
+                <a:r>
+                  <a:rPr lang="ko-KR" altLang="en-US" sz="2000" dirty="0" err="1"/>
+                  <a:t>정해져있지</a:t>
+                </a:r>
+                <a:r>
+                  <a:rPr lang="ko-KR" altLang="en-US" sz="2000" dirty="0"/>
+                  <a:t> 않고 글자 크기</a:t>
+                </a:r>
+                <a:r>
+                  <a:rPr lang="en-US" altLang="ko-KR" sz="2000" dirty="0"/>
+                  <a:t>, </a:t>
+                </a:r>
+                <a:r>
+                  <a:rPr lang="ko-KR" altLang="en-US" sz="2000" dirty="0" err="1"/>
+                  <a:t>줄간격</a:t>
+                </a:r>
+                <a:r>
+                  <a:rPr lang="ko-KR" altLang="en-US" sz="2000" dirty="0"/>
+                  <a:t> 등에 영향을 받기때문에 전체페이지</a:t>
+                </a:r>
+                <a14:m>
+                  <m:oMath xmlns:m="http://schemas.openxmlformats.org/officeDocument/2006/math">
+                    <m:r>
+                      <a:rPr lang="en-US" altLang="ko-KR" sz="2000" i="1" smtClean="0">
+                        <a:latin typeface="Cambria Math" panose="02040503050406030204" pitchFamily="18" charset="0"/>
+                        <a:ea typeface="Cambria Math" panose="02040503050406030204" pitchFamily="18" charset="0"/>
+                      </a:rPr>
+                      <m:t>÷</m:t>
+                    </m:r>
+                  </m:oMath>
+                </a14:m>
+                <a:r>
+                  <a:rPr lang="ko-KR" altLang="en-US" sz="2000" dirty="0"/>
+                  <a:t>현재페이지 값으로 위치를 특정할 수 있다</a:t>
+                </a:r>
+                <a:r>
+                  <a:rPr lang="en-US" altLang="ko-KR" sz="2000" dirty="0"/>
+                  <a:t>.</a:t>
+                </a:r>
+              </a:p>
+              <a:p>
+                <a:pPr marL="0" indent="0">
+                  <a:lnSpc>
+                    <a:spcPct val="120000"/>
+                  </a:lnSpc>
+                  <a:buNone/>
+                </a:pPr>
+                <a:r>
+                  <a:rPr lang="ko-KR" altLang="en-US" sz="2000" dirty="0"/>
+                  <a:t>왼쪽 스크린샷에 나타난 것과 같이 </a:t>
+                </a:r>
+                <a:r>
+                  <a:rPr lang="en-US" altLang="ko-KR" sz="2000" dirty="0"/>
+                  <a:t>‘@</a:t>
+                </a:r>
+                <a:r>
+                  <a:rPr lang="ko-KR" altLang="en-US" sz="2000" dirty="0"/>
+                  <a:t>페이지</a:t>
+                </a:r>
+                <a:r>
+                  <a:rPr lang="en-US" altLang="ko-KR" sz="2000" dirty="0"/>
+                  <a:t>’ </a:t>
+                </a:r>
+                <a:r>
+                  <a:rPr lang="ko-KR" altLang="en-US" sz="2000" dirty="0"/>
+                  <a:t>이런 식으로 스탬프를 찍으면 바로 그 구절로 이동 가능한 링크를 생성하는 기능을 제공</a:t>
+                </a:r>
+                <a:r>
+                  <a:rPr lang="en-US" altLang="ko-KR" sz="2000" dirty="0"/>
+                  <a:t>.</a:t>
+                </a:r>
+              </a:p>
+              <a:p>
+                <a:pPr marL="0" indent="0">
+                  <a:lnSpc>
+                    <a:spcPct val="120000"/>
+                  </a:lnSpc>
+                  <a:buNone/>
+                </a:pPr>
+                <a:endParaRPr lang="en-US" altLang="ko-KR" sz="2000" dirty="0"/>
+              </a:p>
+              <a:p>
+                <a:pPr marL="0" indent="0">
+                  <a:lnSpc>
+                    <a:spcPct val="120000"/>
+                  </a:lnSpc>
+                  <a:buNone/>
+                </a:pPr>
+                <a:r>
+                  <a:rPr lang="ko-KR" altLang="en-US" sz="2000" dirty="0"/>
+                  <a:t>대안 </a:t>
+                </a:r>
+                <a:r>
+                  <a:rPr lang="en-US" altLang="ko-KR" sz="2000" dirty="0"/>
+                  <a:t>: </a:t>
+                </a:r>
+                <a:r>
+                  <a:rPr lang="ko-KR" altLang="en-US" sz="2000" dirty="0"/>
+                  <a:t>상세한 위치</a:t>
+                </a:r>
+                <a:r>
+                  <a:rPr lang="en-US" altLang="ko-KR" sz="2000" dirty="0"/>
+                  <a:t>(ex. 40</a:t>
+                </a:r>
+                <a:r>
+                  <a:rPr lang="ko-KR" altLang="en-US" sz="2000" dirty="0"/>
+                  <a:t>페이지</a:t>
+                </a:r>
+                <a:r>
+                  <a:rPr lang="en-US" altLang="ko-KR" sz="2000" dirty="0"/>
+                  <a:t>)</a:t>
+                </a:r>
+                <a:r>
+                  <a:rPr lang="ko-KR" altLang="en-US" sz="2000" dirty="0"/>
+                  <a:t>를 가리키는 링크 대신 챕터의 맨 첫 장을 가리키는 링크 기능 지원</a:t>
+                </a:r>
+                <a:r>
+                  <a:rPr lang="en-US" altLang="ko-KR" sz="2000" dirty="0"/>
+                  <a:t>(</a:t>
+                </a:r>
+                <a:r>
+                  <a:rPr lang="en-US" altLang="ko-KR" sz="2000" dirty="0" err="1"/>
+                  <a:t>Epublib</a:t>
+                </a:r>
+                <a:r>
+                  <a:rPr lang="ko-KR" altLang="en-US" sz="2000" dirty="0"/>
+                  <a:t>에서 챕터 </a:t>
+                </a:r>
+                <a:r>
+                  <a:rPr lang="ko-KR" altLang="en-US" sz="2000" dirty="0" err="1"/>
+                  <a:t>첫장</a:t>
+                </a:r>
+                <a:r>
+                  <a:rPr lang="ko-KR" altLang="en-US" sz="2000" dirty="0"/>
+                  <a:t> 페이지의 위치는 따로 저장해주고 있다</a:t>
+                </a:r>
+                <a:r>
+                  <a:rPr lang="en-US" altLang="ko-KR" sz="2000" dirty="0"/>
+                  <a:t>)</a:t>
+                </a:r>
+              </a:p>
+              <a:p>
+                <a:pPr marL="0" indent="0">
+                  <a:lnSpc>
+                    <a:spcPct val="120000"/>
+                  </a:lnSpc>
+                  <a:buNone/>
+                </a:pPr>
+                <a:endParaRPr lang="en-US" altLang="ko-KR" sz="2000" dirty="0"/>
+              </a:p>
+            </p:txBody>
+          </p:sp>
+        </mc:Choice>
+        <mc:Fallback>
+          <p:sp>
+            <p:nvSpPr>
+              <p:cNvPr id="3" name="내용 개체 틀 2">
+                <a:extLst>
+                  <a:ext uri="{FF2B5EF4-FFF2-40B4-BE49-F238E27FC236}">
+                    <a16:creationId xmlns:a16="http://schemas.microsoft.com/office/drawing/2014/main" id="{4BCCD8EE-9FBF-40CF-AA9C-C1B64D27C7F9}"/>
+                  </a:ext>
+                </a:extLst>
+              </p:cNvPr>
+              <p:cNvSpPr>
+                <a:spLocks noGrp="1" noRot="1" noChangeAspect="1" noMove="1" noResize="1" noEditPoints="1" noAdjustHandles="1" noChangeArrowheads="1" noChangeShapeType="1" noTextEdit="1"/>
+              </p:cNvSpPr>
+              <p:nvPr>
+                <p:ph idx="1"/>
+              </p:nvPr>
+            </p:nvSpPr>
+            <p:spPr>
+              <a:xfrm>
+                <a:off x="3409950" y="1567655"/>
+                <a:ext cx="7943850" cy="4351338"/>
+              </a:xfrm>
+              <a:blipFill>
+                <a:blip r:embed="rId2"/>
+                <a:stretch>
+                  <a:fillRect l="-767" t="-140" r="-77"/>
+                </a:stretch>
+              </a:blipFill>
+            </p:spPr>
+            <p:txBody>
+              <a:bodyPr/>
+              <a:lstStyle/>
+              <a:p>
+                <a:r>
+                  <a:rPr lang="ko-KR" altLang="en-US">
+                    <a:noFill/>
+                  </a:rPr>
+                  <a:t> </a:t>
+                </a:r>
+              </a:p>
+            </p:txBody>
+          </p:sp>
+        </mc:Fallback>
+      </mc:AlternateContent>
+      <p:pic>
+        <p:nvPicPr>
+          <p:cNvPr id="4" name="그림 3" hidden="1">
+            <a:extLst>
+              <a:ext uri="{FF2B5EF4-FFF2-40B4-BE49-F238E27FC236}">
+                <a16:creationId xmlns:a16="http://schemas.microsoft.com/office/drawing/2014/main" id="{685EA688-3D61-4263-BB8A-C74768E5B5EA}"/>
+              </a:ext>
+            </a:extLst>
+          </p:cNvPr>
+          <p:cNvPicPr>
+            <a:picLocks noChangeAspect="1"/>
+          </p:cNvPicPr>
+          <p:nvPr/>
+        </p:nvPicPr>
+        <p:blipFill>
+          <a:blip r:embed="rId3"/>
+          <a:stretch>
+            <a:fillRect/>
+          </a:stretch>
+        </p:blipFill>
+        <p:spPr>
+          <a:xfrm>
+            <a:off x="5638800" y="3250546"/>
+            <a:ext cx="6381750" cy="3456781"/>
+          </a:xfrm>
+          <a:prstGeom prst="rect">
+            <a:avLst/>
+          </a:prstGeom>
+        </p:spPr>
+      </p:pic>
+      <p:pic>
+        <p:nvPicPr>
+          <p:cNvPr id="5" name="그림 4" hidden="1">
+            <a:extLst>
+              <a:ext uri="{FF2B5EF4-FFF2-40B4-BE49-F238E27FC236}">
+                <a16:creationId xmlns:a16="http://schemas.microsoft.com/office/drawing/2014/main" id="{BFD00571-7C09-46A6-B4E7-BFC5B565D970}"/>
+              </a:ext>
+            </a:extLst>
+          </p:cNvPr>
+          <p:cNvPicPr>
+            <a:picLocks noChangeAspect="1"/>
+          </p:cNvPicPr>
+          <p:nvPr/>
+        </p:nvPicPr>
+        <p:blipFill>
+          <a:blip r:embed="rId4"/>
+          <a:stretch>
+            <a:fillRect/>
+          </a:stretch>
+        </p:blipFill>
+        <p:spPr>
+          <a:xfrm>
+            <a:off x="838200" y="3293550"/>
+            <a:ext cx="4581525" cy="3370775"/>
+          </a:xfrm>
+          <a:prstGeom prst="rect">
+            <a:avLst/>
+          </a:prstGeom>
+        </p:spPr>
+      </p:pic>
+      <p:pic>
+        <p:nvPicPr>
+          <p:cNvPr id="6" name="그림 5">
+            <a:extLst>
+              <a:ext uri="{FF2B5EF4-FFF2-40B4-BE49-F238E27FC236}">
+                <a16:creationId xmlns:a16="http://schemas.microsoft.com/office/drawing/2014/main" id="{07742199-8012-48D9-8466-7DEF1C3A7088}"/>
+              </a:ext>
+            </a:extLst>
+          </p:cNvPr>
+          <p:cNvPicPr>
+            <a:picLocks noChangeAspect="1"/>
+          </p:cNvPicPr>
+          <p:nvPr/>
+        </p:nvPicPr>
+        <p:blipFill>
+          <a:blip r:embed="rId5"/>
+          <a:stretch>
+            <a:fillRect/>
+          </a:stretch>
+        </p:blipFill>
+        <p:spPr>
+          <a:xfrm>
+            <a:off x="838200" y="1597025"/>
+            <a:ext cx="2203133" cy="4895850"/>
+          </a:xfrm>
+          <a:prstGeom prst="rect">
+            <a:avLst/>
+          </a:prstGeom>
+        </p:spPr>
+      </p:pic>
+    </p:spTree>
+    <p:extLst>
+      <p:ext uri="{BB962C8B-B14F-4D97-AF65-F5344CB8AC3E}">
+        <p14:creationId xmlns:p14="http://schemas.microsoft.com/office/powerpoint/2010/main" val="2851695919"/>
+      </p:ext>
+    </p:extLst>
+  </p:cSld>
+  <p:clrMapOvr>
+    <a:masterClrMapping/>
+  </p:clrMapOvr>
+</p:sld>
+</file>
+
+<file path=ppt/slides/slide19.xml><?xml version="1.0" encoding="utf-8"?>
+<p:sld xmlns:a="http://schemas.openxmlformats.org/drawingml/2006/main" xmlns:r="http://schemas.openxmlformats.org/officeDocument/2006/relationships" xmlns:p="http://schemas.openxmlformats.org/presentationml/2006/main">
+  <p:cSld>
+    <p:spTree>
+      <p:nvGrpSpPr>
+        <p:cNvPr id="1" name=""/>
+        <p:cNvGrpSpPr/>
+        <p:nvPr/>
+      </p:nvGrpSpPr>
+      <p:grpSpPr>
+        <a:xfrm>
+          <a:off x="0" y="0"/>
+          <a:ext cx="0" cy="0"/>
+          <a:chOff x="0" y="0"/>
+          <a:chExt cx="0" cy="0"/>
+        </a:xfrm>
+      </p:grpSpPr>
+      <p:sp>
+        <p:nvSpPr>
+          <p:cNvPr id="2" name="제목 1">
+            <a:extLst>
+              <a:ext uri="{FF2B5EF4-FFF2-40B4-BE49-F238E27FC236}">
+                <a16:creationId xmlns:a16="http://schemas.microsoft.com/office/drawing/2014/main" id="{D41D48DF-4037-49BC-BAE8-A2C6EBFF52A5}"/>
+              </a:ext>
+            </a:extLst>
+          </p:cNvPr>
+          <p:cNvSpPr>
+            <a:spLocks noGrp="1"/>
+          </p:cNvSpPr>
+          <p:nvPr>
+            <p:ph type="title"/>
+          </p:nvPr>
+        </p:nvSpPr>
+        <p:spPr/>
+        <p:txBody>
+          <a:bodyPr>
+            <a:normAutofit/>
+          </a:bodyPr>
+          <a:lstStyle/>
+          <a:p>
+            <a:r>
+              <a:rPr lang="ko-KR" altLang="en-US" sz="3600" dirty="0"/>
               <a:t>위험분석① </a:t>
             </a:r>
             <a:r>
@@ -6472,21 +7640,63 @@
             <a:pPr marL="0" indent="0">
               <a:buNone/>
             </a:pPr>
+            <a:endParaRPr lang="en-US" altLang="ko-KR" sz="2400" dirty="0"/>
+          </a:p>
+          <a:p>
+            <a:pPr marL="0" indent="0">
+              <a:buNone/>
+            </a:pPr>
             <a:r>
               <a:rPr lang="ko-KR" altLang="en-US" sz="2400" dirty="0"/>
-              <a:t>대안 </a:t>
-            </a:r>
-            <a:r>
-              <a:rPr lang="en-US" altLang="ko-KR" sz="2400" dirty="0"/>
-              <a:t>: </a:t>
-            </a:r>
-            <a:r>
-              <a:rPr lang="ko-KR" altLang="en-US" sz="2400" dirty="0" err="1"/>
+              <a:t>대안</a:t>
+            </a:r>
+            <a:endParaRPr lang="en-US" altLang="ko-KR" sz="2400" dirty="0"/>
+          </a:p>
+          <a:p>
+            <a:pPr marL="457200" lvl="1" indent="0">
+              <a:buNone/>
+            </a:pPr>
+            <a:r>
+              <a:rPr lang="en-US" altLang="ko-KR" dirty="0"/>
+              <a:t>1. </a:t>
+            </a:r>
+            <a:r>
+              <a:rPr lang="ko-KR" altLang="en-US" dirty="0" err="1"/>
               <a:t>챕터별</a:t>
             </a:r>
             <a:r>
-              <a:rPr lang="ko-KR" altLang="en-US" sz="2400" dirty="0"/>
+              <a:rPr lang="ko-KR" altLang="en-US" dirty="0"/>
               <a:t> 사용자의 선호도 표시</a:t>
+            </a:r>
+            <a:endParaRPr lang="en-US" altLang="ko-KR" dirty="0"/>
+          </a:p>
+          <a:p>
+            <a:pPr marL="457200" lvl="1" indent="0">
+              <a:buNone/>
+            </a:pPr>
+            <a:r>
+              <a:rPr lang="en-US" altLang="ko-KR" dirty="0"/>
+              <a:t>2. </a:t>
+            </a:r>
+            <a:r>
+              <a:rPr lang="ko-KR" altLang="en-US" dirty="0"/>
+              <a:t>문장을 직접 드래그해 </a:t>
+            </a:r>
+            <a:r>
+              <a:rPr lang="en-US" altLang="ko-KR" dirty="0"/>
+              <a:t>‘</a:t>
+            </a:r>
+            <a:r>
+              <a:rPr lang="ko-KR" altLang="en-US" dirty="0"/>
+              <a:t>좋아요</a:t>
+            </a:r>
+            <a:r>
+              <a:rPr lang="en-US" altLang="ko-KR" dirty="0"/>
+              <a:t>’</a:t>
+            </a:r>
+            <a:r>
+              <a:rPr lang="ko-KR" altLang="en-US" dirty="0"/>
+              <a:t>버튼을 누르면 그 문장을 서버에 복사해서 관리</a:t>
             </a:r>
           </a:p>
         </p:txBody>
@@ -6564,7 +7774,7 @@
 </p:sld>
 </file>
 
-<file path=ppt/slides/slide18.xml><?xml version="1.0" encoding="utf-8"?>
+<file path=ppt/slides/slide2.xml><?xml version="1.0" encoding="utf-8"?>
 <p:sld xmlns:a="http://schemas.openxmlformats.org/drawingml/2006/main" xmlns:r="http://schemas.openxmlformats.org/officeDocument/2006/relationships" xmlns:p="http://schemas.openxmlformats.org/presentationml/2006/main">
   <p:cSld>
     <p:spTree>
@@ -6581,270 +7791,57 @@
           <a:chExt cx="0" cy="0"/>
         </a:xfrm>
       </p:grpSpPr>
-      <p:sp>
-        <p:nvSpPr>
-          <p:cNvPr id="2" name="제목 1">
-            <a:extLst>
-              <a:ext uri="{FF2B5EF4-FFF2-40B4-BE49-F238E27FC236}">
-                <a16:creationId xmlns:a16="http://schemas.microsoft.com/office/drawing/2014/main" id="{D41D48DF-4037-49BC-BAE8-A2C6EBFF52A5}"/>
-              </a:ext>
-            </a:extLst>
-          </p:cNvPr>
-          <p:cNvSpPr>
-            <a:spLocks noGrp="1"/>
-          </p:cNvSpPr>
-          <p:nvPr>
-            <p:ph type="title"/>
-          </p:nvPr>
-        </p:nvSpPr>
-        <p:spPr/>
-        <p:txBody>
-          <a:bodyPr>
-            <a:normAutofit/>
-          </a:bodyPr>
-          <a:lstStyle/>
-          <a:p>
-            <a:r>
-              <a:rPr lang="ko-KR" altLang="en-US" sz="3600" dirty="0"/>
-              <a:t>위험분석② </a:t>
-            </a:r>
-            <a:r>
-              <a:rPr lang="en-US" altLang="ko-KR" sz="3600" dirty="0"/>
-              <a:t>- </a:t>
-            </a:r>
-            <a:r>
-              <a:rPr lang="ko-KR" altLang="en-US" sz="3600" dirty="0"/>
-              <a:t>인용 구절에 링크 걸 수 있는 기능</a:t>
-            </a:r>
-          </a:p>
-        </p:txBody>
-      </p:sp>
-      <p:sp>
-        <p:nvSpPr>
-          <p:cNvPr id="3" name="내용 개체 틀 2">
-            <a:extLst>
-              <a:ext uri="{FF2B5EF4-FFF2-40B4-BE49-F238E27FC236}">
-                <a16:creationId xmlns:a16="http://schemas.microsoft.com/office/drawing/2014/main" id="{4BCCD8EE-9FBF-40CF-AA9C-C1B64D27C7F9}"/>
-              </a:ext>
-            </a:extLst>
-          </p:cNvPr>
-          <p:cNvSpPr>
-            <a:spLocks noGrp="1"/>
-          </p:cNvSpPr>
-          <p:nvPr>
-            <p:ph idx="1"/>
-          </p:nvPr>
-        </p:nvSpPr>
-        <p:spPr>
-          <a:xfrm>
-            <a:off x="3409950" y="1567655"/>
-            <a:ext cx="7943850" cy="4351338"/>
-          </a:xfrm>
-        </p:spPr>
-        <p:txBody>
-          <a:bodyPr>
-            <a:normAutofit/>
-          </a:bodyPr>
-          <a:lstStyle/>
-          <a:p>
-            <a:pPr marL="0" indent="0">
-              <a:lnSpc>
-                <a:spcPct val="120000"/>
-              </a:lnSpc>
-              <a:buNone/>
-            </a:pPr>
-            <a:r>
-              <a:rPr lang="ko-KR" altLang="en-US" sz="2400" dirty="0"/>
-              <a:t>왼쪽 스크린샷에 나타난 것과 같이 </a:t>
-            </a:r>
-            <a:r>
-              <a:rPr lang="en-US" altLang="ko-KR" sz="2400" dirty="0"/>
-              <a:t>‘</a:t>
-            </a:r>
-            <a:r>
-              <a:rPr lang="ko-KR" altLang="en-US" sz="2400" dirty="0"/>
-              <a:t>페이지</a:t>
-            </a:r>
-            <a:r>
-              <a:rPr lang="en-US" altLang="ko-KR" sz="2400" dirty="0"/>
-              <a:t>:</a:t>
-            </a:r>
-            <a:r>
-              <a:rPr lang="ko-KR" altLang="en-US" sz="2400" dirty="0"/>
-              <a:t>문장 번호</a:t>
-            </a:r>
-            <a:r>
-              <a:rPr lang="en-US" altLang="ko-KR" sz="2400" dirty="0"/>
-              <a:t>’ </a:t>
-            </a:r>
-            <a:r>
-              <a:rPr lang="ko-KR" altLang="en-US" sz="2400" dirty="0"/>
-              <a:t>이런 식으로 스탬프를 찍으면 바로 그 구절로 이동 가능한링크를 생성하는 기능을 제공하고 싶으나 관련 자료를 찾기가 힘들었다</a:t>
-            </a:r>
-            <a:r>
-              <a:rPr lang="en-US" altLang="ko-KR" sz="2400" dirty="0"/>
-              <a:t>.</a:t>
-            </a:r>
-          </a:p>
-          <a:p>
-            <a:pPr marL="0" indent="0">
-              <a:lnSpc>
-                <a:spcPct val="120000"/>
-              </a:lnSpc>
-              <a:buNone/>
-            </a:pPr>
-            <a:endParaRPr lang="en-US" altLang="ko-KR" sz="2400" dirty="0"/>
-          </a:p>
-          <a:p>
-            <a:pPr marL="0" indent="0">
-              <a:lnSpc>
-                <a:spcPct val="120000"/>
-              </a:lnSpc>
-              <a:buNone/>
-            </a:pPr>
-            <a:r>
-              <a:rPr lang="ko-KR" altLang="en-US" sz="2400" dirty="0"/>
-              <a:t>대안 </a:t>
-            </a:r>
-            <a:r>
-              <a:rPr lang="en-US" altLang="ko-KR" sz="2400" dirty="0"/>
-              <a:t>: </a:t>
-            </a:r>
-            <a:r>
-              <a:rPr lang="ko-KR" altLang="en-US" sz="2400" dirty="0"/>
-              <a:t>상세한 위치</a:t>
-            </a:r>
-            <a:r>
-              <a:rPr lang="en-US" altLang="ko-KR" sz="2400" dirty="0"/>
-              <a:t>(ex. 40</a:t>
-            </a:r>
-            <a:r>
-              <a:rPr lang="ko-KR" altLang="en-US" sz="2400" dirty="0"/>
-              <a:t>페이지 </a:t>
-            </a:r>
-            <a:r>
-              <a:rPr lang="en-US" altLang="ko-KR" sz="2400" dirty="0"/>
-              <a:t>4</a:t>
-            </a:r>
-            <a:r>
-              <a:rPr lang="ko-KR" altLang="en-US" sz="2400" dirty="0"/>
-              <a:t>번째 문장</a:t>
-            </a:r>
-            <a:r>
-              <a:rPr lang="en-US" altLang="ko-KR" sz="2400" dirty="0"/>
-              <a:t>)</a:t>
-            </a:r>
-            <a:r>
-              <a:rPr lang="ko-KR" altLang="en-US" sz="2400" dirty="0"/>
-              <a:t>를 가리키는 링크 대신 챕터의 맨 첫 장을 가리키는 링크 기능 지원</a:t>
-            </a:r>
-            <a:endParaRPr lang="en-US" altLang="ko-KR" sz="2400" dirty="0"/>
-          </a:p>
-          <a:p>
-            <a:pPr marL="0" indent="0">
-              <a:lnSpc>
-                <a:spcPct val="120000"/>
-              </a:lnSpc>
-              <a:buNone/>
-            </a:pPr>
-            <a:endParaRPr lang="en-US" altLang="ko-KR" sz="2400" dirty="0"/>
-          </a:p>
-        </p:txBody>
-      </p:sp>
       <p:pic>
         <p:nvPicPr>
-          <p:cNvPr id="4" name="그림 3" hidden="1">
-            <a:extLst>
-              <a:ext uri="{FF2B5EF4-FFF2-40B4-BE49-F238E27FC236}">
-                <a16:creationId xmlns:a16="http://schemas.microsoft.com/office/drawing/2014/main" id="{685EA688-3D61-4263-BB8A-C74768E5B5EA}"/>
+          <p:cNvPr id="1036" name="Picture 12" descr="일러스트 - 클립아트코리아 :: 통로이미지(주)">
+            <a:extLst>
+              <a:ext uri="{FF2B5EF4-FFF2-40B4-BE49-F238E27FC236}">
+                <a16:creationId xmlns:a16="http://schemas.microsoft.com/office/drawing/2014/main" id="{CF5DCB02-875D-48AC-A9EB-FB42DB81F009}"/>
               </a:ext>
             </a:extLst>
           </p:cNvPr>
           <p:cNvPicPr>
-            <a:picLocks noChangeAspect="1"/>
+            <a:picLocks noChangeAspect="1" noChangeArrowheads="1"/>
           </p:cNvPicPr>
           <p:nvPr/>
         </p:nvPicPr>
         <p:blipFill>
-          <a:blip r:embed="rId2"/>
+          <a:blip r:embed="rId2">
+            <a:extLst>
+              <a:ext uri="{28A0092B-C50C-407E-A947-70E740481C1C}">
+                <a14:useLocalDpi xmlns:a14="http://schemas.microsoft.com/office/drawing/2010/main" val="0"/>
+              </a:ext>
+            </a:extLst>
+          </a:blip>
+          <a:srcRect/>
           <a:stretch>
             <a:fillRect/>
           </a:stretch>
         </p:blipFill>
-        <p:spPr>
+        <p:spPr bwMode="auto">
           <a:xfrm>
-            <a:off x="5638800" y="3250546"/>
-            <a:ext cx="6381750" cy="3456781"/>
+            <a:off x="3238500" y="1"/>
+            <a:ext cx="5714999" cy="6857999"/>
           </a:xfrm>
           <a:prstGeom prst="rect">
             <a:avLst/>
           </a:prstGeom>
-        </p:spPr>
-      </p:pic>
-      <p:pic>
-        <p:nvPicPr>
-          <p:cNvPr id="5" name="그림 4" hidden="1">
-            <a:extLst>
-              <a:ext uri="{FF2B5EF4-FFF2-40B4-BE49-F238E27FC236}">
-                <a16:creationId xmlns:a16="http://schemas.microsoft.com/office/drawing/2014/main" id="{BFD00571-7C09-46A6-B4E7-BFC5B565D970}"/>
-              </a:ext>
-            </a:extLst>
-          </p:cNvPr>
-          <p:cNvPicPr>
-            <a:picLocks noChangeAspect="1"/>
-          </p:cNvPicPr>
-          <p:nvPr/>
-        </p:nvPicPr>
-        <p:blipFill>
-          <a:blip r:embed="rId3"/>
-          <a:stretch>
-            <a:fillRect/>
-          </a:stretch>
-        </p:blipFill>
-        <p:spPr>
-          <a:xfrm>
-            <a:off x="838200" y="3293550"/>
-            <a:ext cx="4581525" cy="3370775"/>
-          </a:xfrm>
-          <a:prstGeom prst="rect">
-            <a:avLst/>
-          </a:prstGeom>
-        </p:spPr>
-      </p:pic>
-      <p:pic>
-        <p:nvPicPr>
-          <p:cNvPr id="6" name="그림 5">
-            <a:extLst>
-              <a:ext uri="{FF2B5EF4-FFF2-40B4-BE49-F238E27FC236}">
-                <a16:creationId xmlns:a16="http://schemas.microsoft.com/office/drawing/2014/main" id="{07742199-8012-48D9-8466-7DEF1C3A7088}"/>
-              </a:ext>
-            </a:extLst>
-          </p:cNvPr>
-          <p:cNvPicPr>
-            <a:picLocks noChangeAspect="1"/>
-          </p:cNvPicPr>
-          <p:nvPr/>
-        </p:nvPicPr>
-        <p:blipFill>
-          <a:blip r:embed="rId4"/>
-          <a:stretch>
-            <a:fillRect/>
-          </a:stretch>
-        </p:blipFill>
-        <p:spPr>
-          <a:xfrm>
-            <a:off x="838200" y="1597025"/>
-            <a:ext cx="2203133" cy="4895850"/>
-          </a:xfrm>
-          <a:prstGeom prst="rect">
-            <a:avLst/>
-          </a:prstGeom>
+          <a:noFill/>
+          <a:extLst>
+            <a:ext uri="{909E8E84-426E-40DD-AFC4-6F175D3DCCD1}">
+              <a14:hiddenFill xmlns:a14="http://schemas.microsoft.com/office/drawing/2010/main">
+                <a:solidFill>
+                  <a:srgbClr val="FFFFFF"/>
+                </a:solidFill>
+              </a14:hiddenFill>
+            </a:ext>
+          </a:extLst>
         </p:spPr>
       </p:pic>
     </p:spTree>
     <p:extLst>
       <p:ext uri="{BB962C8B-B14F-4D97-AF65-F5344CB8AC3E}">
-        <p14:creationId xmlns:p14="http://schemas.microsoft.com/office/powerpoint/2010/main" val="2851695919"/>
+        <p14:creationId xmlns:p14="http://schemas.microsoft.com/office/powerpoint/2010/main" val="3899717374"/>
       </p:ext>
     </p:extLst>
   </p:cSld>
@@ -6854,7 +7851,7 @@
 </p:sld>
 </file>
 
-<file path=ppt/slides/slide19.xml><?xml version="1.0" encoding="utf-8"?>
+<file path=ppt/slides/slide20.xml><?xml version="1.0" encoding="utf-8"?>
 <p:sld xmlns:a="http://schemas.openxmlformats.org/drawingml/2006/main" xmlns:r="http://schemas.openxmlformats.org/officeDocument/2006/relationships" xmlns:p="http://schemas.openxmlformats.org/presentationml/2006/main">
   <p:cSld>
     <p:spTree>
@@ -8574,7 +9571,7 @@
           <p:nvPr>
             <p:extLst>
               <p:ext uri="{D42A27DB-BD31-4B8C-83A1-F6EECF244321}">
-                <p14:modId xmlns:p14="http://schemas.microsoft.com/office/powerpoint/2010/main" val="831114442"/>
+                <p14:modId xmlns:p14="http://schemas.microsoft.com/office/powerpoint/2010/main" val="1134749667"/>
               </p:ext>
             </p:extLst>
           </p:nvPr>
@@ -8752,9 +9749,10 @@
                     <a:p>
                       <a:pPr latinLnBrk="1"/>
                       <a:r>
-                        <a:rPr lang="ko-KR" altLang="en-US" sz="1400" dirty="0"/>
+                        <a:rPr lang="ko-KR" altLang="en-US" sz="1400"/>
                         <a:t>주상아</a:t>
                       </a:r>
+                      <a:endParaRPr lang="ko-KR" altLang="en-US" sz="1400" dirty="0"/>
                     </a:p>
                   </a:txBody>
                   <a:tcPr anchor="ctr"/>
@@ -9252,105 +10250,6 @@
 </p:sld>
 </file>
 
-<file path=ppt/slides/slide2.xml><?xml version="1.0" encoding="utf-8"?>
-<p:sld xmlns:a="http://schemas.openxmlformats.org/drawingml/2006/main" xmlns:r="http://schemas.openxmlformats.org/officeDocument/2006/relationships" xmlns:p="http://schemas.openxmlformats.org/presentationml/2006/main">
-  <p:cSld>
-    <p:spTree>
-      <p:nvGrpSpPr>
-        <p:cNvPr id="1" name=""/>
-        <p:cNvGrpSpPr/>
-        <p:nvPr/>
-      </p:nvGrpSpPr>
-      <p:grpSpPr>
-        <a:xfrm>
-          <a:off x="0" y="0"/>
-          <a:ext cx="0" cy="0"/>
-          <a:chOff x="0" y="0"/>
-          <a:chExt cx="0" cy="0"/>
-        </a:xfrm>
-      </p:grpSpPr>
-      <p:sp>
-        <p:nvSpPr>
-          <p:cNvPr id="2" name="제목 1">
-            <a:extLst>
-              <a:ext uri="{FF2B5EF4-FFF2-40B4-BE49-F238E27FC236}">
-                <a16:creationId xmlns:a16="http://schemas.microsoft.com/office/drawing/2014/main" id="{4C22DC9C-45B2-42B8-9DED-325F8C17B2DB}"/>
-              </a:ext>
-            </a:extLst>
-          </p:cNvPr>
-          <p:cNvSpPr>
-            <a:spLocks noGrp="1"/>
-          </p:cNvSpPr>
-          <p:nvPr>
-            <p:ph type="title"/>
-          </p:nvPr>
-        </p:nvSpPr>
-        <p:spPr/>
-        <p:txBody>
-          <a:bodyPr/>
-          <a:lstStyle/>
-          <a:p>
-            <a:r>
-              <a:rPr lang="ko-KR" altLang="en-US" dirty="0"/>
-              <a:t>목적</a:t>
-            </a:r>
-          </a:p>
-        </p:txBody>
-      </p:sp>
-      <p:sp>
-        <p:nvSpPr>
-          <p:cNvPr id="3" name="내용 개체 틀 2">
-            <a:extLst>
-              <a:ext uri="{FF2B5EF4-FFF2-40B4-BE49-F238E27FC236}">
-                <a16:creationId xmlns:a16="http://schemas.microsoft.com/office/drawing/2014/main" id="{2E09B9D5-CABF-413E-921B-22894D537B39}"/>
-              </a:ext>
-            </a:extLst>
-          </p:cNvPr>
-          <p:cNvSpPr>
-            <a:spLocks noGrp="1"/>
-          </p:cNvSpPr>
-          <p:nvPr>
-            <p:ph idx="1"/>
-          </p:nvPr>
-        </p:nvSpPr>
-        <p:spPr/>
-        <p:txBody>
-          <a:bodyPr/>
-          <a:lstStyle/>
-          <a:p>
-            <a:pPr marL="0" indent="0">
-              <a:buNone/>
-            </a:pPr>
-            <a:r>
-              <a:rPr lang="ko-KR" altLang="en-US" dirty="0"/>
-              <a:t>집에서 혼자 책을 읽는 독자들을 위한</a:t>
-            </a:r>
-            <a:endParaRPr lang="en-US" altLang="ko-KR" dirty="0"/>
-          </a:p>
-          <a:p>
-            <a:pPr marL="0" indent="0">
-              <a:buNone/>
-            </a:pPr>
-            <a:r>
-              <a:rPr lang="ko-KR" altLang="en-US" dirty="0"/>
-              <a:t>다른 사람과 함께 독서할 수 있는 서비스를 제공하는 앱</a:t>
-            </a:r>
-          </a:p>
-        </p:txBody>
-      </p:sp>
-    </p:spTree>
-    <p:extLst>
-      <p:ext uri="{BB962C8B-B14F-4D97-AF65-F5344CB8AC3E}">
-        <p14:creationId xmlns:p14="http://schemas.microsoft.com/office/powerpoint/2010/main" val="2853419548"/>
-      </p:ext>
-    </p:extLst>
-  </p:cSld>
-  <p:clrMapOvr>
-    <a:masterClrMapping/>
-  </p:clrMapOvr>
-</p:sld>
-</file>
-
 <file path=ppt/slides/slide3.xml><?xml version="1.0" encoding="utf-8"?>
 <p:sld xmlns:a="http://schemas.openxmlformats.org/drawingml/2006/main" xmlns:r="http://schemas.openxmlformats.org/officeDocument/2006/relationships" xmlns:p="http://schemas.openxmlformats.org/presentationml/2006/main">
   <p:cSld>
@@ -9370,6 +10269,53 @@
       </p:grpSpPr>
       <p:pic>
         <p:nvPicPr>
+          <p:cNvPr id="15" name="Picture 2" descr="집에 돌아와 씻고 누워서 핸드폰하기 - 디지털 아트, 일러스트레이션">
+            <a:extLst>
+              <a:ext uri="{FF2B5EF4-FFF2-40B4-BE49-F238E27FC236}">
+                <a16:creationId xmlns:a16="http://schemas.microsoft.com/office/drawing/2014/main" id="{AC02EED4-7764-4B68-A34A-A3F77050FF21}"/>
+              </a:ext>
+            </a:extLst>
+          </p:cNvPr>
+          <p:cNvPicPr>
+            <a:picLocks noChangeAspect="1" noChangeArrowheads="1"/>
+          </p:cNvPicPr>
+          <p:nvPr/>
+        </p:nvPicPr>
+        <p:blipFill>
+          <a:blip r:embed="rId2">
+            <a:extLst>
+              <a:ext uri="{28A0092B-C50C-407E-A947-70E740481C1C}">
+                <a14:useLocalDpi xmlns:a14="http://schemas.microsoft.com/office/drawing/2010/main" val="0"/>
+              </a:ext>
+            </a:extLst>
+          </a:blip>
+          <a:srcRect/>
+          <a:stretch>
+            <a:fillRect/>
+          </a:stretch>
+        </p:blipFill>
+        <p:spPr bwMode="auto">
+          <a:xfrm>
+            <a:off x="2667000" y="0"/>
+            <a:ext cx="6858000" cy="6858000"/>
+          </a:xfrm>
+          <a:prstGeom prst="rect">
+            <a:avLst/>
+          </a:prstGeom>
+          <a:noFill/>
+          <a:extLst>
+            <a:ext uri="{909E8E84-426E-40DD-AFC4-6F175D3DCCD1}">
+              <a14:hiddenFill xmlns:a14="http://schemas.microsoft.com/office/drawing/2010/main">
+                <a:solidFill>
+                  <a:srgbClr val="FFFFFF"/>
+                </a:solidFill>
+              </a14:hiddenFill>
+            </a:ext>
+          </a:extLst>
+        </p:spPr>
+      </p:pic>
+      <p:pic>
+        <p:nvPicPr>
           <p:cNvPr id="6" name="그림 5">
             <a:extLst>
               <a:ext uri="{FF2B5EF4-FFF2-40B4-BE49-F238E27FC236}">
@@ -9383,7 +10329,7 @@
           <p:nvPr/>
         </p:nvPicPr>
         <p:blipFill>
-          <a:blip r:embed="rId2"/>
+          <a:blip r:embed="rId3"/>
           <a:stretch>
             <a:fillRect/>
           </a:stretch>
@@ -9418,7 +10364,7 @@
           <p:nvPr/>
         </p:nvPicPr>
         <p:blipFill>
-          <a:blip r:embed="rId3"/>
+          <a:blip r:embed="rId4"/>
           <a:stretch>
             <a:fillRect/>
           </a:stretch>
@@ -9453,7 +10399,7 @@
           <p:nvPr/>
         </p:nvPicPr>
         <p:blipFill>
-          <a:blip r:embed="rId4"/>
+          <a:blip r:embed="rId5"/>
           <a:stretch>
             <a:fillRect/>
           </a:stretch>
@@ -9488,7 +10434,7 @@
           <p:nvPr/>
         </p:nvPicPr>
         <p:blipFill>
-          <a:blip r:embed="rId5"/>
+          <a:blip r:embed="rId6"/>
           <a:stretch>
             <a:fillRect/>
           </a:stretch>
@@ -9523,7 +10469,7 @@
           <p:nvPr/>
         </p:nvPicPr>
         <p:blipFill>
-          <a:blip r:embed="rId6"/>
+          <a:blip r:embed="rId7"/>
           <a:stretch>
             <a:fillRect/>
           </a:stretch>
@@ -9558,7 +10504,7 @@
           <p:nvPr/>
         </p:nvPicPr>
         <p:blipFill>
-          <a:blip r:embed="rId7"/>
+          <a:blip r:embed="rId8"/>
           <a:stretch>
             <a:fillRect/>
           </a:stretch>
@@ -9593,7 +10539,7 @@
           <p:nvPr/>
         </p:nvPicPr>
         <p:blipFill>
-          <a:blip r:embed="rId8"/>
+          <a:blip r:embed="rId9"/>
           <a:stretch>
             <a:fillRect/>
           </a:stretch>
@@ -9628,7 +10574,7 @@
           <p:nvPr/>
         </p:nvPicPr>
         <p:blipFill>
-          <a:blip r:embed="rId9"/>
+          <a:blip r:embed="rId10"/>
           <a:stretch>
             <a:fillRect/>
           </a:stretch>
@@ -9663,7 +10609,7 @@
           <p:nvPr/>
         </p:nvPicPr>
         <p:blipFill>
-          <a:blip r:embed="rId10"/>
+          <a:blip r:embed="rId11"/>
           <a:stretch>
             <a:fillRect/>
           </a:stretch>
@@ -9698,7 +10644,7 @@
           <p:nvPr/>
         </p:nvPicPr>
         <p:blipFill>
-          <a:blip r:embed="rId11"/>
+          <a:blip r:embed="rId12"/>
           <a:stretch>
             <a:fillRect/>
           </a:stretch>
@@ -9733,7 +10679,7 @@
           <p:nvPr/>
         </p:nvPicPr>
         <p:blipFill>
-          <a:blip r:embed="rId12"/>
+          <a:blip r:embed="rId13"/>
           <a:stretch>
             <a:fillRect/>
           </a:stretch>
@@ -9803,9 +10749,6 @@
                     <p:cTn id="3" fill="hold">
                       <p:stCondLst>
                         <p:cond delay="indefinite"/>
-                        <p:cond evt="onBegin" delay="0">
-                          <p:tn val="2"/>
-                        </p:cond>
                       </p:stCondLst>
                       <p:childTnLst>
                         <p:par>
@@ -9815,7 +10758,7 @@
                             </p:stCondLst>
                             <p:childTnLst>
                               <p:par>
-                                <p:cTn id="5" presetID="53" presetClass="entr" presetSubtype="16" fill="hold" nodeType="withEffect">
+                                <p:cTn id="5" presetID="53" presetClass="entr" presetSubtype="16" fill="hold" nodeType="clickEffect">
                                   <p:stCondLst>
                                     <p:cond delay="0"/>
                                   </p:stCondLst>
@@ -10832,6 +11775,184 @@
           <p:cNvPr id="2" name="제목 1">
             <a:extLst>
               <a:ext uri="{FF2B5EF4-FFF2-40B4-BE49-F238E27FC236}">
+                <a16:creationId xmlns:a16="http://schemas.microsoft.com/office/drawing/2014/main" id="{4C22DC9C-45B2-42B8-9DED-325F8C17B2DB}"/>
+              </a:ext>
+            </a:extLst>
+          </p:cNvPr>
+          <p:cNvSpPr>
+            <a:spLocks noGrp="1"/>
+          </p:cNvSpPr>
+          <p:nvPr>
+            <p:ph type="title"/>
+          </p:nvPr>
+        </p:nvSpPr>
+        <p:spPr/>
+        <p:txBody>
+          <a:bodyPr/>
+          <a:lstStyle/>
+          <a:p>
+            <a:r>
+              <a:rPr lang="ko-KR" altLang="en-US" dirty="0"/>
+              <a:t>목적</a:t>
+            </a:r>
+          </a:p>
+        </p:txBody>
+      </p:sp>
+      <p:sp>
+        <p:nvSpPr>
+          <p:cNvPr id="3" name="내용 개체 틀 2">
+            <a:extLst>
+              <a:ext uri="{FF2B5EF4-FFF2-40B4-BE49-F238E27FC236}">
+                <a16:creationId xmlns:a16="http://schemas.microsoft.com/office/drawing/2014/main" id="{2E09B9D5-CABF-413E-921B-22894D537B39}"/>
+              </a:ext>
+            </a:extLst>
+          </p:cNvPr>
+          <p:cNvSpPr>
+            <a:spLocks noGrp="1"/>
+          </p:cNvSpPr>
+          <p:nvPr>
+            <p:ph idx="1"/>
+          </p:nvPr>
+        </p:nvSpPr>
+        <p:spPr/>
+        <p:txBody>
+          <a:bodyPr/>
+          <a:lstStyle/>
+          <a:p>
+            <a:pPr marL="0" indent="0">
+              <a:buNone/>
+            </a:pPr>
+            <a:r>
+              <a:rPr lang="ko-KR" altLang="en-US" dirty="0"/>
+              <a:t>집에서 혼자 책을 읽는 독자들을 위한</a:t>
+            </a:r>
+            <a:endParaRPr lang="en-US" altLang="ko-KR" dirty="0"/>
+          </a:p>
+          <a:p>
+            <a:pPr marL="0" indent="0">
+              <a:buNone/>
+            </a:pPr>
+            <a:r>
+              <a:rPr lang="ko-KR" altLang="en-US" dirty="0"/>
+              <a:t>다른 사람과 함께 독서할 수 있는 서비스를 제공하는 앱</a:t>
+            </a:r>
+          </a:p>
+        </p:txBody>
+      </p:sp>
+      <p:pic>
+        <p:nvPicPr>
+          <p:cNvPr id="2052" name="Picture 4" descr="책 읽는 직원이 경쟁력…독서경영 기업의 미래를 펼치다 | 한경닷컴">
+            <a:extLst>
+              <a:ext uri="{FF2B5EF4-FFF2-40B4-BE49-F238E27FC236}">
+                <a16:creationId xmlns:a16="http://schemas.microsoft.com/office/drawing/2014/main" id="{15D838CC-C908-4703-849B-B47F7400FAE7}"/>
+              </a:ext>
+            </a:extLst>
+          </p:cNvPr>
+          <p:cNvPicPr>
+            <a:picLocks noChangeAspect="1" noChangeArrowheads="1"/>
+          </p:cNvPicPr>
+          <p:nvPr/>
+        </p:nvPicPr>
+        <p:blipFill>
+          <a:blip r:embed="rId2">
+            <a:extLst>
+              <a:ext uri="{BEBA8EAE-BF5A-486C-A8C5-ECC9F3942E4B}">
+                <a14:imgProps xmlns:a14="http://schemas.microsoft.com/office/drawing/2010/main">
+                  <a14:imgLayer r:embed="rId3">
+                    <a14:imgEffect>
+                      <a14:backgroundRemoval t="9041" b="94521" l="3710" r="98871">
+                        <a14:foregroundMark x1="68548" y1="64384" x2="79032" y2="62740"/>
+                        <a14:foregroundMark x1="79032" y1="62740" x2="70645" y2="71233"/>
+                        <a14:foregroundMark x1="70645" y1="71233" x2="70323" y2="71233"/>
+                        <a14:foregroundMark x1="79355" y1="76438" x2="96129" y2="76986"/>
+                        <a14:foregroundMark x1="96129" y1="76986" x2="96290" y2="91781"/>
+                        <a14:foregroundMark x1="96290" y1="91781" x2="79194" y2="97808"/>
+                        <a14:foregroundMark x1="79194" y1="97808" x2="34355" y2="98356"/>
+                        <a14:foregroundMark x1="34355" y1="98356" x2="26613" y2="94521"/>
+                        <a14:foregroundMark x1="26613" y1="94521" x2="21129" y2="87671"/>
+                        <a14:foregroundMark x1="90806" y1="74795" x2="98871" y2="78082"/>
+                        <a14:foregroundMark x1="98871" y1="78082" x2="92903" y2="83288"/>
+                        <a14:foregroundMark x1="43226" y1="30685" x2="45000" y2="16712"/>
+                        <a14:foregroundMark x1="45000" y1="16712" x2="50806" y2="25479"/>
+                        <a14:foregroundMark x1="78065" y1="53973" x2="75323" y2="40548"/>
+                        <a14:foregroundMark x1="75323" y1="40548" x2="79355" y2="52877"/>
+                        <a14:foregroundMark x1="79355" y1="52877" x2="79516" y2="52877"/>
+                        <a14:foregroundMark x1="11935" y1="43562" x2="12581" y2="32877"/>
+                        <a14:foregroundMark x1="11935" y1="31233" x2="11935" y2="31233"/>
+                        <a14:foregroundMark x1="4032" y1="36438" x2="7742" y2="49041"/>
+                        <a14:foregroundMark x1="7742" y1="49041" x2="8065" y2="49589"/>
+                        <a14:foregroundMark x1="3710" y1="35068" x2="5484" y2="47945"/>
+                        <a14:foregroundMark x1="85968" y1="65479" x2="88710" y2="74795"/>
+                      </a14:backgroundRemoval>
+                    </a14:imgEffect>
+                  </a14:imgLayer>
+                </a14:imgProps>
+              </a:ext>
+              <a:ext uri="{28A0092B-C50C-407E-A947-70E740481C1C}">
+                <a14:useLocalDpi xmlns:a14="http://schemas.microsoft.com/office/drawing/2010/main" val="0"/>
+              </a:ext>
+            </a:extLst>
+          </a:blip>
+          <a:srcRect/>
+          <a:stretch>
+            <a:fillRect/>
+          </a:stretch>
+        </p:blipFill>
+        <p:spPr bwMode="auto">
+          <a:xfrm>
+            <a:off x="3143250" y="3016250"/>
+            <a:ext cx="5905500" cy="3476625"/>
+          </a:xfrm>
+          <a:prstGeom prst="rect">
+            <a:avLst/>
+          </a:prstGeom>
+          <a:noFill/>
+          <a:extLst>
+            <a:ext uri="{909E8E84-426E-40DD-AFC4-6F175D3DCCD1}">
+              <a14:hiddenFill xmlns:a14="http://schemas.microsoft.com/office/drawing/2010/main">
+                <a:solidFill>
+                  <a:srgbClr val="FFFFFF"/>
+                </a:solidFill>
+              </a14:hiddenFill>
+            </a:ext>
+          </a:extLst>
+        </p:spPr>
+      </p:pic>
+    </p:spTree>
+    <p:extLst>
+      <p:ext uri="{BB962C8B-B14F-4D97-AF65-F5344CB8AC3E}">
+        <p14:creationId xmlns:p14="http://schemas.microsoft.com/office/powerpoint/2010/main" val="2853419548"/>
+      </p:ext>
+    </p:extLst>
+  </p:cSld>
+  <p:clrMapOvr>
+    <a:masterClrMapping/>
+  </p:clrMapOvr>
+</p:sld>
+</file>
+
+<file path=ppt/slides/slide5.xml><?xml version="1.0" encoding="utf-8"?>
+<p:sld xmlns:a="http://schemas.openxmlformats.org/drawingml/2006/main" xmlns:r="http://schemas.openxmlformats.org/officeDocument/2006/relationships" xmlns:p="http://schemas.openxmlformats.org/presentationml/2006/main">
+  <p:cSld>
+    <p:spTree>
+      <p:nvGrpSpPr>
+        <p:cNvPr id="1" name=""/>
+        <p:cNvGrpSpPr/>
+        <p:nvPr/>
+      </p:nvGrpSpPr>
+      <p:grpSpPr>
+        <a:xfrm>
+          <a:off x="0" y="0"/>
+          <a:ext cx="0" cy="0"/>
+          <a:chOff x="0" y="0"/>
+          <a:chExt cx="0" cy="0"/>
+        </a:xfrm>
+      </p:grpSpPr>
+      <p:sp>
+        <p:nvSpPr>
+          <p:cNvPr id="2" name="제목 1">
+            <a:extLst>
+              <a:ext uri="{FF2B5EF4-FFF2-40B4-BE49-F238E27FC236}">
                 <a16:creationId xmlns:a16="http://schemas.microsoft.com/office/drawing/2014/main" id="{34A33B02-916D-4F9B-B453-92B3854EFEB0}"/>
               </a:ext>
             </a:extLst>
@@ -11134,7 +12255,7 @@
         <p:spPr>
           <a:xfrm>
             <a:off x="601797" y="4921805"/>
-            <a:ext cx="11068050" cy="646331"/>
+            <a:ext cx="11068050" cy="923330"/>
           </a:xfrm>
           <a:prstGeom prst="rect">
             <a:avLst/>
@@ -11159,10 +12280,13 @@
               <a:rPr lang="ko-KR" altLang="en-US" dirty="0"/>
               <a:t> </a:t>
             </a:r>
-            <a:r>
-              <a:rPr lang="en-US" altLang="ko-KR" dirty="0"/>
-              <a:t>: </a:t>
-            </a:r>
+            <a:endParaRPr lang="en-US" altLang="ko-KR" dirty="0"/>
+          </a:p>
+          <a:p>
+            <a:pPr marL="742950" lvl="1" indent="-285750">
+              <a:buFont typeface="Wingdings" panose="05000000000000000000" pitchFamily="2" charset="2"/>
+              <a:buChar char="§"/>
+            </a:pPr>
             <a:r>
               <a:rPr lang="ko-KR" altLang="en-US" dirty="0"/>
               <a:t>유튜브처럼 장면마다의 감상을 남기고 내용에 대한 활발한 의견을 나눌 수 있다</a:t>
@@ -11173,10 +12297,10 @@
             </a:r>
           </a:p>
           <a:p>
-            <a:r>
-              <a:rPr lang="en-US" altLang="ko-KR" dirty="0"/>
-              <a:t>			</a:t>
-            </a:r>
+            <a:pPr marL="742950" lvl="1" indent="-285750">
+              <a:buFont typeface="Wingdings" panose="05000000000000000000" pitchFamily="2" charset="2"/>
+              <a:buChar char="§"/>
+            </a:pPr>
             <a:r>
               <a:rPr lang="ko-KR" altLang="en-US" dirty="0"/>
               <a:t>혼자 하는 독서가 아닌 같이 하는 독서에 중점을 둔 어플</a:t>
@@ -11467,7 +12591,7 @@
 </p:sld>
 </file>
 
-<file path=ppt/slides/slide5.xml><?xml version="1.0" encoding="utf-8"?>
+<file path=ppt/slides/slide6.xml><?xml version="1.0" encoding="utf-8"?>
 <p:sld xmlns:a="http://schemas.openxmlformats.org/drawingml/2006/main" xmlns:r="http://schemas.openxmlformats.org/officeDocument/2006/relationships" xmlns:p="http://schemas.openxmlformats.org/presentationml/2006/main">
   <p:cSld>
     <p:spTree>
@@ -12282,348 +13406,232 @@
           </a:p>
         </p:txBody>
       </p:sp>
-    </p:spTree>
-    <p:extLst>
-      <p:ext uri="{BB962C8B-B14F-4D97-AF65-F5344CB8AC3E}">
-        <p14:creationId xmlns:p14="http://schemas.microsoft.com/office/powerpoint/2010/main" val="3196175685"/>
-      </p:ext>
-    </p:extLst>
-  </p:cSld>
-  <p:clrMapOvr>
-    <a:masterClrMapping/>
-  </p:clrMapOvr>
-</p:sld>
-</file>
-
-<file path=ppt/slides/slide6.xml><?xml version="1.0" encoding="utf-8"?>
-<p:sld xmlns:a="http://schemas.openxmlformats.org/drawingml/2006/main" xmlns:r="http://schemas.openxmlformats.org/officeDocument/2006/relationships" xmlns:p="http://schemas.openxmlformats.org/presentationml/2006/main">
-  <p:cSld>
-    <p:spTree>
-      <p:nvGrpSpPr>
-        <p:cNvPr id="1" name=""/>
-        <p:cNvGrpSpPr/>
-        <p:nvPr/>
-      </p:nvGrpSpPr>
-      <p:grpSpPr>
-        <a:xfrm>
-          <a:off x="0" y="0"/>
-          <a:ext cx="0" cy="0"/>
-          <a:chOff x="0" y="0"/>
-          <a:chExt cx="0" cy="0"/>
-        </a:xfrm>
-      </p:grpSpPr>
-      <p:pic>
-        <p:nvPicPr>
-          <p:cNvPr id="8" name="그림 7">
-            <a:extLst>
-              <a:ext uri="{FF2B5EF4-FFF2-40B4-BE49-F238E27FC236}">
-                <a16:creationId xmlns:a16="http://schemas.microsoft.com/office/drawing/2014/main" id="{01F15B44-C81D-489F-AA84-8A534D11BA81}"/>
-              </a:ext>
-            </a:extLst>
-          </p:cNvPr>
-          <p:cNvPicPr>
-            <a:picLocks noChangeAspect="1"/>
-          </p:cNvPicPr>
+      <p:grpSp>
+        <p:nvGrpSpPr>
+          <p:cNvPr id="2" name="그룹 1">
+            <a:extLst>
+              <a:ext uri="{FF2B5EF4-FFF2-40B4-BE49-F238E27FC236}">
+                <a16:creationId xmlns:a16="http://schemas.microsoft.com/office/drawing/2014/main" id="{7CDFCBC1-83BC-48DD-9B4D-8C291FEF3ADC}"/>
+              </a:ext>
+            </a:extLst>
+          </p:cNvPr>
+          <p:cNvGrpSpPr/>
           <p:nvPr/>
-        </p:nvPicPr>
-        <p:blipFill>
-          <a:blip r:embed="rId2">
-            <a:extLst>
-              <a:ext uri="{28A0092B-C50C-407E-A947-70E740481C1C}">
-                <a14:useLocalDpi xmlns:a14="http://schemas.microsoft.com/office/drawing/2010/main" val="0"/>
-              </a:ext>
-            </a:extLst>
-          </a:blip>
-          <a:stretch>
-            <a:fillRect/>
-          </a:stretch>
-        </p:blipFill>
-        <p:spPr>
+        </p:nvGrpSpPr>
+        <p:grpSpPr>
           <a:xfrm>
-            <a:off x="979862" y="1546301"/>
-            <a:ext cx="2781178" cy="4946573"/>
+            <a:off x="5348474" y="1935396"/>
+            <a:ext cx="765031" cy="216711"/>
+            <a:chOff x="1584128" y="2924128"/>
+            <a:chExt cx="1541295" cy="436604"/>
           </a:xfrm>
-          <a:prstGeom prst="rect">
-            <a:avLst/>
-          </a:prstGeom>
-        </p:spPr>
-      </p:pic>
+        </p:grpSpPr>
+        <p:pic>
+          <p:nvPicPr>
+            <p:cNvPr id="24" name="그래픽 23" descr="엄지척 기호">
+              <a:extLst>
+                <a:ext uri="{FF2B5EF4-FFF2-40B4-BE49-F238E27FC236}">
+                  <a16:creationId xmlns:a16="http://schemas.microsoft.com/office/drawing/2014/main" id="{0EC3907A-E791-4126-B422-DD5852D52EF5}"/>
+                </a:ext>
+              </a:extLst>
+            </p:cNvPr>
+            <p:cNvPicPr>
+              <a:picLocks noChangeAspect="1"/>
+            </p:cNvPicPr>
+            <p:nvPr/>
+          </p:nvPicPr>
+          <p:blipFill>
+            <a:blip r:embed="rId15">
+              <a:extLst>
+                <a:ext uri="{28A0092B-C50C-407E-A947-70E740481C1C}">
+                  <a14:useLocalDpi xmlns:a14="http://schemas.microsoft.com/office/drawing/2010/main" val="0"/>
+                </a:ext>
+                <a:ext uri="{96DAC541-7B7A-43D3-8B79-37D633B846F1}">
+                  <asvg:svgBlip xmlns:asvg="http://schemas.microsoft.com/office/drawing/2016/SVG/main" r:embed="rId16"/>
+                </a:ext>
+              </a:extLst>
+            </a:blip>
+            <a:stretch>
+              <a:fillRect/>
+            </a:stretch>
+          </p:blipFill>
+          <p:spPr>
+            <a:xfrm>
+              <a:off x="1584128" y="2924129"/>
+              <a:ext cx="328355" cy="328355"/>
+            </a:xfrm>
+            <a:prstGeom prst="rect">
+              <a:avLst/>
+            </a:prstGeom>
+          </p:spPr>
+        </p:pic>
+        <p:pic>
+          <p:nvPicPr>
+            <p:cNvPr id="26" name="그래픽 25" descr="엄지척 기호">
+              <a:extLst>
+                <a:ext uri="{FF2B5EF4-FFF2-40B4-BE49-F238E27FC236}">
+                  <a16:creationId xmlns:a16="http://schemas.microsoft.com/office/drawing/2014/main" id="{596B7AB6-B858-4B70-8397-7B32C3159DEA}"/>
+                </a:ext>
+              </a:extLst>
+            </p:cNvPr>
+            <p:cNvPicPr>
+              <a:picLocks noChangeAspect="1"/>
+            </p:cNvPicPr>
+            <p:nvPr/>
+          </p:nvPicPr>
+          <p:blipFill>
+            <a:blip r:embed="rId17">
+              <a:extLst>
+                <a:ext uri="{28A0092B-C50C-407E-A947-70E740481C1C}">
+                  <a14:useLocalDpi xmlns:a14="http://schemas.microsoft.com/office/drawing/2010/main" val="0"/>
+                </a:ext>
+                <a:ext uri="{96DAC541-7B7A-43D3-8B79-37D633B846F1}">
+                  <asvg:svgBlip xmlns:asvg="http://schemas.microsoft.com/office/drawing/2016/SVG/main" r:embed="rId18"/>
+                </a:ext>
+              </a:extLst>
+            </a:blip>
+            <a:stretch>
+              <a:fillRect/>
+            </a:stretch>
+          </p:blipFill>
+          <p:spPr>
+            <a:xfrm flipV="1">
+              <a:off x="2406332" y="2924128"/>
+              <a:ext cx="328355" cy="328355"/>
+            </a:xfrm>
+            <a:prstGeom prst="rect">
+              <a:avLst/>
+            </a:prstGeom>
+          </p:spPr>
+        </p:pic>
+        <p:sp>
+          <p:nvSpPr>
+            <p:cNvPr id="28" name="TextBox 27">
+              <a:extLst>
+                <a:ext uri="{FF2B5EF4-FFF2-40B4-BE49-F238E27FC236}">
+                  <a16:creationId xmlns:a16="http://schemas.microsoft.com/office/drawing/2014/main" id="{755DAB3B-3730-41E2-BCDD-67256619E239}"/>
+                </a:ext>
+              </a:extLst>
+            </p:cNvPr>
+            <p:cNvSpPr txBox="1"/>
+            <p:nvPr/>
+          </p:nvSpPr>
+          <p:spPr>
+            <a:xfrm>
+              <a:off x="1912483" y="2926681"/>
+              <a:ext cx="390736" cy="434051"/>
+            </a:xfrm>
+            <a:prstGeom prst="rect">
+              <a:avLst/>
+            </a:prstGeom>
+            <a:noFill/>
+          </p:spPr>
+          <p:txBody>
+            <a:bodyPr wrap="square" rtlCol="0">
+              <a:spAutoFit/>
+            </a:bodyPr>
+            <a:lstStyle/>
+            <a:p>
+              <a:r>
+                <a:rPr lang="en-US" altLang="ko-KR" sz="800" dirty="0"/>
+                <a:t>8</a:t>
+              </a:r>
+              <a:endParaRPr lang="ko-KR" altLang="en-US" sz="800" dirty="0"/>
+            </a:p>
+          </p:txBody>
+        </p:sp>
+        <p:sp>
+          <p:nvSpPr>
+            <p:cNvPr id="30" name="TextBox 29">
+              <a:extLst>
+                <a:ext uri="{FF2B5EF4-FFF2-40B4-BE49-F238E27FC236}">
+                  <a16:creationId xmlns:a16="http://schemas.microsoft.com/office/drawing/2014/main" id="{3927BF14-FDA1-4FD8-B52E-08A04DBB8DE5}"/>
+                </a:ext>
+              </a:extLst>
+            </p:cNvPr>
+            <p:cNvSpPr txBox="1"/>
+            <p:nvPr/>
+          </p:nvSpPr>
+          <p:spPr>
+            <a:xfrm>
+              <a:off x="2734687" y="2926681"/>
+              <a:ext cx="390736" cy="434051"/>
+            </a:xfrm>
+            <a:prstGeom prst="rect">
+              <a:avLst/>
+            </a:prstGeom>
+            <a:noFill/>
+          </p:spPr>
+          <p:txBody>
+            <a:bodyPr wrap="square" rtlCol="0">
+              <a:spAutoFit/>
+            </a:bodyPr>
+            <a:lstStyle/>
+            <a:p>
+              <a:r>
+                <a:rPr lang="en-US" altLang="ko-KR" sz="800" dirty="0"/>
+                <a:t>2</a:t>
+              </a:r>
+              <a:endParaRPr lang="ko-KR" altLang="en-US" sz="800" dirty="0"/>
+            </a:p>
+          </p:txBody>
+        </p:sp>
+      </p:grpSp>
       <p:sp>
         <p:nvSpPr>
-          <p:cNvPr id="2" name="제목 1">
-            <a:extLst>
-              <a:ext uri="{FF2B5EF4-FFF2-40B4-BE49-F238E27FC236}">
-                <a16:creationId xmlns:a16="http://schemas.microsoft.com/office/drawing/2014/main" id="{F6B71058-F764-4412-A574-A2FF767D45D1}"/>
-              </a:ext>
-            </a:extLst>
-          </p:cNvPr>
-          <p:cNvSpPr>
-            <a:spLocks noGrp="1"/>
-          </p:cNvSpPr>
-          <p:nvPr>
-            <p:ph type="title"/>
-          </p:nvPr>
-        </p:nvSpPr>
-        <p:spPr/>
-        <p:txBody>
-          <a:bodyPr/>
-          <a:lstStyle/>
-          <a:p>
-            <a:r>
-              <a:rPr lang="en-US" altLang="ko-KR" dirty="0"/>
-              <a:t>1. </a:t>
-            </a:r>
-            <a:r>
-              <a:rPr lang="ko-KR" altLang="en-US" dirty="0" err="1"/>
-              <a:t>로그인화면</a:t>
-            </a:r>
-            <a:endParaRPr lang="ko-KR" altLang="en-US" dirty="0"/>
-          </a:p>
-        </p:txBody>
-      </p:sp>
-      <p:sp>
-        <p:nvSpPr>
-          <p:cNvPr id="4" name="TextBox 3">
-            <a:extLst>
-              <a:ext uri="{FF2B5EF4-FFF2-40B4-BE49-F238E27FC236}">
-                <a16:creationId xmlns:a16="http://schemas.microsoft.com/office/drawing/2014/main" id="{C051F320-FE13-4BF3-B464-F2347EB54B16}"/>
-              </a:ext>
-            </a:extLst>
-          </p:cNvPr>
-          <p:cNvSpPr txBox="1"/>
+          <p:cNvPr id="32" name="타원 31">
+            <a:extLst>
+              <a:ext uri="{FF2B5EF4-FFF2-40B4-BE49-F238E27FC236}">
+                <a16:creationId xmlns:a16="http://schemas.microsoft.com/office/drawing/2014/main" id="{A1A391C4-14B4-4161-B811-4B0C8CB8175E}"/>
+              </a:ext>
+            </a:extLst>
+          </p:cNvPr>
+          <p:cNvSpPr/>
           <p:nvPr/>
         </p:nvSpPr>
         <p:spPr>
           <a:xfrm>
-            <a:off x="5217952" y="1690688"/>
-            <a:ext cx="6467912" cy="3240695"/>
+            <a:off x="8056184" y="2602248"/>
+            <a:ext cx="208063" cy="208063"/>
           </a:xfrm>
-          <a:prstGeom prst="rect">
+          <a:prstGeom prst="ellipse">
             <a:avLst/>
           </a:prstGeom>
           <a:noFill/>
+          <a:ln>
+            <a:solidFill>
+              <a:schemeClr val="accent6"/>
+            </a:solidFill>
+          </a:ln>
         </p:spPr>
+        <p:style>
+          <a:lnRef idx="2">
+            <a:schemeClr val="accent1">
+              <a:shade val="50000"/>
+            </a:schemeClr>
+          </a:lnRef>
+          <a:fillRef idx="1">
+            <a:schemeClr val="accent1"/>
+          </a:fillRef>
+          <a:effectRef idx="0">
+            <a:schemeClr val="accent1"/>
+          </a:effectRef>
+          <a:fontRef idx="minor">
+            <a:schemeClr val="lt1"/>
+          </a:fontRef>
+        </p:style>
         <p:txBody>
-          <a:bodyPr wrap="square" rtlCol="0">
-            <a:spAutoFit/>
-          </a:bodyPr>
+          <a:bodyPr rtlCol="0" anchor="ctr"/>
           <a:lstStyle/>
           <a:p>
-            <a:r>
-              <a:rPr lang="ko-KR" altLang="en-US" sz="2800" dirty="0"/>
-              <a:t>기능 </a:t>
-            </a:r>
-            <a:r>
-              <a:rPr lang="en-US" altLang="ko-KR" sz="2800" dirty="0"/>
-              <a:t>: </a:t>
-            </a:r>
-            <a:r>
-              <a:rPr lang="ko-KR" altLang="en-US" sz="2800" dirty="0"/>
-              <a:t>맨 처음 앱을 실행시키면 뜨는 로그인 창</a:t>
-            </a:r>
-            <a:endParaRPr lang="en-US" altLang="ko-KR" sz="2800" dirty="0"/>
-          </a:p>
-          <a:p>
-            <a:endParaRPr lang="en-US" altLang="ko-KR" sz="2800" dirty="0"/>
-          </a:p>
-          <a:p>
-            <a:pPr>
-              <a:lnSpc>
-                <a:spcPct val="150000"/>
-              </a:lnSpc>
-            </a:pPr>
-            <a:r>
-              <a:rPr lang="ko-KR" altLang="en-US" sz="2800" spc="-150" dirty="0"/>
-              <a:t>① </a:t>
-            </a:r>
-            <a:r>
-              <a:rPr lang="en-US" altLang="ko-KR" sz="2800" spc="-150" dirty="0"/>
-              <a:t>:</a:t>
-            </a:r>
-            <a:r>
-              <a:rPr lang="ko-KR" altLang="en-US" sz="2800" spc="-150" dirty="0"/>
-              <a:t> 로그인 </a:t>
-            </a:r>
-            <a:r>
-              <a:rPr lang="ko-KR" altLang="en-US" sz="2800" spc="-150" dirty="0" err="1"/>
-              <a:t>성공시</a:t>
-            </a:r>
-            <a:r>
-              <a:rPr lang="ko-KR" altLang="en-US" sz="2800" spc="-150" dirty="0"/>
-              <a:t> </a:t>
-            </a:r>
-            <a:r>
-              <a:rPr lang="ko-KR" altLang="en-US" sz="2800" spc="-150" dirty="0" err="1"/>
-              <a:t>메인화면으로</a:t>
-            </a:r>
-            <a:r>
-              <a:rPr lang="ko-KR" altLang="en-US" sz="2800" spc="-150" dirty="0"/>
-              <a:t> 이동</a:t>
-            </a:r>
-            <a:endParaRPr lang="en-US" altLang="ko-KR" sz="2800" spc="-150" dirty="0"/>
-          </a:p>
-          <a:p>
-            <a:pPr>
-              <a:lnSpc>
-                <a:spcPct val="150000"/>
-              </a:lnSpc>
-            </a:pPr>
-            <a:r>
-              <a:rPr lang="ko-KR" altLang="en-US" sz="2800" spc="-150" dirty="0"/>
-              <a:t>② </a:t>
-            </a:r>
-            <a:r>
-              <a:rPr lang="en-US" altLang="ko-KR" sz="2800" spc="-150" dirty="0"/>
-              <a:t>: </a:t>
-            </a:r>
-            <a:r>
-              <a:rPr lang="ko-KR" altLang="en-US" sz="2800" spc="-150" dirty="0"/>
-              <a:t>아이디</a:t>
-            </a:r>
-            <a:r>
-              <a:rPr lang="en-US" altLang="ko-KR" sz="2800" spc="-150" dirty="0"/>
-              <a:t>/</a:t>
-            </a:r>
-            <a:r>
-              <a:rPr lang="ko-KR" altLang="en-US" sz="2800" spc="-150" dirty="0"/>
-              <a:t>비밀번호 찾는 기능 제공</a:t>
-            </a:r>
-            <a:endParaRPr lang="en-US" altLang="ko-KR" sz="2800" spc="-150" dirty="0"/>
-          </a:p>
-          <a:p>
-            <a:pPr>
-              <a:lnSpc>
-                <a:spcPct val="150000"/>
-              </a:lnSpc>
-            </a:pPr>
-            <a:r>
-              <a:rPr lang="ko-KR" altLang="en-US" sz="2800" spc="-150" dirty="0"/>
-              <a:t>③ </a:t>
-            </a:r>
-            <a:r>
-              <a:rPr lang="en-US" altLang="ko-KR" sz="2800" spc="-150" dirty="0"/>
-              <a:t>: </a:t>
-            </a:r>
-            <a:r>
-              <a:rPr lang="ko-KR" altLang="en-US" sz="2800" spc="-150" dirty="0"/>
-              <a:t>회원가입 기능 제공</a:t>
-            </a:r>
-          </a:p>
-        </p:txBody>
-      </p:sp>
-      <p:sp>
-        <p:nvSpPr>
-          <p:cNvPr id="5" name="TextBox 4">
-            <a:extLst>
-              <a:ext uri="{FF2B5EF4-FFF2-40B4-BE49-F238E27FC236}">
-                <a16:creationId xmlns:a16="http://schemas.microsoft.com/office/drawing/2014/main" id="{9D99F421-D9D5-4A7E-870C-2720F95A7F5F}"/>
-              </a:ext>
-            </a:extLst>
-          </p:cNvPr>
-          <p:cNvSpPr txBox="1"/>
-          <p:nvPr/>
-        </p:nvSpPr>
-        <p:spPr>
-          <a:xfrm>
-            <a:off x="2920098" y="4259613"/>
-            <a:ext cx="503340" cy="377504"/>
-          </a:xfrm>
-          <a:prstGeom prst="rect">
-            <a:avLst/>
-          </a:prstGeom>
-          <a:noFill/>
-        </p:spPr>
-        <p:txBody>
-          <a:bodyPr wrap="square" rtlCol="0">
-            <a:spAutoFit/>
-          </a:bodyPr>
-          <a:lstStyle/>
-          <a:p>
-            <a:r>
-              <a:rPr lang="ko-KR" altLang="en-US" dirty="0">
-                <a:highlight>
-                  <a:srgbClr val="FFFF00"/>
-                </a:highlight>
+            <a:pPr algn="ctr"/>
+            <a:r>
+              <a:rPr lang="ko-KR" altLang="en-US" sz="500" dirty="0">
+                <a:solidFill>
+                  <a:schemeClr val="tx1"/>
+                </a:solidFill>
               </a:rPr>
-              <a:t>①</a:t>
-            </a:r>
-          </a:p>
-        </p:txBody>
-      </p:sp>
-      <p:sp>
-        <p:nvSpPr>
-          <p:cNvPr id="6" name="TextBox 5">
-            <a:extLst>
-              <a:ext uri="{FF2B5EF4-FFF2-40B4-BE49-F238E27FC236}">
-                <a16:creationId xmlns:a16="http://schemas.microsoft.com/office/drawing/2014/main" id="{0D341BA6-A03E-42C5-ACA1-23F15301CFA9}"/>
-              </a:ext>
-            </a:extLst>
-          </p:cNvPr>
-          <p:cNvSpPr txBox="1"/>
-          <p:nvPr/>
-        </p:nvSpPr>
-        <p:spPr>
-          <a:xfrm>
-            <a:off x="3065035" y="4768987"/>
-            <a:ext cx="503340" cy="377504"/>
-          </a:xfrm>
-          <a:prstGeom prst="rect">
-            <a:avLst/>
-          </a:prstGeom>
-          <a:noFill/>
-        </p:spPr>
-        <p:txBody>
-          <a:bodyPr wrap="square" rtlCol="0">
-            <a:spAutoFit/>
-          </a:bodyPr>
-          <a:lstStyle/>
-          <a:p>
-            <a:r>
-              <a:rPr lang="ko-KR" altLang="en-US" dirty="0">
-                <a:highlight>
-                  <a:srgbClr val="FFFF00"/>
-                </a:highlight>
-              </a:rPr>
-              <a:t>②</a:t>
-            </a:r>
-          </a:p>
-        </p:txBody>
-      </p:sp>
-      <p:sp>
-        <p:nvSpPr>
-          <p:cNvPr id="11" name="TextBox 10">
-            <a:extLst>
-              <a:ext uri="{FF2B5EF4-FFF2-40B4-BE49-F238E27FC236}">
-                <a16:creationId xmlns:a16="http://schemas.microsoft.com/office/drawing/2014/main" id="{9A7987F8-FC0A-4950-8DC9-0ECB5101713A}"/>
-              </a:ext>
-            </a:extLst>
-          </p:cNvPr>
-          <p:cNvSpPr txBox="1"/>
-          <p:nvPr/>
-        </p:nvSpPr>
-        <p:spPr>
-          <a:xfrm>
-            <a:off x="2620700" y="5066151"/>
-            <a:ext cx="503340" cy="377504"/>
-          </a:xfrm>
-          <a:prstGeom prst="rect">
-            <a:avLst/>
-          </a:prstGeom>
-          <a:noFill/>
-        </p:spPr>
-        <p:txBody>
-          <a:bodyPr wrap="square" rtlCol="0">
-            <a:spAutoFit/>
-          </a:bodyPr>
-          <a:lstStyle/>
-          <a:p>
-            <a:r>
-              <a:rPr lang="ko-KR" altLang="en-US" dirty="0">
-                <a:highlight>
-                  <a:srgbClr val="FFFF00"/>
-                </a:highlight>
-              </a:rPr>
-              <a:t>③</a:t>
+              <a:t>번역</a:t>
             </a:r>
           </a:p>
         </p:txBody>
@@ -12631,7 +13639,7 @@
     </p:spTree>
     <p:extLst>
       <p:ext uri="{BB962C8B-B14F-4D97-AF65-F5344CB8AC3E}">
-        <p14:creationId xmlns:p14="http://schemas.microsoft.com/office/powerpoint/2010/main" val="4266104640"/>
+        <p14:creationId xmlns:p14="http://schemas.microsoft.com/office/powerpoint/2010/main" val="3196175685"/>
       </p:ext>
     </p:extLst>
   </p:cSld>
@@ -12660,10 +13668,10 @@
       </p:grpSpPr>
       <p:pic>
         <p:nvPicPr>
-          <p:cNvPr id="9" name="그림 8">
-            <a:extLst>
-              <a:ext uri="{FF2B5EF4-FFF2-40B4-BE49-F238E27FC236}">
-                <a16:creationId xmlns:a16="http://schemas.microsoft.com/office/drawing/2014/main" id="{1F435FE1-C5EA-4F42-8FFA-95331CC9BC82}"/>
+          <p:cNvPr id="8" name="그림 7">
+            <a:extLst>
+              <a:ext uri="{FF2B5EF4-FFF2-40B4-BE49-F238E27FC236}">
+                <a16:creationId xmlns:a16="http://schemas.microsoft.com/office/drawing/2014/main" id="{01F15B44-C81D-489F-AA84-8A534D11BA81}"/>
               </a:ext>
             </a:extLst>
           </p:cNvPr>
@@ -12686,8 +13694,8 @@
         </p:blipFill>
         <p:spPr>
           <a:xfrm>
-            <a:off x="979861" y="1546302"/>
-            <a:ext cx="2781179" cy="4946573"/>
+            <a:off x="979862" y="1546301"/>
+            <a:ext cx="2781178" cy="4946573"/>
           </a:xfrm>
           <a:prstGeom prst="rect">
             <a:avLst/>
@@ -12717,11 +13725,11 @@
           <a:p>
             <a:r>
               <a:rPr lang="en-US" altLang="ko-KR" dirty="0"/>
-              <a:t>2. </a:t>
+              <a:t>1. </a:t>
             </a:r>
             <a:r>
               <a:rPr lang="ko-KR" altLang="en-US" dirty="0" err="1"/>
-              <a:t>메인화면</a:t>
+              <a:t>로그인화면</a:t>
             </a:r>
             <a:endParaRPr lang="ko-KR" altLang="en-US" dirty="0"/>
           </a:p>
@@ -12742,7 +13750,7 @@
         <p:spPr>
           <a:xfrm>
             <a:off x="5217952" y="1690688"/>
-            <a:ext cx="6467912" cy="3344955"/>
+            <a:ext cx="6467912" cy="3240695"/>
           </a:xfrm>
           <a:prstGeom prst="rect">
             <a:avLst/>
@@ -12756,37 +13764,21 @@
           <a:lstStyle/>
           <a:p>
             <a:r>
-              <a:rPr lang="ko-KR" altLang="en-US" sz="2400" dirty="0"/>
+              <a:rPr lang="ko-KR" altLang="en-US" sz="2800" dirty="0"/>
               <a:t>기능 </a:t>
             </a:r>
             <a:r>
-              <a:rPr lang="en-US" altLang="ko-KR" sz="2400" dirty="0"/>
+              <a:rPr lang="en-US" altLang="ko-KR" sz="2800" dirty="0"/>
               <a:t>: </a:t>
             </a:r>
             <a:r>
-              <a:rPr lang="ko-KR" altLang="en-US" sz="2400" dirty="0"/>
-              <a:t>로그인을 한 상태에서 가장 먼저 </a:t>
-            </a:r>
-            <a:r>
-              <a:rPr lang="ko-KR" altLang="en-US" sz="2400" dirty="0" err="1"/>
-              <a:t>보게되는</a:t>
-            </a:r>
-            <a:r>
-              <a:rPr lang="ko-KR" altLang="en-US" sz="2400" dirty="0"/>
-              <a:t> 화면</a:t>
-            </a:r>
-            <a:r>
-              <a:rPr lang="en-US" altLang="ko-KR" sz="2400" dirty="0"/>
-              <a:t>, </a:t>
-            </a:r>
-            <a:r>
-              <a:rPr lang="ko-KR" altLang="en-US" sz="2400" dirty="0"/>
-              <a:t>책 목록 확인 가능</a:t>
-            </a:r>
-            <a:endParaRPr lang="en-US" altLang="ko-KR" sz="2400" dirty="0"/>
-          </a:p>
-          <a:p>
-            <a:endParaRPr lang="en-US" altLang="ko-KR" sz="2400" dirty="0"/>
+              <a:rPr lang="ko-KR" altLang="en-US" sz="2800" dirty="0"/>
+              <a:t>맨 처음 앱을 실행시키면 뜨는 로그인 창</a:t>
+            </a:r>
+            <a:endParaRPr lang="en-US" altLang="ko-KR" sz="2800" dirty="0"/>
+          </a:p>
+          <a:p>
+            <a:endParaRPr lang="en-US" altLang="ko-KR" sz="2800" dirty="0"/>
           </a:p>
           <a:p>
             <a:pPr>
@@ -12795,18 +13787,34 @@
               </a:lnSpc>
             </a:pPr>
             <a:r>
-              <a:rPr lang="ko-KR" altLang="en-US" sz="2400" spc="-300" dirty="0"/>
+              <a:rPr lang="ko-KR" altLang="en-US" sz="2800" spc="-150" dirty="0"/>
               <a:t>① </a:t>
             </a:r>
             <a:r>
-              <a:rPr lang="en-US" altLang="ko-KR" sz="2400" spc="-300" dirty="0"/>
+              <a:rPr lang="en-US" altLang="ko-KR" sz="2800" spc="-150" dirty="0"/>
               <a:t>:</a:t>
             </a:r>
             <a:r>
-              <a:rPr lang="ko-KR" altLang="en-US" sz="2400" spc="-300" dirty="0"/>
-              <a:t> 마이페이지 화면으로 이동</a:t>
-            </a:r>
-            <a:endParaRPr lang="en-US" altLang="ko-KR" sz="2400" spc="-300" dirty="0"/>
+              <a:rPr lang="ko-KR" altLang="en-US" sz="2800" spc="-150" dirty="0"/>
+              <a:t> 로그인 </a:t>
+            </a:r>
+            <a:r>
+              <a:rPr lang="ko-KR" altLang="en-US" sz="2800" spc="-150" dirty="0" err="1"/>
+              <a:t>성공시</a:t>
+            </a:r>
+            <a:r>
+              <a:rPr lang="ko-KR" altLang="en-US" sz="2800" spc="-150" dirty="0"/>
+              <a:t> </a:t>
+            </a:r>
+            <a:r>
+              <a:rPr lang="ko-KR" altLang="en-US" sz="2800" spc="-150" dirty="0" err="1"/>
+              <a:t>메인화면으로</a:t>
+            </a:r>
+            <a:r>
+              <a:rPr lang="ko-KR" altLang="en-US" sz="2800" spc="-150" dirty="0"/>
+              <a:t> 이동</a:t>
+            </a:r>
+            <a:endParaRPr lang="en-US" altLang="ko-KR" sz="2800" spc="-150" dirty="0"/>
           </a:p>
           <a:p>
             <a:pPr>
@@ -12815,18 +13823,26 @@
               </a:lnSpc>
             </a:pPr>
             <a:r>
-              <a:rPr lang="ko-KR" altLang="en-US" sz="2400" spc="-300" dirty="0"/>
+              <a:rPr lang="ko-KR" altLang="en-US" sz="2800" spc="-150" dirty="0"/>
               <a:t>② </a:t>
             </a:r>
             <a:r>
-              <a:rPr lang="en-US" altLang="ko-KR" sz="2400" spc="-300" dirty="0"/>
-              <a:t>:</a:t>
-            </a:r>
-            <a:r>
-              <a:rPr lang="ko-KR" altLang="en-US" sz="2400" spc="-300" dirty="0"/>
-              <a:t> 유저가 디바이스에 다운받은 책 목록 출력</a:t>
-            </a:r>
-            <a:endParaRPr lang="en-US" altLang="ko-KR" sz="2400" spc="-300" dirty="0"/>
+              <a:rPr lang="en-US" altLang="ko-KR" sz="2800" spc="-150" dirty="0"/>
+              <a:t>: </a:t>
+            </a:r>
+            <a:r>
+              <a:rPr lang="ko-KR" altLang="en-US" sz="2800" spc="-150" dirty="0"/>
+              <a:t>아이디</a:t>
+            </a:r>
+            <a:r>
+              <a:rPr lang="en-US" altLang="ko-KR" sz="2800" spc="-150" dirty="0"/>
+              <a:t>/</a:t>
+            </a:r>
+            <a:r>
+              <a:rPr lang="ko-KR" altLang="en-US" sz="2800" spc="-150" dirty="0"/>
+              <a:t>비밀번호 찾는 기능 제공</a:t>
+            </a:r>
+            <a:endParaRPr lang="en-US" altLang="ko-KR" sz="2800" spc="-150" dirty="0"/>
           </a:p>
           <a:p>
             <a:pPr>
@@ -12835,36 +13851,16 @@
               </a:lnSpc>
             </a:pPr>
             <a:r>
-              <a:rPr lang="ko-KR" altLang="en-US" sz="2400" spc="-300" dirty="0"/>
+              <a:rPr lang="ko-KR" altLang="en-US" sz="2800" spc="-150" dirty="0"/>
               <a:t>③ </a:t>
             </a:r>
             <a:r>
-              <a:rPr lang="en-US" altLang="ko-KR" sz="2400" spc="-300" dirty="0"/>
-              <a:t>:</a:t>
-            </a:r>
-            <a:r>
-              <a:rPr lang="ko-KR" altLang="en-US" sz="2400" spc="-300" dirty="0"/>
-              <a:t> 서버가 가지고 있는 책 파일 검색 기능</a:t>
-            </a:r>
-            <a:endParaRPr lang="en-US" altLang="ko-KR" sz="2400" spc="-300" dirty="0"/>
-          </a:p>
-          <a:p>
-            <a:pPr>
-              <a:lnSpc>
-                <a:spcPct val="150000"/>
-              </a:lnSpc>
-            </a:pPr>
-            <a:r>
-              <a:rPr lang="ko-KR" altLang="ko-KR" sz="2400" spc="-300" dirty="0"/>
-              <a:t>④</a:t>
-            </a:r>
-            <a:r>
-              <a:rPr lang="en-US" altLang="ko-KR" sz="2400" spc="-300" dirty="0"/>
-              <a:t> : </a:t>
-            </a:r>
-            <a:r>
-              <a:rPr lang="ko-KR" altLang="en-US" sz="2400" spc="-300" dirty="0"/>
-              <a:t>다운받지 않은 책 목록 출력</a:t>
+              <a:rPr lang="en-US" altLang="ko-KR" sz="2800" spc="-150" dirty="0"/>
+              <a:t>: </a:t>
+            </a:r>
+            <a:r>
+              <a:rPr lang="ko-KR" altLang="en-US" sz="2800" spc="-150" dirty="0"/>
+              <a:t>회원가입 기능 제공</a:t>
             </a:r>
           </a:p>
         </p:txBody>
@@ -12883,7 +13879,7 @@
         </p:nvSpPr>
         <p:spPr>
           <a:xfrm>
-            <a:off x="838200" y="1714716"/>
+            <a:off x="2920098" y="4259613"/>
             <a:ext cx="503340" cy="377504"/>
           </a:xfrm>
           <a:prstGeom prst="rect">
@@ -12922,7 +13918,7 @@
         </p:nvSpPr>
         <p:spPr>
           <a:xfrm>
-            <a:off x="2875605" y="3492731"/>
+            <a:off x="3065035" y="4768987"/>
             <a:ext cx="503340" cy="377504"/>
           </a:xfrm>
           <a:prstGeom prst="rect">
@@ -12949,10 +13945,10 @@
       </p:sp>
       <p:sp>
         <p:nvSpPr>
-          <p:cNvPr id="7" name="TextBox 6">
-            <a:extLst>
-              <a:ext uri="{FF2B5EF4-FFF2-40B4-BE49-F238E27FC236}">
-                <a16:creationId xmlns:a16="http://schemas.microsoft.com/office/drawing/2014/main" id="{3DAC5130-3963-4C78-8FF0-4277AB440D8F}"/>
+          <p:cNvPr id="11" name="TextBox 10">
+            <a:extLst>
+              <a:ext uri="{FF2B5EF4-FFF2-40B4-BE49-F238E27FC236}">
+                <a16:creationId xmlns:a16="http://schemas.microsoft.com/office/drawing/2014/main" id="{9A7987F8-FC0A-4950-8DC9-0ECB5101713A}"/>
               </a:ext>
             </a:extLst>
           </p:cNvPr>
@@ -12961,7 +13957,7 @@
         </p:nvSpPr>
         <p:spPr>
           <a:xfrm>
-            <a:off x="3568375" y="1714716"/>
+            <a:off x="2620700" y="5066151"/>
             <a:ext cx="503340" cy="377504"/>
           </a:xfrm>
           <a:prstGeom prst="rect">
@@ -12986,88 +13982,10 @@
           </a:p>
         </p:txBody>
       </p:sp>
-      <p:pic>
-        <p:nvPicPr>
-          <p:cNvPr id="10" name="그래픽 9" descr="사용자">
-            <a:extLst>
-              <a:ext uri="{FF2B5EF4-FFF2-40B4-BE49-F238E27FC236}">
-                <a16:creationId xmlns:a16="http://schemas.microsoft.com/office/drawing/2014/main" id="{26F1F13B-4267-4F5D-972E-506B30AB635F}"/>
-              </a:ext>
-            </a:extLst>
-          </p:cNvPr>
-          <p:cNvPicPr>
-            <a:picLocks noChangeAspect="1"/>
-          </p:cNvPicPr>
-          <p:nvPr/>
-        </p:nvPicPr>
-        <p:blipFill>
-          <a:blip r:embed="rId3">
-            <a:extLst>
-              <a:ext uri="{28A0092B-C50C-407E-A947-70E740481C1C}">
-                <a14:useLocalDpi xmlns:a14="http://schemas.microsoft.com/office/drawing/2010/main" val="0"/>
-              </a:ext>
-              <a:ext uri="{96DAC541-7B7A-43D3-8B79-37D633B846F1}">
-                <asvg:svgBlip xmlns:asvg="http://schemas.microsoft.com/office/drawing/2016/SVG/main" r:embed="rId4"/>
-              </a:ext>
-            </a:extLst>
-          </a:blip>
-          <a:stretch>
-            <a:fillRect/>
-          </a:stretch>
-        </p:blipFill>
-        <p:spPr>
-          <a:xfrm>
-            <a:off x="1129626" y="1690688"/>
-            <a:ext cx="302565" cy="302565"/>
-          </a:xfrm>
-          <a:prstGeom prst="rect">
-            <a:avLst/>
-          </a:prstGeom>
-        </p:spPr>
-      </p:pic>
-      <p:sp>
-        <p:nvSpPr>
-          <p:cNvPr id="11" name="TextBox 10">
-            <a:extLst>
-              <a:ext uri="{FF2B5EF4-FFF2-40B4-BE49-F238E27FC236}">
-                <a16:creationId xmlns:a16="http://schemas.microsoft.com/office/drawing/2014/main" id="{9A7987F8-FC0A-4950-8DC9-0ECB5101713A}"/>
-              </a:ext>
-            </a:extLst>
-          </p:cNvPr>
-          <p:cNvSpPr txBox="1"/>
-          <p:nvPr/>
-        </p:nvSpPr>
-        <p:spPr>
-          <a:xfrm>
-            <a:off x="3171768" y="5614687"/>
-            <a:ext cx="503340" cy="369332"/>
-          </a:xfrm>
-          <a:prstGeom prst="rect">
-            <a:avLst/>
-          </a:prstGeom>
-          <a:noFill/>
-        </p:spPr>
-        <p:txBody>
-          <a:bodyPr wrap="square" rtlCol="0">
-            <a:spAutoFit/>
-          </a:bodyPr>
-          <a:lstStyle/>
-          <a:p>
-            <a:r>
-              <a:rPr lang="ko-KR" altLang="en-US" dirty="0">
-                <a:highlight>
-                  <a:srgbClr val="FFFF00"/>
-                </a:highlight>
-              </a:rPr>
-              <a:t>④</a:t>
-            </a:r>
-          </a:p>
-        </p:txBody>
-      </p:sp>
     </p:spTree>
     <p:extLst>
       <p:ext uri="{BB962C8B-B14F-4D97-AF65-F5344CB8AC3E}">
-        <p14:creationId xmlns:p14="http://schemas.microsoft.com/office/powerpoint/2010/main" val="2598213264"/>
+        <p14:creationId xmlns:p14="http://schemas.microsoft.com/office/powerpoint/2010/main" val="4266104640"/>
       </p:ext>
     </p:extLst>
   </p:cSld>
@@ -13096,10 +14014,10 @@
       </p:grpSpPr>
       <p:pic>
         <p:nvPicPr>
-          <p:cNvPr id="8" name="그림 7">
-            <a:extLst>
-              <a:ext uri="{FF2B5EF4-FFF2-40B4-BE49-F238E27FC236}">
-                <a16:creationId xmlns:a16="http://schemas.microsoft.com/office/drawing/2014/main" id="{D5C29BC0-4B5F-47D3-B0B8-1E4F925239D2}"/>
+          <p:cNvPr id="9" name="그림 8">
+            <a:extLst>
+              <a:ext uri="{FF2B5EF4-FFF2-40B4-BE49-F238E27FC236}">
+                <a16:creationId xmlns:a16="http://schemas.microsoft.com/office/drawing/2014/main" id="{1F435FE1-C5EA-4F42-8FFA-95331CC9BC82}"/>
               </a:ext>
             </a:extLst>
           </p:cNvPr>
@@ -13122,7 +14040,7 @@
         </p:blipFill>
         <p:spPr>
           <a:xfrm>
-            <a:off x="979860" y="1546301"/>
+            <a:off x="979861" y="1546302"/>
             <a:ext cx="2781179" cy="4946573"/>
           </a:xfrm>
           <a:prstGeom prst="rect">
@@ -13153,12 +14071,13 @@
           <a:p>
             <a:r>
               <a:rPr lang="en-US" altLang="ko-KR" dirty="0"/>
-              <a:t>3. </a:t>
-            </a:r>
-            <a:r>
-              <a:rPr lang="ko-KR" altLang="en-US" dirty="0"/>
-              <a:t>마이페이지 화면</a:t>
-            </a:r>
+              <a:t>2. </a:t>
+            </a:r>
+            <a:r>
+              <a:rPr lang="ko-KR" altLang="en-US" dirty="0" err="1"/>
+              <a:t>메인화면</a:t>
+            </a:r>
+            <a:endParaRPr lang="ko-KR" altLang="en-US" dirty="0"/>
           </a:p>
         </p:txBody>
       </p:sp>
@@ -13177,7 +14096,7 @@
         <p:spPr>
           <a:xfrm>
             <a:off x="5217952" y="1690688"/>
-            <a:ext cx="6467912" cy="4083618"/>
+            <a:ext cx="6467912" cy="3344955"/>
           </a:xfrm>
           <a:prstGeom prst="rect">
             <a:avLst/>
@@ -13200,7 +14119,15 @@
             </a:r>
             <a:r>
               <a:rPr lang="ko-KR" altLang="en-US" sz="2400" dirty="0"/>
-              <a:t>유저 정보 수정</a:t>
+              <a:t>로그인을 한 상태에서 가장 먼저 </a:t>
+            </a:r>
+            <a:r>
+              <a:rPr lang="ko-KR" altLang="en-US" sz="2400" dirty="0" err="1"/>
+              <a:t>보게되는</a:t>
+            </a:r>
+            <a:r>
+              <a:rPr lang="ko-KR" altLang="en-US" sz="2400" dirty="0"/>
+              <a:t> 화면</a:t>
             </a:r>
             <a:r>
               <a:rPr lang="en-US" altLang="ko-KR" sz="2400" dirty="0"/>
@@ -13208,7 +14135,7 @@
             </a:r>
             <a:r>
               <a:rPr lang="ko-KR" altLang="en-US" sz="2400" dirty="0"/>
-              <a:t>개인 기록 저장소 제공</a:t>
+              <a:t>책 목록 확인 가능</a:t>
             </a:r>
             <a:endParaRPr lang="en-US" altLang="ko-KR" sz="2400" dirty="0"/>
           </a:p>
@@ -13222,18 +14149,18 @@
               </a:lnSpc>
             </a:pPr>
             <a:r>
-              <a:rPr lang="ko-KR" altLang="en-US" sz="2400" spc="-150" dirty="0"/>
+              <a:rPr lang="ko-KR" altLang="en-US" sz="2400" spc="-300" dirty="0"/>
               <a:t>① </a:t>
             </a:r>
             <a:r>
-              <a:rPr lang="en-US" altLang="ko-KR" sz="2400" spc="-150" dirty="0"/>
+              <a:rPr lang="en-US" altLang="ko-KR" sz="2400" spc="-300" dirty="0"/>
               <a:t>:</a:t>
             </a:r>
             <a:r>
-              <a:rPr lang="ko-KR" altLang="en-US" sz="2400" spc="-150" dirty="0"/>
-              <a:t> 로그인 상태 표시</a:t>
-            </a:r>
-            <a:endParaRPr lang="en-US" altLang="ko-KR" sz="2400" spc="-150" dirty="0"/>
+              <a:rPr lang="ko-KR" altLang="en-US" sz="2400" spc="-300" dirty="0"/>
+              <a:t> 마이페이지 화면으로 이동</a:t>
+            </a:r>
+            <a:endParaRPr lang="en-US" altLang="ko-KR" sz="2400" spc="-300" dirty="0"/>
           </a:p>
           <a:p>
             <a:pPr>
@@ -13242,18 +14169,18 @@
               </a:lnSpc>
             </a:pPr>
             <a:r>
-              <a:rPr lang="ko-KR" altLang="en-US" sz="2400" spc="-150" dirty="0"/>
+              <a:rPr lang="ko-KR" altLang="en-US" sz="2400" spc="-300" dirty="0"/>
               <a:t>② </a:t>
             </a:r>
             <a:r>
-              <a:rPr lang="en-US" altLang="ko-KR" sz="2400" spc="-150" dirty="0"/>
+              <a:rPr lang="en-US" altLang="ko-KR" sz="2400" spc="-300" dirty="0"/>
               <a:t>:</a:t>
             </a:r>
             <a:r>
-              <a:rPr lang="ko-KR" altLang="en-US" sz="2400" spc="-150" dirty="0"/>
-              <a:t> 로그아웃 기능</a:t>
-            </a:r>
-            <a:endParaRPr lang="en-US" altLang="ko-KR" sz="2400" spc="-150" dirty="0"/>
+              <a:rPr lang="ko-KR" altLang="en-US" sz="2400" spc="-300" dirty="0"/>
+              <a:t> 유저가 디바이스에 다운받은 책 목록 출력</a:t>
+            </a:r>
+            <a:endParaRPr lang="en-US" altLang="ko-KR" sz="2400" spc="-300" dirty="0"/>
           </a:p>
           <a:p>
             <a:pPr>
@@ -13262,18 +14189,18 @@
               </a:lnSpc>
             </a:pPr>
             <a:r>
-              <a:rPr lang="ko-KR" altLang="en-US" sz="2400" spc="-150" dirty="0"/>
+              <a:rPr lang="ko-KR" altLang="en-US" sz="2400" spc="-300" dirty="0"/>
               <a:t>③ </a:t>
             </a:r>
             <a:r>
-              <a:rPr lang="en-US" altLang="ko-KR" sz="2400" spc="-150" dirty="0"/>
+              <a:rPr lang="en-US" altLang="ko-KR" sz="2400" spc="-300" dirty="0"/>
               <a:t>:</a:t>
             </a:r>
             <a:r>
-              <a:rPr lang="ko-KR" altLang="en-US" sz="2400" spc="-150" dirty="0"/>
-              <a:t> 비밀번호 변경 기능</a:t>
-            </a:r>
-            <a:endParaRPr lang="en-US" altLang="ko-KR" sz="2400" spc="-150" dirty="0"/>
+              <a:rPr lang="ko-KR" altLang="en-US" sz="2400" spc="-300" dirty="0"/>
+              <a:t> 서버가 가지고 있는 책 파일 검색 기능</a:t>
+            </a:r>
+            <a:endParaRPr lang="en-US" altLang="ko-KR" sz="2400" spc="-300" dirty="0"/>
           </a:p>
           <a:p>
             <a:pPr>
@@ -13282,60 +14209,16 @@
               </a:lnSpc>
             </a:pPr>
             <a:r>
-              <a:rPr lang="ko-KR" altLang="ko-KR" sz="2400" spc="-150" dirty="0"/>
+              <a:rPr lang="ko-KR" altLang="ko-KR" sz="2400" spc="-300" dirty="0"/>
               <a:t>④</a:t>
             </a:r>
             <a:r>
-              <a:rPr lang="en-US" altLang="ko-KR" sz="2400" spc="-150" dirty="0"/>
+              <a:rPr lang="en-US" altLang="ko-KR" sz="2400" spc="-300" dirty="0"/>
               <a:t> : </a:t>
             </a:r>
             <a:r>
-              <a:rPr lang="ko-KR" altLang="en-US" sz="2400" spc="-150" dirty="0"/>
-              <a:t>회원탈퇴 기능</a:t>
-            </a:r>
-            <a:endParaRPr lang="en-US" altLang="ko-KR" sz="2400" spc="-150" dirty="0"/>
-          </a:p>
-          <a:p>
-            <a:pPr>
-              <a:lnSpc>
-                <a:spcPct val="150000"/>
-              </a:lnSpc>
-            </a:pPr>
-            <a:r>
-              <a:rPr lang="ko-KR" altLang="ko-KR" sz="2400" spc="-150" dirty="0"/>
-              <a:t>⑤</a:t>
-            </a:r>
-            <a:r>
-              <a:rPr lang="en-US" altLang="ko-KR" sz="2400" spc="-150" dirty="0"/>
-              <a:t> : </a:t>
-            </a:r>
-            <a:r>
-              <a:rPr lang="ko-KR" altLang="en-US" sz="2400" spc="-150" dirty="0"/>
-              <a:t>내가 남겼던 리뷰들 </a:t>
-            </a:r>
-            <a:r>
-              <a:rPr lang="ko-KR" altLang="en-US" sz="2400" spc="-150" dirty="0" err="1"/>
-              <a:t>모아보기</a:t>
-            </a:r>
-            <a:endParaRPr lang="en-US" altLang="ko-KR" sz="2400" spc="-150" dirty="0"/>
-          </a:p>
-          <a:p>
-            <a:pPr>
-              <a:lnSpc>
-                <a:spcPct val="150000"/>
-              </a:lnSpc>
-            </a:pPr>
-            <a:r>
-              <a:rPr lang="ko-KR" altLang="en-US" sz="2400" spc="-150" dirty="0"/>
-              <a:t>⑥ </a:t>
-            </a:r>
-            <a:r>
-              <a:rPr lang="en-US" altLang="ko-KR" sz="2400" spc="-150" dirty="0"/>
-              <a:t>: </a:t>
-            </a:r>
-            <a:r>
-              <a:rPr lang="ko-KR" altLang="en-US" sz="2400" spc="-150" dirty="0"/>
-              <a:t>내가 읽은 책들 목록</a:t>
+              <a:rPr lang="ko-KR" altLang="en-US" sz="2400" spc="-300" dirty="0"/>
+              <a:t>다운받지 않은 책 목록 출력</a:t>
             </a:r>
           </a:p>
         </p:txBody>
@@ -13354,7 +14237,7 @@
         </p:nvSpPr>
         <p:spPr>
           <a:xfrm>
-            <a:off x="728190" y="2008527"/>
+            <a:off x="838200" y="1714716"/>
             <a:ext cx="503340" cy="377504"/>
           </a:xfrm>
           <a:prstGeom prst="rect">
@@ -13393,7 +14276,7 @@
         </p:nvSpPr>
         <p:spPr>
           <a:xfrm>
-            <a:off x="2467981" y="1917319"/>
+            <a:off x="2875605" y="3492731"/>
             <a:ext cx="503340" cy="377504"/>
           </a:xfrm>
           <a:prstGeom prst="rect">
@@ -13432,7 +14315,7 @@
         </p:nvSpPr>
         <p:spPr>
           <a:xfrm>
-            <a:off x="728190" y="2450677"/>
+            <a:off x="3568375" y="1714716"/>
             <a:ext cx="503340" cy="377504"/>
           </a:xfrm>
           <a:prstGeom prst="rect">
@@ -13457,6 +14340,45 @@
           </a:p>
         </p:txBody>
       </p:sp>
+      <p:pic>
+        <p:nvPicPr>
+          <p:cNvPr id="10" name="그래픽 9" descr="사용자">
+            <a:extLst>
+              <a:ext uri="{FF2B5EF4-FFF2-40B4-BE49-F238E27FC236}">
+                <a16:creationId xmlns:a16="http://schemas.microsoft.com/office/drawing/2014/main" id="{26F1F13B-4267-4F5D-972E-506B30AB635F}"/>
+              </a:ext>
+            </a:extLst>
+          </p:cNvPr>
+          <p:cNvPicPr>
+            <a:picLocks noChangeAspect="1"/>
+          </p:cNvPicPr>
+          <p:nvPr/>
+        </p:nvPicPr>
+        <p:blipFill>
+          <a:blip r:embed="rId3">
+            <a:extLst>
+              <a:ext uri="{28A0092B-C50C-407E-A947-70E740481C1C}">
+                <a14:useLocalDpi xmlns:a14="http://schemas.microsoft.com/office/drawing/2010/main" val="0"/>
+              </a:ext>
+              <a:ext uri="{96DAC541-7B7A-43D3-8B79-37D633B846F1}">
+                <asvg:svgBlip xmlns:asvg="http://schemas.microsoft.com/office/drawing/2016/SVG/main" r:embed="rId4"/>
+              </a:ext>
+            </a:extLst>
+          </a:blip>
+          <a:stretch>
+            <a:fillRect/>
+          </a:stretch>
+        </p:blipFill>
+        <p:spPr>
+          <a:xfrm>
+            <a:off x="1129626" y="1690688"/>
+            <a:ext cx="302565" cy="302565"/>
+          </a:xfrm>
+          <a:prstGeom prst="rect">
+            <a:avLst/>
+          </a:prstGeom>
+        </p:spPr>
+      </p:pic>
       <p:sp>
         <p:nvSpPr>
           <p:cNvPr id="11" name="TextBox 10">
@@ -13471,7 +14393,7 @@
         </p:nvSpPr>
         <p:spPr>
           <a:xfrm>
-            <a:off x="2244614" y="2336788"/>
+            <a:off x="3171768" y="5614687"/>
             <a:ext cx="503340" cy="369332"/>
           </a:xfrm>
           <a:prstGeom prst="rect">
@@ -13496,88 +14418,10 @@
           </a:p>
         </p:txBody>
       </p:sp>
-      <p:sp>
-        <p:nvSpPr>
-          <p:cNvPr id="12" name="TextBox 11">
-            <a:extLst>
-              <a:ext uri="{FF2B5EF4-FFF2-40B4-BE49-F238E27FC236}">
-                <a16:creationId xmlns:a16="http://schemas.microsoft.com/office/drawing/2014/main" id="{7FE9C2A8-9438-44A8-92CB-964E5A0A2CC8}"/>
-              </a:ext>
-            </a:extLst>
-          </p:cNvPr>
-          <p:cNvSpPr txBox="1"/>
-          <p:nvPr/>
-        </p:nvSpPr>
-        <p:spPr>
-          <a:xfrm>
-            <a:off x="1627670" y="3388247"/>
-            <a:ext cx="503340" cy="369332"/>
-          </a:xfrm>
-          <a:prstGeom prst="rect">
-            <a:avLst/>
-          </a:prstGeom>
-          <a:noFill/>
-        </p:spPr>
-        <p:txBody>
-          <a:bodyPr wrap="square" rtlCol="0">
-            <a:spAutoFit/>
-          </a:bodyPr>
-          <a:lstStyle/>
-          <a:p>
-            <a:r>
-              <a:rPr lang="ko-KR" altLang="en-US" dirty="0">
-                <a:highlight>
-                  <a:srgbClr val="FFFF00"/>
-                </a:highlight>
-              </a:rPr>
-              <a:t>⑤</a:t>
-            </a:r>
-          </a:p>
-        </p:txBody>
-      </p:sp>
-      <p:sp>
-        <p:nvSpPr>
-          <p:cNvPr id="13" name="TextBox 12">
-            <a:extLst>
-              <a:ext uri="{FF2B5EF4-FFF2-40B4-BE49-F238E27FC236}">
-                <a16:creationId xmlns:a16="http://schemas.microsoft.com/office/drawing/2014/main" id="{A7F6B6E1-2C45-4181-94A0-56A2F8449EC1}"/>
-              </a:ext>
-            </a:extLst>
-          </p:cNvPr>
-          <p:cNvSpPr txBox="1"/>
-          <p:nvPr/>
-        </p:nvSpPr>
-        <p:spPr>
-          <a:xfrm>
-            <a:off x="1627670" y="5624671"/>
-            <a:ext cx="503340" cy="369332"/>
-          </a:xfrm>
-          <a:prstGeom prst="rect">
-            <a:avLst/>
-          </a:prstGeom>
-          <a:noFill/>
-        </p:spPr>
-        <p:txBody>
-          <a:bodyPr wrap="square" rtlCol="0">
-            <a:spAutoFit/>
-          </a:bodyPr>
-          <a:lstStyle/>
-          <a:p>
-            <a:r>
-              <a:rPr lang="ko-KR" altLang="en-US" dirty="0">
-                <a:highlight>
-                  <a:srgbClr val="FFFF00"/>
-                </a:highlight>
-              </a:rPr>
-              <a:t>⑥</a:t>
-            </a:r>
-          </a:p>
-        </p:txBody>
-      </p:sp>
     </p:spTree>
     <p:extLst>
       <p:ext uri="{BB962C8B-B14F-4D97-AF65-F5344CB8AC3E}">
-        <p14:creationId xmlns:p14="http://schemas.microsoft.com/office/powerpoint/2010/main" val="897358876"/>
+        <p14:creationId xmlns:p14="http://schemas.microsoft.com/office/powerpoint/2010/main" val="2598213264"/>
       </p:ext>
     </p:extLst>
   </p:cSld>
@@ -13606,10 +14450,10 @@
       </p:grpSpPr>
       <p:pic>
         <p:nvPicPr>
-          <p:cNvPr id="9" name="그림 8">
-            <a:extLst>
-              <a:ext uri="{FF2B5EF4-FFF2-40B4-BE49-F238E27FC236}">
-                <a16:creationId xmlns:a16="http://schemas.microsoft.com/office/drawing/2014/main" id="{796DF28C-683C-4D76-B0F8-7B66F90008C7}"/>
+          <p:cNvPr id="8" name="그림 7">
+            <a:extLst>
+              <a:ext uri="{FF2B5EF4-FFF2-40B4-BE49-F238E27FC236}">
+                <a16:creationId xmlns:a16="http://schemas.microsoft.com/office/drawing/2014/main" id="{D5C29BC0-4B5F-47D3-B0B8-1E4F925239D2}"/>
               </a:ext>
             </a:extLst>
           </p:cNvPr>
@@ -13632,8 +14476,8 @@
         </p:blipFill>
         <p:spPr>
           <a:xfrm>
-            <a:off x="977266" y="23871"/>
-            <a:ext cx="2783773" cy="6834129"/>
+            <a:off x="979860" y="1546301"/>
+            <a:ext cx="2781179" cy="4946573"/>
           </a:xfrm>
           <a:prstGeom prst="rect">
             <a:avLst/>
@@ -13661,14 +14505,13 @@
           <a:bodyPr/>
           <a:lstStyle/>
           <a:p>
-            <a:pPr algn="r"/>
             <a:r>
               <a:rPr lang="en-US" altLang="ko-KR" dirty="0"/>
-              <a:t>4. </a:t>
+              <a:t>3. </a:t>
             </a:r>
             <a:r>
               <a:rPr lang="ko-KR" altLang="en-US" dirty="0"/>
-              <a:t>책 소개 화면</a:t>
+              <a:t>마이페이지 화면</a:t>
             </a:r>
           </a:p>
         </p:txBody>
@@ -13688,7 +14531,7 @@
         <p:spPr>
           <a:xfrm>
             <a:off x="5217952" y="1690688"/>
-            <a:ext cx="6467912" cy="4240584"/>
+            <a:ext cx="6467912" cy="4083618"/>
           </a:xfrm>
           <a:prstGeom prst="rect">
             <a:avLst/>
@@ -13711,7 +14554,15 @@
             </a:r>
             <a:r>
               <a:rPr lang="ko-KR" altLang="en-US" sz="2400" dirty="0"/>
-              <a:t>책을 선택하는데 기준이 될 수 있는 내용들 표시</a:t>
+              <a:t>유저 정보 수정</a:t>
+            </a:r>
+            <a:r>
+              <a:rPr lang="en-US" altLang="ko-KR" sz="2400" dirty="0"/>
+              <a:t>, </a:t>
+            </a:r>
+            <a:r>
+              <a:rPr lang="ko-KR" altLang="en-US" sz="2400" dirty="0"/>
+              <a:t>개인 기록 저장소 제공</a:t>
             </a:r>
             <a:endParaRPr lang="en-US" altLang="ko-KR" sz="2400" dirty="0"/>
           </a:p>
@@ -13721,7 +14572,7 @@
           <a:p>
             <a:pPr>
               <a:lnSpc>
-                <a:spcPct val="140000"/>
+                <a:spcPct val="150000"/>
               </a:lnSpc>
             </a:pPr>
             <a:r>
@@ -13730,18 +14581,18 @@
             </a:r>
             <a:r>
               <a:rPr lang="en-US" altLang="ko-KR" sz="2400" spc="-150" dirty="0"/>
-              <a:t>: </a:t>
+              <a:t>:</a:t>
             </a:r>
             <a:r>
               <a:rPr lang="ko-KR" altLang="en-US" sz="2400" spc="-150" dirty="0"/>
-              <a:t>책 소개</a:t>
+              <a:t> 로그인 상태 표시</a:t>
             </a:r>
             <a:endParaRPr lang="en-US" altLang="ko-KR" sz="2400" spc="-150" dirty="0"/>
           </a:p>
           <a:p>
             <a:pPr>
               <a:lnSpc>
-                <a:spcPct val="140000"/>
+                <a:spcPct val="150000"/>
               </a:lnSpc>
             </a:pPr>
             <a:r>
@@ -13750,18 +14601,18 @@
             </a:r>
             <a:r>
               <a:rPr lang="en-US" altLang="ko-KR" sz="2400" spc="-150" dirty="0"/>
-              <a:t>: </a:t>
+              <a:t>:</a:t>
             </a:r>
             <a:r>
               <a:rPr lang="ko-KR" altLang="en-US" sz="2400" spc="-150" dirty="0"/>
-              <a:t>텍스트 뷰어 화면으로 이동</a:t>
+              <a:t> 로그아웃 기능</a:t>
             </a:r>
             <a:endParaRPr lang="en-US" altLang="ko-KR" sz="2400" spc="-150" dirty="0"/>
           </a:p>
           <a:p>
             <a:pPr>
               <a:lnSpc>
-                <a:spcPct val="140000"/>
+                <a:spcPct val="150000"/>
               </a:lnSpc>
             </a:pPr>
             <a:r>
@@ -13770,23 +14621,67 @@
             </a:r>
             <a:r>
               <a:rPr lang="en-US" altLang="ko-KR" sz="2400" spc="-150" dirty="0"/>
-              <a:t>: </a:t>
+              <a:t>:</a:t>
             </a:r>
             <a:r>
               <a:rPr lang="ko-KR" altLang="en-US" sz="2400" spc="-150" dirty="0"/>
-              <a:t>목차</a:t>
+              <a:t> 비밀번호 변경 기능</a:t>
             </a:r>
             <a:endParaRPr lang="en-US" altLang="ko-KR" sz="2400" spc="-150" dirty="0"/>
           </a:p>
           <a:p>
             <a:pPr>
               <a:lnSpc>
-                <a:spcPct val="140000"/>
+                <a:spcPct val="150000"/>
               </a:lnSpc>
             </a:pPr>
             <a:r>
+              <a:rPr lang="ko-KR" altLang="ko-KR" sz="2400" spc="-150" dirty="0"/>
+              <a:t>④</a:t>
+            </a:r>
+            <a:r>
+              <a:rPr lang="en-US" altLang="ko-KR" sz="2400" spc="-150" dirty="0"/>
+              <a:t> : </a:t>
+            </a:r>
+            <a:r>
               <a:rPr lang="ko-KR" altLang="en-US" sz="2400" spc="-150" dirty="0"/>
-              <a:t>④ </a:t>
+              <a:t>회원탈퇴 기능</a:t>
+            </a:r>
+            <a:endParaRPr lang="en-US" altLang="ko-KR" sz="2400" spc="-150" dirty="0"/>
+          </a:p>
+          <a:p>
+            <a:pPr>
+              <a:lnSpc>
+                <a:spcPct val="150000"/>
+              </a:lnSpc>
+            </a:pPr>
+            <a:r>
+              <a:rPr lang="ko-KR" altLang="ko-KR" sz="2400" spc="-150" dirty="0"/>
+              <a:t>⑤</a:t>
+            </a:r>
+            <a:r>
+              <a:rPr lang="en-US" altLang="ko-KR" sz="2400" spc="-150" dirty="0"/>
+              <a:t> : </a:t>
+            </a:r>
+            <a:r>
+              <a:rPr lang="ko-KR" altLang="en-US" sz="2400" spc="-150" dirty="0"/>
+              <a:t>내가 남겼던 리뷰들 </a:t>
+            </a:r>
+            <a:r>
+              <a:rPr lang="ko-KR" altLang="en-US" sz="2400" spc="-150" dirty="0" err="1"/>
+              <a:t>모아보기</a:t>
+            </a:r>
+            <a:endParaRPr lang="en-US" altLang="ko-KR" sz="2400" spc="-150" dirty="0"/>
+          </a:p>
+          <a:p>
+            <a:pPr>
+              <a:lnSpc>
+                <a:spcPct val="150000"/>
+              </a:lnSpc>
+            </a:pPr>
+            <a:r>
+              <a:rPr lang="ko-KR" altLang="en-US" sz="2400" spc="-150" dirty="0"/>
+              <a:t>⑥ </a:t>
             </a:r>
             <a:r>
               <a:rPr lang="en-US" altLang="ko-KR" sz="2400" spc="-150" dirty="0"/>
@@ -13794,55 +14689,7 @@
             </a:r>
             <a:r>
               <a:rPr lang="ko-KR" altLang="en-US" sz="2400" spc="-150" dirty="0"/>
-              <a:t>저자 소개</a:t>
-            </a:r>
-            <a:endParaRPr lang="en-US" altLang="ko-KR" sz="2400" spc="-150" dirty="0"/>
-          </a:p>
-          <a:p>
-            <a:pPr>
-              <a:lnSpc>
-                <a:spcPct val="140000"/>
-              </a:lnSpc>
-            </a:pPr>
-            <a:r>
-              <a:rPr lang="ko-KR" altLang="en-US" sz="2400" spc="-150" dirty="0"/>
-              <a:t>⑤ </a:t>
-            </a:r>
-            <a:r>
-              <a:rPr lang="en-US" altLang="ko-KR" sz="2400" spc="-150" dirty="0"/>
-              <a:t>: </a:t>
-            </a:r>
-            <a:r>
-              <a:rPr lang="ko-KR" altLang="en-US" sz="2400" spc="-150" dirty="0"/>
-              <a:t>다른 유저들이 남긴 리뷰</a:t>
-            </a:r>
-            <a:endParaRPr lang="en-US" altLang="ko-KR" sz="2400" spc="-150" dirty="0"/>
-          </a:p>
-          <a:p>
-            <a:pPr>
-              <a:lnSpc>
-                <a:spcPct val="140000"/>
-              </a:lnSpc>
-            </a:pPr>
-            <a:r>
-              <a:rPr lang="ko-KR" altLang="ko-KR" sz="2400" spc="-150" dirty="0"/>
-              <a:t>⑥</a:t>
-            </a:r>
-            <a:r>
-              <a:rPr lang="en-US" altLang="ko-KR" sz="2400" spc="-150" dirty="0"/>
-              <a:t> : </a:t>
-            </a:r>
-            <a:r>
-              <a:rPr lang="ko-KR" altLang="en-US" sz="2400" spc="-150" dirty="0"/>
-              <a:t>좋아요</a:t>
-            </a:r>
-            <a:r>
-              <a:rPr lang="en-US" altLang="ko-KR" sz="2400" spc="-150" dirty="0"/>
-              <a:t>/</a:t>
-            </a:r>
-            <a:r>
-              <a:rPr lang="ko-KR" altLang="en-US" sz="2400" spc="-150" dirty="0"/>
-              <a:t>싫어요 기능</a:t>
+              <a:t>내가 읽은 책들 목록</a:t>
             </a:r>
           </a:p>
         </p:txBody>
@@ -13861,7 +14708,7 @@
         </p:nvSpPr>
         <p:spPr>
           <a:xfrm>
-            <a:off x="1596679" y="3717441"/>
+            <a:off x="728190" y="2008527"/>
             <a:ext cx="503340" cy="377504"/>
           </a:xfrm>
           <a:prstGeom prst="rect">
@@ -13900,7 +14747,7 @@
         </p:nvSpPr>
         <p:spPr>
           <a:xfrm>
-            <a:off x="2818351" y="4397556"/>
+            <a:off x="2467981" y="1917319"/>
             <a:ext cx="503340" cy="377504"/>
           </a:xfrm>
           <a:prstGeom prst="rect">
@@ -13939,7 +14786,7 @@
         </p:nvSpPr>
         <p:spPr>
           <a:xfrm>
-            <a:off x="1409143" y="5003079"/>
+            <a:off x="728190" y="2450677"/>
             <a:ext cx="503340" cy="377504"/>
           </a:xfrm>
           <a:prstGeom prst="rect">
@@ -13966,10 +14813,10 @@
       </p:sp>
       <p:sp>
         <p:nvSpPr>
-          <p:cNvPr id="17" name="TextBox 16">
-            <a:extLst>
-              <a:ext uri="{FF2B5EF4-FFF2-40B4-BE49-F238E27FC236}">
-                <a16:creationId xmlns:a16="http://schemas.microsoft.com/office/drawing/2014/main" id="{4CFBAB0B-4177-4CBA-AD77-AA6C959D948D}"/>
+          <p:cNvPr id="11" name="TextBox 10">
+            <a:extLst>
+              <a:ext uri="{FF2B5EF4-FFF2-40B4-BE49-F238E27FC236}">
+                <a16:creationId xmlns:a16="http://schemas.microsoft.com/office/drawing/2014/main" id="{9A7987F8-FC0A-4950-8DC9-0ECB5101713A}"/>
               </a:ext>
             </a:extLst>
           </p:cNvPr>
@@ -13978,7 +14825,7 @@
         </p:nvSpPr>
         <p:spPr>
           <a:xfrm>
-            <a:off x="1799879" y="5287720"/>
+            <a:off x="2244614" y="2336788"/>
             <a:ext cx="503340" cy="369332"/>
           </a:xfrm>
           <a:prstGeom prst="rect">
@@ -14005,10 +14852,10 @@
       </p:sp>
       <p:sp>
         <p:nvSpPr>
-          <p:cNvPr id="18" name="TextBox 17">
-            <a:extLst>
-              <a:ext uri="{FF2B5EF4-FFF2-40B4-BE49-F238E27FC236}">
-                <a16:creationId xmlns:a16="http://schemas.microsoft.com/office/drawing/2014/main" id="{559555C2-56F9-44BA-A2A0-E1F0DBC500F5}"/>
+          <p:cNvPr id="12" name="TextBox 11">
+            <a:extLst>
+              <a:ext uri="{FF2B5EF4-FFF2-40B4-BE49-F238E27FC236}">
+                <a16:creationId xmlns:a16="http://schemas.microsoft.com/office/drawing/2014/main" id="{7FE9C2A8-9438-44A8-92CB-964E5A0A2CC8}"/>
               </a:ext>
             </a:extLst>
           </p:cNvPr>
@@ -14017,7 +14864,7 @@
         </p:nvSpPr>
         <p:spPr>
           <a:xfrm>
-            <a:off x="1865812" y="5695356"/>
+            <a:off x="1627670" y="3388247"/>
             <a:ext cx="503340" cy="369332"/>
           </a:xfrm>
           <a:prstGeom prst="rect">
@@ -14042,90 +14889,12 @@
           </a:p>
         </p:txBody>
       </p:sp>
-      <p:pic>
-        <p:nvPicPr>
-          <p:cNvPr id="20" name="그래픽 19" descr="엄지척 기호">
-            <a:extLst>
-              <a:ext uri="{FF2B5EF4-FFF2-40B4-BE49-F238E27FC236}">
-                <a16:creationId xmlns:a16="http://schemas.microsoft.com/office/drawing/2014/main" id="{1971A625-11F1-4E73-A0CA-11C56A7C47F6}"/>
-              </a:ext>
-            </a:extLst>
-          </p:cNvPr>
-          <p:cNvPicPr>
-            <a:picLocks noChangeAspect="1"/>
-          </p:cNvPicPr>
-          <p:nvPr/>
-        </p:nvPicPr>
-        <p:blipFill>
-          <a:blip r:embed="rId3">
-            <a:extLst>
-              <a:ext uri="{28A0092B-C50C-407E-A947-70E740481C1C}">
-                <a14:useLocalDpi xmlns:a14="http://schemas.microsoft.com/office/drawing/2010/main" val="0"/>
-              </a:ext>
-              <a:ext uri="{96DAC541-7B7A-43D3-8B79-37D633B846F1}">
-                <asvg:svgBlip xmlns:asvg="http://schemas.microsoft.com/office/drawing/2016/SVG/main" r:embed="rId4"/>
-              </a:ext>
-            </a:extLst>
-          </a:blip>
-          <a:stretch>
-            <a:fillRect/>
-          </a:stretch>
-        </p:blipFill>
-        <p:spPr>
-          <a:xfrm>
-            <a:off x="1584128" y="2924129"/>
-            <a:ext cx="328355" cy="328355"/>
-          </a:xfrm>
-          <a:prstGeom prst="rect">
-            <a:avLst/>
-          </a:prstGeom>
-        </p:spPr>
-      </p:pic>
-      <p:pic>
-        <p:nvPicPr>
-          <p:cNvPr id="21" name="그래픽 20" descr="엄지척 기호">
-            <a:extLst>
-              <a:ext uri="{FF2B5EF4-FFF2-40B4-BE49-F238E27FC236}">
-                <a16:creationId xmlns:a16="http://schemas.microsoft.com/office/drawing/2014/main" id="{920744A3-2E64-4A1B-8CDF-BA6D90180FA1}"/>
-              </a:ext>
-            </a:extLst>
-          </p:cNvPr>
-          <p:cNvPicPr>
-            <a:picLocks noChangeAspect="1"/>
-          </p:cNvPicPr>
-          <p:nvPr/>
-        </p:nvPicPr>
-        <p:blipFill>
-          <a:blip r:embed="rId5">
-            <a:extLst>
-              <a:ext uri="{28A0092B-C50C-407E-A947-70E740481C1C}">
-                <a14:useLocalDpi xmlns:a14="http://schemas.microsoft.com/office/drawing/2010/main" val="0"/>
-              </a:ext>
-              <a:ext uri="{96DAC541-7B7A-43D3-8B79-37D633B846F1}">
-                <asvg:svgBlip xmlns:asvg="http://schemas.microsoft.com/office/drawing/2016/SVG/main" r:embed="rId6"/>
-              </a:ext>
-            </a:extLst>
-          </a:blip>
-          <a:stretch>
-            <a:fillRect/>
-          </a:stretch>
-        </p:blipFill>
-        <p:spPr>
-          <a:xfrm flipV="1">
-            <a:off x="2406332" y="2924128"/>
-            <a:ext cx="328355" cy="328355"/>
-          </a:xfrm>
-          <a:prstGeom prst="rect">
-            <a:avLst/>
-          </a:prstGeom>
-        </p:spPr>
-      </p:pic>
       <p:sp>
         <p:nvSpPr>
-          <p:cNvPr id="22" name="TextBox 21">
-            <a:extLst>
-              <a:ext uri="{FF2B5EF4-FFF2-40B4-BE49-F238E27FC236}">
-                <a16:creationId xmlns:a16="http://schemas.microsoft.com/office/drawing/2014/main" id="{516A7EAA-A9EF-4C0B-B398-24B589EE35D4}"/>
+          <p:cNvPr id="13" name="TextBox 12">
+            <a:extLst>
+              <a:ext uri="{FF2B5EF4-FFF2-40B4-BE49-F238E27FC236}">
+                <a16:creationId xmlns:a16="http://schemas.microsoft.com/office/drawing/2014/main" id="{A7F6B6E1-2C45-4181-94A0-56A2F8449EC1}"/>
               </a:ext>
             </a:extLst>
           </p:cNvPr>
@@ -14134,79 +14903,7 @@
         </p:nvSpPr>
         <p:spPr>
           <a:xfrm>
-            <a:off x="1912483" y="3011186"/>
-            <a:ext cx="390736" cy="276999"/>
-          </a:xfrm>
-          <a:prstGeom prst="rect">
-            <a:avLst/>
-          </a:prstGeom>
-          <a:noFill/>
-        </p:spPr>
-        <p:txBody>
-          <a:bodyPr wrap="square" rtlCol="0">
-            <a:spAutoFit/>
-          </a:bodyPr>
-          <a:lstStyle/>
-          <a:p>
-            <a:r>
-              <a:rPr lang="en-US" altLang="ko-KR" sz="1200" dirty="0"/>
-              <a:t>8</a:t>
-            </a:r>
-            <a:endParaRPr lang="ko-KR" altLang="en-US" sz="1200" dirty="0"/>
-          </a:p>
-        </p:txBody>
-      </p:sp>
-      <p:sp>
-        <p:nvSpPr>
-          <p:cNvPr id="23" name="TextBox 22">
-            <a:extLst>
-              <a:ext uri="{FF2B5EF4-FFF2-40B4-BE49-F238E27FC236}">
-                <a16:creationId xmlns:a16="http://schemas.microsoft.com/office/drawing/2014/main" id="{826AE283-1D98-44F5-9A4D-D2597A648CA2}"/>
-              </a:ext>
-            </a:extLst>
-          </p:cNvPr>
-          <p:cNvSpPr txBox="1"/>
-          <p:nvPr/>
-        </p:nvSpPr>
-        <p:spPr>
-          <a:xfrm>
-            <a:off x="2734687" y="3011186"/>
-            <a:ext cx="390736" cy="276999"/>
-          </a:xfrm>
-          <a:prstGeom prst="rect">
-            <a:avLst/>
-          </a:prstGeom>
-          <a:noFill/>
-        </p:spPr>
-        <p:txBody>
-          <a:bodyPr wrap="square" rtlCol="0">
-            <a:spAutoFit/>
-          </a:bodyPr>
-          <a:lstStyle/>
-          <a:p>
-            <a:r>
-              <a:rPr lang="en-US" altLang="ko-KR" sz="1200" dirty="0"/>
-              <a:t>2</a:t>
-            </a:r>
-            <a:endParaRPr lang="ko-KR" altLang="en-US" sz="1200" dirty="0"/>
-          </a:p>
-        </p:txBody>
-      </p:sp>
-      <p:sp>
-        <p:nvSpPr>
-          <p:cNvPr id="24" name="TextBox 23">
-            <a:extLst>
-              <a:ext uri="{FF2B5EF4-FFF2-40B4-BE49-F238E27FC236}">
-                <a16:creationId xmlns:a16="http://schemas.microsoft.com/office/drawing/2014/main" id="{B04A7DD4-2B32-4DBB-978D-9A9E3A48DC5D}"/>
-              </a:ext>
-            </a:extLst>
-          </p:cNvPr>
-          <p:cNvSpPr txBox="1"/>
-          <p:nvPr/>
-        </p:nvSpPr>
-        <p:spPr>
-          <a:xfrm>
-            <a:off x="3012819" y="2924128"/>
+            <a:off x="1627670" y="5624671"/>
             <a:ext cx="503340" cy="369332"/>
           </a:xfrm>
           <a:prstGeom prst="rect">
@@ -14234,7 +14931,7 @@
     </p:spTree>
     <p:extLst>
       <p:ext uri="{BB962C8B-B14F-4D97-AF65-F5344CB8AC3E}">
-        <p14:creationId xmlns:p14="http://schemas.microsoft.com/office/powerpoint/2010/main" val="2407369947"/>
+        <p14:creationId xmlns:p14="http://schemas.microsoft.com/office/powerpoint/2010/main" val="897358876"/>
       </p:ext>
     </p:extLst>
   </p:cSld>

--- a/보고서/사용자인터페이스(나) 제안발표ppt_3code.pptx
+++ b/보고서/사용자인터페이스(나) 제안발표ppt_3code.pptx
@@ -278,7 +278,7 @@
           <a:p>
             <a:fld id="{81CFE647-D1B4-40D3-8B7A-C201E16AF312}" type="datetimeFigureOut">
               <a:rPr lang="ko-KR" altLang="en-US" smtClean="0"/>
-              <a:t>2020-10-29</a:t>
+              <a:t>2020-10-30</a:t>
             </a:fld>
             <a:endParaRPr lang="ko-KR" altLang="en-US"/>
           </a:p>
@@ -476,7 +476,7 @@
           <a:p>
             <a:fld id="{81CFE647-D1B4-40D3-8B7A-C201E16AF312}" type="datetimeFigureOut">
               <a:rPr lang="ko-KR" altLang="en-US" smtClean="0"/>
-              <a:t>2020-10-29</a:t>
+              <a:t>2020-10-30</a:t>
             </a:fld>
             <a:endParaRPr lang="ko-KR" altLang="en-US"/>
           </a:p>
@@ -684,7 +684,7 @@
           <a:p>
             <a:fld id="{81CFE647-D1B4-40D3-8B7A-C201E16AF312}" type="datetimeFigureOut">
               <a:rPr lang="ko-KR" altLang="en-US" smtClean="0"/>
-              <a:t>2020-10-29</a:t>
+              <a:t>2020-10-30</a:t>
             </a:fld>
             <a:endParaRPr lang="ko-KR" altLang="en-US"/>
           </a:p>
@@ -882,7 +882,7 @@
           <a:p>
             <a:fld id="{81CFE647-D1B4-40D3-8B7A-C201E16AF312}" type="datetimeFigureOut">
               <a:rPr lang="ko-KR" altLang="en-US" smtClean="0"/>
-              <a:t>2020-10-29</a:t>
+              <a:t>2020-10-30</a:t>
             </a:fld>
             <a:endParaRPr lang="ko-KR" altLang="en-US"/>
           </a:p>
@@ -1157,7 +1157,7 @@
           <a:p>
             <a:fld id="{81CFE647-D1B4-40D3-8B7A-C201E16AF312}" type="datetimeFigureOut">
               <a:rPr lang="ko-KR" altLang="en-US" smtClean="0"/>
-              <a:t>2020-10-29</a:t>
+              <a:t>2020-10-30</a:t>
             </a:fld>
             <a:endParaRPr lang="ko-KR" altLang="en-US"/>
           </a:p>
@@ -1422,7 +1422,7 @@
           <a:p>
             <a:fld id="{81CFE647-D1B4-40D3-8B7A-C201E16AF312}" type="datetimeFigureOut">
               <a:rPr lang="ko-KR" altLang="en-US" smtClean="0"/>
-              <a:t>2020-10-29</a:t>
+              <a:t>2020-10-30</a:t>
             </a:fld>
             <a:endParaRPr lang="ko-KR" altLang="en-US"/>
           </a:p>
@@ -1834,7 +1834,7 @@
           <a:p>
             <a:fld id="{81CFE647-D1B4-40D3-8B7A-C201E16AF312}" type="datetimeFigureOut">
               <a:rPr lang="ko-KR" altLang="en-US" smtClean="0"/>
-              <a:t>2020-10-29</a:t>
+              <a:t>2020-10-30</a:t>
             </a:fld>
             <a:endParaRPr lang="ko-KR" altLang="en-US"/>
           </a:p>
@@ -1975,7 +1975,7 @@
           <a:p>
             <a:fld id="{81CFE647-D1B4-40D3-8B7A-C201E16AF312}" type="datetimeFigureOut">
               <a:rPr lang="ko-KR" altLang="en-US" smtClean="0"/>
-              <a:t>2020-10-29</a:t>
+              <a:t>2020-10-30</a:t>
             </a:fld>
             <a:endParaRPr lang="ko-KR" altLang="en-US"/>
           </a:p>
@@ -2088,7 +2088,7 @@
           <a:p>
             <a:fld id="{81CFE647-D1B4-40D3-8B7A-C201E16AF312}" type="datetimeFigureOut">
               <a:rPr lang="ko-KR" altLang="en-US" smtClean="0"/>
-              <a:t>2020-10-29</a:t>
+              <a:t>2020-10-30</a:t>
             </a:fld>
             <a:endParaRPr lang="ko-KR" altLang="en-US"/>
           </a:p>
@@ -2399,7 +2399,7 @@
           <a:p>
             <a:fld id="{81CFE647-D1B4-40D3-8B7A-C201E16AF312}" type="datetimeFigureOut">
               <a:rPr lang="ko-KR" altLang="en-US" smtClean="0"/>
-              <a:t>2020-10-29</a:t>
+              <a:t>2020-10-30</a:t>
             </a:fld>
             <a:endParaRPr lang="ko-KR" altLang="en-US"/>
           </a:p>
@@ -2687,7 +2687,7 @@
           <a:p>
             <a:fld id="{81CFE647-D1B4-40D3-8B7A-C201E16AF312}" type="datetimeFigureOut">
               <a:rPr lang="ko-KR" altLang="en-US" smtClean="0"/>
-              <a:t>2020-10-29</a:t>
+              <a:t>2020-10-30</a:t>
             </a:fld>
             <a:endParaRPr lang="ko-KR" altLang="en-US"/>
           </a:p>
@@ -2933,7 +2933,7 @@
           <a:p>
             <a:fld id="{81CFE647-D1B4-40D3-8B7A-C201E16AF312}" type="datetimeFigureOut">
               <a:rPr lang="ko-KR" altLang="en-US" smtClean="0"/>
-              <a:t>2020-10-29</a:t>
+              <a:t>2020-10-30</a:t>
             </a:fld>
             <a:endParaRPr lang="ko-KR" altLang="en-US"/>
           </a:p>
@@ -4226,7 +4226,7 @@
         <p:spPr>
           <a:xfrm>
             <a:off x="5217952" y="1690688"/>
-            <a:ext cx="6467912" cy="3418372"/>
+            <a:ext cx="6467912" cy="3726148"/>
           </a:xfrm>
           <a:prstGeom prst="rect">
             <a:avLst/>
@@ -4257,7 +4257,7 @@
             </a:r>
             <a:r>
               <a:rPr lang="ko-KR" altLang="en-US" sz="2000" dirty="0"/>
-              <a:t>가독성을 위한 다양한 기능들 제공</a:t>
+              <a:t>가독성 향상을 위한 다양한 기능들 제공</a:t>
             </a:r>
             <a:endParaRPr lang="en-US" altLang="ko-KR" sz="2000" dirty="0"/>
           </a:p>
@@ -6628,7 +6628,7 @@
             </a:r>
             <a:r>
               <a:rPr lang="ko-KR" altLang="en-US" sz="2400" dirty="0"/>
-              <a:t>비밀번호 찾기 기능도 제공</a:t>
+              <a:t>비밀번호 찾기 기능 제공</a:t>
             </a:r>
             <a:r>
               <a:rPr lang="en-US" altLang="ko-KR" sz="2400" dirty="0"/>
@@ -6682,50 +6682,51 @@
             <a:endParaRPr lang="en-US" altLang="ko-KR" sz="2400" dirty="0"/>
           </a:p>
           <a:p>
-            <a:pPr marL="0" indent="0">
+            <a:pPr lvl="1">
+              <a:buFont typeface="Wingdings" panose="05000000000000000000" pitchFamily="2" charset="2"/>
+              <a:buChar char="§"/>
+            </a:pPr>
+            <a:r>
+              <a:rPr lang="ko-KR" altLang="en-US" sz="2000" dirty="0"/>
+              <a:t>네이버 </a:t>
+            </a:r>
+            <a:r>
+              <a:rPr lang="en-US" altLang="ko-KR" sz="2000" dirty="0" err="1"/>
+              <a:t>api</a:t>
+            </a:r>
+            <a:r>
+              <a:rPr lang="ko-KR" altLang="en-US" sz="2000" dirty="0" err="1"/>
+              <a:t>를</a:t>
+            </a:r>
+            <a:r>
+              <a:rPr lang="ko-KR" altLang="en-US" sz="2000" dirty="0"/>
+              <a:t> 이용해 네이버 아이디로 로그인</a:t>
+            </a:r>
+            <a:endParaRPr lang="en-US" altLang="ko-KR" sz="2000" dirty="0"/>
+          </a:p>
+          <a:p>
+            <a:pPr marL="457200" lvl="1" indent="0">
               <a:buNone/>
             </a:pPr>
             <a:r>
-              <a:rPr lang="ko-KR" altLang="en-US" sz="2400" dirty="0"/>
-              <a:t>안될 경우 네이버 </a:t>
-            </a:r>
-            <a:r>
-              <a:rPr lang="en-US" altLang="ko-KR" sz="2400" dirty="0" err="1"/>
+              <a:rPr lang="ko-KR" altLang="en-US" sz="2000" dirty="0"/>
+              <a:t>네이버 로그인 </a:t>
+            </a:r>
+            <a:r>
+              <a:rPr lang="en-US" altLang="ko-KR" sz="2000" dirty="0" err="1"/>
               <a:t>api</a:t>
             </a:r>
             <a:r>
-              <a:rPr lang="ko-KR" altLang="en-US" sz="2400" dirty="0" err="1"/>
-              <a:t>를</a:t>
-            </a:r>
-            <a:r>
-              <a:rPr lang="ko-KR" altLang="en-US" sz="2400" dirty="0"/>
-              <a:t> 이용해 네이버 아이디로 로그인하도록 할 예정</a:t>
-            </a:r>
-            <a:endParaRPr lang="en-US" altLang="ko-KR" sz="2400" dirty="0"/>
-          </a:p>
-          <a:p>
-            <a:pPr marL="0" indent="0">
-              <a:buNone/>
-            </a:pPr>
-            <a:r>
-              <a:rPr lang="ko-KR" altLang="en-US" sz="2400" dirty="0"/>
-              <a:t>네이버 로그인 </a:t>
-            </a:r>
-            <a:r>
-              <a:rPr lang="en-US" altLang="ko-KR" sz="2400" dirty="0" err="1"/>
-              <a:t>api</a:t>
-            </a:r>
-            <a:r>
-              <a:rPr lang="en-US" altLang="ko-KR" sz="2400" dirty="0"/>
+              <a:rPr lang="en-US" altLang="ko-KR" sz="2000" dirty="0"/>
               <a:t> : </a:t>
             </a:r>
             <a:r>
-              <a:rPr lang="en-US" altLang="ko-KR" sz="2400" dirty="0">
+              <a:rPr lang="en-US" altLang="ko-KR" sz="2000" dirty="0">
                 <a:hlinkClick r:id="rId3"/>
               </a:rPr>
               <a:t>https://developers.naver.com/products/login/api/</a:t>
             </a:r>
-            <a:endParaRPr lang="en-US" altLang="ko-KR" sz="2400" dirty="0"/>
+            <a:endParaRPr lang="en-US" altLang="ko-KR" sz="2000" dirty="0"/>
           </a:p>
           <a:p>
             <a:pPr marL="0" indent="0">
@@ -6955,6 +6956,18 @@
             <a:pPr marL="0" indent="0">
               <a:buNone/>
             </a:pPr>
+            <a:endParaRPr lang="en-US" altLang="ko-KR" sz="2400" dirty="0"/>
+          </a:p>
+          <a:p>
+            <a:pPr marL="0" indent="0">
+              <a:buNone/>
+            </a:pPr>
+            <a:endParaRPr lang="en-US" altLang="ko-KR" sz="2400" dirty="0"/>
+          </a:p>
+          <a:p>
+            <a:pPr marL="0" indent="0">
+              <a:buNone/>
+            </a:pPr>
             <a:r>
               <a:rPr lang="ko-KR" altLang="en-US" sz="2400" dirty="0">
                 <a:highlight>
@@ -7142,8 +7155,8 @@
           </a:p>
         </p:txBody>
       </p:sp>
-      <mc:AlternateContent xmlns:mc="http://schemas.openxmlformats.org/markup-compatibility/2006">
-        <mc:Choice xmlns:a14="http://schemas.microsoft.com/office/drawing/2010/main" Requires="a14">
+      <mc:AlternateContent xmlns:mc="http://schemas.openxmlformats.org/markup-compatibility/2006" xmlns:a14="http://schemas.microsoft.com/office/drawing/2010/main">
+        <mc:Choice Requires="a14">
           <p:sp>
             <p:nvSpPr>
               <p:cNvPr id="3" name="내용 개체 틀 2">
@@ -7355,7 +7368,7 @@
             </p:txBody>
           </p:sp>
         </mc:Choice>
-        <mc:Fallback>
+        <mc:Fallback xmlns="">
           <p:sp>
             <p:nvSpPr>
               <p:cNvPr id="3" name="내용 개체 틀 2">
@@ -7646,6 +7659,18 @@
             <a:pPr marL="0" indent="0">
               <a:buNone/>
             </a:pPr>
+            <a:endParaRPr lang="en-US" altLang="ko-KR" sz="2400" dirty="0"/>
+          </a:p>
+          <a:p>
+            <a:pPr marL="0" indent="0">
+              <a:buNone/>
+            </a:pPr>
+            <a:endParaRPr lang="en-US" altLang="ko-KR" sz="2400" dirty="0"/>
+          </a:p>
+          <a:p>
+            <a:pPr marL="0" indent="0">
+              <a:buNone/>
+            </a:pPr>
             <a:r>
               <a:rPr lang="ko-KR" altLang="en-US" sz="2400" dirty="0"/>
               <a:t>대안</a:t>
@@ -7653,13 +7678,10 @@
             <a:endParaRPr lang="en-US" altLang="ko-KR" sz="2400" dirty="0"/>
           </a:p>
           <a:p>
-            <a:pPr marL="457200" lvl="1" indent="0">
-              <a:buNone/>
+            <a:pPr lvl="1">
+              <a:buFont typeface="Wingdings" panose="05000000000000000000" pitchFamily="2" charset="2"/>
+              <a:buChar char="§"/>
             </a:pPr>
-            <a:r>
-              <a:rPr lang="en-US" altLang="ko-KR" dirty="0"/>
-              <a:t>1. </a:t>
-            </a:r>
             <a:r>
               <a:rPr lang="ko-KR" altLang="en-US" dirty="0" err="1"/>
               <a:t>챕터별</a:t>
@@ -7671,13 +7693,10 @@
             <a:endParaRPr lang="en-US" altLang="ko-KR" dirty="0"/>
           </a:p>
           <a:p>
-            <a:pPr marL="457200" lvl="1" indent="0">
-              <a:buNone/>
+            <a:pPr lvl="1">
+              <a:buFont typeface="Wingdings" panose="05000000000000000000" pitchFamily="2" charset="2"/>
+              <a:buChar char="§"/>
             </a:pPr>
-            <a:r>
-              <a:rPr lang="en-US" altLang="ko-KR" dirty="0"/>
-              <a:t>2. </a:t>
-            </a:r>
             <a:r>
               <a:rPr lang="ko-KR" altLang="en-US" dirty="0"/>
               <a:t>문장을 직접 드래그해 </a:t>
@@ -9571,14 +9590,14 @@
           <p:nvPr>
             <p:extLst>
               <p:ext uri="{D42A27DB-BD31-4B8C-83A1-F6EECF244321}">
-                <p14:modId xmlns:p14="http://schemas.microsoft.com/office/powerpoint/2010/main" val="1134749667"/>
+                <p14:modId xmlns:p14="http://schemas.microsoft.com/office/powerpoint/2010/main" val="3886669492"/>
               </p:ext>
             </p:extLst>
           </p:nvPr>
         </p:nvGraphicFramePr>
         <p:xfrm>
-          <a:off x="6526601" y="13416"/>
-          <a:ext cx="5257801" cy="2502180"/>
+          <a:off x="6526601" y="13415"/>
+          <a:ext cx="5257801" cy="3000375"/>
         </p:xfrm>
         <a:graphic>
           <a:graphicData uri="http://schemas.openxmlformats.org/drawingml/2006/table">
@@ -9616,7 +9635,7 @@
                   </a:extLst>
                 </a:gridCol>
               </a:tblGrid>
-              <a:tr h="276306">
+              <a:tr h="365487">
                 <a:tc>
                   <a:txBody>
                     <a:bodyPr/>
@@ -9679,7 +9698,7 @@
                   </a:ext>
                 </a:extLst>
               </a:tr>
-              <a:tr h="276306">
+              <a:tr h="365487">
                 <a:tc rowSpan="3">
                   <a:txBody>
                     <a:bodyPr/>
@@ -9777,7 +9796,7 @@
                   </a:ext>
                 </a:extLst>
               </a:tr>
-              <a:tr h="469721">
+              <a:tr h="621328">
                 <a:tc vMerge="1">
                   <a:txBody>
                     <a:bodyPr/>
@@ -9873,7 +9892,7 @@
                   </a:ext>
                 </a:extLst>
               </a:tr>
-              <a:tr h="469721">
+              <a:tr h="621328">
                 <a:tc vMerge="1">
                   <a:txBody>
                     <a:bodyPr/>
@@ -10018,7 +10037,7 @@
                   </a:ext>
                 </a:extLst>
               </a:tr>
-              <a:tr h="338100">
+              <a:tr h="405417">
                 <a:tc rowSpan="2">
                   <a:txBody>
                     <a:bodyPr/>
@@ -10139,7 +10158,7 @@
                   </a:ext>
                 </a:extLst>
               </a:tr>
-              <a:tr h="518160">
+              <a:tr h="621328">
                 <a:tc vMerge="1">
                   <a:txBody>
                     <a:bodyPr/>
@@ -12255,7 +12274,7 @@
         <p:spPr>
           <a:xfrm>
             <a:off x="601797" y="4921805"/>
-            <a:ext cx="11068050" cy="923330"/>
+            <a:ext cx="11068050" cy="1285288"/>
           </a:xfrm>
           <a:prstGeom prst="rect">
             <a:avLst/>
@@ -12268,6 +12287,11 @@
           </a:bodyPr>
           <a:lstStyle/>
           <a:p>
+            <a:pPr>
+              <a:lnSpc>
+                <a:spcPct val="150000"/>
+              </a:lnSpc>
+            </a:pPr>
             <a:r>
               <a:rPr lang="ko-KR" altLang="en-US" dirty="0"/>
               <a:t>기존 어플과 다른 </a:t>
@@ -12284,6 +12308,9 @@
           </a:p>
           <a:p>
             <a:pPr marL="742950" lvl="1" indent="-285750">
+              <a:lnSpc>
+                <a:spcPct val="150000"/>
+              </a:lnSpc>
               <a:buFont typeface="Wingdings" panose="05000000000000000000" pitchFamily="2" charset="2"/>
               <a:buChar char="§"/>
             </a:pPr>
@@ -12298,6 +12325,9 @@
           </a:p>
           <a:p>
             <a:pPr marL="742950" lvl="1" indent="-285750">
+              <a:lnSpc>
+                <a:spcPct val="150000"/>
+              </a:lnSpc>
               <a:buFont typeface="Wingdings" panose="05000000000000000000" pitchFamily="2" charset="2"/>
               <a:buChar char="§"/>
             </a:pPr>
@@ -12740,6 +12770,7 @@
             <a:avLst/>
           </a:prstGeom>
           <a:ln w="28575">
+            <a:headEnd type="oval"/>
             <a:tailEnd type="triangle"/>
           </a:ln>
         </p:spPr>
@@ -12774,13 +12805,14 @@
         </p:nvCxnSpPr>
         <p:spPr>
           <a:xfrm flipV="1">
-            <a:off x="3568446" y="2086442"/>
-            <a:ext cx="1211656" cy="388123"/>
+            <a:off x="3078760" y="2086443"/>
+            <a:ext cx="1701342" cy="515805"/>
           </a:xfrm>
           <a:prstGeom prst="straightConnector1">
             <a:avLst/>
           </a:prstGeom>
           <a:ln w="28575">
+            <a:headEnd type="oval"/>
             <a:tailEnd type="triangle"/>
           </a:ln>
         </p:spPr>
@@ -12820,6 +12852,7 @@
             <a:avLst/>
           </a:prstGeom>
           <a:ln w="28575">
+            <a:headEnd type="oval"/>
             <a:tailEnd type="triangle"/>
           </a:ln>
         </p:spPr>
@@ -13115,6 +13148,7 @@
             <a:avLst/>
           </a:prstGeom>
           <a:ln w="28575">
+            <a:headEnd type="oval"/>
             <a:tailEnd type="triangle"/>
           </a:ln>
         </p:spPr>
@@ -13154,6 +13188,7 @@
             <a:avLst/>
           </a:prstGeom>
           <a:ln w="28575">
+            <a:headEnd type="oval"/>
             <a:tailEnd type="triangle"/>
           </a:ln>
         </p:spPr>
@@ -13195,6 +13230,7 @@
             <a:avLst/>
           </a:prstGeom>
           <a:ln w="28575">
+            <a:headEnd type="oval"/>
             <a:tailEnd type="triangle"/>
           </a:ln>
         </p:spPr>
@@ -13353,6 +13389,7 @@
             <a:avLst/>
           </a:prstGeom>
           <a:ln w="28575">
+            <a:headEnd type="oval"/>
             <a:tailEnd type="triangle"/>
           </a:ln>
         </p:spPr>

--- a/보고서/사용자인터페이스(나) 제안발표ppt_3code.pptx
+++ b/보고서/사용자인터페이스(나) 제안발표ppt_3code.pptx
@@ -1,9 +1,12 @@
 
 <file path=ppt/presentation.xml><?xml version="1.0" encoding="utf-8"?>
-<p:presentation xmlns:a="http://schemas.openxmlformats.org/drawingml/2006/main" xmlns:r="http://schemas.openxmlformats.org/officeDocument/2006/relationships" xmlns:p="http://schemas.openxmlformats.org/presentationml/2006/main" saveSubsetFonts="1">
+<p:presentation xmlns:a="http://schemas.openxmlformats.org/drawingml/2006/main" xmlns:r="http://schemas.openxmlformats.org/officeDocument/2006/relationships" xmlns:p="http://schemas.openxmlformats.org/presentationml/2006/main" showSpecialPlsOnTitleSld="0" saveSubsetFonts="1">
   <p:sldMasterIdLst>
     <p:sldMasterId id="2147483648" r:id="rId1"/>
   </p:sldMasterIdLst>
+  <p:notesMasterIdLst>
+    <p:notesMasterId r:id="rId22"/>
+  </p:notesMasterIdLst>
   <p:sldIdLst>
     <p:sldId id="256" r:id="rId2"/>
     <p:sldId id="282" r:id="rId3"/>
@@ -131,6 +134,355 @@
 </p:presentation>
 </file>
 
+<file path=ppt/notesMasters/notesMaster1.xml><?xml version="1.0" encoding="utf-8"?>
+<p:notesMaster xmlns:a="http://schemas.openxmlformats.org/drawingml/2006/main" xmlns:r="http://schemas.openxmlformats.org/officeDocument/2006/relationships" xmlns:p="http://schemas.openxmlformats.org/presentationml/2006/main">
+  <p:cSld>
+    <p:bg>
+      <p:bgRef idx="1001">
+        <a:schemeClr val="bg1"/>
+      </p:bgRef>
+    </p:bg>
+    <p:spTree>
+      <p:nvGrpSpPr>
+        <p:cNvPr id="1" name=""/>
+        <p:cNvGrpSpPr/>
+        <p:nvPr/>
+      </p:nvGrpSpPr>
+      <p:grpSpPr>
+        <a:xfrm>
+          <a:off x="0" y="0"/>
+          <a:ext cx="0" cy="0"/>
+          <a:chOff x="0" y="0"/>
+          <a:chExt cx="0" cy="0"/>
+        </a:xfrm>
+      </p:grpSpPr>
+      <p:sp>
+        <p:nvSpPr>
+          <p:cNvPr id="2" name="머리글 개체 틀 1"/>
+          <p:cNvSpPr>
+            <a:spLocks noGrp="1"/>
+          </p:cNvSpPr>
+          <p:nvPr>
+            <p:ph type="hdr" sz="quarter"/>
+          </p:nvPr>
+        </p:nvSpPr>
+        <p:spPr>
+          <a:xfrm>
+            <a:off x="0" y="0"/>
+            <a:ext cx="2971800" cy="458788"/>
+          </a:xfrm>
+          <a:prstGeom prst="rect">
+            <a:avLst/>
+          </a:prstGeom>
+        </p:spPr>
+        <p:txBody>
+          <a:bodyPr vert="horz" lIns="91440" tIns="45720" rIns="91440" bIns="45720" rtlCol="0"/>
+          <a:lstStyle>
+            <a:lvl1pPr algn="l">
+              <a:defRPr sz="1200"/>
+            </a:lvl1pPr>
+          </a:lstStyle>
+          <a:p>
+            <a:endParaRPr lang="ko-KR" altLang="en-US"/>
+          </a:p>
+        </p:txBody>
+      </p:sp>
+      <p:sp>
+        <p:nvSpPr>
+          <p:cNvPr id="3" name="날짜 개체 틀 2"/>
+          <p:cNvSpPr>
+            <a:spLocks noGrp="1"/>
+          </p:cNvSpPr>
+          <p:nvPr>
+            <p:ph type="dt" idx="1"/>
+          </p:nvPr>
+        </p:nvSpPr>
+        <p:spPr>
+          <a:xfrm>
+            <a:off x="3884613" y="0"/>
+            <a:ext cx="2971800" cy="458788"/>
+          </a:xfrm>
+          <a:prstGeom prst="rect">
+            <a:avLst/>
+          </a:prstGeom>
+        </p:spPr>
+        <p:txBody>
+          <a:bodyPr vert="horz" lIns="91440" tIns="45720" rIns="91440" bIns="45720" rtlCol="0"/>
+          <a:lstStyle>
+            <a:lvl1pPr algn="r">
+              <a:defRPr sz="1200"/>
+            </a:lvl1pPr>
+          </a:lstStyle>
+          <a:p>
+            <a:fld id="{BDD4E16C-89C7-4A21-9DDF-38D029041CA5}" type="datetimeFigureOut">
+              <a:rPr lang="ko-KR" altLang="en-US" smtClean="0"/>
+              <a:t>2020-10-30</a:t>
+            </a:fld>
+            <a:endParaRPr lang="ko-KR" altLang="en-US"/>
+          </a:p>
+        </p:txBody>
+      </p:sp>
+      <p:sp>
+        <p:nvSpPr>
+          <p:cNvPr id="4" name="슬라이드 이미지 개체 틀 3"/>
+          <p:cNvSpPr>
+            <a:spLocks noGrp="1" noRot="1" noChangeAspect="1"/>
+          </p:cNvSpPr>
+          <p:nvPr>
+            <p:ph type="sldImg" idx="2"/>
+          </p:nvPr>
+        </p:nvSpPr>
+        <p:spPr>
+          <a:xfrm>
+            <a:off x="685800" y="1143000"/>
+            <a:ext cx="5486400" cy="3086100"/>
+          </a:xfrm>
+          <a:prstGeom prst="rect">
+            <a:avLst/>
+          </a:prstGeom>
+          <a:noFill/>
+          <a:ln w="12700">
+            <a:solidFill>
+              <a:prstClr val="black"/>
+            </a:solidFill>
+          </a:ln>
+        </p:spPr>
+        <p:txBody>
+          <a:bodyPr vert="horz" lIns="91440" tIns="45720" rIns="91440" bIns="45720" rtlCol="0" anchor="ctr"/>
+          <a:lstStyle/>
+          <a:p>
+            <a:endParaRPr lang="ko-KR" altLang="en-US"/>
+          </a:p>
+        </p:txBody>
+      </p:sp>
+      <p:sp>
+        <p:nvSpPr>
+          <p:cNvPr id="5" name="슬라이드 노트 개체 틀 4"/>
+          <p:cNvSpPr>
+            <a:spLocks noGrp="1"/>
+          </p:cNvSpPr>
+          <p:nvPr>
+            <p:ph type="body" sz="quarter" idx="3"/>
+          </p:nvPr>
+        </p:nvSpPr>
+        <p:spPr>
+          <a:xfrm>
+            <a:off x="685800" y="4400550"/>
+            <a:ext cx="5486400" cy="3600450"/>
+          </a:xfrm>
+          <a:prstGeom prst="rect">
+            <a:avLst/>
+          </a:prstGeom>
+        </p:spPr>
+        <p:txBody>
+          <a:bodyPr vert="horz" lIns="91440" tIns="45720" rIns="91440" bIns="45720" rtlCol="0"/>
+          <a:lstStyle/>
+          <a:p>
+            <a:pPr lvl="0"/>
+            <a:r>
+              <a:rPr lang="ko-KR" altLang="en-US"/>
+              <a:t>마스터 텍스트 스타일을 편집하려면 클릭</a:t>
+            </a:r>
+          </a:p>
+          <a:p>
+            <a:pPr lvl="1"/>
+            <a:r>
+              <a:rPr lang="ko-KR" altLang="en-US"/>
+              <a:t>두 번째 수준</a:t>
+            </a:r>
+          </a:p>
+          <a:p>
+            <a:pPr lvl="2"/>
+            <a:r>
+              <a:rPr lang="ko-KR" altLang="en-US"/>
+              <a:t>세 번째 수준</a:t>
+            </a:r>
+          </a:p>
+          <a:p>
+            <a:pPr lvl="3"/>
+            <a:r>
+              <a:rPr lang="ko-KR" altLang="en-US"/>
+              <a:t>네 번째 수준</a:t>
+            </a:r>
+          </a:p>
+          <a:p>
+            <a:pPr lvl="4"/>
+            <a:r>
+              <a:rPr lang="ko-KR" altLang="en-US"/>
+              <a:t>다섯 번째 수준</a:t>
+            </a:r>
+          </a:p>
+        </p:txBody>
+      </p:sp>
+      <p:sp>
+        <p:nvSpPr>
+          <p:cNvPr id="6" name="바닥글 개체 틀 5"/>
+          <p:cNvSpPr>
+            <a:spLocks noGrp="1"/>
+          </p:cNvSpPr>
+          <p:nvPr>
+            <p:ph type="ftr" sz="quarter" idx="4"/>
+          </p:nvPr>
+        </p:nvSpPr>
+        <p:spPr>
+          <a:xfrm>
+            <a:off x="0" y="8685213"/>
+            <a:ext cx="2971800" cy="458787"/>
+          </a:xfrm>
+          <a:prstGeom prst="rect">
+            <a:avLst/>
+          </a:prstGeom>
+        </p:spPr>
+        <p:txBody>
+          <a:bodyPr vert="horz" lIns="91440" tIns="45720" rIns="91440" bIns="45720" rtlCol="0" anchor="b"/>
+          <a:lstStyle>
+            <a:lvl1pPr algn="l">
+              <a:defRPr sz="1200"/>
+            </a:lvl1pPr>
+          </a:lstStyle>
+          <a:p>
+            <a:endParaRPr lang="ko-KR" altLang="en-US"/>
+          </a:p>
+        </p:txBody>
+      </p:sp>
+      <p:sp>
+        <p:nvSpPr>
+          <p:cNvPr id="7" name="슬라이드 번호 개체 틀 6"/>
+          <p:cNvSpPr>
+            <a:spLocks noGrp="1"/>
+          </p:cNvSpPr>
+          <p:nvPr>
+            <p:ph type="sldNum" sz="quarter" idx="5"/>
+          </p:nvPr>
+        </p:nvSpPr>
+        <p:spPr>
+          <a:xfrm>
+            <a:off x="3884613" y="8685213"/>
+            <a:ext cx="2971800" cy="458787"/>
+          </a:xfrm>
+          <a:prstGeom prst="rect">
+            <a:avLst/>
+          </a:prstGeom>
+        </p:spPr>
+        <p:txBody>
+          <a:bodyPr vert="horz" lIns="91440" tIns="45720" rIns="91440" bIns="45720" rtlCol="0" anchor="b"/>
+          <a:lstStyle>
+            <a:lvl1pPr algn="r">
+              <a:defRPr sz="1200"/>
+            </a:lvl1pPr>
+          </a:lstStyle>
+          <a:p>
+            <a:fld id="{01C14358-ADC2-4AAF-9789-72AB46227A5A}" type="slidenum">
+              <a:rPr lang="ko-KR" altLang="en-US" smtClean="0"/>
+              <a:t>‹#›</a:t>
+            </a:fld>
+            <a:endParaRPr lang="ko-KR" altLang="en-US"/>
+          </a:p>
+        </p:txBody>
+      </p:sp>
+    </p:spTree>
+    <p:extLst>
+      <p:ext uri="{BB962C8B-B14F-4D97-AF65-F5344CB8AC3E}">
+        <p14:creationId xmlns:p14="http://schemas.microsoft.com/office/powerpoint/2010/main" val="3059583926"/>
+      </p:ext>
+    </p:extLst>
+  </p:cSld>
+  <p:clrMap bg1="lt1" tx1="dk1" bg2="lt2" tx2="dk2" accent1="accent1" accent2="accent2" accent3="accent3" accent4="accent4" accent5="accent5" accent6="accent6" hlink="hlink" folHlink="folHlink"/>
+  <p:notesStyle>
+    <a:lvl1pPr marL="0" algn="l" defTabSz="914400" rtl="0" eaLnBrk="1" latinLnBrk="1" hangingPunct="1">
+      <a:defRPr sz="1200" kern="1200">
+        <a:solidFill>
+          <a:schemeClr val="tx1"/>
+        </a:solidFill>
+        <a:latin typeface="+mn-lt"/>
+        <a:ea typeface="+mn-ea"/>
+        <a:cs typeface="+mn-cs"/>
+      </a:defRPr>
+    </a:lvl1pPr>
+    <a:lvl2pPr marL="457200" algn="l" defTabSz="914400" rtl="0" eaLnBrk="1" latinLnBrk="1" hangingPunct="1">
+      <a:defRPr sz="1200" kern="1200">
+        <a:solidFill>
+          <a:schemeClr val="tx1"/>
+        </a:solidFill>
+        <a:latin typeface="+mn-lt"/>
+        <a:ea typeface="+mn-ea"/>
+        <a:cs typeface="+mn-cs"/>
+      </a:defRPr>
+    </a:lvl2pPr>
+    <a:lvl3pPr marL="914400" algn="l" defTabSz="914400" rtl="0" eaLnBrk="1" latinLnBrk="1" hangingPunct="1">
+      <a:defRPr sz="1200" kern="1200">
+        <a:solidFill>
+          <a:schemeClr val="tx1"/>
+        </a:solidFill>
+        <a:latin typeface="+mn-lt"/>
+        <a:ea typeface="+mn-ea"/>
+        <a:cs typeface="+mn-cs"/>
+      </a:defRPr>
+    </a:lvl3pPr>
+    <a:lvl4pPr marL="1371600" algn="l" defTabSz="914400" rtl="0" eaLnBrk="1" latinLnBrk="1" hangingPunct="1">
+      <a:defRPr sz="1200" kern="1200">
+        <a:solidFill>
+          <a:schemeClr val="tx1"/>
+        </a:solidFill>
+        <a:latin typeface="+mn-lt"/>
+        <a:ea typeface="+mn-ea"/>
+        <a:cs typeface="+mn-cs"/>
+      </a:defRPr>
+    </a:lvl4pPr>
+    <a:lvl5pPr marL="1828800" algn="l" defTabSz="914400" rtl="0" eaLnBrk="1" latinLnBrk="1" hangingPunct="1">
+      <a:defRPr sz="1200" kern="1200">
+        <a:solidFill>
+          <a:schemeClr val="tx1"/>
+        </a:solidFill>
+        <a:latin typeface="+mn-lt"/>
+        <a:ea typeface="+mn-ea"/>
+        <a:cs typeface="+mn-cs"/>
+      </a:defRPr>
+    </a:lvl5pPr>
+    <a:lvl6pPr marL="2286000" algn="l" defTabSz="914400" rtl="0" eaLnBrk="1" latinLnBrk="1" hangingPunct="1">
+      <a:defRPr sz="1200" kern="1200">
+        <a:solidFill>
+          <a:schemeClr val="tx1"/>
+        </a:solidFill>
+        <a:latin typeface="+mn-lt"/>
+        <a:ea typeface="+mn-ea"/>
+        <a:cs typeface="+mn-cs"/>
+      </a:defRPr>
+    </a:lvl6pPr>
+    <a:lvl7pPr marL="2743200" algn="l" defTabSz="914400" rtl="0" eaLnBrk="1" latinLnBrk="1" hangingPunct="1">
+      <a:defRPr sz="1200" kern="1200">
+        <a:solidFill>
+          <a:schemeClr val="tx1"/>
+        </a:solidFill>
+        <a:latin typeface="+mn-lt"/>
+        <a:ea typeface="+mn-ea"/>
+        <a:cs typeface="+mn-cs"/>
+      </a:defRPr>
+    </a:lvl7pPr>
+    <a:lvl8pPr marL="3200400" algn="l" defTabSz="914400" rtl="0" eaLnBrk="1" latinLnBrk="1" hangingPunct="1">
+      <a:defRPr sz="1200" kern="1200">
+        <a:solidFill>
+          <a:schemeClr val="tx1"/>
+        </a:solidFill>
+        <a:latin typeface="+mn-lt"/>
+        <a:ea typeface="+mn-ea"/>
+        <a:cs typeface="+mn-cs"/>
+      </a:defRPr>
+    </a:lvl8pPr>
+    <a:lvl9pPr marL="3657600" algn="l" defTabSz="914400" rtl="0" eaLnBrk="1" latinLnBrk="1" hangingPunct="1">
+      <a:defRPr sz="1200" kern="1200">
+        <a:solidFill>
+          <a:schemeClr val="tx1"/>
+        </a:solidFill>
+        <a:latin typeface="+mn-lt"/>
+        <a:ea typeface="+mn-ea"/>
+        <a:cs typeface="+mn-cs"/>
+      </a:defRPr>
+    </a:lvl9pPr>
+  </p:notesStyle>
+</p:notesMaster>
+</file>
+
 <file path=ppt/slideLayouts/slideLayout1.xml><?xml version="1.0" encoding="utf-8"?>
 <p:sldLayout xmlns:a="http://schemas.openxmlformats.org/drawingml/2006/main" xmlns:r="http://schemas.openxmlformats.org/officeDocument/2006/relationships" xmlns:p="http://schemas.openxmlformats.org/presentationml/2006/main" type="title" preserve="1">
   <p:cSld name="제목 슬라이드">
@@ -276,7 +628,7 @@
           <a:bodyPr/>
           <a:lstStyle/>
           <a:p>
-            <a:fld id="{81CFE647-D1B4-40D3-8B7A-C201E16AF312}" type="datetimeFigureOut">
+            <a:fld id="{B67DFD57-D9BD-4749-97AF-31CC4EC3D7AB}" type="datetime1">
               <a:rPr lang="ko-KR" altLang="en-US" smtClean="0"/>
               <a:t>2020-10-30</a:t>
             </a:fld>
@@ -474,7 +826,7 @@
           <a:bodyPr/>
           <a:lstStyle/>
           <a:p>
-            <a:fld id="{81CFE647-D1B4-40D3-8B7A-C201E16AF312}" type="datetimeFigureOut">
+            <a:fld id="{04A5EFF1-B260-4E22-BB97-5BB4E18AF4FD}" type="datetime1">
               <a:rPr lang="ko-KR" altLang="en-US" smtClean="0"/>
               <a:t>2020-10-30</a:t>
             </a:fld>
@@ -682,7 +1034,7 @@
           <a:bodyPr/>
           <a:lstStyle/>
           <a:p>
-            <a:fld id="{81CFE647-D1B4-40D3-8B7A-C201E16AF312}" type="datetimeFigureOut">
+            <a:fld id="{C69476EA-5931-40B7-A1C6-011AA1433D88}" type="datetime1">
               <a:rPr lang="ko-KR" altLang="en-US" smtClean="0"/>
               <a:t>2020-10-30</a:t>
             </a:fld>
@@ -880,7 +1232,7 @@
           <a:bodyPr/>
           <a:lstStyle/>
           <a:p>
-            <a:fld id="{81CFE647-D1B4-40D3-8B7A-C201E16AF312}" type="datetimeFigureOut">
+            <a:fld id="{3CA65116-FACB-4645-A8AD-06ACADD0E7F0}" type="datetime1">
               <a:rPr lang="ko-KR" altLang="en-US" smtClean="0"/>
               <a:t>2020-10-30</a:t>
             </a:fld>
@@ -1155,7 +1507,7 @@
           <a:bodyPr/>
           <a:lstStyle/>
           <a:p>
-            <a:fld id="{81CFE647-D1B4-40D3-8B7A-C201E16AF312}" type="datetimeFigureOut">
+            <a:fld id="{9E683112-172E-4A2D-AA2D-508E637F1E2E}" type="datetime1">
               <a:rPr lang="ko-KR" altLang="en-US" smtClean="0"/>
               <a:t>2020-10-30</a:t>
             </a:fld>
@@ -1420,7 +1772,7 @@
           <a:bodyPr/>
           <a:lstStyle/>
           <a:p>
-            <a:fld id="{81CFE647-D1B4-40D3-8B7A-C201E16AF312}" type="datetimeFigureOut">
+            <a:fld id="{7BF81C29-4F1F-4B30-B4AA-F4029735AFD7}" type="datetime1">
               <a:rPr lang="ko-KR" altLang="en-US" smtClean="0"/>
               <a:t>2020-10-30</a:t>
             </a:fld>
@@ -1832,7 +2184,7 @@
           <a:bodyPr/>
           <a:lstStyle/>
           <a:p>
-            <a:fld id="{81CFE647-D1B4-40D3-8B7A-C201E16AF312}" type="datetimeFigureOut">
+            <a:fld id="{8AC5ECBF-3328-4AF6-B6E6-B815E4878943}" type="datetime1">
               <a:rPr lang="ko-KR" altLang="en-US" smtClean="0"/>
               <a:t>2020-10-30</a:t>
             </a:fld>
@@ -1973,7 +2325,7 @@
           <a:bodyPr/>
           <a:lstStyle/>
           <a:p>
-            <a:fld id="{81CFE647-D1B4-40D3-8B7A-C201E16AF312}" type="datetimeFigureOut">
+            <a:fld id="{A513C996-C419-4AEC-9E2E-39DE61B7754C}" type="datetime1">
               <a:rPr lang="ko-KR" altLang="en-US" smtClean="0"/>
               <a:t>2020-10-30</a:t>
             </a:fld>
@@ -2086,7 +2438,7 @@
           <a:bodyPr/>
           <a:lstStyle/>
           <a:p>
-            <a:fld id="{81CFE647-D1B4-40D3-8B7A-C201E16AF312}" type="datetimeFigureOut">
+            <a:fld id="{D10209BA-D170-42D5-B097-8913D2A663CB}" type="datetime1">
               <a:rPr lang="ko-KR" altLang="en-US" smtClean="0"/>
               <a:t>2020-10-30</a:t>
             </a:fld>
@@ -2397,7 +2749,7 @@
           <a:bodyPr/>
           <a:lstStyle/>
           <a:p>
-            <a:fld id="{81CFE647-D1B4-40D3-8B7A-C201E16AF312}" type="datetimeFigureOut">
+            <a:fld id="{B1CFD069-B72B-434E-817E-CB5A6FB92815}" type="datetime1">
               <a:rPr lang="ko-KR" altLang="en-US" smtClean="0"/>
               <a:t>2020-10-30</a:t>
             </a:fld>
@@ -2685,7 +3037,7 @@
           <a:bodyPr/>
           <a:lstStyle/>
           <a:p>
-            <a:fld id="{81CFE647-D1B4-40D3-8B7A-C201E16AF312}" type="datetimeFigureOut">
+            <a:fld id="{420FCC71-E3DA-4C36-9FB8-CDAFC9D6E7FF}" type="datetime1">
               <a:rPr lang="ko-KR" altLang="en-US" smtClean="0"/>
               <a:t>2020-10-30</a:t>
             </a:fld>
@@ -2931,7 +3283,7 @@
             </a:lvl1pPr>
           </a:lstStyle>
           <a:p>
-            <a:fld id="{81CFE647-D1B4-40D3-8B7A-C201E16AF312}" type="datetimeFigureOut">
+            <a:fld id="{60C7F740-7F38-469D-B741-F0E8CCBE1ABA}" type="datetime1">
               <a:rPr lang="ko-KR" altLang="en-US" smtClean="0"/>
               <a:t>2020-10-30</a:t>
             </a:fld>
@@ -3050,6 +3402,7 @@
     <p:sldLayoutId id="2147483658" r:id="rId10"/>
     <p:sldLayoutId id="2147483659" r:id="rId11"/>
   </p:sldLayoutIdLst>
+  <p:hf hdr="0" ftr="0" dt="0"/>
   <p:txStyles>
     <p:titleStyle>
       <a:lvl1pPr algn="l" defTabSz="914400" rtl="0" eaLnBrk="1" latinLnBrk="1" hangingPunct="1">
@@ -4113,6 +4466,35 @@
           </a:p>
         </p:txBody>
       </p:sp>
+      <p:sp>
+        <p:nvSpPr>
+          <p:cNvPr id="3" name="슬라이드 번호 개체 틀 2">
+            <a:extLst>
+              <a:ext uri="{FF2B5EF4-FFF2-40B4-BE49-F238E27FC236}">
+                <a16:creationId xmlns:a16="http://schemas.microsoft.com/office/drawing/2014/main" id="{69CEDED3-98BB-4225-9B36-8D45261F0153}"/>
+              </a:ext>
+            </a:extLst>
+          </p:cNvPr>
+          <p:cNvSpPr>
+            <a:spLocks noGrp="1"/>
+          </p:cNvSpPr>
+          <p:nvPr>
+            <p:ph type="sldNum" sz="quarter" idx="12"/>
+          </p:nvPr>
+        </p:nvSpPr>
+        <p:spPr/>
+        <p:txBody>
+          <a:bodyPr/>
+          <a:lstStyle/>
+          <a:p>
+            <a:fld id="{497EDF70-DA2F-4510-BFD3-603BD24B51AB}" type="slidenum">
+              <a:rPr lang="ko-KR" altLang="en-US" smtClean="0"/>
+              <a:t>10</a:t>
+            </a:fld>
+            <a:endParaRPr lang="ko-KR" altLang="en-US"/>
+          </a:p>
+        </p:txBody>
+      </p:sp>
     </p:spTree>
     <p:extLst>
       <p:ext uri="{BB962C8B-B14F-4D97-AF65-F5344CB8AC3E}">
@@ -4816,6 +5198,35 @@
               </a:rPr>
               <a:t>번역</a:t>
             </a:r>
+          </a:p>
+        </p:txBody>
+      </p:sp>
+      <p:sp>
+        <p:nvSpPr>
+          <p:cNvPr id="3" name="슬라이드 번호 개체 틀 2">
+            <a:extLst>
+              <a:ext uri="{FF2B5EF4-FFF2-40B4-BE49-F238E27FC236}">
+                <a16:creationId xmlns:a16="http://schemas.microsoft.com/office/drawing/2014/main" id="{5BD07B7A-6EB4-4FED-A17D-9C1CBFE4D9F5}"/>
+              </a:ext>
+            </a:extLst>
+          </p:cNvPr>
+          <p:cNvSpPr>
+            <a:spLocks noGrp="1"/>
+          </p:cNvSpPr>
+          <p:nvPr>
+            <p:ph type="sldNum" sz="quarter" idx="12"/>
+          </p:nvPr>
+        </p:nvSpPr>
+        <p:spPr/>
+        <p:txBody>
+          <a:bodyPr/>
+          <a:lstStyle/>
+          <a:p>
+            <a:fld id="{497EDF70-DA2F-4510-BFD3-603BD24B51AB}" type="slidenum">
+              <a:rPr lang="ko-KR" altLang="en-US" smtClean="0"/>
+              <a:t>11</a:t>
+            </a:fld>
+            <a:endParaRPr lang="ko-KR" altLang="en-US"/>
           </a:p>
         </p:txBody>
       </p:sp>
@@ -5406,6 +5817,35 @@
           </a:p>
         </p:txBody>
       </p:sp>
+      <p:sp>
+        <p:nvSpPr>
+          <p:cNvPr id="9" name="슬라이드 번호 개체 틀 8">
+            <a:extLst>
+              <a:ext uri="{FF2B5EF4-FFF2-40B4-BE49-F238E27FC236}">
+                <a16:creationId xmlns:a16="http://schemas.microsoft.com/office/drawing/2014/main" id="{ADD2F076-DA42-4B8A-98EB-02AC37D0AD50}"/>
+              </a:ext>
+            </a:extLst>
+          </p:cNvPr>
+          <p:cNvSpPr>
+            <a:spLocks noGrp="1"/>
+          </p:cNvSpPr>
+          <p:nvPr>
+            <p:ph type="sldNum" sz="quarter" idx="12"/>
+          </p:nvPr>
+        </p:nvSpPr>
+        <p:spPr/>
+        <p:txBody>
+          <a:bodyPr/>
+          <a:lstStyle/>
+          <a:p>
+            <a:fld id="{497EDF70-DA2F-4510-BFD3-603BD24B51AB}" type="slidenum">
+              <a:rPr lang="ko-KR" altLang="en-US" smtClean="0"/>
+              <a:t>12</a:t>
+            </a:fld>
+            <a:endParaRPr lang="ko-KR" altLang="en-US"/>
+          </a:p>
+        </p:txBody>
+      </p:sp>
     </p:spTree>
     <p:extLst>
       <p:ext uri="{BB962C8B-B14F-4D97-AF65-F5344CB8AC3E}">
@@ -5826,6 +6266,35 @@
           </a:p>
         </p:txBody>
       </p:sp>
+      <p:sp>
+        <p:nvSpPr>
+          <p:cNvPr id="3" name="슬라이드 번호 개체 틀 2">
+            <a:extLst>
+              <a:ext uri="{FF2B5EF4-FFF2-40B4-BE49-F238E27FC236}">
+                <a16:creationId xmlns:a16="http://schemas.microsoft.com/office/drawing/2014/main" id="{3E8821D1-CE48-4D05-9F91-18C28D1538EF}"/>
+              </a:ext>
+            </a:extLst>
+          </p:cNvPr>
+          <p:cNvSpPr>
+            <a:spLocks noGrp="1"/>
+          </p:cNvSpPr>
+          <p:nvPr>
+            <p:ph type="sldNum" sz="quarter" idx="12"/>
+          </p:nvPr>
+        </p:nvSpPr>
+        <p:spPr/>
+        <p:txBody>
+          <a:bodyPr/>
+          <a:lstStyle/>
+          <a:p>
+            <a:fld id="{497EDF70-DA2F-4510-BFD3-603BD24B51AB}" type="slidenum">
+              <a:rPr lang="ko-KR" altLang="en-US" smtClean="0"/>
+              <a:t>13</a:t>
+            </a:fld>
+            <a:endParaRPr lang="ko-KR" altLang="en-US"/>
+          </a:p>
+        </p:txBody>
+      </p:sp>
     </p:spTree>
     <p:extLst>
       <p:ext uri="{BB962C8B-B14F-4D97-AF65-F5344CB8AC3E}">
@@ -6133,6 +6602,35 @@
           </a:p>
         </p:txBody>
       </p:sp>
+      <p:sp>
+        <p:nvSpPr>
+          <p:cNvPr id="3" name="슬라이드 번호 개체 틀 2">
+            <a:extLst>
+              <a:ext uri="{FF2B5EF4-FFF2-40B4-BE49-F238E27FC236}">
+                <a16:creationId xmlns:a16="http://schemas.microsoft.com/office/drawing/2014/main" id="{1586A06D-A5B1-43D5-8ACE-67C0521D435F}"/>
+              </a:ext>
+            </a:extLst>
+          </p:cNvPr>
+          <p:cNvSpPr>
+            <a:spLocks noGrp="1"/>
+          </p:cNvSpPr>
+          <p:nvPr>
+            <p:ph type="sldNum" sz="quarter" idx="12"/>
+          </p:nvPr>
+        </p:nvSpPr>
+        <p:spPr/>
+        <p:txBody>
+          <a:bodyPr/>
+          <a:lstStyle/>
+          <a:p>
+            <a:fld id="{497EDF70-DA2F-4510-BFD3-603BD24B51AB}" type="slidenum">
+              <a:rPr lang="ko-KR" altLang="en-US" smtClean="0"/>
+              <a:t>14</a:t>
+            </a:fld>
+            <a:endParaRPr lang="ko-KR" altLang="en-US"/>
+          </a:p>
+        </p:txBody>
+      </p:sp>
     </p:spTree>
     <p:extLst>
       <p:ext uri="{BB962C8B-B14F-4D97-AF65-F5344CB8AC3E}">
@@ -6517,6 +7015,35 @@
           </a:prstGeom>
         </p:spPr>
       </p:pic>
+      <p:sp>
+        <p:nvSpPr>
+          <p:cNvPr id="6" name="슬라이드 번호 개체 틀 5">
+            <a:extLst>
+              <a:ext uri="{FF2B5EF4-FFF2-40B4-BE49-F238E27FC236}">
+                <a16:creationId xmlns:a16="http://schemas.microsoft.com/office/drawing/2014/main" id="{41CA636D-636D-42E3-9D59-F536F49595EC}"/>
+              </a:ext>
+            </a:extLst>
+          </p:cNvPr>
+          <p:cNvSpPr>
+            <a:spLocks noGrp="1"/>
+          </p:cNvSpPr>
+          <p:nvPr>
+            <p:ph type="sldNum" sz="quarter" idx="12"/>
+          </p:nvPr>
+        </p:nvSpPr>
+        <p:spPr/>
+        <p:txBody>
+          <a:bodyPr/>
+          <a:lstStyle/>
+          <a:p>
+            <a:fld id="{497EDF70-DA2F-4510-BFD3-603BD24B51AB}" type="slidenum">
+              <a:rPr lang="ko-KR" altLang="en-US" smtClean="0"/>
+              <a:t>15</a:t>
+            </a:fld>
+            <a:endParaRPr lang="ko-KR" altLang="en-US"/>
+          </a:p>
+        </p:txBody>
+      </p:sp>
     </p:spTree>
     <p:extLst>
       <p:ext uri="{BB962C8B-B14F-4D97-AF65-F5344CB8AC3E}">
@@ -6710,7 +7237,7 @@
             </a:pPr>
             <a:r>
               <a:rPr lang="ko-KR" altLang="en-US" sz="2000" dirty="0"/>
-              <a:t>네이버 로그인 </a:t>
+              <a:t>   네이버 로그인 </a:t>
             </a:r>
             <a:r>
               <a:rPr lang="en-US" altLang="ko-KR" sz="2000" dirty="0" err="1"/>
@@ -6796,6 +7323,35 @@
           </a:prstGeom>
         </p:spPr>
       </p:pic>
+      <p:sp>
+        <p:nvSpPr>
+          <p:cNvPr id="6" name="슬라이드 번호 개체 틀 5">
+            <a:extLst>
+              <a:ext uri="{FF2B5EF4-FFF2-40B4-BE49-F238E27FC236}">
+                <a16:creationId xmlns:a16="http://schemas.microsoft.com/office/drawing/2014/main" id="{E88C60C0-1B2F-4969-A7F8-CF8D7FEB82B0}"/>
+              </a:ext>
+            </a:extLst>
+          </p:cNvPr>
+          <p:cNvSpPr>
+            <a:spLocks noGrp="1"/>
+          </p:cNvSpPr>
+          <p:nvPr>
+            <p:ph type="sldNum" sz="quarter" idx="12"/>
+          </p:nvPr>
+        </p:nvSpPr>
+        <p:spPr/>
+        <p:txBody>
+          <a:bodyPr/>
+          <a:lstStyle/>
+          <a:p>
+            <a:fld id="{497EDF70-DA2F-4510-BFD3-603BD24B51AB}" type="slidenum">
+              <a:rPr lang="ko-KR" altLang="en-US" smtClean="0"/>
+              <a:t>16</a:t>
+            </a:fld>
+            <a:endParaRPr lang="ko-KR" altLang="en-US"/>
+          </a:p>
+        </p:txBody>
+      </p:sp>
     </p:spTree>
     <p:extLst>
       <p:ext uri="{BB962C8B-B14F-4D97-AF65-F5344CB8AC3E}">
@@ -7087,6 +7643,35 @@
           </a:prstGeom>
         </p:spPr>
       </p:pic>
+      <p:sp>
+        <p:nvSpPr>
+          <p:cNvPr id="6" name="슬라이드 번호 개체 틀 5">
+            <a:extLst>
+              <a:ext uri="{FF2B5EF4-FFF2-40B4-BE49-F238E27FC236}">
+                <a16:creationId xmlns:a16="http://schemas.microsoft.com/office/drawing/2014/main" id="{1D49F534-13BE-4805-8D7B-2641E8D5D816}"/>
+              </a:ext>
+            </a:extLst>
+          </p:cNvPr>
+          <p:cNvSpPr>
+            <a:spLocks noGrp="1"/>
+          </p:cNvSpPr>
+          <p:nvPr>
+            <p:ph type="sldNum" sz="quarter" idx="12"/>
+          </p:nvPr>
+        </p:nvSpPr>
+        <p:spPr/>
+        <p:txBody>
+          <a:bodyPr/>
+          <a:lstStyle/>
+          <a:p>
+            <a:fld id="{497EDF70-DA2F-4510-BFD3-603BD24B51AB}" type="slidenum">
+              <a:rPr lang="ko-KR" altLang="en-US" smtClean="0"/>
+              <a:t>17</a:t>
+            </a:fld>
+            <a:endParaRPr lang="ko-KR" altLang="en-US"/>
+          </a:p>
+        </p:txBody>
+      </p:sp>
     </p:spTree>
     <p:extLst>
       <p:ext uri="{BB962C8B-B14F-4D97-AF65-F5344CB8AC3E}">
@@ -7502,6 +8087,35 @@
           </a:prstGeom>
         </p:spPr>
       </p:pic>
+      <p:sp>
+        <p:nvSpPr>
+          <p:cNvPr id="7" name="슬라이드 번호 개체 틀 6">
+            <a:extLst>
+              <a:ext uri="{FF2B5EF4-FFF2-40B4-BE49-F238E27FC236}">
+                <a16:creationId xmlns:a16="http://schemas.microsoft.com/office/drawing/2014/main" id="{A40240F0-BB1E-4952-A004-3157B80B2685}"/>
+              </a:ext>
+            </a:extLst>
+          </p:cNvPr>
+          <p:cNvSpPr>
+            <a:spLocks noGrp="1"/>
+          </p:cNvSpPr>
+          <p:nvPr>
+            <p:ph type="sldNum" sz="quarter" idx="12"/>
+          </p:nvPr>
+        </p:nvSpPr>
+        <p:spPr/>
+        <p:txBody>
+          <a:bodyPr/>
+          <a:lstStyle/>
+          <a:p>
+            <a:fld id="{497EDF70-DA2F-4510-BFD3-603BD24B51AB}" type="slidenum">
+              <a:rPr lang="ko-KR" altLang="en-US" smtClean="0"/>
+              <a:t>18</a:t>
+            </a:fld>
+            <a:endParaRPr lang="ko-KR" altLang="en-US"/>
+          </a:p>
+        </p:txBody>
+      </p:sp>
     </p:spTree>
     <p:extLst>
       <p:ext uri="{BB962C8B-B14F-4D97-AF65-F5344CB8AC3E}">
@@ -7780,6 +8394,35 @@
           </a:prstGeom>
         </p:spPr>
       </p:pic>
+      <p:sp>
+        <p:nvSpPr>
+          <p:cNvPr id="6" name="슬라이드 번호 개체 틀 5">
+            <a:extLst>
+              <a:ext uri="{FF2B5EF4-FFF2-40B4-BE49-F238E27FC236}">
+                <a16:creationId xmlns:a16="http://schemas.microsoft.com/office/drawing/2014/main" id="{1F25F1E0-080F-4FE0-AB28-43F69D0FC5AA}"/>
+              </a:ext>
+            </a:extLst>
+          </p:cNvPr>
+          <p:cNvSpPr>
+            <a:spLocks noGrp="1"/>
+          </p:cNvSpPr>
+          <p:nvPr>
+            <p:ph type="sldNum" sz="quarter" idx="12"/>
+          </p:nvPr>
+        </p:nvSpPr>
+        <p:spPr/>
+        <p:txBody>
+          <a:bodyPr/>
+          <a:lstStyle/>
+          <a:p>
+            <a:fld id="{497EDF70-DA2F-4510-BFD3-603BD24B51AB}" type="slidenum">
+              <a:rPr lang="ko-KR" altLang="en-US" smtClean="0"/>
+              <a:t>19</a:t>
+            </a:fld>
+            <a:endParaRPr lang="ko-KR" altLang="en-US"/>
+          </a:p>
+        </p:txBody>
+      </p:sp>
     </p:spTree>
     <p:extLst>
       <p:ext uri="{BB962C8B-B14F-4D97-AF65-F5344CB8AC3E}">
@@ -7857,6 +8500,35 @@
           </a:extLst>
         </p:spPr>
       </p:pic>
+      <p:sp>
+        <p:nvSpPr>
+          <p:cNvPr id="2" name="슬라이드 번호 개체 틀 1">
+            <a:extLst>
+              <a:ext uri="{FF2B5EF4-FFF2-40B4-BE49-F238E27FC236}">
+                <a16:creationId xmlns:a16="http://schemas.microsoft.com/office/drawing/2014/main" id="{72E37741-E9E0-421E-9123-238B6F270749}"/>
+              </a:ext>
+            </a:extLst>
+          </p:cNvPr>
+          <p:cNvSpPr>
+            <a:spLocks noGrp="1"/>
+          </p:cNvSpPr>
+          <p:nvPr>
+            <p:ph type="sldNum" sz="quarter" idx="12"/>
+          </p:nvPr>
+        </p:nvSpPr>
+        <p:spPr/>
+        <p:txBody>
+          <a:bodyPr/>
+          <a:lstStyle/>
+          <a:p>
+            <a:fld id="{497EDF70-DA2F-4510-BFD3-603BD24B51AB}" type="slidenum">
+              <a:rPr lang="ko-KR" altLang="en-US" smtClean="0"/>
+              <a:t>2</a:t>
+            </a:fld>
+            <a:endParaRPr lang="ko-KR" altLang="en-US" dirty="0"/>
+          </a:p>
+        </p:txBody>
+      </p:sp>
     </p:spTree>
     <p:extLst>
       <p:ext uri="{BB962C8B-B14F-4D97-AF65-F5344CB8AC3E}">
@@ -7939,7 +8611,7 @@
             <p:ph idx="1"/>
             <p:extLst>
               <p:ext uri="{D42A27DB-BD31-4B8C-83A1-F6EECF244321}">
-                <p14:modId xmlns:p14="http://schemas.microsoft.com/office/powerpoint/2010/main" val="2091730564"/>
+                <p14:modId xmlns:p14="http://schemas.microsoft.com/office/powerpoint/2010/main" val="868734441"/>
               </p:ext>
             </p:extLst>
           </p:nvPr>
@@ -8217,7 +8889,7 @@
                       <a:pPr algn="ctr" latinLnBrk="1"/>
                       <a:r>
                         <a:rPr lang="ko-KR" altLang="en-US" sz="1400" dirty="0"/>
-                        <a:t>하</a:t>
+                        <a:t>중</a:t>
                       </a:r>
                     </a:p>
                   </a:txBody>
@@ -10256,6 +10928,35 @@
           </a:graphicData>
         </a:graphic>
       </p:graphicFrame>
+      <p:sp>
+        <p:nvSpPr>
+          <p:cNvPr id="3" name="슬라이드 번호 개체 틀 2">
+            <a:extLst>
+              <a:ext uri="{FF2B5EF4-FFF2-40B4-BE49-F238E27FC236}">
+                <a16:creationId xmlns:a16="http://schemas.microsoft.com/office/drawing/2014/main" id="{D2D111F7-4BE9-462A-9511-5B3E0119440B}"/>
+              </a:ext>
+            </a:extLst>
+          </p:cNvPr>
+          <p:cNvSpPr>
+            <a:spLocks noGrp="1"/>
+          </p:cNvSpPr>
+          <p:nvPr>
+            <p:ph type="sldNum" sz="quarter" idx="12"/>
+          </p:nvPr>
+        </p:nvSpPr>
+        <p:spPr/>
+        <p:txBody>
+          <a:bodyPr/>
+          <a:lstStyle/>
+          <a:p>
+            <a:fld id="{497EDF70-DA2F-4510-BFD3-603BD24B51AB}" type="slidenum">
+              <a:rPr lang="ko-KR" altLang="en-US" smtClean="0"/>
+              <a:t>20</a:t>
+            </a:fld>
+            <a:endParaRPr lang="ko-KR" altLang="en-US"/>
+          </a:p>
+        </p:txBody>
+      </p:sp>
     </p:spTree>
     <p:extLst>
       <p:ext uri="{BB962C8B-B14F-4D97-AF65-F5344CB8AC3E}">
@@ -10743,6 +11444,35 @@
               <a:rPr lang="ko-KR" altLang="en-US" dirty="0"/>
               <a:t>배경</a:t>
             </a:r>
+          </a:p>
+        </p:txBody>
+      </p:sp>
+      <p:sp>
+        <p:nvSpPr>
+          <p:cNvPr id="5" name="슬라이드 번호 개체 틀 4">
+            <a:extLst>
+              <a:ext uri="{FF2B5EF4-FFF2-40B4-BE49-F238E27FC236}">
+                <a16:creationId xmlns:a16="http://schemas.microsoft.com/office/drawing/2014/main" id="{65CD5B55-3AE8-4B16-9DAE-0703E76F23BF}"/>
+              </a:ext>
+            </a:extLst>
+          </p:cNvPr>
+          <p:cNvSpPr>
+            <a:spLocks noGrp="1"/>
+          </p:cNvSpPr>
+          <p:nvPr>
+            <p:ph type="sldNum" sz="quarter" idx="12"/>
+          </p:nvPr>
+        </p:nvSpPr>
+        <p:spPr/>
+        <p:txBody>
+          <a:bodyPr/>
+          <a:lstStyle/>
+          <a:p>
+            <a:fld id="{497EDF70-DA2F-4510-BFD3-603BD24B51AB}" type="slidenum">
+              <a:rPr lang="ko-KR" altLang="en-US" smtClean="0"/>
+              <a:t>3</a:t>
+            </a:fld>
+            <a:endParaRPr lang="ko-KR" altLang="en-US"/>
           </a:p>
         </p:txBody>
       </p:sp>
@@ -11937,6 +12667,35 @@
           </a:extLst>
         </p:spPr>
       </p:pic>
+      <p:sp>
+        <p:nvSpPr>
+          <p:cNvPr id="4" name="슬라이드 번호 개체 틀 3">
+            <a:extLst>
+              <a:ext uri="{FF2B5EF4-FFF2-40B4-BE49-F238E27FC236}">
+                <a16:creationId xmlns:a16="http://schemas.microsoft.com/office/drawing/2014/main" id="{1EE5A76C-3B4D-4F57-BDCC-E2C02CF57A7E}"/>
+              </a:ext>
+            </a:extLst>
+          </p:cNvPr>
+          <p:cNvSpPr>
+            <a:spLocks noGrp="1"/>
+          </p:cNvSpPr>
+          <p:nvPr>
+            <p:ph type="sldNum" sz="quarter" idx="12"/>
+          </p:nvPr>
+        </p:nvSpPr>
+        <p:spPr/>
+        <p:txBody>
+          <a:bodyPr/>
+          <a:lstStyle/>
+          <a:p>
+            <a:fld id="{497EDF70-DA2F-4510-BFD3-603BD24B51AB}" type="slidenum">
+              <a:rPr lang="ko-KR" altLang="en-US" smtClean="0"/>
+              <a:t>4</a:t>
+            </a:fld>
+            <a:endParaRPr lang="ko-KR" altLang="en-US"/>
+          </a:p>
+        </p:txBody>
+      </p:sp>
     </p:spTree>
     <p:extLst>
       <p:ext uri="{BB962C8B-B14F-4D97-AF65-F5344CB8AC3E}">
@@ -12274,7 +13033,7 @@
         <p:spPr>
           <a:xfrm>
             <a:off x="601797" y="4921805"/>
-            <a:ext cx="11068050" cy="1285288"/>
+            <a:ext cx="11068050" cy="1484124"/>
           </a:xfrm>
           <a:prstGeom prst="rect">
             <a:avLst/>
@@ -12293,18 +13052,18 @@
               </a:lnSpc>
             </a:pPr>
             <a:r>
-              <a:rPr lang="ko-KR" altLang="en-US" dirty="0"/>
+              <a:rPr lang="ko-KR" altLang="en-US" sz="2100" dirty="0"/>
               <a:t>기존 어플과 다른 </a:t>
             </a:r>
             <a:r>
-              <a:rPr lang="ko-KR" altLang="en-US" dirty="0" err="1"/>
+              <a:rPr lang="ko-KR" altLang="en-US" sz="2100" dirty="0" err="1"/>
               <a:t>차별점</a:t>
             </a:r>
             <a:r>
-              <a:rPr lang="ko-KR" altLang="en-US" dirty="0"/>
+              <a:rPr lang="ko-KR" altLang="en-US" sz="2100" dirty="0"/>
               <a:t> </a:t>
             </a:r>
-            <a:endParaRPr lang="en-US" altLang="ko-KR" dirty="0"/>
+            <a:endParaRPr lang="en-US" altLang="ko-KR" sz="2100" dirty="0"/>
           </a:p>
           <a:p>
             <a:pPr marL="742950" lvl="1" indent="-285750">
@@ -12315,11 +13074,11 @@
               <a:buChar char="§"/>
             </a:pPr>
             <a:r>
-              <a:rPr lang="ko-KR" altLang="en-US" dirty="0"/>
+              <a:rPr lang="ko-KR" altLang="en-US" sz="2100" dirty="0"/>
               <a:t>유튜브처럼 장면마다의 감상을 남기고 내용에 대한 활발한 의견을 나눌 수 있다</a:t>
             </a:r>
             <a:r>
-              <a:rPr lang="en-US" altLang="ko-KR" dirty="0"/>
+              <a:rPr lang="en-US" altLang="ko-KR" sz="2100" dirty="0"/>
               <a:t>.</a:t>
             </a:r>
           </a:p>
@@ -12332,7 +13091,7 @@
               <a:buChar char="§"/>
             </a:pPr>
             <a:r>
-              <a:rPr lang="ko-KR" altLang="en-US" dirty="0"/>
+              <a:rPr lang="ko-KR" altLang="en-US" sz="2100" dirty="0"/>
               <a:t>혼자 하는 독서가 아닌 같이 하는 독서에 중점을 둔 어플</a:t>
             </a:r>
           </a:p>
@@ -12608,6 +13367,35 @@
           </a:prstGeom>
         </p:spPr>
       </p:pic>
+      <p:sp>
+        <p:nvSpPr>
+          <p:cNvPr id="3" name="슬라이드 번호 개체 틀 2">
+            <a:extLst>
+              <a:ext uri="{FF2B5EF4-FFF2-40B4-BE49-F238E27FC236}">
+                <a16:creationId xmlns:a16="http://schemas.microsoft.com/office/drawing/2014/main" id="{C17AA043-D54F-4BED-8B7E-39912F777550}"/>
+              </a:ext>
+            </a:extLst>
+          </p:cNvPr>
+          <p:cNvSpPr>
+            <a:spLocks noGrp="1"/>
+          </p:cNvSpPr>
+          <p:nvPr>
+            <p:ph type="sldNum" sz="quarter" idx="12"/>
+          </p:nvPr>
+        </p:nvSpPr>
+        <p:spPr/>
+        <p:txBody>
+          <a:bodyPr/>
+          <a:lstStyle/>
+          <a:p>
+            <a:fld id="{497EDF70-DA2F-4510-BFD3-603BD24B51AB}" type="slidenum">
+              <a:rPr lang="ko-KR" altLang="en-US" smtClean="0"/>
+              <a:t>5</a:t>
+            </a:fld>
+            <a:endParaRPr lang="ko-KR" altLang="en-US"/>
+          </a:p>
+        </p:txBody>
+      </p:sp>
     </p:spTree>
     <p:extLst>
       <p:ext uri="{BB962C8B-B14F-4D97-AF65-F5344CB8AC3E}">
@@ -13673,6 +14461,35 @@
           </a:p>
         </p:txBody>
       </p:sp>
+      <p:sp>
+        <p:nvSpPr>
+          <p:cNvPr id="3" name="슬라이드 번호 개체 틀 2">
+            <a:extLst>
+              <a:ext uri="{FF2B5EF4-FFF2-40B4-BE49-F238E27FC236}">
+                <a16:creationId xmlns:a16="http://schemas.microsoft.com/office/drawing/2014/main" id="{A83B4546-2063-4E74-8F77-032164AF91E3}"/>
+              </a:ext>
+            </a:extLst>
+          </p:cNvPr>
+          <p:cNvSpPr>
+            <a:spLocks noGrp="1"/>
+          </p:cNvSpPr>
+          <p:nvPr>
+            <p:ph type="sldNum" sz="quarter" idx="12"/>
+          </p:nvPr>
+        </p:nvSpPr>
+        <p:spPr/>
+        <p:txBody>
+          <a:bodyPr/>
+          <a:lstStyle/>
+          <a:p>
+            <a:fld id="{497EDF70-DA2F-4510-BFD3-603BD24B51AB}" type="slidenum">
+              <a:rPr lang="ko-KR" altLang="en-US" smtClean="0"/>
+              <a:t>6</a:t>
+            </a:fld>
+            <a:endParaRPr lang="ko-KR" altLang="en-US"/>
+          </a:p>
+        </p:txBody>
+      </p:sp>
     </p:spTree>
     <p:extLst>
       <p:ext uri="{BB962C8B-B14F-4D97-AF65-F5344CB8AC3E}">
@@ -14019,6 +14836,35 @@
           </a:p>
         </p:txBody>
       </p:sp>
+      <p:sp>
+        <p:nvSpPr>
+          <p:cNvPr id="3" name="슬라이드 번호 개체 틀 2">
+            <a:extLst>
+              <a:ext uri="{FF2B5EF4-FFF2-40B4-BE49-F238E27FC236}">
+                <a16:creationId xmlns:a16="http://schemas.microsoft.com/office/drawing/2014/main" id="{5E6622BC-43ED-4DDC-9A7F-7DA14C07D1C2}"/>
+              </a:ext>
+            </a:extLst>
+          </p:cNvPr>
+          <p:cNvSpPr>
+            <a:spLocks noGrp="1"/>
+          </p:cNvSpPr>
+          <p:nvPr>
+            <p:ph type="sldNum" sz="quarter" idx="12"/>
+          </p:nvPr>
+        </p:nvSpPr>
+        <p:spPr/>
+        <p:txBody>
+          <a:bodyPr/>
+          <a:lstStyle/>
+          <a:p>
+            <a:fld id="{497EDF70-DA2F-4510-BFD3-603BD24B51AB}" type="slidenum">
+              <a:rPr lang="ko-KR" altLang="en-US" smtClean="0"/>
+              <a:t>7</a:t>
+            </a:fld>
+            <a:endParaRPr lang="ko-KR" altLang="en-US"/>
+          </a:p>
+        </p:txBody>
+      </p:sp>
     </p:spTree>
     <p:extLst>
       <p:ext uri="{BB962C8B-B14F-4D97-AF65-F5344CB8AC3E}">
@@ -14455,6 +15301,35 @@
           </a:p>
         </p:txBody>
       </p:sp>
+      <p:sp>
+        <p:nvSpPr>
+          <p:cNvPr id="3" name="슬라이드 번호 개체 틀 2">
+            <a:extLst>
+              <a:ext uri="{FF2B5EF4-FFF2-40B4-BE49-F238E27FC236}">
+                <a16:creationId xmlns:a16="http://schemas.microsoft.com/office/drawing/2014/main" id="{AE533411-0114-4D5B-A3CA-B7BDF7714F90}"/>
+              </a:ext>
+            </a:extLst>
+          </p:cNvPr>
+          <p:cNvSpPr>
+            <a:spLocks noGrp="1"/>
+          </p:cNvSpPr>
+          <p:nvPr>
+            <p:ph type="sldNum" sz="quarter" idx="12"/>
+          </p:nvPr>
+        </p:nvSpPr>
+        <p:spPr/>
+        <p:txBody>
+          <a:bodyPr/>
+          <a:lstStyle/>
+          <a:p>
+            <a:fld id="{497EDF70-DA2F-4510-BFD3-603BD24B51AB}" type="slidenum">
+              <a:rPr lang="ko-KR" altLang="en-US" smtClean="0"/>
+              <a:t>8</a:t>
+            </a:fld>
+            <a:endParaRPr lang="ko-KR" altLang="en-US"/>
+          </a:p>
+        </p:txBody>
+      </p:sp>
     </p:spTree>
     <p:extLst>
       <p:ext uri="{BB962C8B-B14F-4D97-AF65-F5344CB8AC3E}">
@@ -14962,6 +15837,35 @@
               </a:rPr>
               <a:t>⑥</a:t>
             </a:r>
+          </a:p>
+        </p:txBody>
+      </p:sp>
+      <p:sp>
+        <p:nvSpPr>
+          <p:cNvPr id="3" name="슬라이드 번호 개체 틀 2">
+            <a:extLst>
+              <a:ext uri="{FF2B5EF4-FFF2-40B4-BE49-F238E27FC236}">
+                <a16:creationId xmlns:a16="http://schemas.microsoft.com/office/drawing/2014/main" id="{ECD5DF01-E274-4DCA-90DD-6EDBC477DEE3}"/>
+              </a:ext>
+            </a:extLst>
+          </p:cNvPr>
+          <p:cNvSpPr>
+            <a:spLocks noGrp="1"/>
+          </p:cNvSpPr>
+          <p:nvPr>
+            <p:ph type="sldNum" sz="quarter" idx="12"/>
+          </p:nvPr>
+        </p:nvSpPr>
+        <p:spPr/>
+        <p:txBody>
+          <a:bodyPr/>
+          <a:lstStyle/>
+          <a:p>
+            <a:fld id="{497EDF70-DA2F-4510-BFD3-603BD24B51AB}" type="slidenum">
+              <a:rPr lang="ko-KR" altLang="en-US" smtClean="0"/>
+              <a:t>9</a:t>
+            </a:fld>
+            <a:endParaRPr lang="ko-KR" altLang="en-US"/>
           </a:p>
         </p:txBody>
       </p:sp>
@@ -15271,4 +16175,299 @@
     </a:ext>
   </a:extLst>
 </a:theme>
+</file>
+
+<file path=ppt/theme/theme2.xml><?xml version="1.0" encoding="utf-8"?>
+<a:theme xmlns:a="http://schemas.openxmlformats.org/drawingml/2006/main" name="Office 테마">
+  <a:themeElements>
+    <a:clrScheme name="Office">
+      <a:dk1>
+        <a:sysClr val="windowText" lastClr="000000"/>
+      </a:dk1>
+      <a:lt1>
+        <a:sysClr val="window" lastClr="FFFFFF"/>
+      </a:lt1>
+      <a:dk2>
+        <a:srgbClr val="44546A"/>
+      </a:dk2>
+      <a:lt2>
+        <a:srgbClr val="E7E6E6"/>
+      </a:lt2>
+      <a:accent1>
+        <a:srgbClr val="4472C4"/>
+      </a:accent1>
+      <a:accent2>
+        <a:srgbClr val="ED7D31"/>
+      </a:accent2>
+      <a:accent3>
+        <a:srgbClr val="A5A5A5"/>
+      </a:accent3>
+      <a:accent4>
+        <a:srgbClr val="FFC000"/>
+      </a:accent4>
+      <a:accent5>
+        <a:srgbClr val="5B9BD5"/>
+      </a:accent5>
+      <a:accent6>
+        <a:srgbClr val="70AD47"/>
+      </a:accent6>
+      <a:hlink>
+        <a:srgbClr val="0563C1"/>
+      </a:hlink>
+      <a:folHlink>
+        <a:srgbClr val="954F72"/>
+      </a:folHlink>
+    </a:clrScheme>
+    <a:fontScheme name="Office">
+      <a:majorFont>
+        <a:latin typeface="맑은 고딕" panose="020F0302020204030204"/>
+        <a:ea typeface=""/>
+        <a:cs typeface=""/>
+        <a:font script="Jpan" typeface="游ゴシック Light"/>
+        <a:font script="Hang" typeface="맑은 고딕"/>
+        <a:font script="Hans" typeface="等线 Light"/>
+        <a:font script="Hant" typeface="新細明體"/>
+        <a:font script="Arab" typeface="Times New Roman"/>
+        <a:font script="Hebr" typeface="Times New Roman"/>
+        <a:font script="Thai" typeface="Angsana New"/>
+        <a:font script="Ethi" typeface="Nyala"/>
+        <a:font script="Beng" typeface="Vrinda"/>
+        <a:font script="Gujr" typeface="Shruti"/>
+        <a:font script="Khmr" typeface="MoolBoran"/>
+        <a:font script="Knda" typeface="Tunga"/>
+        <a:font script="Guru" typeface="Raavi"/>
+        <a:font script="Cans" typeface="Euphemia"/>
+        <a:font script="Cher" typeface="Plantagenet Cherokee"/>
+        <a:font script="Yiii" typeface="Microsoft Yi Baiti"/>
+        <a:font script="Tibt" typeface="Microsoft Himalaya"/>
+        <a:font script="Thaa" typeface="MV Boli"/>
+        <a:font script="Deva" typeface="Mangal"/>
+        <a:font script="Telu" typeface="Gautami"/>
+        <a:font script="Taml" typeface="Latha"/>
+        <a:font script="Syrc" typeface="Estrangelo Edessa"/>
+        <a:font script="Orya" typeface="Kalinga"/>
+        <a:font script="Mlym" typeface="Kartika"/>
+        <a:font script="Laoo" typeface="DokChampa"/>
+        <a:font script="Sinh" typeface="Iskoola Pota"/>
+        <a:font script="Mong" typeface="Mongolian Baiti"/>
+        <a:font script="Viet" typeface="Times New Roman"/>
+        <a:font script="Uigh" typeface="Microsoft Uighur"/>
+        <a:font script="Geor" typeface="Sylfaen"/>
+        <a:font script="Armn" typeface="Arial"/>
+        <a:font script="Bugi" typeface="Leelawadee UI"/>
+        <a:font script="Bopo" typeface="Microsoft JhengHei"/>
+        <a:font script="Java" typeface="Javanese Text"/>
+        <a:font script="Lisu" typeface="Segoe UI"/>
+        <a:font script="Mymr" typeface="Myanmar Text"/>
+        <a:font script="Nkoo" typeface="Ebrima"/>
+        <a:font script="Olck" typeface="Nirmala UI"/>
+        <a:font script="Osma" typeface="Ebrima"/>
+        <a:font script="Phag" typeface="Phagspa"/>
+        <a:font script="Syrn" typeface="Estrangelo Edessa"/>
+        <a:font script="Syrj" typeface="Estrangelo Edessa"/>
+        <a:font script="Syre" typeface="Estrangelo Edessa"/>
+        <a:font script="Sora" typeface="Nirmala UI"/>
+        <a:font script="Tale" typeface="Microsoft Tai Le"/>
+        <a:font script="Talu" typeface="Microsoft New Tai Lue"/>
+        <a:font script="Tfng" typeface="Ebrima"/>
+      </a:majorFont>
+      <a:minorFont>
+        <a:latin typeface="맑은 고딕" panose="020F0502020204030204"/>
+        <a:ea typeface=""/>
+        <a:cs typeface=""/>
+        <a:font script="Jpan" typeface="游ゴシック"/>
+        <a:font script="Hang" typeface="맑은 고딕"/>
+        <a:font script="Hans" typeface="等线"/>
+        <a:font script="Hant" typeface="新細明體"/>
+        <a:font script="Arab" typeface="Arial"/>
+        <a:font script="Hebr" typeface="Arial"/>
+        <a:font script="Thai" typeface="Cordia New"/>
+        <a:font script="Ethi" typeface="Nyala"/>
+        <a:font script="Beng" typeface="Vrinda"/>
+        <a:font script="Gujr" typeface="Shruti"/>
+        <a:font script="Khmr" typeface="DaunPenh"/>
+        <a:font script="Knda" typeface="Tunga"/>
+        <a:font script="Guru" typeface="Raavi"/>
+        <a:font script="Cans" typeface="Euphemia"/>
+        <a:font script="Cher" typeface="Plantagenet Cherokee"/>
+        <a:font script="Yiii" typeface="Microsoft Yi Baiti"/>
+        <a:font script="Tibt" typeface="Microsoft Himalaya"/>
+        <a:font script="Thaa" typeface="MV Boli"/>
+        <a:font script="Deva" typeface="Mangal"/>
+        <a:font script="Telu" typeface="Gautami"/>
+        <a:font script="Taml" typeface="Latha"/>
+        <a:font script="Syrc" typeface="Estrangelo Edessa"/>
+        <a:font script="Orya" typeface="Kalinga"/>
+        <a:font script="Mlym" typeface="Kartika"/>
+        <a:font script="Laoo" typeface="DokChampa"/>
+        <a:font script="Sinh" typeface="Iskoola Pota"/>
+        <a:font script="Mong" typeface="Mongolian Baiti"/>
+        <a:font script="Viet" typeface="Arial"/>
+        <a:font script="Uigh" typeface="Microsoft Uighur"/>
+        <a:font script="Geor" typeface="Sylfaen"/>
+        <a:font script="Armn" typeface="Arial"/>
+        <a:font script="Bugi" typeface="Leelawadee UI"/>
+        <a:font script="Bopo" typeface="Microsoft JhengHei"/>
+        <a:font script="Java" typeface="Javanese Text"/>
+        <a:font script="Lisu" typeface="Segoe UI"/>
+        <a:font script="Mymr" typeface="Myanmar Text"/>
+        <a:font script="Nkoo" typeface="Ebrima"/>
+        <a:font script="Olck" typeface="Nirmala UI"/>
+        <a:font script="Osma" typeface="Ebrima"/>
+        <a:font script="Phag" typeface="Phagspa"/>
+        <a:font script="Syrn" typeface="Estrangelo Edessa"/>
+        <a:font script="Syrj" typeface="Estrangelo Edessa"/>
+        <a:font script="Syre" typeface="Estrangelo Edessa"/>
+        <a:font script="Sora" typeface="Nirmala UI"/>
+        <a:font script="Tale" typeface="Microsoft Tai Le"/>
+        <a:font script="Talu" typeface="Microsoft New Tai Lue"/>
+        <a:font script="Tfng" typeface="Ebrima"/>
+      </a:minorFont>
+    </a:fontScheme>
+    <a:fmtScheme name="Office">
+      <a:fillStyleLst>
+        <a:solidFill>
+          <a:schemeClr val="phClr"/>
+        </a:solidFill>
+        <a:gradFill rotWithShape="1">
+          <a:gsLst>
+            <a:gs pos="0">
+              <a:schemeClr val="phClr">
+                <a:lumMod val="110000"/>
+                <a:satMod val="105000"/>
+                <a:tint val="67000"/>
+              </a:schemeClr>
+            </a:gs>
+            <a:gs pos="50000">
+              <a:schemeClr val="phClr">
+                <a:lumMod val="105000"/>
+                <a:satMod val="103000"/>
+                <a:tint val="73000"/>
+              </a:schemeClr>
+            </a:gs>
+            <a:gs pos="100000">
+              <a:schemeClr val="phClr">
+                <a:lumMod val="105000"/>
+                <a:satMod val="109000"/>
+                <a:tint val="81000"/>
+              </a:schemeClr>
+            </a:gs>
+          </a:gsLst>
+          <a:lin ang="5400000" scaled="0"/>
+        </a:gradFill>
+        <a:gradFill rotWithShape="1">
+          <a:gsLst>
+            <a:gs pos="0">
+              <a:schemeClr val="phClr">
+                <a:satMod val="103000"/>
+                <a:lumMod val="102000"/>
+                <a:tint val="94000"/>
+              </a:schemeClr>
+            </a:gs>
+            <a:gs pos="50000">
+              <a:schemeClr val="phClr">
+                <a:satMod val="110000"/>
+                <a:lumMod val="100000"/>
+                <a:shade val="100000"/>
+              </a:schemeClr>
+            </a:gs>
+            <a:gs pos="100000">
+              <a:schemeClr val="phClr">
+                <a:lumMod val="99000"/>
+                <a:satMod val="120000"/>
+                <a:shade val="78000"/>
+              </a:schemeClr>
+            </a:gs>
+          </a:gsLst>
+          <a:lin ang="5400000" scaled="0"/>
+        </a:gradFill>
+      </a:fillStyleLst>
+      <a:lnStyleLst>
+        <a:ln w="6350" cap="flat" cmpd="sng" algn="ctr">
+          <a:solidFill>
+            <a:schemeClr val="phClr"/>
+          </a:solidFill>
+          <a:prstDash val="solid"/>
+          <a:miter lim="800000"/>
+        </a:ln>
+        <a:ln w="12700" cap="flat" cmpd="sng" algn="ctr">
+          <a:solidFill>
+            <a:schemeClr val="phClr"/>
+          </a:solidFill>
+          <a:prstDash val="solid"/>
+          <a:miter lim="800000"/>
+        </a:ln>
+        <a:ln w="19050" cap="flat" cmpd="sng" algn="ctr">
+          <a:solidFill>
+            <a:schemeClr val="phClr"/>
+          </a:solidFill>
+          <a:prstDash val="solid"/>
+          <a:miter lim="800000"/>
+        </a:ln>
+      </a:lnStyleLst>
+      <a:effectStyleLst>
+        <a:effectStyle>
+          <a:effectLst/>
+        </a:effectStyle>
+        <a:effectStyle>
+          <a:effectLst/>
+        </a:effectStyle>
+        <a:effectStyle>
+          <a:effectLst>
+            <a:outerShdw blurRad="57150" dist="19050" dir="5400000" algn="ctr" rotWithShape="0">
+              <a:srgbClr val="000000">
+                <a:alpha val="63000"/>
+              </a:srgbClr>
+            </a:outerShdw>
+          </a:effectLst>
+        </a:effectStyle>
+      </a:effectStyleLst>
+      <a:bgFillStyleLst>
+        <a:solidFill>
+          <a:schemeClr val="phClr"/>
+        </a:solidFill>
+        <a:solidFill>
+          <a:schemeClr val="phClr">
+            <a:tint val="95000"/>
+            <a:satMod val="170000"/>
+          </a:schemeClr>
+        </a:solidFill>
+        <a:gradFill rotWithShape="1">
+          <a:gsLst>
+            <a:gs pos="0">
+              <a:schemeClr val="phClr">
+                <a:tint val="93000"/>
+                <a:satMod val="150000"/>
+                <a:shade val="98000"/>
+                <a:lumMod val="102000"/>
+              </a:schemeClr>
+            </a:gs>
+            <a:gs pos="50000">
+              <a:schemeClr val="phClr">
+                <a:tint val="98000"/>
+                <a:satMod val="130000"/>
+                <a:shade val="90000"/>
+                <a:lumMod val="103000"/>
+              </a:schemeClr>
+            </a:gs>
+            <a:gs pos="100000">
+              <a:schemeClr val="phClr">
+                <a:shade val="63000"/>
+                <a:satMod val="120000"/>
+              </a:schemeClr>
+            </a:gs>
+          </a:gsLst>
+          <a:lin ang="5400000" scaled="0"/>
+        </a:gradFill>
+      </a:bgFillStyleLst>
+    </a:fmtScheme>
+  </a:themeElements>
+  <a:objectDefaults/>
+  <a:extraClrSchemeLst/>
+  <a:extLst>
+    <a:ext uri="{05A4C25C-085E-4340-85A3-A5531E510DB2}">
+      <thm15:themeFamily xmlns:thm15="http://schemas.microsoft.com/office/thememl/2012/main" name="Office Theme" id="{62F939B6-93AF-4DB8-9C6B-D6C7DFDC589F}" vid="{4A3C46E8-61CC-4603-A589-7422A47A8E4A}"/>
+    </a:ext>
+  </a:extLst>
+</a:theme>
 </file>